--- a/doc/Image Presentation.pptx
+++ b/doc/Image Presentation.pptx
@@ -109,6 +109,322 @@
     </a:lvl9pPr>
   </p:defaultTextStyle>
 </p:presentation>
+</file>
+
+<file path=ppt/charts/chart1.xml><?xml version="1.0" encoding="utf-8"?>
+<c:chartSpace xmlns:c="http://schemas.openxmlformats.org/drawingml/2006/chart" xmlns:a="http://schemas.openxmlformats.org/drawingml/2006/main" xmlns:r="http://schemas.openxmlformats.org/officeDocument/2006/relationships">
+  <c:date1904 val="0"/>
+  <c:lang val="en-US"/>
+  <c:roundedCorners val="0"/>
+  <mc:AlternateContent xmlns:mc="http://schemas.openxmlformats.org/markup-compatibility/2006">
+    <mc:Choice xmlns:c14="http://schemas.microsoft.com/office/drawing/2007/8/2/chart" Requires="c14">
+      <c14:style val="118"/>
+    </mc:Choice>
+    <mc:Fallback>
+      <c:style val="18"/>
+    </mc:Fallback>
+  </mc:AlternateContent>
+  <c:chart>
+    <c:title>
+      <c:tx>
+        <c:rich>
+          <a:bodyPr/>
+          <a:lstStyle/>
+          <a:p>
+            <a:pPr>
+              <a:defRPr/>
+            </a:pPr>
+            <a:r>
+              <a:rPr lang="en-US"/>
+              <a:t>CV error</a:t>
+            </a:r>
+            <a:r>
+              <a:rPr lang="en-US" baseline="0"/>
+              <a:t> vs Cost</a:t>
+            </a:r>
+            <a:endParaRPr lang="en-US"/>
+          </a:p>
+        </c:rich>
+      </c:tx>
+      <c:layout/>
+      <c:overlay val="0"/>
+    </c:title>
+    <c:autoTitleDeleted val="0"/>
+    <c:plotArea>
+      <c:layout/>
+      <c:lineChart>
+        <c:grouping val="standard"/>
+        <c:varyColors val="0"/>
+        <c:ser>
+          <c:idx val="0"/>
+          <c:order val="0"/>
+          <c:tx>
+            <c:v>CV Error v Cost</c:v>
+          </c:tx>
+          <c:marker>
+            <c:symbol val="none"/>
+          </c:marker>
+          <c:cat>
+            <c:numRef>
+              <c:f>Sheet2!$A$2:$A$11</c:f>
+              <c:numCache>
+                <c:formatCode>General</c:formatCode>
+                <c:ptCount val="10"/>
+                <c:pt idx="0">
+                  <c:v>0.001</c:v>
+                </c:pt>
+                <c:pt idx="1">
+                  <c:v>0.005</c:v>
+                </c:pt>
+                <c:pt idx="2">
+                  <c:v>0.01</c:v>
+                </c:pt>
+                <c:pt idx="3">
+                  <c:v>0.05</c:v>
+                </c:pt>
+                <c:pt idx="4">
+                  <c:v>0.1</c:v>
+                </c:pt>
+                <c:pt idx="5">
+                  <c:v>0.5</c:v>
+                </c:pt>
+                <c:pt idx="6">
+                  <c:v>1.0</c:v>
+                </c:pt>
+                <c:pt idx="7">
+                  <c:v>5.0</c:v>
+                </c:pt>
+                <c:pt idx="8">
+                  <c:v>10.0</c:v>
+                </c:pt>
+                <c:pt idx="9">
+                  <c:v>50.0</c:v>
+                </c:pt>
+              </c:numCache>
+            </c:numRef>
+          </c:cat>
+          <c:val>
+            <c:numRef>
+              <c:f>Sheet2!$B$2:$B$11</c:f>
+              <c:numCache>
+                <c:formatCode>General</c:formatCode>
+                <c:ptCount val="10"/>
+                <c:pt idx="0">
+                  <c:v>47.4</c:v>
+                </c:pt>
+                <c:pt idx="1">
+                  <c:v>51.9</c:v>
+                </c:pt>
+                <c:pt idx="2">
+                  <c:v>51.1</c:v>
+                </c:pt>
+                <c:pt idx="3">
+                  <c:v>34.6</c:v>
+                </c:pt>
+                <c:pt idx="4">
+                  <c:v>28.1</c:v>
+                </c:pt>
+                <c:pt idx="5">
+                  <c:v>24.4</c:v>
+                </c:pt>
+                <c:pt idx="6">
+                  <c:v>22.7</c:v>
+                </c:pt>
+                <c:pt idx="7">
+                  <c:v>19.0</c:v>
+                </c:pt>
+                <c:pt idx="8">
+                  <c:v>18.7</c:v>
+                </c:pt>
+                <c:pt idx="9">
+                  <c:v>19.6</c:v>
+                </c:pt>
+              </c:numCache>
+            </c:numRef>
+          </c:val>
+          <c:smooth val="0"/>
+        </c:ser>
+        <c:ser>
+          <c:idx val="1"/>
+          <c:order val="1"/>
+          <c:tx>
+            <c:strRef>
+              <c:f>Sheet2!$B$1</c:f>
+              <c:strCache>
+                <c:ptCount val="1"/>
+                <c:pt idx="0">
+                  <c:v>CV error</c:v>
+                </c:pt>
+              </c:strCache>
+            </c:strRef>
+          </c:tx>
+          <c:marker>
+            <c:symbol val="none"/>
+          </c:marker>
+          <c:cat>
+            <c:numRef>
+              <c:f>Sheet2!$A$2:$A$11</c:f>
+              <c:numCache>
+                <c:formatCode>General</c:formatCode>
+                <c:ptCount val="10"/>
+                <c:pt idx="0">
+                  <c:v>0.001</c:v>
+                </c:pt>
+                <c:pt idx="1">
+                  <c:v>0.005</c:v>
+                </c:pt>
+                <c:pt idx="2">
+                  <c:v>0.01</c:v>
+                </c:pt>
+                <c:pt idx="3">
+                  <c:v>0.05</c:v>
+                </c:pt>
+                <c:pt idx="4">
+                  <c:v>0.1</c:v>
+                </c:pt>
+                <c:pt idx="5">
+                  <c:v>0.5</c:v>
+                </c:pt>
+                <c:pt idx="6">
+                  <c:v>1.0</c:v>
+                </c:pt>
+                <c:pt idx="7">
+                  <c:v>5.0</c:v>
+                </c:pt>
+                <c:pt idx="8">
+                  <c:v>10.0</c:v>
+                </c:pt>
+                <c:pt idx="9">
+                  <c:v>50.0</c:v>
+                </c:pt>
+              </c:numCache>
+            </c:numRef>
+          </c:cat>
+          <c:val>
+            <c:numRef>
+              <c:f>Sheet2!$B$2:$B$11</c:f>
+              <c:numCache>
+                <c:formatCode>General</c:formatCode>
+                <c:ptCount val="10"/>
+                <c:pt idx="0">
+                  <c:v>47.4</c:v>
+                </c:pt>
+                <c:pt idx="1">
+                  <c:v>51.9</c:v>
+                </c:pt>
+                <c:pt idx="2">
+                  <c:v>51.1</c:v>
+                </c:pt>
+                <c:pt idx="3">
+                  <c:v>34.6</c:v>
+                </c:pt>
+                <c:pt idx="4">
+                  <c:v>28.1</c:v>
+                </c:pt>
+                <c:pt idx="5">
+                  <c:v>24.4</c:v>
+                </c:pt>
+                <c:pt idx="6">
+                  <c:v>22.7</c:v>
+                </c:pt>
+                <c:pt idx="7">
+                  <c:v>19.0</c:v>
+                </c:pt>
+                <c:pt idx="8">
+                  <c:v>18.7</c:v>
+                </c:pt>
+                <c:pt idx="9">
+                  <c:v>19.6</c:v>
+                </c:pt>
+              </c:numCache>
+            </c:numRef>
+          </c:val>
+          <c:smooth val="0"/>
+        </c:ser>
+        <c:dLbls>
+          <c:showLegendKey val="0"/>
+          <c:showVal val="0"/>
+          <c:showCatName val="0"/>
+          <c:showSerName val="0"/>
+          <c:showPercent val="0"/>
+          <c:showBubbleSize val="0"/>
+        </c:dLbls>
+        <c:marker val="1"/>
+        <c:smooth val="0"/>
+        <c:axId val="-2140451816"/>
+        <c:axId val="-2144769288"/>
+      </c:lineChart>
+      <c:catAx>
+        <c:axId val="-2140451816"/>
+        <c:scaling>
+          <c:orientation val="minMax"/>
+        </c:scaling>
+        <c:delete val="0"/>
+        <c:axPos val="b"/>
+        <c:numFmt formatCode="General" sourceLinked="1"/>
+        <c:majorTickMark val="none"/>
+        <c:minorTickMark val="none"/>
+        <c:tickLblPos val="nextTo"/>
+        <c:crossAx val="-2144769288"/>
+        <c:crosses val="autoZero"/>
+        <c:auto val="1"/>
+        <c:lblAlgn val="ctr"/>
+        <c:lblOffset val="100"/>
+        <c:noMultiLvlLbl val="0"/>
+      </c:catAx>
+      <c:valAx>
+        <c:axId val="-2144769288"/>
+        <c:scaling>
+          <c:orientation val="minMax"/>
+        </c:scaling>
+        <c:delete val="0"/>
+        <c:axPos val="l"/>
+        <c:majorGridlines/>
+        <c:title>
+          <c:tx>
+            <c:rich>
+              <a:bodyPr/>
+              <a:lstStyle/>
+              <a:p>
+                <a:pPr>
+                  <a:defRPr/>
+                </a:pPr>
+                <a:r>
+                  <a:rPr lang="en-US"/>
+                  <a:t>Cost</a:t>
+                </a:r>
+              </a:p>
+            </c:rich>
+          </c:tx>
+          <c:layout/>
+          <c:overlay val="0"/>
+        </c:title>
+        <c:numFmt formatCode="General" sourceLinked="1"/>
+        <c:majorTickMark val="none"/>
+        <c:minorTickMark val="none"/>
+        <c:tickLblPos val="nextTo"/>
+        <c:crossAx val="-2140451816"/>
+        <c:crosses val="autoZero"/>
+        <c:crossBetween val="between"/>
+      </c:valAx>
+    </c:plotArea>
+    <c:legend>
+      <c:legendPos val="r"/>
+      <c:legendEntry>
+        <c:idx val="0"/>
+        <c:delete val="1"/>
+      </c:legendEntry>
+      <c:layout/>
+      <c:overlay val="0"/>
+    </c:legend>
+    <c:plotVisOnly val="1"/>
+    <c:dispBlanksAs val="gap"/>
+    <c:showDLblsOverMax val="0"/>
+  </c:chart>
+  <c:externalData r:id="rId1">
+    <c:autoUpdate val="0"/>
+  </c:externalData>
+</c:chartSpace>
 </file>
 
 <file path=ppt/slideLayouts/slideLayout1.xml><?xml version="1.0" encoding="utf-8"?>
@@ -3145,7 +3461,7 @@
           <a:lstStyle/>
           <a:p>
             <a:r>
-              <a:rPr lang="en-US" smtClean="0"/>
+              <a:rPr lang="en-US" dirty="0" smtClean="0"/>
               <a:t>Pups or Poultry?</a:t>
             </a:r>
             <a:endParaRPr lang="en-US" dirty="0"/>
@@ -7887,8 +8203,12 @@
           <a:p>
             <a:pPr lvl="1"/>
             <a:r>
+              <a:rPr lang="en-US" dirty="0" err="1" smtClean="0"/>
+              <a:t>MiniBatchK</a:t>
+            </a:r>
+            <a:r>
               <a:rPr lang="en-US" dirty="0" smtClean="0"/>
-              <a:t>K-means with 5000 centroids</a:t>
+              <a:t>-means with 5500 centroids</a:t>
             </a:r>
           </a:p>
           <a:p>
@@ -8312,6 +8632,30 @@
           </a:p>
         </p:txBody>
       </p:sp>
+      <p:graphicFrame>
+        <p:nvGraphicFramePr>
+          <p:cNvPr id="4" name="Chart 3"/>
+          <p:cNvGraphicFramePr>
+            <a:graphicFrameLocks/>
+          </p:cNvGraphicFramePr>
+          <p:nvPr>
+            <p:extLst>
+              <p:ext uri="{D42A27DB-BD31-4B8C-83A1-F6EECF244321}">
+                <p14:modId xmlns:p14="http://schemas.microsoft.com/office/powerpoint/2010/main" val="1344402685"/>
+              </p:ext>
+            </p:extLst>
+          </p:nvPr>
+        </p:nvGraphicFramePr>
+        <p:xfrm>
+          <a:off x="622300" y="3848100"/>
+          <a:ext cx="7899400" cy="2781300"/>
+        </p:xfrm>
+        <a:graphic>
+          <a:graphicData uri="http://schemas.openxmlformats.org/drawingml/2006/chart">
+            <c:chart xmlns:c="http://schemas.openxmlformats.org/drawingml/2006/chart" xmlns:r="http://schemas.openxmlformats.org/officeDocument/2006/relationships" r:id="rId2"/>
+          </a:graphicData>
+        </a:graphic>
+      </p:graphicFrame>
     </p:spTree>
     <p:extLst>
       <p:ext uri="{BB962C8B-B14F-4D97-AF65-F5344CB8AC3E}">

--- a/doc/Image Presentation.pptx
+++ b/doc/Image Presentation.pptx
@@ -3583,27 +3583,27 @@
           <p:nvPr>
             <p:extLst>
               <p:ext uri="{D42A27DB-BD31-4B8C-83A1-F6EECF244321}">
-                <p14:modId xmlns:p14="http://schemas.microsoft.com/office/powerpoint/2010/main" val="1278997073"/>
+                <p14:modId xmlns:p14="http://schemas.microsoft.com/office/powerpoint/2010/main" val="1525589812"/>
               </p:ext>
             </p:extLst>
           </p:nvPr>
         </p:nvGraphicFramePr>
         <p:xfrm>
-          <a:off x="457199" y="1754315"/>
-          <a:ext cx="8229599" cy="2651951"/>
+          <a:off x="295276" y="1686752"/>
+          <a:ext cx="8229599" cy="3111531"/>
         </p:xfrm>
         <a:graphic>
           <a:graphicData uri="http://schemas.openxmlformats.org/drawingml/2006/table">
             <a:tbl>
               <a:tblPr/>
               <a:tblGrid>
-                <a:gridCol w="2571749"/>
-                <a:gridCol w="1629547"/>
+                <a:gridCol w="1447801"/>
+                <a:gridCol w="2753495"/>
                 <a:gridCol w="1915297"/>
                 <a:gridCol w="803189"/>
                 <a:gridCol w="1309817"/>
               </a:tblGrid>
-              <a:tr h="207020">
+              <a:tr h="0">
                 <a:tc>
                   <a:txBody>
                     <a:bodyPr/>
@@ -3831,7 +3831,7 @@
                     <a:p>
                       <a:pPr algn="l" fontAlgn="b"/>
                       <a:r>
-                        <a:rPr lang="en-US" sz="1200" b="1" i="0" u="sng" strike="noStrike">
+                        <a:rPr lang="en-US" sz="1200" b="1" i="0" u="sng" strike="noStrike" dirty="0">
                           <a:solidFill>
                             <a:srgbClr val="FFFFFF"/>
                           </a:solidFill>
@@ -3873,23 +3873,13 @@
                   </a:tcPr>
                 </a:tc>
               </a:tr>
-              <a:tr h="400937">
+              <a:tr h="245230">
                 <a:tc>
                   <a:txBody>
                     <a:bodyPr/>
                     <a:lstStyle/>
                     <a:p>
                       <a:pPr algn="l" fontAlgn="b"/>
-                      <a:r>
-                        <a:rPr lang="en-US" sz="1200" b="0" i="0" u="none" strike="noStrike" dirty="0">
-                          <a:solidFill>
-                            <a:srgbClr val="000000"/>
-                          </a:solidFill>
-                          <a:effectLst/>
-                          <a:latin typeface="Calibri"/>
-                        </a:rPr>
-                        <a:t>SIFT (depth = </a:t>
-                      </a:r>
                       <a:r>
                         <a:rPr lang="en-US" sz="1200" b="0" i="0" u="none" strike="noStrike" dirty="0" smtClean="0">
                           <a:solidFill>
@@ -3898,7 +3888,7 @@
                           <a:effectLst/>
                           <a:latin typeface="Calibri"/>
                         </a:rPr>
-                        <a:t>1, trees = 2000)</a:t>
+                        <a:t>SIFT</a:t>
                       </a:r>
                       <a:endParaRPr lang="en-US" sz="1200" b="0" i="0" u="none" strike="noStrike" dirty="0">
                         <a:solidFill>
@@ -3950,17 +3940,53 @@
                     <a:bodyPr/>
                     <a:lstStyle/>
                     <a:p>
-                      <a:pPr algn="l" fontAlgn="b"/>
+                      <a:pPr marL="0" marR="0" indent="0" algn="l" defTabSz="457200" rtl="0" eaLnBrk="1" fontAlgn="b" latinLnBrk="0" hangingPunct="1">
+                        <a:lnSpc>
+                          <a:spcPct val="100000"/>
+                        </a:lnSpc>
+                        <a:spcBef>
+                          <a:spcPts val="0"/>
+                        </a:spcBef>
+                        <a:spcAft>
+                          <a:spcPts val="0"/>
+                        </a:spcAft>
+                        <a:buClrTx/>
+                        <a:buSzTx/>
+                        <a:buFontTx/>
+                        <a:buNone/>
+                        <a:tabLst/>
+                        <a:defRPr/>
+                      </a:pPr>
                       <a:r>
-                        <a:rPr lang="en-US" sz="1200" b="0" i="0" u="none" strike="noStrike" dirty="0">
+                        <a:rPr lang="en-US" sz="1200" b="0" i="0" u="none" strike="noStrike" dirty="0" smtClean="0">
                           <a:solidFill>
                             <a:srgbClr val="000000"/>
                           </a:solidFill>
                           <a:effectLst/>
                           <a:latin typeface="Calibri"/>
                         </a:rPr>
-                        <a:t>GBM</a:t>
+                        <a:t>GBM </a:t>
                       </a:r>
+                      <a:r>
+                        <a:rPr lang="en-US" sz="1200" b="0" i="0" u="none" strike="noStrike" dirty="0" smtClean="0">
+                          <a:solidFill>
+                            <a:srgbClr val="000000"/>
+                          </a:solidFill>
+                          <a:effectLst/>
+                          <a:latin typeface="+mn-lt"/>
+                        </a:rPr>
+                        <a:t>(depth = 1, trees = 2000)</a:t>
+                      </a:r>
+                    </a:p>
+                    <a:p>
+                      <a:pPr algn="l" fontAlgn="b"/>
+                      <a:endParaRPr lang="en-US" sz="1200" b="0" i="0" u="none" strike="noStrike" dirty="0">
+                        <a:solidFill>
+                          <a:srgbClr val="000000"/>
+                        </a:solidFill>
+                        <a:effectLst/>
+                        <a:latin typeface="Calibri"/>
+                      </a:endParaRPr>
                     </a:p>
                   </a:txBody>
                   <a:tcPr marL="12357" marR="12357" marT="12357" marB="0" anchor="b">
@@ -4072,18 +4098,18 @@
                     <a:p>
                       <a:pPr algn="r" fontAlgn="b"/>
                       <a:r>
-                        <a:rPr lang="uk-UA" sz="1200" b="0" i="0" u="none" strike="noStrike">
+                        <a:rPr lang="is-IS" sz="1200" b="0" i="0" u="none" strike="noStrike">
                           <a:solidFill>
                             <a:srgbClr val="000000"/>
                           </a:solidFill>
                           <a:effectLst/>
                           <a:latin typeface="Calibri"/>
                         </a:rPr>
-                        <a:t>3351</a:t>
+                        <a:t>372</a:t>
                       </a:r>
                     </a:p>
                   </a:txBody>
-                  <a:tcPr marL="12357" marR="12357" marT="12357" marB="0" anchor="b">
+                  <a:tcPr marL="12700" marR="12700" marT="12700" marB="0" anchor="b">
                     <a:lnL w="6350" cap="flat" cmpd="sng" algn="ctr">
                       <a:solidFill>
                         <a:srgbClr val="FFFFFF"/>
@@ -4132,18 +4158,18 @@
                     <a:p>
                       <a:pPr algn="r" fontAlgn="b"/>
                       <a:r>
-                        <a:rPr lang="nb-NO" sz="1200" b="0" i="0" u="none" strike="noStrike">
+                        <a:rPr lang="is-IS" sz="1200" b="0" i="0" u="none" strike="noStrike">
                           <a:solidFill>
                             <a:srgbClr val="000000"/>
                           </a:solidFill>
                           <a:effectLst/>
                           <a:latin typeface="Calibri"/>
                         </a:rPr>
-                        <a:t>0.000197702</a:t>
+                        <a:t>0.001780914</a:t>
                       </a:r>
                     </a:p>
                   </a:txBody>
-                  <a:tcPr marL="12357" marR="12357" marT="12357" marB="0" anchor="b">
+                  <a:tcPr marL="12700" marR="12700" marT="12700" marB="0" anchor="b">
                     <a:lnL w="6350" cap="flat" cmpd="sng" algn="ctr">
                       <a:solidFill>
                         <a:srgbClr val="FFFFFF"/>
@@ -4180,23 +4206,13 @@
                   </a:tcPr>
                 </a:tc>
               </a:tr>
-              <a:tr h="400937">
+              <a:tr h="245230">
                 <a:tc>
                   <a:txBody>
                     <a:bodyPr/>
                     <a:lstStyle/>
                     <a:p>
                       <a:pPr algn="l" fontAlgn="b"/>
-                      <a:r>
-                        <a:rPr lang="en-US" sz="1200" b="0" i="0" u="none" strike="noStrike" dirty="0">
-                          <a:solidFill>
-                            <a:srgbClr val="000000"/>
-                          </a:solidFill>
-                          <a:effectLst/>
-                          <a:latin typeface="Calibri"/>
-                        </a:rPr>
-                        <a:t>SIFT (depth =</a:t>
-                      </a:r>
                       <a:r>
                         <a:rPr lang="en-US" sz="1200" b="0" i="0" u="none" strike="noStrike" dirty="0" smtClean="0">
                           <a:solidFill>
@@ -4205,27 +4221,7 @@
                           <a:effectLst/>
                           <a:latin typeface="Calibri"/>
                         </a:rPr>
-                        <a:t>3</a:t>
-                      </a:r>
-                      <a:r>
-                        <a:rPr lang="en-US" sz="1200" b="0" i="0" u="none" strike="noStrike" dirty="0" smtClean="0">
-                          <a:solidFill>
-                            <a:srgbClr val="000000"/>
-                          </a:solidFill>
-                          <a:effectLst/>
-                          <a:latin typeface="+mn-lt"/>
-                        </a:rPr>
-                        <a:t>, trees = 2000</a:t>
-                      </a:r>
-                      <a:r>
-                        <a:rPr lang="en-US" sz="1200" b="0" i="0" u="none" strike="noStrike" dirty="0" smtClean="0">
-                          <a:solidFill>
-                            <a:srgbClr val="000000"/>
-                          </a:solidFill>
-                          <a:effectLst/>
-                          <a:latin typeface="Calibri"/>
-                        </a:rPr>
-                        <a:t>)</a:t>
+                        <a:t>SIFT</a:t>
                       </a:r>
                       <a:endParaRPr lang="en-US" sz="1200" b="0" i="0" u="none" strike="noStrike" dirty="0">
                         <a:solidFill>
@@ -4277,17 +4273,53 @@
                     <a:bodyPr/>
                     <a:lstStyle/>
                     <a:p>
-                      <a:pPr algn="l" fontAlgn="b"/>
+                      <a:pPr marL="0" marR="0" indent="0" algn="l" defTabSz="457200" rtl="0" eaLnBrk="1" fontAlgn="b" latinLnBrk="0" hangingPunct="1">
+                        <a:lnSpc>
+                          <a:spcPct val="100000"/>
+                        </a:lnSpc>
+                        <a:spcBef>
+                          <a:spcPts val="0"/>
+                        </a:spcBef>
+                        <a:spcAft>
+                          <a:spcPts val="0"/>
+                        </a:spcAft>
+                        <a:buClrTx/>
+                        <a:buSzTx/>
+                        <a:buFontTx/>
+                        <a:buNone/>
+                        <a:tabLst/>
+                        <a:defRPr/>
+                      </a:pPr>
                       <a:r>
-                        <a:rPr lang="en-US" sz="1200" b="0" i="0" u="none" strike="noStrike">
+                        <a:rPr lang="en-US" sz="1200" b="0" i="0" u="none" strike="noStrike" dirty="0" smtClean="0">
                           <a:solidFill>
                             <a:srgbClr val="000000"/>
                           </a:solidFill>
                           <a:effectLst/>
                           <a:latin typeface="Calibri"/>
                         </a:rPr>
-                        <a:t>GBM</a:t>
+                        <a:t>GBM </a:t>
                       </a:r>
+                      <a:r>
+                        <a:rPr lang="en-US" sz="1200" b="0" i="0" u="none" strike="noStrike" dirty="0" smtClean="0">
+                          <a:solidFill>
+                            <a:srgbClr val="000000"/>
+                          </a:solidFill>
+                          <a:effectLst/>
+                          <a:latin typeface="+mn-lt"/>
+                        </a:rPr>
+                        <a:t>(depth =3, trees = 2000)</a:t>
+                      </a:r>
+                    </a:p>
+                    <a:p>
+                      <a:pPr algn="l" fontAlgn="b"/>
+                      <a:endParaRPr lang="en-US" sz="1200" b="0" i="0" u="none" strike="noStrike" dirty="0">
+                        <a:solidFill>
+                          <a:srgbClr val="000000"/>
+                        </a:solidFill>
+                        <a:effectLst/>
+                        <a:latin typeface="Calibri"/>
+                      </a:endParaRPr>
                     </a:p>
                   </a:txBody>
                   <a:tcPr marL="12357" marR="12357" marT="12357" marB="0" anchor="b">
@@ -4399,18 +4431,18 @@
                     <a:p>
                       <a:pPr algn="r" fontAlgn="b"/>
                       <a:r>
-                        <a:rPr lang="uk-UA" sz="1200" b="0" i="0" u="none" strike="noStrike">
+                        <a:rPr lang="cs-CZ" sz="1200" b="0" i="0" u="none" strike="noStrike">
                           <a:solidFill>
                             <a:srgbClr val="000000"/>
                           </a:solidFill>
                           <a:effectLst/>
                           <a:latin typeface="Calibri"/>
                         </a:rPr>
-                        <a:t>3351</a:t>
+                        <a:t>1116</a:t>
                       </a:r>
                     </a:p>
                   </a:txBody>
-                  <a:tcPr marL="12357" marR="12357" marT="12357" marB="0" anchor="b">
+                  <a:tcPr marL="12700" marR="12700" marT="12700" marB="0" anchor="b">
                     <a:lnL w="6350" cap="flat" cmpd="sng" algn="ctr">
                       <a:solidFill>
                         <a:srgbClr val="FFFFFF"/>
@@ -4459,18 +4491,18 @@
                     <a:p>
                       <a:pPr algn="r" fontAlgn="b"/>
                       <a:r>
-                        <a:rPr lang="it-IT" sz="1200" b="0" i="0" u="none" strike="noStrike">
+                        <a:rPr lang="is-IS" sz="1200" b="0" i="0" u="none" strike="noStrike">
                           <a:solidFill>
                             <a:srgbClr val="000000"/>
                           </a:solidFill>
                           <a:effectLst/>
                           <a:latin typeface="Calibri"/>
                         </a:rPr>
-                        <a:t>0.00019994</a:t>
+                        <a:t>0.000600358</a:t>
                       </a:r>
                     </a:p>
                   </a:txBody>
-                  <a:tcPr marL="12357" marR="12357" marT="12357" marB="0" anchor="b">
+                  <a:tcPr marL="12700" marR="12700" marT="12700" marB="0" anchor="b">
                     <a:lnL w="6350" cap="flat" cmpd="sng" algn="ctr">
                       <a:solidFill>
                         <a:srgbClr val="FFFFFF"/>
@@ -4507,23 +4539,13 @@
                   </a:tcPr>
                 </a:tc>
               </a:tr>
-              <a:tr h="400937">
+              <a:tr h="245230">
                 <a:tc>
                   <a:txBody>
                     <a:bodyPr/>
                     <a:lstStyle/>
                     <a:p>
                       <a:pPr algn="l" fontAlgn="b"/>
-                      <a:r>
-                        <a:rPr lang="en-US" sz="1200" b="0" i="0" u="none" strike="noStrike" dirty="0">
-                          <a:solidFill>
-                            <a:srgbClr val="000000"/>
-                          </a:solidFill>
-                          <a:effectLst/>
-                          <a:latin typeface="Calibri"/>
-                        </a:rPr>
-                        <a:t>SIFT (depth = </a:t>
-                      </a:r>
                       <a:r>
                         <a:rPr lang="en-US" sz="1200" b="0" i="0" u="none" strike="noStrike" dirty="0" smtClean="0">
                           <a:solidFill>
@@ -4532,27 +4554,7 @@
                           <a:effectLst/>
                           <a:latin typeface="Calibri"/>
                         </a:rPr>
-                        <a:t>5</a:t>
-                      </a:r>
-                      <a:r>
-                        <a:rPr lang="en-US" sz="1200" b="0" i="0" u="none" strike="noStrike" dirty="0" smtClean="0">
-                          <a:solidFill>
-                            <a:srgbClr val="000000"/>
-                          </a:solidFill>
-                          <a:effectLst/>
-                          <a:latin typeface="+mn-lt"/>
-                        </a:rPr>
-                        <a:t>, trees = 1955</a:t>
-                      </a:r>
-                      <a:r>
-                        <a:rPr lang="en-US" sz="1200" b="0" i="0" u="none" strike="noStrike" dirty="0" smtClean="0">
-                          <a:solidFill>
-                            <a:srgbClr val="000000"/>
-                          </a:solidFill>
-                          <a:effectLst/>
-                          <a:latin typeface="Calibri"/>
-                        </a:rPr>
-                        <a:t>)</a:t>
+                        <a:t>SIFT</a:t>
                       </a:r>
                       <a:endParaRPr lang="en-US" sz="1200" b="0" i="0" u="none" strike="noStrike" dirty="0">
                         <a:solidFill>
@@ -4604,17 +4606,53 @@
                     <a:bodyPr/>
                     <a:lstStyle/>
                     <a:p>
-                      <a:pPr algn="l" fontAlgn="b"/>
+                      <a:pPr marL="0" marR="0" indent="0" algn="l" defTabSz="457200" rtl="0" eaLnBrk="1" fontAlgn="b" latinLnBrk="0" hangingPunct="1">
+                        <a:lnSpc>
+                          <a:spcPct val="100000"/>
+                        </a:lnSpc>
+                        <a:spcBef>
+                          <a:spcPts val="0"/>
+                        </a:spcBef>
+                        <a:spcAft>
+                          <a:spcPts val="0"/>
+                        </a:spcAft>
+                        <a:buClrTx/>
+                        <a:buSzTx/>
+                        <a:buFontTx/>
+                        <a:buNone/>
+                        <a:tabLst/>
+                        <a:defRPr/>
+                      </a:pPr>
                       <a:r>
-                        <a:rPr lang="en-US" sz="1200" b="0" i="0" u="none" strike="noStrike" dirty="0">
+                        <a:rPr lang="en-US" sz="1200" b="0" i="0" u="none" strike="noStrike" dirty="0" smtClean="0">
                           <a:solidFill>
                             <a:srgbClr val="000000"/>
                           </a:solidFill>
                           <a:effectLst/>
                           <a:latin typeface="Calibri"/>
                         </a:rPr>
-                        <a:t>GBM</a:t>
+                        <a:t>GBM </a:t>
                       </a:r>
+                      <a:r>
+                        <a:rPr lang="en-US" sz="1200" b="0" i="0" u="none" strike="noStrike" dirty="0" smtClean="0">
+                          <a:solidFill>
+                            <a:srgbClr val="000000"/>
+                          </a:solidFill>
+                          <a:effectLst/>
+                          <a:latin typeface="+mn-lt"/>
+                        </a:rPr>
+                        <a:t>(depth = 5, trees = 1955)</a:t>
+                      </a:r>
+                    </a:p>
+                    <a:p>
+                      <a:pPr algn="l" fontAlgn="b"/>
+                      <a:endParaRPr lang="en-US" sz="1200" b="0" i="0" u="none" strike="noStrike" dirty="0">
+                        <a:solidFill>
+                          <a:srgbClr val="000000"/>
+                        </a:solidFill>
+                        <a:effectLst/>
+                        <a:latin typeface="Calibri"/>
+                      </a:endParaRPr>
                     </a:p>
                   </a:txBody>
                   <a:tcPr marL="12357" marR="12357" marT="12357" marB="0" anchor="b">
@@ -4726,18 +4764,18 @@
                     <a:p>
                       <a:pPr algn="r" fontAlgn="b"/>
                       <a:r>
-                        <a:rPr lang="uk-UA" sz="1200" b="0" i="0" u="none" strike="noStrike" dirty="0">
+                        <a:rPr lang="fi-FI" sz="1200" b="0" i="0" u="none" strike="noStrike">
                           <a:solidFill>
                             <a:srgbClr val="000000"/>
                           </a:solidFill>
                           <a:effectLst/>
                           <a:latin typeface="Calibri"/>
                         </a:rPr>
-                        <a:t>3351</a:t>
+                        <a:t>1860</a:t>
                       </a:r>
                     </a:p>
                   </a:txBody>
-                  <a:tcPr marL="12357" marR="12357" marT="12357" marB="0" anchor="b">
+                  <a:tcPr marL="12700" marR="12700" marT="12700" marB="0" anchor="b">
                     <a:lnL w="6350" cap="flat" cmpd="sng" algn="ctr">
                       <a:solidFill>
                         <a:srgbClr val="FFFFFF"/>
@@ -4793,11 +4831,11 @@
                           <a:effectLst/>
                           <a:latin typeface="Calibri"/>
                         </a:rPr>
-                        <a:t>0.000205909</a:t>
+                        <a:t>0.000370968</a:t>
                       </a:r>
                     </a:p>
                   </a:txBody>
-                  <a:tcPr marL="12357" marR="12357" marT="12357" marB="0" anchor="b">
+                  <a:tcPr marL="12700" marR="12700" marT="12700" marB="0" anchor="b">
                     <a:lnL w="6350" cap="flat" cmpd="sng" algn="ctr">
                       <a:solidFill>
                         <a:srgbClr val="FFFFFF"/>
@@ -4834,7 +4872,7 @@
                   </a:tcPr>
                 </a:tc>
               </a:tr>
-              <a:tr h="207020">
+              <a:tr h="245230">
                 <a:tc>
                   <a:txBody>
                     <a:bodyPr/>
@@ -4849,45 +4887,8 @@
                           <a:effectLst/>
                           <a:latin typeface="Calibri"/>
                         </a:rPr>
-                        <a:t>SIFT + Color (depth =</a:t>
+                        <a:t>SIFT + Color </a:t>
                       </a:r>
-                      <a:r>
-                        <a:rPr lang="en-US" sz="1200" b="0" i="0" u="none" strike="noStrike" dirty="0" smtClean="0">
-                          <a:solidFill>
-                            <a:srgbClr val="000000"/>
-                          </a:solidFill>
-                          <a:effectLst/>
-                          <a:latin typeface="Calibri"/>
-                        </a:rPr>
-                        <a:t>1, </a:t>
-                      </a:r>
-                      <a:r>
-                        <a:rPr lang="en-US" sz="1200" b="0" i="0" u="none" strike="noStrike" dirty="0" smtClean="0">
-                          <a:solidFill>
-                            <a:srgbClr val="000000"/>
-                          </a:solidFill>
-                          <a:effectLst/>
-                          <a:latin typeface="+mn-lt"/>
-                        </a:rPr>
-                        <a:t>, trees = 2000</a:t>
-                      </a:r>
-                      <a:r>
-                        <a:rPr lang="en-US" sz="1200" b="0" i="0" u="none" strike="noStrike" dirty="0" smtClean="0">
-                          <a:solidFill>
-                            <a:srgbClr val="000000"/>
-                          </a:solidFill>
-                          <a:effectLst/>
-                          <a:latin typeface="Calibri"/>
-                        </a:rPr>
-                        <a:t>)</a:t>
-                      </a:r>
-                      <a:endParaRPr lang="en-US" sz="1200" b="0" i="0" u="none" strike="noStrike" dirty="0">
-                        <a:solidFill>
-                          <a:srgbClr val="000000"/>
-                        </a:solidFill>
-                        <a:effectLst/>
-                        <a:latin typeface="Calibri"/>
-                      </a:endParaRPr>
                     </a:p>
                   </a:txBody>
                   <a:tcPr marL="12357" marR="12357" marT="12357" marB="0" anchor="b">
@@ -4931,16 +4932,112 @@
                     <a:bodyPr/>
                     <a:lstStyle/>
                     <a:p>
-                      <a:pPr algn="l" fontAlgn="b"/>
+                      <a:pPr marL="0" marR="0" indent="0" algn="l" defTabSz="457200" rtl="0" eaLnBrk="1" fontAlgn="b" latinLnBrk="0" hangingPunct="1">
+                        <a:lnSpc>
+                          <a:spcPct val="100000"/>
+                        </a:lnSpc>
+                        <a:spcBef>
+                          <a:spcPts val="0"/>
+                        </a:spcBef>
+                        <a:spcAft>
+                          <a:spcPts val="0"/>
+                        </a:spcAft>
+                        <a:buClrTx/>
+                        <a:buSzTx/>
+                        <a:buFontTx/>
+                        <a:buNone/>
+                        <a:tabLst/>
+                        <a:defRPr/>
+                      </a:pPr>
                       <a:r>
-                        <a:rPr lang="en-US" sz="1200" b="0" i="0" u="none" strike="noStrike">
+                        <a:rPr lang="en-US" sz="1200" b="0" i="0" u="none" strike="noStrike" dirty="0" smtClean="0">
                           <a:solidFill>
                             <a:srgbClr val="000000"/>
                           </a:solidFill>
                           <a:effectLst/>
                           <a:latin typeface="Calibri"/>
                         </a:rPr>
-                        <a:t>GBM</a:t>
+                        <a:t>GBM </a:t>
+                      </a:r>
+                      <a:r>
+                        <a:rPr lang="en-US" sz="1200" b="0" i="0" u="none" strike="noStrike" dirty="0" smtClean="0">
+                          <a:solidFill>
+                            <a:srgbClr val="000000"/>
+                          </a:solidFill>
+                          <a:effectLst/>
+                          <a:latin typeface="+mn-lt"/>
+                        </a:rPr>
+                        <a:t>(depth =1, , trees = 2000)</a:t>
+                      </a:r>
+                    </a:p>
+                    <a:p>
+                      <a:pPr algn="l" fontAlgn="b"/>
+                      <a:endParaRPr lang="en-US" sz="1200" b="0" i="0" u="none" strike="noStrike" dirty="0">
+                        <a:solidFill>
+                          <a:srgbClr val="000000"/>
+                        </a:solidFill>
+                        <a:effectLst/>
+                        <a:latin typeface="Calibri"/>
+                      </a:endParaRPr>
+                    </a:p>
+                  </a:txBody>
+                  <a:tcPr marL="12357" marR="12357" marT="12357" marB="0" anchor="b">
+                    <a:lnL w="6350" cap="flat" cmpd="sng" algn="ctr">
+                      <a:solidFill>
+                        <a:srgbClr val="FFFFFF"/>
+                      </a:solidFill>
+                      <a:prstDash val="solid"/>
+                      <a:round/>
+                      <a:headEnd type="none" w="med" len="med"/>
+                      <a:tailEnd type="none" w="med" len="med"/>
+                    </a:lnL>
+                    <a:lnR w="6350" cap="flat" cmpd="sng" algn="ctr">
+                      <a:solidFill>
+                        <a:srgbClr val="FFFFFF"/>
+                      </a:solidFill>
+                      <a:prstDash val="solid"/>
+                      <a:round/>
+                      <a:headEnd type="none" w="med" len="med"/>
+                      <a:tailEnd type="none" w="med" len="med"/>
+                    </a:lnR>
+                    <a:lnT w="6350" cap="flat" cmpd="sng" algn="ctr">
+                      <a:solidFill>
+                        <a:srgbClr val="FFFFFF"/>
+                      </a:solidFill>
+                      <a:prstDash val="solid"/>
+                      <a:round/>
+                      <a:headEnd type="none" w="med" len="med"/>
+                      <a:tailEnd type="none" w="med" len="med"/>
+                    </a:lnT>
+                    <a:lnB w="6350" cap="flat" cmpd="sng" algn="ctr">
+                      <a:solidFill>
+                        <a:srgbClr val="FFFFFF"/>
+                      </a:solidFill>
+                      <a:prstDash val="solid"/>
+                      <a:round/>
+                      <a:headEnd type="none" w="med" len="med"/>
+                      <a:tailEnd type="none" w="med" len="med"/>
+                    </a:lnB>
+                    <a:solidFill>
+                      <a:srgbClr val="DCE6F1"/>
+                    </a:solidFill>
+                  </a:tcPr>
+                </a:tc>
+                <a:tc>
+                  <a:txBody>
+                    <a:bodyPr/>
+                    <a:lstStyle/>
+                    <a:p>
+                      <a:pPr algn="r" fontAlgn="b"/>
+                      <a:r>
+                        <a:rPr lang="is-IS" sz="1200" b="0" i="0" u="none" strike="noStrike" dirty="0">
+                          <a:solidFill>
+                            <a:srgbClr val="000000"/>
+                          </a:solidFill>
+                          <a:effectLst/>
+                          <a:latin typeface="Calibri"/>
+                        </a:rPr>
+                        <a:t>78%</a:t>
                       </a:r>
                     </a:p>
                   </a:txBody>
@@ -5000,11 +5097,11 @@
                           <a:effectLst/>
                           <a:latin typeface="Calibri"/>
                         </a:rPr>
-                        <a:t>78%</a:t>
+                        <a:t>372</a:t>
                       </a:r>
                     </a:p>
                   </a:txBody>
-                  <a:tcPr marL="12357" marR="12357" marT="12357" marB="0" anchor="b">
+                  <a:tcPr marL="12700" marR="12700" marT="12700" marB="0" anchor="b">
                     <a:lnL w="6350" cap="flat" cmpd="sng" algn="ctr">
                       <a:solidFill>
                         <a:srgbClr val="FFFFFF"/>
@@ -5060,71 +5157,11 @@
                           <a:effectLst/>
                           <a:latin typeface="Calibri"/>
                         </a:rPr>
-                        <a:t>5800</a:t>
+                        <a:t>0.002096774</a:t>
                       </a:r>
                     </a:p>
                   </a:txBody>
-                  <a:tcPr marL="12357" marR="12357" marT="12357" marB="0" anchor="b">
-                    <a:lnL w="6350" cap="flat" cmpd="sng" algn="ctr">
-                      <a:solidFill>
-                        <a:srgbClr val="FFFFFF"/>
-                      </a:solidFill>
-                      <a:prstDash val="solid"/>
-                      <a:round/>
-                      <a:headEnd type="none" w="med" len="med"/>
-                      <a:tailEnd type="none" w="med" len="med"/>
-                    </a:lnL>
-                    <a:lnR w="6350" cap="flat" cmpd="sng" algn="ctr">
-                      <a:solidFill>
-                        <a:srgbClr val="FFFFFF"/>
-                      </a:solidFill>
-                      <a:prstDash val="solid"/>
-                      <a:round/>
-                      <a:headEnd type="none" w="med" len="med"/>
-                      <a:tailEnd type="none" w="med" len="med"/>
-                    </a:lnR>
-                    <a:lnT w="6350" cap="flat" cmpd="sng" algn="ctr">
-                      <a:solidFill>
-                        <a:srgbClr val="FFFFFF"/>
-                      </a:solidFill>
-                      <a:prstDash val="solid"/>
-                      <a:round/>
-                      <a:headEnd type="none" w="med" len="med"/>
-                      <a:tailEnd type="none" w="med" len="med"/>
-                    </a:lnT>
-                    <a:lnB w="6350" cap="flat" cmpd="sng" algn="ctr">
-                      <a:solidFill>
-                        <a:srgbClr val="FFFFFF"/>
-                      </a:solidFill>
-                      <a:prstDash val="solid"/>
-                      <a:round/>
-                      <a:headEnd type="none" w="med" len="med"/>
-                      <a:tailEnd type="none" w="med" len="med"/>
-                    </a:lnB>
-                    <a:solidFill>
-                      <a:srgbClr val="DCE6F1"/>
-                    </a:solidFill>
-                  </a:tcPr>
-                </a:tc>
-                <a:tc>
-                  <a:txBody>
-                    <a:bodyPr/>
-                    <a:lstStyle/>
-                    <a:p>
-                      <a:pPr algn="r" fontAlgn="b"/>
-                      <a:r>
-                        <a:rPr lang="hr-HR" sz="1200" b="0" i="0" u="none" strike="noStrike">
-                          <a:solidFill>
-                            <a:srgbClr val="000000"/>
-                          </a:solidFill>
-                          <a:effectLst/>
-                          <a:latin typeface="Calibri"/>
-                        </a:rPr>
-                        <a:t>0.000134483</a:t>
-                      </a:r>
-                    </a:p>
-                  </a:txBody>
-                  <a:tcPr marL="12357" marR="12357" marT="12357" marB="0" anchor="b">
+                  <a:tcPr marL="12700" marR="12700" marT="12700" marB="0" anchor="b">
                     <a:lnL w="6350" cap="flat" cmpd="sng" algn="ctr">
                       <a:solidFill>
                         <a:srgbClr val="FFFFFF"/>
@@ -5161,7 +5198,7 @@
                   </a:tcPr>
                 </a:tc>
               </a:tr>
-              <a:tr h="207020">
+              <a:tr h="245230">
                 <a:tc>
                   <a:txBody>
                     <a:bodyPr/>
@@ -5176,7 +5213,7 @@
                           <a:effectLst/>
                           <a:latin typeface="Calibri"/>
                         </a:rPr>
-                        <a:t>SIFT + Color (depth =</a:t>
+                        <a:t>SIFT + </a:t>
                       </a:r>
                       <a:r>
                         <a:rPr lang="en-US" sz="1200" b="0" i="0" u="none" strike="noStrike" dirty="0" smtClean="0">
@@ -5186,27 +5223,7 @@
                           <a:effectLst/>
                           <a:latin typeface="Calibri"/>
                         </a:rPr>
-                        <a:t>3</a:t>
-                      </a:r>
-                      <a:r>
-                        <a:rPr lang="en-US" sz="1200" b="0" i="0" u="none" strike="noStrike" dirty="0" smtClean="0">
-                          <a:solidFill>
-                            <a:srgbClr val="000000"/>
-                          </a:solidFill>
-                          <a:effectLst/>
-                          <a:latin typeface="+mn-lt"/>
-                        </a:rPr>
-                        <a:t>, trees = 1927</a:t>
-                      </a:r>
-                      <a:r>
-                        <a:rPr lang="en-US" sz="1200" b="0" i="0" u="none" strike="noStrike" dirty="0" smtClean="0">
-                          <a:solidFill>
-                            <a:srgbClr val="000000"/>
-                          </a:solidFill>
-                          <a:effectLst/>
-                          <a:latin typeface="Calibri"/>
-                        </a:rPr>
-                        <a:t>)</a:t>
+                        <a:t>Color</a:t>
                       </a:r>
                       <a:endParaRPr lang="en-US" sz="1200" b="0" i="0" u="none" strike="noStrike" dirty="0">
                         <a:solidFill>
@@ -5258,20 +5275,176 @@
                     <a:bodyPr/>
                     <a:lstStyle/>
                     <a:p>
-                      <a:pPr algn="l" fontAlgn="b"/>
+                      <a:pPr marL="0" marR="0" indent="0" algn="l" defTabSz="457200" rtl="0" eaLnBrk="1" fontAlgn="b" latinLnBrk="0" hangingPunct="1">
+                        <a:lnSpc>
+                          <a:spcPct val="100000"/>
+                        </a:lnSpc>
+                        <a:spcBef>
+                          <a:spcPts val="0"/>
+                        </a:spcBef>
+                        <a:spcAft>
+                          <a:spcPts val="0"/>
+                        </a:spcAft>
+                        <a:buClrTx/>
+                        <a:buSzTx/>
+                        <a:buFontTx/>
+                        <a:buNone/>
+                        <a:tabLst/>
+                        <a:defRPr/>
+                      </a:pPr>
                       <a:r>
-                        <a:rPr lang="en-US" sz="1200" b="0" i="0" u="none" strike="noStrike">
+                        <a:rPr lang="en-US" sz="1200" b="0" i="0" u="none" strike="noStrike" dirty="0" smtClean="0">
                           <a:solidFill>
                             <a:srgbClr val="000000"/>
                           </a:solidFill>
                           <a:effectLst/>
                           <a:latin typeface="Calibri"/>
                         </a:rPr>
-                        <a:t>GBM</a:t>
+                        <a:t>GBM </a:t>
+                      </a:r>
+                      <a:r>
+                        <a:rPr lang="en-US" sz="1200" b="0" i="0" u="none" strike="noStrike" dirty="0" smtClean="0">
+                          <a:solidFill>
+                            <a:srgbClr val="000000"/>
+                          </a:solidFill>
+                          <a:effectLst/>
+                          <a:latin typeface="+mn-lt"/>
+                        </a:rPr>
+                        <a:t>(depth =3, trees = 1927)</a:t>
+                      </a:r>
+                    </a:p>
+                    <a:p>
+                      <a:pPr algn="l" fontAlgn="b"/>
+                      <a:endParaRPr lang="en-US" sz="1200" b="0" i="0" u="none" strike="noStrike" dirty="0">
+                        <a:solidFill>
+                          <a:srgbClr val="000000"/>
+                        </a:solidFill>
+                        <a:effectLst/>
+                        <a:latin typeface="Calibri"/>
+                      </a:endParaRPr>
+                    </a:p>
+                  </a:txBody>
+                  <a:tcPr marL="12357" marR="12357" marT="12357" marB="0" anchor="b">
+                    <a:lnL w="6350" cap="flat" cmpd="sng" algn="ctr">
+                      <a:solidFill>
+                        <a:srgbClr val="FFFFFF"/>
+                      </a:solidFill>
+                      <a:prstDash val="solid"/>
+                      <a:round/>
+                      <a:headEnd type="none" w="med" len="med"/>
+                      <a:tailEnd type="none" w="med" len="med"/>
+                    </a:lnL>
+                    <a:lnR w="6350" cap="flat" cmpd="sng" algn="ctr">
+                      <a:solidFill>
+                        <a:srgbClr val="FFFFFF"/>
+                      </a:solidFill>
+                      <a:prstDash val="solid"/>
+                      <a:round/>
+                      <a:headEnd type="none" w="med" len="med"/>
+                      <a:tailEnd type="none" w="med" len="med"/>
+                    </a:lnR>
+                    <a:lnT w="6350" cap="flat" cmpd="sng" algn="ctr">
+                      <a:solidFill>
+                        <a:srgbClr val="FFFFFF"/>
+                      </a:solidFill>
+                      <a:prstDash val="solid"/>
+                      <a:round/>
+                      <a:headEnd type="none" w="med" len="med"/>
+                      <a:tailEnd type="none" w="med" len="med"/>
+                    </a:lnT>
+                    <a:lnB w="6350" cap="flat" cmpd="sng" algn="ctr">
+                      <a:solidFill>
+                        <a:srgbClr val="FFFFFF"/>
+                      </a:solidFill>
+                      <a:prstDash val="solid"/>
+                      <a:round/>
+                      <a:headEnd type="none" w="med" len="med"/>
+                      <a:tailEnd type="none" w="med" len="med"/>
+                    </a:lnB>
+                    <a:solidFill>
+                      <a:srgbClr val="B8CCE4"/>
+                    </a:solidFill>
+                  </a:tcPr>
+                </a:tc>
+                <a:tc>
+                  <a:txBody>
+                    <a:bodyPr/>
+                    <a:lstStyle/>
+                    <a:p>
+                      <a:pPr algn="r" fontAlgn="b"/>
+                      <a:r>
+                        <a:rPr lang="is-IS" sz="1200" b="0" i="0" u="none" strike="noStrike" dirty="0">
+                          <a:solidFill>
+                            <a:srgbClr val="000000"/>
+                          </a:solidFill>
+                          <a:effectLst/>
+                          <a:latin typeface="Calibri"/>
+                        </a:rPr>
+                        <a:t>78%</a:t>
                       </a:r>
                     </a:p>
                   </a:txBody>
                   <a:tcPr marL="12357" marR="12357" marT="12357" marB="0" anchor="b">
+                    <a:lnL w="6350" cap="flat" cmpd="sng" algn="ctr">
+                      <a:solidFill>
+                        <a:srgbClr val="FFFFFF"/>
+                      </a:solidFill>
+                      <a:prstDash val="solid"/>
+                      <a:round/>
+                      <a:headEnd type="none" w="med" len="med"/>
+                      <a:tailEnd type="none" w="med" len="med"/>
+                    </a:lnL>
+                    <a:lnR w="6350" cap="flat" cmpd="sng" algn="ctr">
+                      <a:solidFill>
+                        <a:srgbClr val="FFFFFF"/>
+                      </a:solidFill>
+                      <a:prstDash val="solid"/>
+                      <a:round/>
+                      <a:headEnd type="none" w="med" len="med"/>
+                      <a:tailEnd type="none" w="med" len="med"/>
+                    </a:lnR>
+                    <a:lnT w="6350" cap="flat" cmpd="sng" algn="ctr">
+                      <a:solidFill>
+                        <a:srgbClr val="FFFFFF"/>
+                      </a:solidFill>
+                      <a:prstDash val="solid"/>
+                      <a:round/>
+                      <a:headEnd type="none" w="med" len="med"/>
+                      <a:tailEnd type="none" w="med" len="med"/>
+                    </a:lnT>
+                    <a:lnB w="6350" cap="flat" cmpd="sng" algn="ctr">
+                      <a:solidFill>
+                        <a:srgbClr val="FFFFFF"/>
+                      </a:solidFill>
+                      <a:prstDash val="solid"/>
+                      <a:round/>
+                      <a:headEnd type="none" w="med" len="med"/>
+                      <a:tailEnd type="none" w="med" len="med"/>
+                    </a:lnB>
+                    <a:solidFill>
+                      <a:srgbClr val="B8CCE4"/>
+                    </a:solidFill>
+                  </a:tcPr>
+                </a:tc>
+                <a:tc>
+                  <a:txBody>
+                    <a:bodyPr/>
+                    <a:lstStyle/>
+                    <a:p>
+                      <a:pPr algn="r" fontAlgn="b"/>
+                      <a:r>
+                        <a:rPr lang="cs-CZ" sz="1200" b="0" i="0" u="none" strike="noStrike">
+                          <a:solidFill>
+                            <a:srgbClr val="000000"/>
+                          </a:solidFill>
+                          <a:effectLst/>
+                          <a:latin typeface="Calibri"/>
+                        </a:rPr>
+                        <a:t>1116</a:t>
+                      </a:r>
+                    </a:p>
+                  </a:txBody>
+                  <a:tcPr marL="12700" marR="12700" marT="12700" marB="0" anchor="b">
                     <a:lnL w="6350" cap="flat" cmpd="sng" algn="ctr">
                       <a:solidFill>
                         <a:srgbClr val="FFFFFF"/>
@@ -5327,131 +5500,11 @@
                           <a:effectLst/>
                           <a:latin typeface="Calibri"/>
                         </a:rPr>
-                        <a:t>78%</a:t>
+                        <a:t>0.000698925</a:t>
                       </a:r>
                     </a:p>
                   </a:txBody>
-                  <a:tcPr marL="12357" marR="12357" marT="12357" marB="0" anchor="b">
-                    <a:lnL w="6350" cap="flat" cmpd="sng" algn="ctr">
-                      <a:solidFill>
-                        <a:srgbClr val="FFFFFF"/>
-                      </a:solidFill>
-                      <a:prstDash val="solid"/>
-                      <a:round/>
-                      <a:headEnd type="none" w="med" len="med"/>
-                      <a:tailEnd type="none" w="med" len="med"/>
-                    </a:lnL>
-                    <a:lnR w="6350" cap="flat" cmpd="sng" algn="ctr">
-                      <a:solidFill>
-                        <a:srgbClr val="FFFFFF"/>
-                      </a:solidFill>
-                      <a:prstDash val="solid"/>
-                      <a:round/>
-                      <a:headEnd type="none" w="med" len="med"/>
-                      <a:tailEnd type="none" w="med" len="med"/>
-                    </a:lnR>
-                    <a:lnT w="6350" cap="flat" cmpd="sng" algn="ctr">
-                      <a:solidFill>
-                        <a:srgbClr val="FFFFFF"/>
-                      </a:solidFill>
-                      <a:prstDash val="solid"/>
-                      <a:round/>
-                      <a:headEnd type="none" w="med" len="med"/>
-                      <a:tailEnd type="none" w="med" len="med"/>
-                    </a:lnT>
-                    <a:lnB w="6350" cap="flat" cmpd="sng" algn="ctr">
-                      <a:solidFill>
-                        <a:srgbClr val="FFFFFF"/>
-                      </a:solidFill>
-                      <a:prstDash val="solid"/>
-                      <a:round/>
-                      <a:headEnd type="none" w="med" len="med"/>
-                      <a:tailEnd type="none" w="med" len="med"/>
-                    </a:lnB>
-                    <a:solidFill>
-                      <a:srgbClr val="B8CCE4"/>
-                    </a:solidFill>
-                  </a:tcPr>
-                </a:tc>
-                <a:tc>
-                  <a:txBody>
-                    <a:bodyPr/>
-                    <a:lstStyle/>
-                    <a:p>
-                      <a:pPr algn="r" fontAlgn="b"/>
-                      <a:r>
-                        <a:rPr lang="is-IS" sz="1200" b="0" i="0" u="none" strike="noStrike">
-                          <a:solidFill>
-                            <a:srgbClr val="000000"/>
-                          </a:solidFill>
-                          <a:effectLst/>
-                          <a:latin typeface="Calibri"/>
-                        </a:rPr>
-                        <a:t>5800</a:t>
-                      </a:r>
-                    </a:p>
-                  </a:txBody>
-                  <a:tcPr marL="12357" marR="12357" marT="12357" marB="0" anchor="b">
-                    <a:lnL w="6350" cap="flat" cmpd="sng" algn="ctr">
-                      <a:solidFill>
-                        <a:srgbClr val="FFFFFF"/>
-                      </a:solidFill>
-                      <a:prstDash val="solid"/>
-                      <a:round/>
-                      <a:headEnd type="none" w="med" len="med"/>
-                      <a:tailEnd type="none" w="med" len="med"/>
-                    </a:lnL>
-                    <a:lnR w="6350" cap="flat" cmpd="sng" algn="ctr">
-                      <a:solidFill>
-                        <a:srgbClr val="FFFFFF"/>
-                      </a:solidFill>
-                      <a:prstDash val="solid"/>
-                      <a:round/>
-                      <a:headEnd type="none" w="med" len="med"/>
-                      <a:tailEnd type="none" w="med" len="med"/>
-                    </a:lnR>
-                    <a:lnT w="6350" cap="flat" cmpd="sng" algn="ctr">
-                      <a:solidFill>
-                        <a:srgbClr val="FFFFFF"/>
-                      </a:solidFill>
-                      <a:prstDash val="solid"/>
-                      <a:round/>
-                      <a:headEnd type="none" w="med" len="med"/>
-                      <a:tailEnd type="none" w="med" len="med"/>
-                    </a:lnT>
-                    <a:lnB w="6350" cap="flat" cmpd="sng" algn="ctr">
-                      <a:solidFill>
-                        <a:srgbClr val="FFFFFF"/>
-                      </a:solidFill>
-                      <a:prstDash val="solid"/>
-                      <a:round/>
-                      <a:headEnd type="none" w="med" len="med"/>
-                      <a:tailEnd type="none" w="med" len="med"/>
-                    </a:lnB>
-                    <a:solidFill>
-                      <a:srgbClr val="B8CCE4"/>
-                    </a:solidFill>
-                  </a:tcPr>
-                </a:tc>
-                <a:tc>
-                  <a:txBody>
-                    <a:bodyPr/>
-                    <a:lstStyle/>
-                    <a:p>
-                      <a:pPr algn="r" fontAlgn="b"/>
-                      <a:r>
-                        <a:rPr lang="hr-HR" sz="1200" b="0" i="0" u="none" strike="noStrike">
-                          <a:solidFill>
-                            <a:srgbClr val="000000"/>
-                          </a:solidFill>
-                          <a:effectLst/>
-                          <a:latin typeface="Calibri"/>
-                        </a:rPr>
-                        <a:t>0.000134483</a:t>
-                      </a:r>
-                    </a:p>
-                  </a:txBody>
-                  <a:tcPr marL="12357" marR="12357" marT="12357" marB="0" anchor="b">
+                  <a:tcPr marL="12700" marR="12700" marT="12700" marB="0" anchor="b">
                     <a:lnL w="6350" cap="flat" cmpd="sng" algn="ctr">
                       <a:solidFill>
                         <a:srgbClr val="FFFFFF"/>
@@ -5488,7 +5541,7 @@
                   </a:tcPr>
                 </a:tc>
               </a:tr>
-              <a:tr h="207020">
+              <a:tr h="245230">
                 <a:tc>
                   <a:txBody>
                     <a:bodyPr/>
@@ -5503,7 +5556,7 @@
                           <a:effectLst/>
                           <a:latin typeface="Calibri"/>
                         </a:rPr>
-                        <a:t>SIFT + Color (depth = </a:t>
+                        <a:t>SIFT + </a:t>
                       </a:r>
                       <a:r>
                         <a:rPr lang="en-US" sz="1200" b="0" i="0" u="none" strike="noStrike" dirty="0" smtClean="0">
@@ -5513,27 +5566,7 @@
                           <a:effectLst/>
                           <a:latin typeface="Calibri"/>
                         </a:rPr>
-                        <a:t>5</a:t>
-                      </a:r>
-                      <a:r>
-                        <a:rPr lang="en-US" sz="1200" b="0" i="0" u="none" strike="noStrike" dirty="0" smtClean="0">
-                          <a:solidFill>
-                            <a:srgbClr val="000000"/>
-                          </a:solidFill>
-                          <a:effectLst/>
-                          <a:latin typeface="+mn-lt"/>
-                        </a:rPr>
-                        <a:t>, trees = 1205</a:t>
-                      </a:r>
-                      <a:r>
-                        <a:rPr lang="en-US" sz="1200" b="0" i="0" u="none" strike="noStrike" dirty="0" smtClean="0">
-                          <a:solidFill>
-                            <a:srgbClr val="000000"/>
-                          </a:solidFill>
-                          <a:effectLst/>
-                          <a:latin typeface="Calibri"/>
-                        </a:rPr>
-                        <a:t>)</a:t>
+                        <a:t>Color</a:t>
                       </a:r>
                       <a:endParaRPr lang="en-US" sz="1200" b="0" i="0" u="none" strike="noStrike" dirty="0">
                         <a:solidFill>
@@ -5585,17 +5618,53 @@
                     <a:bodyPr/>
                     <a:lstStyle/>
                     <a:p>
-                      <a:pPr algn="l" fontAlgn="b"/>
+                      <a:pPr marL="0" marR="0" indent="0" algn="l" defTabSz="457200" rtl="0" eaLnBrk="1" fontAlgn="b" latinLnBrk="0" hangingPunct="1">
+                        <a:lnSpc>
+                          <a:spcPct val="100000"/>
+                        </a:lnSpc>
+                        <a:spcBef>
+                          <a:spcPts val="0"/>
+                        </a:spcBef>
+                        <a:spcAft>
+                          <a:spcPts val="0"/>
+                        </a:spcAft>
+                        <a:buClrTx/>
+                        <a:buSzTx/>
+                        <a:buFontTx/>
+                        <a:buNone/>
+                        <a:tabLst/>
+                        <a:defRPr/>
+                      </a:pPr>
                       <a:r>
-                        <a:rPr lang="en-US" sz="1200" b="0" i="0" u="none" strike="noStrike">
+                        <a:rPr lang="en-US" sz="1200" b="0" i="0" u="none" strike="noStrike" dirty="0" smtClean="0">
                           <a:solidFill>
                             <a:srgbClr val="000000"/>
                           </a:solidFill>
                           <a:effectLst/>
                           <a:latin typeface="Calibri"/>
                         </a:rPr>
-                        <a:t>GBM</a:t>
+                        <a:t>GBM </a:t>
                       </a:r>
+                      <a:r>
+                        <a:rPr lang="en-US" sz="1200" b="0" i="0" u="none" strike="noStrike" dirty="0" smtClean="0">
+                          <a:solidFill>
+                            <a:srgbClr val="000000"/>
+                          </a:solidFill>
+                          <a:effectLst/>
+                          <a:latin typeface="+mn-lt"/>
+                        </a:rPr>
+                        <a:t>(depth = 5, trees = 1205)</a:t>
+                      </a:r>
+                    </a:p>
+                    <a:p>
+                      <a:pPr algn="l" fontAlgn="b"/>
+                      <a:endParaRPr lang="en-US" sz="1200" b="0" i="0" u="none" strike="noStrike" dirty="0">
+                        <a:solidFill>
+                          <a:srgbClr val="000000"/>
+                        </a:solidFill>
+                        <a:effectLst/>
+                        <a:latin typeface="Calibri"/>
+                      </a:endParaRPr>
                     </a:p>
                   </a:txBody>
                   <a:tcPr marL="12357" marR="12357" marT="12357" marB="0" anchor="b">
@@ -5707,18 +5776,18 @@
                     <a:p>
                       <a:pPr algn="r" fontAlgn="b"/>
                       <a:r>
-                        <a:rPr lang="is-IS" sz="1200" b="0" i="0" u="none" strike="noStrike">
+                        <a:rPr lang="fi-FI" sz="1200" b="0" i="0" u="none" strike="noStrike">
                           <a:solidFill>
                             <a:srgbClr val="000000"/>
                           </a:solidFill>
                           <a:effectLst/>
                           <a:latin typeface="Calibri"/>
                         </a:rPr>
-                        <a:t>5800</a:t>
+                        <a:t>1860</a:t>
                       </a:r>
                     </a:p>
                   </a:txBody>
-                  <a:tcPr marL="12357" marR="12357" marT="12357" marB="0" anchor="b">
+                  <a:tcPr marL="12700" marR="12700" marT="12700" marB="0" anchor="b">
                     <a:lnL w="6350" cap="flat" cmpd="sng" algn="ctr">
                       <a:solidFill>
                         <a:srgbClr val="FFFFFF"/>
@@ -5774,11 +5843,11 @@
                           <a:effectLst/>
                           <a:latin typeface="Calibri"/>
                         </a:rPr>
-                        <a:t>0.000135086</a:t>
+                        <a:t>0.000421237</a:t>
                       </a:r>
                     </a:p>
                   </a:txBody>
-                  <a:tcPr marL="12357" marR="12357" marT="12357" marB="0" anchor="b">
+                  <a:tcPr marL="12700" marR="12700" marT="12700" marB="0" anchor="b">
                     <a:lnL w="6350" cap="flat" cmpd="sng" algn="ctr">
                       <a:solidFill>
                         <a:srgbClr val="FFFFFF"/>
@@ -5815,7 +5884,7 @@
                   </a:tcPr>
                 </a:tc>
               </a:tr>
-              <a:tr h="207020">
+              <a:tr h="126622">
                 <a:tc>
                   <a:txBody>
                     <a:bodyPr/>
@@ -5830,7 +5899,7 @@
                           <a:effectLst/>
                           <a:latin typeface="Calibri"/>
                         </a:rPr>
-                        <a:t>SURF + Color (depth =</a:t>
+                        <a:t>SURF + </a:t>
                       </a:r>
                       <a:r>
                         <a:rPr lang="en-US" sz="1200" b="0" i="0" u="none" strike="noStrike" dirty="0" smtClean="0">
@@ -5840,27 +5909,7 @@
                           <a:effectLst/>
                           <a:latin typeface="Calibri"/>
                         </a:rPr>
-                        <a:t>1</a:t>
-                      </a:r>
-                      <a:r>
-                        <a:rPr lang="en-US" sz="1200" b="0" i="0" u="none" strike="noStrike" dirty="0" smtClean="0">
-                          <a:solidFill>
-                            <a:srgbClr val="000000"/>
-                          </a:solidFill>
-                          <a:effectLst/>
-                          <a:latin typeface="+mn-lt"/>
-                        </a:rPr>
-                        <a:t>, trees = 2000</a:t>
-                      </a:r>
-                      <a:r>
-                        <a:rPr lang="en-US" sz="1200" b="0" i="0" u="none" strike="noStrike" dirty="0" smtClean="0">
-                          <a:solidFill>
-                            <a:srgbClr val="000000"/>
-                          </a:solidFill>
-                          <a:effectLst/>
-                          <a:latin typeface="Calibri"/>
-                        </a:rPr>
-                        <a:t>)</a:t>
+                        <a:t>Color</a:t>
                       </a:r>
                       <a:endParaRPr lang="en-US" sz="1200" b="0" i="0" u="none" strike="noStrike" dirty="0">
                         <a:solidFill>
@@ -5914,15 +5963,32 @@
                     <a:p>
                       <a:pPr algn="l" fontAlgn="b"/>
                       <a:r>
-                        <a:rPr lang="en-US" sz="1200" b="0" i="0" u="none" strike="noStrike" dirty="0">
+                        <a:rPr lang="en-US" sz="1200" b="0" i="0" u="none" strike="noStrike" dirty="0" smtClean="0">
                           <a:solidFill>
                             <a:srgbClr val="000000"/>
                           </a:solidFill>
                           <a:effectLst/>
                           <a:latin typeface="Calibri"/>
                         </a:rPr>
-                        <a:t>GBM</a:t>
+                        <a:t>GBM </a:t>
                       </a:r>
+                      <a:r>
+                        <a:rPr lang="en-US" sz="1200" b="0" i="0" u="none" strike="noStrike" dirty="0" smtClean="0">
+                          <a:solidFill>
+                            <a:srgbClr val="000000"/>
+                          </a:solidFill>
+                          <a:effectLst/>
+                          <a:latin typeface="+mn-lt"/>
+                        </a:rPr>
+                        <a:t>(depth =1, trees = 2000</a:t>
+                      </a:r>
+                      <a:endParaRPr lang="en-US" sz="1200" b="0" i="0" u="none" strike="noStrike" dirty="0">
+                        <a:solidFill>
+                          <a:srgbClr val="000000"/>
+                        </a:solidFill>
+                        <a:effectLst/>
+                        <a:latin typeface="Calibri"/>
+                      </a:endParaRPr>
                     </a:p>
                   </a:txBody>
                   <a:tcPr marL="12357" marR="12357" marT="12357" marB="0" anchor="b">
@@ -6034,18 +6100,18 @@
                     <a:p>
                       <a:pPr algn="r" fontAlgn="b"/>
                       <a:r>
-                        <a:rPr lang="is-IS" sz="1200" b="0" i="0" u="none" strike="noStrike">
+                        <a:rPr lang="en-US" sz="1200" b="0" i="0" u="none" strike="noStrike">
                           <a:solidFill>
                             <a:srgbClr val="000000"/>
                           </a:solidFill>
                           <a:effectLst/>
                           <a:latin typeface="Calibri"/>
                         </a:rPr>
-                        <a:t>3759</a:t>
+                        <a:t>417</a:t>
                       </a:r>
                     </a:p>
                   </a:txBody>
-                  <a:tcPr marL="12357" marR="12357" marT="12357" marB="0" anchor="b">
+                  <a:tcPr marL="12700" marR="12700" marT="12700" marB="0" anchor="b">
                     <a:lnL w="6350" cap="flat" cmpd="sng" algn="ctr">
                       <a:solidFill>
                         <a:srgbClr val="FFFFFF"/>
@@ -6101,11 +6167,11 @@
                           <a:effectLst/>
                           <a:latin typeface="Calibri"/>
                         </a:rPr>
-                        <a:t>0.000213488</a:t>
+                        <a:t>0.00192446</a:t>
                       </a:r>
                     </a:p>
                   </a:txBody>
-                  <a:tcPr marL="12357" marR="12357" marT="12357" marB="0" anchor="b">
+                  <a:tcPr marL="12700" marR="12700" marT="12700" marB="0" anchor="b">
                     <a:lnL w="6350" cap="flat" cmpd="sng" algn="ctr">
                       <a:solidFill>
                         <a:srgbClr val="FFFFFF"/>
@@ -6142,7 +6208,7 @@
                   </a:tcPr>
                 </a:tc>
               </a:tr>
-              <a:tr h="207020">
+              <a:tr h="206782">
                 <a:tc>
                   <a:txBody>
                     <a:bodyPr/>
@@ -6157,7 +6223,7 @@
                           <a:effectLst/>
                           <a:latin typeface="Calibri"/>
                         </a:rPr>
-                        <a:t>SURF + Color (depth =</a:t>
+                        <a:t>SURF + </a:t>
                       </a:r>
                       <a:r>
                         <a:rPr lang="en-US" sz="1200" b="0" i="0" u="none" strike="noStrike" dirty="0" smtClean="0">
@@ -6167,27 +6233,7 @@
                           <a:effectLst/>
                           <a:latin typeface="Calibri"/>
                         </a:rPr>
-                        <a:t>3</a:t>
-                      </a:r>
-                      <a:r>
-                        <a:rPr lang="en-US" sz="1200" b="0" i="0" u="none" strike="noStrike" dirty="0" smtClean="0">
-                          <a:solidFill>
-                            <a:srgbClr val="000000"/>
-                          </a:solidFill>
-                          <a:effectLst/>
-                          <a:latin typeface="+mn-lt"/>
-                        </a:rPr>
-                        <a:t>, trees = 1831</a:t>
-                      </a:r>
-                      <a:r>
-                        <a:rPr lang="en-US" sz="1200" b="0" i="0" u="none" strike="noStrike" dirty="0" smtClean="0">
-                          <a:solidFill>
-                            <a:srgbClr val="000000"/>
-                          </a:solidFill>
-                          <a:effectLst/>
-                          <a:latin typeface="Calibri"/>
-                        </a:rPr>
-                        <a:t>)</a:t>
+                        <a:t>Color</a:t>
                       </a:r>
                       <a:endParaRPr lang="en-US" sz="1200" b="0" i="0" u="none" strike="noStrike" dirty="0">
                         <a:solidFill>
@@ -6239,16 +6285,42 @@
                     <a:bodyPr/>
                     <a:lstStyle/>
                     <a:p>
-                      <a:pPr algn="l" fontAlgn="b"/>
+                      <a:pPr marL="0" marR="0" indent="0" algn="l" defTabSz="457200" rtl="0" eaLnBrk="1" fontAlgn="b" latinLnBrk="0" hangingPunct="1">
+                        <a:lnSpc>
+                          <a:spcPct val="100000"/>
+                        </a:lnSpc>
+                        <a:spcBef>
+                          <a:spcPts val="0"/>
+                        </a:spcBef>
+                        <a:spcAft>
+                          <a:spcPts val="0"/>
+                        </a:spcAft>
+                        <a:buClrTx/>
+                        <a:buSzTx/>
+                        <a:buFontTx/>
+                        <a:buNone/>
+                        <a:tabLst/>
+                        <a:defRPr/>
+                      </a:pPr>
                       <a:r>
-                        <a:rPr lang="en-US" sz="1200" b="0" i="0" u="none" strike="noStrike">
+                        <a:rPr lang="en-US" sz="1200" b="0" i="0" u="none" strike="noStrike" dirty="0" smtClean="0">
                           <a:solidFill>
                             <a:srgbClr val="000000"/>
                           </a:solidFill>
                           <a:effectLst/>
                           <a:latin typeface="Calibri"/>
                         </a:rPr>
-                        <a:t>GBM</a:t>
+                        <a:t>GBM </a:t>
+                      </a:r>
+                      <a:r>
+                        <a:rPr lang="en-US" sz="1200" b="0" i="0" u="none" strike="noStrike" dirty="0" smtClean="0">
+                          <a:solidFill>
+                            <a:srgbClr val="000000"/>
+                          </a:solidFill>
+                          <a:effectLst/>
+                          <a:latin typeface="+mn-lt"/>
+                        </a:rPr>
+                        <a:t>(depth =3, trees = 1831)</a:t>
                       </a:r>
                     </a:p>
                   </a:txBody>
@@ -6368,11 +6440,11 @@
                           <a:effectLst/>
                           <a:latin typeface="Calibri"/>
                         </a:rPr>
-                        <a:t>3759</a:t>
+                        <a:t>1251</a:t>
                       </a:r>
                     </a:p>
                   </a:txBody>
-                  <a:tcPr marL="12357" marR="12357" marT="12357" marB="0" anchor="b">
+                  <a:tcPr marL="12700" marR="12700" marT="12700" marB="0" anchor="b">
                     <a:lnL w="6350" cap="flat" cmpd="sng" algn="ctr">
                       <a:solidFill>
                         <a:srgbClr val="FFFFFF"/>
@@ -6428,11 +6500,11 @@
                           <a:effectLst/>
                           <a:latin typeface="Calibri"/>
                         </a:rPr>
-                        <a:t>0.000210827</a:t>
+                        <a:t>0.000633493</a:t>
                       </a:r>
                     </a:p>
                   </a:txBody>
-                  <a:tcPr marL="12357" marR="12357" marT="12357" marB="0" anchor="b">
+                  <a:tcPr marL="12700" marR="12700" marT="12700" marB="0" anchor="b">
                     <a:lnL w="6350" cap="flat" cmpd="sng" algn="ctr">
                       <a:solidFill>
                         <a:srgbClr val="FFFFFF"/>
@@ -6469,7 +6541,7 @@
                   </a:tcPr>
                 </a:tc>
               </a:tr>
-              <a:tr h="207020">
+              <a:tr h="245230">
                 <a:tc>
                   <a:txBody>
                     <a:bodyPr/>
@@ -6484,7 +6556,7 @@
                           <a:effectLst/>
                           <a:latin typeface="Calibri"/>
                         </a:rPr>
-                        <a:t>SURF + Color (depth =</a:t>
+                        <a:t>SURF </a:t>
                       </a:r>
                       <a:r>
                         <a:rPr lang="en-US" sz="1200" b="0" i="0" u="none" strike="noStrike" dirty="0" smtClean="0">
@@ -6494,27 +6566,7 @@
                           <a:effectLst/>
                           <a:latin typeface="Calibri"/>
                         </a:rPr>
-                        <a:t>5</a:t>
-                      </a:r>
-                      <a:r>
-                        <a:rPr lang="en-US" sz="1200" b="0" i="0" u="none" strike="noStrike" dirty="0" smtClean="0">
-                          <a:solidFill>
-                            <a:srgbClr val="000000"/>
-                          </a:solidFill>
-                          <a:effectLst/>
-                          <a:latin typeface="+mn-lt"/>
-                        </a:rPr>
-                        <a:t>, trees = 1212</a:t>
-                      </a:r>
-                      <a:r>
-                        <a:rPr lang="en-US" sz="1200" b="0" i="0" u="none" strike="noStrike" dirty="0" smtClean="0">
-                          <a:solidFill>
-                            <a:srgbClr val="000000"/>
-                          </a:solidFill>
-                          <a:effectLst/>
-                          <a:latin typeface="Calibri"/>
-                        </a:rPr>
-                        <a:t>)</a:t>
+                        <a:t>+ Color</a:t>
                       </a:r>
                       <a:endParaRPr lang="en-US" sz="1200" b="0" i="0" u="none" strike="noStrike" dirty="0">
                         <a:solidFill>
@@ -6560,9 +6612,25 @@
                     <a:bodyPr/>
                     <a:lstStyle/>
                     <a:p>
-                      <a:pPr algn="l" fontAlgn="b"/>
+                      <a:pPr marL="0" marR="0" indent="0" algn="l" defTabSz="457200" rtl="0" eaLnBrk="1" fontAlgn="b" latinLnBrk="0" hangingPunct="1">
+                        <a:lnSpc>
+                          <a:spcPct val="100000"/>
+                        </a:lnSpc>
+                        <a:spcBef>
+                          <a:spcPts val="0"/>
+                        </a:spcBef>
+                        <a:spcAft>
+                          <a:spcPts val="0"/>
+                        </a:spcAft>
+                        <a:buClrTx/>
+                        <a:buSzTx/>
+                        <a:buFontTx/>
+                        <a:buNone/>
+                        <a:tabLst/>
+                        <a:defRPr/>
+                      </a:pPr>
                       <a:r>
-                        <a:rPr lang="en-US" sz="1200" b="0" i="0" u="none" strike="noStrike">
+                        <a:rPr lang="en-US" sz="1200" b="0" i="0" u="none" strike="noStrike" dirty="0" smtClean="0">
                           <a:solidFill>
                             <a:srgbClr val="000000"/>
                           </a:solidFill>
@@ -6570,6 +6638,16 @@
                           <a:latin typeface="Calibri"/>
                         </a:rPr>
                         <a:t>GBM</a:t>
+                      </a:r>
+                      <a:r>
+                        <a:rPr lang="en-US" sz="1200" b="0" i="0" u="none" strike="noStrike" dirty="0" smtClean="0">
+                          <a:solidFill>
+                            <a:srgbClr val="000000"/>
+                          </a:solidFill>
+                          <a:effectLst/>
+                          <a:latin typeface="+mn-lt"/>
+                        </a:rPr>
+                        <a:t> (depth =5, trees = 1212)</a:t>
                       </a:r>
                     </a:p>
                   </a:txBody>
@@ -6670,18 +6748,18 @@
                     <a:p>
                       <a:pPr algn="r" fontAlgn="b"/>
                       <a:r>
-                        <a:rPr lang="is-IS" sz="1200" b="0" i="0" u="none" strike="noStrike">
+                        <a:rPr lang="en-US" sz="1200" b="0" i="0" u="none" strike="noStrike">
                           <a:solidFill>
                             <a:srgbClr val="000000"/>
                           </a:solidFill>
                           <a:effectLst/>
                           <a:latin typeface="Calibri"/>
                         </a:rPr>
-                        <a:t>3759</a:t>
+                        <a:t>417</a:t>
                       </a:r>
                     </a:p>
                   </a:txBody>
-                  <a:tcPr marL="12357" marR="12357" marT="12357" marB="0" anchor="b">
+                  <a:tcPr marL="12700" marR="12700" marT="12700" marB="0" anchor="b">
                     <a:lnL w="6350" cap="flat" cmpd="sng" algn="ctr">
                       <a:solidFill>
                         <a:srgbClr val="FFFFFF"/>
@@ -6731,11 +6809,11 @@
                           <a:effectLst/>
                           <a:latin typeface="Calibri"/>
                         </a:rPr>
-                        <a:t>0.000217478</a:t>
+                        <a:t>0.001960432</a:t>
                       </a:r>
                     </a:p>
                   </a:txBody>
-                  <a:tcPr marL="12357" marR="12357" marT="12357" marB="0" anchor="b">
+                  <a:tcPr marL="12700" marR="12700" marT="12700" marB="0" anchor="b">
                     <a:lnL w="6350" cap="flat" cmpd="sng" algn="ctr">
                       <a:solidFill>
                         <a:srgbClr val="FFFFFF"/>
@@ -6813,7 +6891,7 @@
         </p:nvSpPr>
         <p:spPr>
           <a:xfrm>
-            <a:off x="457198" y="4546601"/>
+            <a:off x="457198" y="4798283"/>
             <a:ext cx="8229600" cy="503364"/>
           </a:xfrm>
           <a:prstGeom prst="rect">
@@ -6983,7 +7061,7 @@
           <p:nvPr>
             <p:extLst>
               <p:ext uri="{D42A27DB-BD31-4B8C-83A1-F6EECF244321}">
-                <p14:modId xmlns:p14="http://schemas.microsoft.com/office/powerpoint/2010/main" val="658511683"/>
+                <p14:modId xmlns:p14="http://schemas.microsoft.com/office/powerpoint/2010/main" val="586613782"/>
               </p:ext>
             </p:extLst>
           </p:nvPr>
@@ -7571,7 +7649,7 @@
                     <a:p>
                       <a:pPr algn="l" fontAlgn="b"/>
                       <a:r>
-                        <a:rPr lang="en-US" sz="1200" b="0" i="0" u="none" strike="noStrike">
+                        <a:rPr lang="en-US" sz="1200" b="0" i="0" u="none" strike="noStrike" dirty="0">
                           <a:solidFill>
                             <a:srgbClr val="000000"/>
                           </a:solidFill>
@@ -7625,7 +7703,7 @@
                     <a:p>
                       <a:pPr algn="l" fontAlgn="b"/>
                       <a:r>
-                        <a:rPr lang="en-US" sz="1200" b="0" i="0" u="none" strike="noStrike">
+                        <a:rPr lang="en-US" sz="1200" b="0" i="0" u="none" strike="noStrike" dirty="0">
                           <a:solidFill>
                             <a:srgbClr val="000000"/>
                           </a:solidFill>
@@ -7861,15 +7939,32 @@
                     <a:p>
                       <a:pPr algn="l" fontAlgn="b"/>
                       <a:r>
-                        <a:rPr lang="en-US" sz="1200" b="0" i="0" u="none" strike="noStrike">
+                        <a:rPr lang="en-US" sz="1200" b="0" i="0" u="none" strike="noStrike" dirty="0">
                           <a:solidFill>
                             <a:srgbClr val="000000"/>
                           </a:solidFill>
                           <a:effectLst/>
                           <a:latin typeface="Calibri"/>
                         </a:rPr>
-                        <a:t>SURF + Color (depth =5)</a:t>
+                        <a:t>SURF + </a:t>
                       </a:r>
+                      <a:r>
+                        <a:rPr lang="en-US" sz="1200" b="0" i="0" u="none" strike="noStrike" dirty="0" smtClean="0">
+                          <a:solidFill>
+                            <a:srgbClr val="000000"/>
+                          </a:solidFill>
+                          <a:effectLst/>
+                          <a:latin typeface="Calibri"/>
+                        </a:rPr>
+                        <a:t>Color</a:t>
+                      </a:r>
+                      <a:endParaRPr lang="en-US" sz="1200" b="0" i="0" u="none" strike="noStrike" dirty="0">
+                        <a:solidFill>
+                          <a:srgbClr val="000000"/>
+                        </a:solidFill>
+                        <a:effectLst/>
+                        <a:latin typeface="Calibri"/>
+                      </a:endParaRPr>
                     </a:p>
                   </a:txBody>
                   <a:tcPr marL="12301" marR="12301" marT="12301" marB="0" anchor="b">
@@ -7909,15 +8004,32 @@
                     <a:p>
                       <a:pPr algn="l" fontAlgn="b"/>
                       <a:r>
-                        <a:rPr lang="en-US" sz="1200" b="0" i="0" u="none" strike="noStrike">
+                        <a:rPr lang="en-US" sz="1200" b="0" i="0" u="none" strike="noStrike" dirty="0" smtClean="0">
                           <a:solidFill>
                             <a:srgbClr val="000000"/>
                           </a:solidFill>
                           <a:effectLst/>
                           <a:latin typeface="Calibri"/>
                         </a:rPr>
-                        <a:t>GBM</a:t>
+                        <a:t>GBM </a:t>
                       </a:r>
+                      <a:r>
+                        <a:rPr lang="en-US" sz="1200" b="0" i="0" u="none" strike="noStrike" dirty="0" smtClean="0">
+                          <a:solidFill>
+                            <a:srgbClr val="000000"/>
+                          </a:solidFill>
+                          <a:effectLst/>
+                          <a:latin typeface="+mn-lt"/>
+                        </a:rPr>
+                        <a:t>(depth =5)</a:t>
+                      </a:r>
+                      <a:endParaRPr lang="en-US" sz="1200" b="0" i="0" u="none" strike="noStrike" dirty="0">
+                        <a:solidFill>
+                          <a:srgbClr val="000000"/>
+                        </a:solidFill>
+                        <a:effectLst/>
+                        <a:latin typeface="Calibri"/>
+                      </a:endParaRPr>
                     </a:p>
                   </a:txBody>
                   <a:tcPr marL="12301" marR="12301" marT="12301" marB="0" anchor="b">

--- a/doc/Image Presentation.pptx
+++ b/doc/Image Presentation.pptx
@@ -3574,3280 +3574,6 @@
           </a:p>
         </p:txBody>
       </p:sp>
-      <p:graphicFrame>
-        <p:nvGraphicFramePr>
-          <p:cNvPr id="5" name="Table 4"/>
-          <p:cNvGraphicFramePr>
-            <a:graphicFrameLocks noGrp="1"/>
-          </p:cNvGraphicFramePr>
-          <p:nvPr>
-            <p:extLst>
-              <p:ext uri="{D42A27DB-BD31-4B8C-83A1-F6EECF244321}">
-                <p14:modId xmlns:p14="http://schemas.microsoft.com/office/powerpoint/2010/main" val="1525589812"/>
-              </p:ext>
-            </p:extLst>
-          </p:nvPr>
-        </p:nvGraphicFramePr>
-        <p:xfrm>
-          <a:off x="295276" y="1686752"/>
-          <a:ext cx="8229599" cy="3111531"/>
-        </p:xfrm>
-        <a:graphic>
-          <a:graphicData uri="http://schemas.openxmlformats.org/drawingml/2006/table">
-            <a:tbl>
-              <a:tblPr/>
-              <a:tblGrid>
-                <a:gridCol w="1447801"/>
-                <a:gridCol w="2753495"/>
-                <a:gridCol w="1915297"/>
-                <a:gridCol w="803189"/>
-                <a:gridCol w="1309817"/>
-              </a:tblGrid>
-              <a:tr h="0">
-                <a:tc>
-                  <a:txBody>
-                    <a:bodyPr/>
-                    <a:lstStyle/>
-                    <a:p>
-                      <a:pPr algn="l" fontAlgn="b"/>
-                      <a:r>
-                        <a:rPr lang="en-US" sz="1200" b="1" i="0" u="sng" strike="noStrike">
-                          <a:solidFill>
-                            <a:srgbClr val="FFFFFF"/>
-                          </a:solidFill>
-                          <a:effectLst/>
-                          <a:latin typeface="Calibri"/>
-                        </a:rPr>
-                        <a:t>Feature</a:t>
-                      </a:r>
-                    </a:p>
-                  </a:txBody>
-                  <a:tcPr marL="12357" marR="12357" marT="12357" marB="0" anchor="b">
-                    <a:lnL>
-                      <a:noFill/>
-                    </a:lnL>
-                    <a:lnR w="6350" cap="flat" cmpd="sng" algn="ctr">
-                      <a:solidFill>
-                        <a:srgbClr val="FFFFFF"/>
-                      </a:solidFill>
-                      <a:prstDash val="solid"/>
-                      <a:round/>
-                      <a:headEnd type="none" w="med" len="med"/>
-                      <a:tailEnd type="none" w="med" len="med"/>
-                    </a:lnR>
-                    <a:lnT>
-                      <a:noFill/>
-                    </a:lnT>
-                    <a:lnB w="6350" cap="flat" cmpd="sng" algn="ctr">
-                      <a:solidFill>
-                        <a:srgbClr val="FFFFFF"/>
-                      </a:solidFill>
-                      <a:prstDash val="solid"/>
-                      <a:round/>
-                      <a:headEnd type="none" w="med" len="med"/>
-                      <a:tailEnd type="none" w="med" len="med"/>
-                    </a:lnB>
-                    <a:solidFill>
-                      <a:srgbClr val="4F81BD"/>
-                    </a:solidFill>
-                  </a:tcPr>
-                </a:tc>
-                <a:tc>
-                  <a:txBody>
-                    <a:bodyPr/>
-                    <a:lstStyle/>
-                    <a:p>
-                      <a:pPr algn="l" fontAlgn="b"/>
-                      <a:r>
-                        <a:rPr lang="en-US" sz="1200" b="1" i="0" u="sng" strike="noStrike">
-                          <a:solidFill>
-                            <a:srgbClr val="FFFFFF"/>
-                          </a:solidFill>
-                          <a:effectLst/>
-                          <a:latin typeface="Calibri"/>
-                        </a:rPr>
-                        <a:t>Model</a:t>
-                      </a:r>
-                    </a:p>
-                  </a:txBody>
-                  <a:tcPr marL="12357" marR="12357" marT="12357" marB="0" anchor="b">
-                    <a:lnL w="6350" cap="flat" cmpd="sng" algn="ctr">
-                      <a:solidFill>
-                        <a:srgbClr val="FFFFFF"/>
-                      </a:solidFill>
-                      <a:prstDash val="solid"/>
-                      <a:round/>
-                      <a:headEnd type="none" w="med" len="med"/>
-                      <a:tailEnd type="none" w="med" len="med"/>
-                    </a:lnL>
-                    <a:lnR w="6350" cap="flat" cmpd="sng" algn="ctr">
-                      <a:solidFill>
-                        <a:srgbClr val="FFFFFF"/>
-                      </a:solidFill>
-                      <a:prstDash val="solid"/>
-                      <a:round/>
-                      <a:headEnd type="none" w="med" len="med"/>
-                      <a:tailEnd type="none" w="med" len="med"/>
-                    </a:lnR>
-                    <a:lnT>
-                      <a:noFill/>
-                    </a:lnT>
-                    <a:lnB w="6350" cap="flat" cmpd="sng" algn="ctr">
-                      <a:solidFill>
-                        <a:srgbClr val="FFFFFF"/>
-                      </a:solidFill>
-                      <a:prstDash val="solid"/>
-                      <a:round/>
-                      <a:headEnd type="none" w="med" len="med"/>
-                      <a:tailEnd type="none" w="med" len="med"/>
-                    </a:lnB>
-                    <a:solidFill>
-                      <a:srgbClr val="4F81BD"/>
-                    </a:solidFill>
-                  </a:tcPr>
-                </a:tc>
-                <a:tc>
-                  <a:txBody>
-                    <a:bodyPr/>
-                    <a:lstStyle/>
-                    <a:p>
-                      <a:pPr algn="l" fontAlgn="b"/>
-                      <a:r>
-                        <a:rPr lang="en-US" sz="1200" b="1" i="0" u="sng" strike="noStrike" dirty="0" smtClean="0">
-                          <a:solidFill>
-                            <a:srgbClr val="FFFFFF"/>
-                          </a:solidFill>
-                          <a:effectLst/>
-                          <a:latin typeface="Calibri"/>
-                        </a:rPr>
-                        <a:t>Accuracy </a:t>
-                      </a:r>
-                      <a:r>
-                        <a:rPr lang="en-US" sz="1200" b="1" i="0" u="sng" strike="noStrike" dirty="0">
-                          <a:solidFill>
-                            <a:srgbClr val="FFFFFF"/>
-                          </a:solidFill>
-                          <a:effectLst/>
-                          <a:latin typeface="Calibri"/>
-                        </a:rPr>
-                        <a:t>(CV = 5-fold)</a:t>
-                      </a:r>
-                    </a:p>
-                  </a:txBody>
-                  <a:tcPr marL="12357" marR="12357" marT="12357" marB="0" anchor="b">
-                    <a:lnL w="6350" cap="flat" cmpd="sng" algn="ctr">
-                      <a:solidFill>
-                        <a:srgbClr val="FFFFFF"/>
-                      </a:solidFill>
-                      <a:prstDash val="solid"/>
-                      <a:round/>
-                      <a:headEnd type="none" w="med" len="med"/>
-                      <a:tailEnd type="none" w="med" len="med"/>
-                    </a:lnL>
-                    <a:lnR w="6350" cap="flat" cmpd="sng" algn="ctr">
-                      <a:solidFill>
-                        <a:srgbClr val="FFFFFF"/>
-                      </a:solidFill>
-                      <a:prstDash val="solid"/>
-                      <a:round/>
-                      <a:headEnd type="none" w="med" len="med"/>
-                      <a:tailEnd type="none" w="med" len="med"/>
-                    </a:lnR>
-                    <a:lnT>
-                      <a:noFill/>
-                    </a:lnT>
-                    <a:lnB w="6350" cap="flat" cmpd="sng" algn="ctr">
-                      <a:solidFill>
-                        <a:srgbClr val="FFFFFF"/>
-                      </a:solidFill>
-                      <a:prstDash val="solid"/>
-                      <a:round/>
-                      <a:headEnd type="none" w="med" len="med"/>
-                      <a:tailEnd type="none" w="med" len="med"/>
-                    </a:lnB>
-                    <a:solidFill>
-                      <a:srgbClr val="4F81BD"/>
-                    </a:solidFill>
-                  </a:tcPr>
-                </a:tc>
-                <a:tc>
-                  <a:txBody>
-                    <a:bodyPr/>
-                    <a:lstStyle/>
-                    <a:p>
-                      <a:pPr algn="l" fontAlgn="b"/>
-                      <a:r>
-                        <a:rPr lang="en-US" sz="1200" b="1" i="0" u="sng" strike="noStrike">
-                          <a:solidFill>
-                            <a:srgbClr val="FFFFFF"/>
-                          </a:solidFill>
-                          <a:effectLst/>
-                          <a:latin typeface="Calibri"/>
-                        </a:rPr>
-                        <a:t>Timing</a:t>
-                      </a:r>
-                    </a:p>
-                  </a:txBody>
-                  <a:tcPr marL="12357" marR="12357" marT="12357" marB="0" anchor="b">
-                    <a:lnL w="6350" cap="flat" cmpd="sng" algn="ctr">
-                      <a:solidFill>
-                        <a:srgbClr val="FFFFFF"/>
-                      </a:solidFill>
-                      <a:prstDash val="solid"/>
-                      <a:round/>
-                      <a:headEnd type="none" w="med" len="med"/>
-                      <a:tailEnd type="none" w="med" len="med"/>
-                    </a:lnL>
-                    <a:lnR w="6350" cap="flat" cmpd="sng" algn="ctr">
-                      <a:solidFill>
-                        <a:srgbClr val="FFFFFF"/>
-                      </a:solidFill>
-                      <a:prstDash val="solid"/>
-                      <a:round/>
-                      <a:headEnd type="none" w="med" len="med"/>
-                      <a:tailEnd type="none" w="med" len="med"/>
-                    </a:lnR>
-                    <a:lnT>
-                      <a:noFill/>
-                    </a:lnT>
-                    <a:lnB w="6350" cap="flat" cmpd="sng" algn="ctr">
-                      <a:solidFill>
-                        <a:srgbClr val="FFFFFF"/>
-                      </a:solidFill>
-                      <a:prstDash val="solid"/>
-                      <a:round/>
-                      <a:headEnd type="none" w="med" len="med"/>
-                      <a:tailEnd type="none" w="med" len="med"/>
-                    </a:lnB>
-                    <a:solidFill>
-                      <a:srgbClr val="4F81BD"/>
-                    </a:solidFill>
-                  </a:tcPr>
-                </a:tc>
-                <a:tc>
-                  <a:txBody>
-                    <a:bodyPr/>
-                    <a:lstStyle/>
-                    <a:p>
-                      <a:pPr algn="l" fontAlgn="b"/>
-                      <a:r>
-                        <a:rPr lang="en-US" sz="1200" b="1" i="0" u="sng" strike="noStrike" dirty="0">
-                          <a:solidFill>
-                            <a:srgbClr val="FFFFFF"/>
-                          </a:solidFill>
-                          <a:effectLst/>
-                          <a:latin typeface="Calibri"/>
-                        </a:rPr>
-                        <a:t>Accuracy/Timing</a:t>
-                      </a:r>
-                    </a:p>
-                  </a:txBody>
-                  <a:tcPr marL="12357" marR="12357" marT="12357" marB="0" anchor="b">
-                    <a:lnL w="6350" cap="flat" cmpd="sng" algn="ctr">
-                      <a:solidFill>
-                        <a:srgbClr val="FFFFFF"/>
-                      </a:solidFill>
-                      <a:prstDash val="solid"/>
-                      <a:round/>
-                      <a:headEnd type="none" w="med" len="med"/>
-                      <a:tailEnd type="none" w="med" len="med"/>
-                    </a:lnL>
-                    <a:lnR>
-                      <a:noFill/>
-                    </a:lnR>
-                    <a:lnT>
-                      <a:noFill/>
-                    </a:lnT>
-                    <a:lnB w="6350" cap="flat" cmpd="sng" algn="ctr">
-                      <a:solidFill>
-                        <a:srgbClr val="FFFFFF"/>
-                      </a:solidFill>
-                      <a:prstDash val="solid"/>
-                      <a:round/>
-                      <a:headEnd type="none" w="med" len="med"/>
-                      <a:tailEnd type="none" w="med" len="med"/>
-                    </a:lnB>
-                    <a:solidFill>
-                      <a:srgbClr val="4F81BD"/>
-                    </a:solidFill>
-                  </a:tcPr>
-                </a:tc>
-              </a:tr>
-              <a:tr h="245230">
-                <a:tc>
-                  <a:txBody>
-                    <a:bodyPr/>
-                    <a:lstStyle/>
-                    <a:p>
-                      <a:pPr algn="l" fontAlgn="b"/>
-                      <a:r>
-                        <a:rPr lang="en-US" sz="1200" b="0" i="0" u="none" strike="noStrike" dirty="0" smtClean="0">
-                          <a:solidFill>
-                            <a:srgbClr val="000000"/>
-                          </a:solidFill>
-                          <a:effectLst/>
-                          <a:latin typeface="Calibri"/>
-                        </a:rPr>
-                        <a:t>SIFT</a:t>
-                      </a:r>
-                      <a:endParaRPr lang="en-US" sz="1200" b="0" i="0" u="none" strike="noStrike" dirty="0">
-                        <a:solidFill>
-                          <a:srgbClr val="000000"/>
-                        </a:solidFill>
-                        <a:effectLst/>
-                        <a:latin typeface="Calibri"/>
-                      </a:endParaRPr>
-                    </a:p>
-                  </a:txBody>
-                  <a:tcPr marL="12357" marR="12357" marT="12357" marB="0" anchor="b">
-                    <a:lnL>
-                      <a:noFill/>
-                    </a:lnL>
-                    <a:lnR w="6350" cap="flat" cmpd="sng" algn="ctr">
-                      <a:solidFill>
-                        <a:srgbClr val="FFFFFF"/>
-                      </a:solidFill>
-                      <a:prstDash val="solid"/>
-                      <a:round/>
-                      <a:headEnd type="none" w="med" len="med"/>
-                      <a:tailEnd type="none" w="med" len="med"/>
-                    </a:lnR>
-                    <a:lnT w="6350" cap="flat" cmpd="sng" algn="ctr">
-                      <a:solidFill>
-                        <a:srgbClr val="FFFFFF"/>
-                      </a:solidFill>
-                      <a:prstDash val="solid"/>
-                      <a:round/>
-                      <a:headEnd type="none" w="med" len="med"/>
-                      <a:tailEnd type="none" w="med" len="med"/>
-                    </a:lnT>
-                    <a:lnB w="6350" cap="flat" cmpd="sng" algn="ctr">
-                      <a:solidFill>
-                        <a:srgbClr val="FFFFFF"/>
-                      </a:solidFill>
-                      <a:prstDash val="solid"/>
-                      <a:round/>
-                      <a:headEnd type="none" w="med" len="med"/>
-                      <a:tailEnd type="none" w="med" len="med"/>
-                    </a:lnB>
-                    <a:solidFill>
-                      <a:srgbClr val="B8CCE4"/>
-                    </a:solidFill>
-                  </a:tcPr>
-                </a:tc>
-                <a:tc>
-                  <a:txBody>
-                    <a:bodyPr/>
-                    <a:lstStyle/>
-                    <a:p>
-                      <a:pPr marL="0" marR="0" indent="0" algn="l" defTabSz="457200" rtl="0" eaLnBrk="1" fontAlgn="b" latinLnBrk="0" hangingPunct="1">
-                        <a:lnSpc>
-                          <a:spcPct val="100000"/>
-                        </a:lnSpc>
-                        <a:spcBef>
-                          <a:spcPts val="0"/>
-                        </a:spcBef>
-                        <a:spcAft>
-                          <a:spcPts val="0"/>
-                        </a:spcAft>
-                        <a:buClrTx/>
-                        <a:buSzTx/>
-                        <a:buFontTx/>
-                        <a:buNone/>
-                        <a:tabLst/>
-                        <a:defRPr/>
-                      </a:pPr>
-                      <a:r>
-                        <a:rPr lang="en-US" sz="1200" b="0" i="0" u="none" strike="noStrike" dirty="0" smtClean="0">
-                          <a:solidFill>
-                            <a:srgbClr val="000000"/>
-                          </a:solidFill>
-                          <a:effectLst/>
-                          <a:latin typeface="Calibri"/>
-                        </a:rPr>
-                        <a:t>GBM </a:t>
-                      </a:r>
-                      <a:r>
-                        <a:rPr lang="en-US" sz="1200" b="0" i="0" u="none" strike="noStrike" dirty="0" smtClean="0">
-                          <a:solidFill>
-                            <a:srgbClr val="000000"/>
-                          </a:solidFill>
-                          <a:effectLst/>
-                          <a:latin typeface="+mn-lt"/>
-                        </a:rPr>
-                        <a:t>(depth = 1, trees = 2000)</a:t>
-                      </a:r>
-                    </a:p>
-                    <a:p>
-                      <a:pPr algn="l" fontAlgn="b"/>
-                      <a:endParaRPr lang="en-US" sz="1200" b="0" i="0" u="none" strike="noStrike" dirty="0">
-                        <a:solidFill>
-                          <a:srgbClr val="000000"/>
-                        </a:solidFill>
-                        <a:effectLst/>
-                        <a:latin typeface="Calibri"/>
-                      </a:endParaRPr>
-                    </a:p>
-                  </a:txBody>
-                  <a:tcPr marL="12357" marR="12357" marT="12357" marB="0" anchor="b">
-                    <a:lnL w="6350" cap="flat" cmpd="sng" algn="ctr">
-                      <a:solidFill>
-                        <a:srgbClr val="FFFFFF"/>
-                      </a:solidFill>
-                      <a:prstDash val="solid"/>
-                      <a:round/>
-                      <a:headEnd type="none" w="med" len="med"/>
-                      <a:tailEnd type="none" w="med" len="med"/>
-                    </a:lnL>
-                    <a:lnR w="6350" cap="flat" cmpd="sng" algn="ctr">
-                      <a:solidFill>
-                        <a:srgbClr val="FFFFFF"/>
-                      </a:solidFill>
-                      <a:prstDash val="solid"/>
-                      <a:round/>
-                      <a:headEnd type="none" w="med" len="med"/>
-                      <a:tailEnd type="none" w="med" len="med"/>
-                    </a:lnR>
-                    <a:lnT w="6350" cap="flat" cmpd="sng" algn="ctr">
-                      <a:solidFill>
-                        <a:srgbClr val="FFFFFF"/>
-                      </a:solidFill>
-                      <a:prstDash val="solid"/>
-                      <a:round/>
-                      <a:headEnd type="none" w="med" len="med"/>
-                      <a:tailEnd type="none" w="med" len="med"/>
-                    </a:lnT>
-                    <a:lnB w="6350" cap="flat" cmpd="sng" algn="ctr">
-                      <a:solidFill>
-                        <a:srgbClr val="FFFFFF"/>
-                      </a:solidFill>
-                      <a:prstDash val="solid"/>
-                      <a:round/>
-                      <a:headEnd type="none" w="med" len="med"/>
-                      <a:tailEnd type="none" w="med" len="med"/>
-                    </a:lnB>
-                    <a:solidFill>
-                      <a:srgbClr val="B8CCE4"/>
-                    </a:solidFill>
-                  </a:tcPr>
-                </a:tc>
-                <a:tc>
-                  <a:txBody>
-                    <a:bodyPr/>
-                    <a:lstStyle/>
-                    <a:p>
-                      <a:pPr algn="r" fontAlgn="b"/>
-                      <a:r>
-                        <a:rPr lang="hr-HR" sz="1200" b="0" i="0" u="none" strike="noStrike">
-                          <a:solidFill>
-                            <a:srgbClr val="000000"/>
-                          </a:solidFill>
-                          <a:effectLst/>
-                          <a:latin typeface="Calibri"/>
-                        </a:rPr>
-                        <a:t>66.25%</a:t>
-                      </a:r>
-                    </a:p>
-                  </a:txBody>
-                  <a:tcPr marL="12357" marR="12357" marT="12357" marB="0" anchor="b">
-                    <a:lnL w="6350" cap="flat" cmpd="sng" algn="ctr">
-                      <a:solidFill>
-                        <a:srgbClr val="FFFFFF"/>
-                      </a:solidFill>
-                      <a:prstDash val="solid"/>
-                      <a:round/>
-                      <a:headEnd type="none" w="med" len="med"/>
-                      <a:tailEnd type="none" w="med" len="med"/>
-                    </a:lnL>
-                    <a:lnR w="6350" cap="flat" cmpd="sng" algn="ctr">
-                      <a:solidFill>
-                        <a:srgbClr val="FFFFFF"/>
-                      </a:solidFill>
-                      <a:prstDash val="solid"/>
-                      <a:round/>
-                      <a:headEnd type="none" w="med" len="med"/>
-                      <a:tailEnd type="none" w="med" len="med"/>
-                    </a:lnR>
-                    <a:lnT w="6350" cap="flat" cmpd="sng" algn="ctr">
-                      <a:solidFill>
-                        <a:srgbClr val="FFFFFF"/>
-                      </a:solidFill>
-                      <a:prstDash val="solid"/>
-                      <a:round/>
-                      <a:headEnd type="none" w="med" len="med"/>
-                      <a:tailEnd type="none" w="med" len="med"/>
-                    </a:lnT>
-                    <a:lnB w="6350" cap="flat" cmpd="sng" algn="ctr">
-                      <a:solidFill>
-                        <a:srgbClr val="FFFFFF"/>
-                      </a:solidFill>
-                      <a:prstDash val="solid"/>
-                      <a:round/>
-                      <a:headEnd type="none" w="med" len="med"/>
-                      <a:tailEnd type="none" w="med" len="med"/>
-                    </a:lnB>
-                    <a:solidFill>
-                      <a:srgbClr val="B8CCE4"/>
-                    </a:solidFill>
-                  </a:tcPr>
-                </a:tc>
-                <a:tc>
-                  <a:txBody>
-                    <a:bodyPr/>
-                    <a:lstStyle/>
-                    <a:p>
-                      <a:pPr algn="r" fontAlgn="b"/>
-                      <a:r>
-                        <a:rPr lang="is-IS" sz="1200" b="0" i="0" u="none" strike="noStrike">
-                          <a:solidFill>
-                            <a:srgbClr val="000000"/>
-                          </a:solidFill>
-                          <a:effectLst/>
-                          <a:latin typeface="Calibri"/>
-                        </a:rPr>
-                        <a:t>372</a:t>
-                      </a:r>
-                    </a:p>
-                  </a:txBody>
-                  <a:tcPr marL="12700" marR="12700" marT="12700" marB="0" anchor="b">
-                    <a:lnL w="6350" cap="flat" cmpd="sng" algn="ctr">
-                      <a:solidFill>
-                        <a:srgbClr val="FFFFFF"/>
-                      </a:solidFill>
-                      <a:prstDash val="solid"/>
-                      <a:round/>
-                      <a:headEnd type="none" w="med" len="med"/>
-                      <a:tailEnd type="none" w="med" len="med"/>
-                    </a:lnL>
-                    <a:lnR w="6350" cap="flat" cmpd="sng" algn="ctr">
-                      <a:solidFill>
-                        <a:srgbClr val="FFFFFF"/>
-                      </a:solidFill>
-                      <a:prstDash val="solid"/>
-                      <a:round/>
-                      <a:headEnd type="none" w="med" len="med"/>
-                      <a:tailEnd type="none" w="med" len="med"/>
-                    </a:lnR>
-                    <a:lnT w="6350" cap="flat" cmpd="sng" algn="ctr">
-                      <a:solidFill>
-                        <a:srgbClr val="FFFFFF"/>
-                      </a:solidFill>
-                      <a:prstDash val="solid"/>
-                      <a:round/>
-                      <a:headEnd type="none" w="med" len="med"/>
-                      <a:tailEnd type="none" w="med" len="med"/>
-                    </a:lnT>
-                    <a:lnB w="6350" cap="flat" cmpd="sng" algn="ctr">
-                      <a:solidFill>
-                        <a:srgbClr val="FFFFFF"/>
-                      </a:solidFill>
-                      <a:prstDash val="solid"/>
-                      <a:round/>
-                      <a:headEnd type="none" w="med" len="med"/>
-                      <a:tailEnd type="none" w="med" len="med"/>
-                    </a:lnB>
-                    <a:solidFill>
-                      <a:srgbClr val="B8CCE4"/>
-                    </a:solidFill>
-                  </a:tcPr>
-                </a:tc>
-                <a:tc>
-                  <a:txBody>
-                    <a:bodyPr/>
-                    <a:lstStyle/>
-                    <a:p>
-                      <a:pPr algn="r" fontAlgn="b"/>
-                      <a:r>
-                        <a:rPr lang="is-IS" sz="1200" b="0" i="0" u="none" strike="noStrike">
-                          <a:solidFill>
-                            <a:srgbClr val="000000"/>
-                          </a:solidFill>
-                          <a:effectLst/>
-                          <a:latin typeface="Calibri"/>
-                        </a:rPr>
-                        <a:t>0.001780914</a:t>
-                      </a:r>
-                    </a:p>
-                  </a:txBody>
-                  <a:tcPr marL="12700" marR="12700" marT="12700" marB="0" anchor="b">
-                    <a:lnL w="6350" cap="flat" cmpd="sng" algn="ctr">
-                      <a:solidFill>
-                        <a:srgbClr val="FFFFFF"/>
-                      </a:solidFill>
-                      <a:prstDash val="solid"/>
-                      <a:round/>
-                      <a:headEnd type="none" w="med" len="med"/>
-                      <a:tailEnd type="none" w="med" len="med"/>
-                    </a:lnL>
-                    <a:lnR>
-                      <a:noFill/>
-                    </a:lnR>
-                    <a:lnT w="6350" cap="flat" cmpd="sng" algn="ctr">
-                      <a:solidFill>
-                        <a:srgbClr val="FFFFFF"/>
-                      </a:solidFill>
-                      <a:prstDash val="solid"/>
-                      <a:round/>
-                      <a:headEnd type="none" w="med" len="med"/>
-                      <a:tailEnd type="none" w="med" len="med"/>
-                    </a:lnT>
-                    <a:lnB w="6350" cap="flat" cmpd="sng" algn="ctr">
-                      <a:solidFill>
-                        <a:srgbClr val="FFFFFF"/>
-                      </a:solidFill>
-                      <a:prstDash val="solid"/>
-                      <a:round/>
-                      <a:headEnd type="none" w="med" len="med"/>
-                      <a:tailEnd type="none" w="med" len="med"/>
-                    </a:lnB>
-                    <a:solidFill>
-                      <a:srgbClr val="B8CCE4"/>
-                    </a:solidFill>
-                  </a:tcPr>
-                </a:tc>
-              </a:tr>
-              <a:tr h="245230">
-                <a:tc>
-                  <a:txBody>
-                    <a:bodyPr/>
-                    <a:lstStyle/>
-                    <a:p>
-                      <a:pPr algn="l" fontAlgn="b"/>
-                      <a:r>
-                        <a:rPr lang="en-US" sz="1200" b="0" i="0" u="none" strike="noStrike" dirty="0" smtClean="0">
-                          <a:solidFill>
-                            <a:srgbClr val="000000"/>
-                          </a:solidFill>
-                          <a:effectLst/>
-                          <a:latin typeface="Calibri"/>
-                        </a:rPr>
-                        <a:t>SIFT</a:t>
-                      </a:r>
-                      <a:endParaRPr lang="en-US" sz="1200" b="0" i="0" u="none" strike="noStrike" dirty="0">
-                        <a:solidFill>
-                          <a:srgbClr val="000000"/>
-                        </a:solidFill>
-                        <a:effectLst/>
-                        <a:latin typeface="Calibri"/>
-                      </a:endParaRPr>
-                    </a:p>
-                  </a:txBody>
-                  <a:tcPr marL="12357" marR="12357" marT="12357" marB="0" anchor="b">
-                    <a:lnL>
-                      <a:noFill/>
-                    </a:lnL>
-                    <a:lnR w="6350" cap="flat" cmpd="sng" algn="ctr">
-                      <a:solidFill>
-                        <a:srgbClr val="FFFFFF"/>
-                      </a:solidFill>
-                      <a:prstDash val="solid"/>
-                      <a:round/>
-                      <a:headEnd type="none" w="med" len="med"/>
-                      <a:tailEnd type="none" w="med" len="med"/>
-                    </a:lnR>
-                    <a:lnT w="6350" cap="flat" cmpd="sng" algn="ctr">
-                      <a:solidFill>
-                        <a:srgbClr val="FFFFFF"/>
-                      </a:solidFill>
-                      <a:prstDash val="solid"/>
-                      <a:round/>
-                      <a:headEnd type="none" w="med" len="med"/>
-                      <a:tailEnd type="none" w="med" len="med"/>
-                    </a:lnT>
-                    <a:lnB w="6350" cap="flat" cmpd="sng" algn="ctr">
-                      <a:solidFill>
-                        <a:srgbClr val="FFFFFF"/>
-                      </a:solidFill>
-                      <a:prstDash val="solid"/>
-                      <a:round/>
-                      <a:headEnd type="none" w="med" len="med"/>
-                      <a:tailEnd type="none" w="med" len="med"/>
-                    </a:lnB>
-                    <a:solidFill>
-                      <a:srgbClr val="DCE6F1"/>
-                    </a:solidFill>
-                  </a:tcPr>
-                </a:tc>
-                <a:tc>
-                  <a:txBody>
-                    <a:bodyPr/>
-                    <a:lstStyle/>
-                    <a:p>
-                      <a:pPr marL="0" marR="0" indent="0" algn="l" defTabSz="457200" rtl="0" eaLnBrk="1" fontAlgn="b" latinLnBrk="0" hangingPunct="1">
-                        <a:lnSpc>
-                          <a:spcPct val="100000"/>
-                        </a:lnSpc>
-                        <a:spcBef>
-                          <a:spcPts val="0"/>
-                        </a:spcBef>
-                        <a:spcAft>
-                          <a:spcPts val="0"/>
-                        </a:spcAft>
-                        <a:buClrTx/>
-                        <a:buSzTx/>
-                        <a:buFontTx/>
-                        <a:buNone/>
-                        <a:tabLst/>
-                        <a:defRPr/>
-                      </a:pPr>
-                      <a:r>
-                        <a:rPr lang="en-US" sz="1200" b="0" i="0" u="none" strike="noStrike" dirty="0" smtClean="0">
-                          <a:solidFill>
-                            <a:srgbClr val="000000"/>
-                          </a:solidFill>
-                          <a:effectLst/>
-                          <a:latin typeface="Calibri"/>
-                        </a:rPr>
-                        <a:t>GBM </a:t>
-                      </a:r>
-                      <a:r>
-                        <a:rPr lang="en-US" sz="1200" b="0" i="0" u="none" strike="noStrike" dirty="0" smtClean="0">
-                          <a:solidFill>
-                            <a:srgbClr val="000000"/>
-                          </a:solidFill>
-                          <a:effectLst/>
-                          <a:latin typeface="+mn-lt"/>
-                        </a:rPr>
-                        <a:t>(depth =3, trees = 2000)</a:t>
-                      </a:r>
-                    </a:p>
-                    <a:p>
-                      <a:pPr algn="l" fontAlgn="b"/>
-                      <a:endParaRPr lang="en-US" sz="1200" b="0" i="0" u="none" strike="noStrike" dirty="0">
-                        <a:solidFill>
-                          <a:srgbClr val="000000"/>
-                        </a:solidFill>
-                        <a:effectLst/>
-                        <a:latin typeface="Calibri"/>
-                      </a:endParaRPr>
-                    </a:p>
-                  </a:txBody>
-                  <a:tcPr marL="12357" marR="12357" marT="12357" marB="0" anchor="b">
-                    <a:lnL w="6350" cap="flat" cmpd="sng" algn="ctr">
-                      <a:solidFill>
-                        <a:srgbClr val="FFFFFF"/>
-                      </a:solidFill>
-                      <a:prstDash val="solid"/>
-                      <a:round/>
-                      <a:headEnd type="none" w="med" len="med"/>
-                      <a:tailEnd type="none" w="med" len="med"/>
-                    </a:lnL>
-                    <a:lnR w="6350" cap="flat" cmpd="sng" algn="ctr">
-                      <a:solidFill>
-                        <a:srgbClr val="FFFFFF"/>
-                      </a:solidFill>
-                      <a:prstDash val="solid"/>
-                      <a:round/>
-                      <a:headEnd type="none" w="med" len="med"/>
-                      <a:tailEnd type="none" w="med" len="med"/>
-                    </a:lnR>
-                    <a:lnT w="6350" cap="flat" cmpd="sng" algn="ctr">
-                      <a:solidFill>
-                        <a:srgbClr val="FFFFFF"/>
-                      </a:solidFill>
-                      <a:prstDash val="solid"/>
-                      <a:round/>
-                      <a:headEnd type="none" w="med" len="med"/>
-                      <a:tailEnd type="none" w="med" len="med"/>
-                    </a:lnT>
-                    <a:lnB w="6350" cap="flat" cmpd="sng" algn="ctr">
-                      <a:solidFill>
-                        <a:srgbClr val="FFFFFF"/>
-                      </a:solidFill>
-                      <a:prstDash val="solid"/>
-                      <a:round/>
-                      <a:headEnd type="none" w="med" len="med"/>
-                      <a:tailEnd type="none" w="med" len="med"/>
-                    </a:lnB>
-                    <a:solidFill>
-                      <a:srgbClr val="DCE6F1"/>
-                    </a:solidFill>
-                  </a:tcPr>
-                </a:tc>
-                <a:tc>
-                  <a:txBody>
-                    <a:bodyPr/>
-                    <a:lstStyle/>
-                    <a:p>
-                      <a:pPr algn="r" fontAlgn="b"/>
-                      <a:r>
-                        <a:rPr lang="is-IS" sz="1200" b="0" i="0" u="none" strike="noStrike" dirty="0">
-                          <a:solidFill>
-                            <a:srgbClr val="000000"/>
-                          </a:solidFill>
-                          <a:effectLst/>
-                          <a:latin typeface="Calibri"/>
-                        </a:rPr>
-                        <a:t>67%</a:t>
-                      </a:r>
-                    </a:p>
-                  </a:txBody>
-                  <a:tcPr marL="12357" marR="12357" marT="12357" marB="0" anchor="b">
-                    <a:lnL w="6350" cap="flat" cmpd="sng" algn="ctr">
-                      <a:solidFill>
-                        <a:srgbClr val="FFFFFF"/>
-                      </a:solidFill>
-                      <a:prstDash val="solid"/>
-                      <a:round/>
-                      <a:headEnd type="none" w="med" len="med"/>
-                      <a:tailEnd type="none" w="med" len="med"/>
-                    </a:lnL>
-                    <a:lnR w="6350" cap="flat" cmpd="sng" algn="ctr">
-                      <a:solidFill>
-                        <a:srgbClr val="FFFFFF"/>
-                      </a:solidFill>
-                      <a:prstDash val="solid"/>
-                      <a:round/>
-                      <a:headEnd type="none" w="med" len="med"/>
-                      <a:tailEnd type="none" w="med" len="med"/>
-                    </a:lnR>
-                    <a:lnT w="6350" cap="flat" cmpd="sng" algn="ctr">
-                      <a:solidFill>
-                        <a:srgbClr val="FFFFFF"/>
-                      </a:solidFill>
-                      <a:prstDash val="solid"/>
-                      <a:round/>
-                      <a:headEnd type="none" w="med" len="med"/>
-                      <a:tailEnd type="none" w="med" len="med"/>
-                    </a:lnT>
-                    <a:lnB w="6350" cap="flat" cmpd="sng" algn="ctr">
-                      <a:solidFill>
-                        <a:srgbClr val="FFFFFF"/>
-                      </a:solidFill>
-                      <a:prstDash val="solid"/>
-                      <a:round/>
-                      <a:headEnd type="none" w="med" len="med"/>
-                      <a:tailEnd type="none" w="med" len="med"/>
-                    </a:lnB>
-                    <a:solidFill>
-                      <a:srgbClr val="DCE6F1"/>
-                    </a:solidFill>
-                  </a:tcPr>
-                </a:tc>
-                <a:tc>
-                  <a:txBody>
-                    <a:bodyPr/>
-                    <a:lstStyle/>
-                    <a:p>
-                      <a:pPr algn="r" fontAlgn="b"/>
-                      <a:r>
-                        <a:rPr lang="cs-CZ" sz="1200" b="0" i="0" u="none" strike="noStrike">
-                          <a:solidFill>
-                            <a:srgbClr val="000000"/>
-                          </a:solidFill>
-                          <a:effectLst/>
-                          <a:latin typeface="Calibri"/>
-                        </a:rPr>
-                        <a:t>1116</a:t>
-                      </a:r>
-                    </a:p>
-                  </a:txBody>
-                  <a:tcPr marL="12700" marR="12700" marT="12700" marB="0" anchor="b">
-                    <a:lnL w="6350" cap="flat" cmpd="sng" algn="ctr">
-                      <a:solidFill>
-                        <a:srgbClr val="FFFFFF"/>
-                      </a:solidFill>
-                      <a:prstDash val="solid"/>
-                      <a:round/>
-                      <a:headEnd type="none" w="med" len="med"/>
-                      <a:tailEnd type="none" w="med" len="med"/>
-                    </a:lnL>
-                    <a:lnR w="6350" cap="flat" cmpd="sng" algn="ctr">
-                      <a:solidFill>
-                        <a:srgbClr val="FFFFFF"/>
-                      </a:solidFill>
-                      <a:prstDash val="solid"/>
-                      <a:round/>
-                      <a:headEnd type="none" w="med" len="med"/>
-                      <a:tailEnd type="none" w="med" len="med"/>
-                    </a:lnR>
-                    <a:lnT w="6350" cap="flat" cmpd="sng" algn="ctr">
-                      <a:solidFill>
-                        <a:srgbClr val="FFFFFF"/>
-                      </a:solidFill>
-                      <a:prstDash val="solid"/>
-                      <a:round/>
-                      <a:headEnd type="none" w="med" len="med"/>
-                      <a:tailEnd type="none" w="med" len="med"/>
-                    </a:lnT>
-                    <a:lnB w="6350" cap="flat" cmpd="sng" algn="ctr">
-                      <a:solidFill>
-                        <a:srgbClr val="FFFFFF"/>
-                      </a:solidFill>
-                      <a:prstDash val="solid"/>
-                      <a:round/>
-                      <a:headEnd type="none" w="med" len="med"/>
-                      <a:tailEnd type="none" w="med" len="med"/>
-                    </a:lnB>
-                    <a:solidFill>
-                      <a:srgbClr val="DCE6F1"/>
-                    </a:solidFill>
-                  </a:tcPr>
-                </a:tc>
-                <a:tc>
-                  <a:txBody>
-                    <a:bodyPr/>
-                    <a:lstStyle/>
-                    <a:p>
-                      <a:pPr algn="r" fontAlgn="b"/>
-                      <a:r>
-                        <a:rPr lang="is-IS" sz="1200" b="0" i="0" u="none" strike="noStrike">
-                          <a:solidFill>
-                            <a:srgbClr val="000000"/>
-                          </a:solidFill>
-                          <a:effectLst/>
-                          <a:latin typeface="Calibri"/>
-                        </a:rPr>
-                        <a:t>0.000600358</a:t>
-                      </a:r>
-                    </a:p>
-                  </a:txBody>
-                  <a:tcPr marL="12700" marR="12700" marT="12700" marB="0" anchor="b">
-                    <a:lnL w="6350" cap="flat" cmpd="sng" algn="ctr">
-                      <a:solidFill>
-                        <a:srgbClr val="FFFFFF"/>
-                      </a:solidFill>
-                      <a:prstDash val="solid"/>
-                      <a:round/>
-                      <a:headEnd type="none" w="med" len="med"/>
-                      <a:tailEnd type="none" w="med" len="med"/>
-                    </a:lnL>
-                    <a:lnR>
-                      <a:noFill/>
-                    </a:lnR>
-                    <a:lnT w="6350" cap="flat" cmpd="sng" algn="ctr">
-                      <a:solidFill>
-                        <a:srgbClr val="FFFFFF"/>
-                      </a:solidFill>
-                      <a:prstDash val="solid"/>
-                      <a:round/>
-                      <a:headEnd type="none" w="med" len="med"/>
-                      <a:tailEnd type="none" w="med" len="med"/>
-                    </a:lnT>
-                    <a:lnB w="6350" cap="flat" cmpd="sng" algn="ctr">
-                      <a:solidFill>
-                        <a:srgbClr val="FFFFFF"/>
-                      </a:solidFill>
-                      <a:prstDash val="solid"/>
-                      <a:round/>
-                      <a:headEnd type="none" w="med" len="med"/>
-                      <a:tailEnd type="none" w="med" len="med"/>
-                    </a:lnB>
-                    <a:solidFill>
-                      <a:srgbClr val="DCE6F1"/>
-                    </a:solidFill>
-                  </a:tcPr>
-                </a:tc>
-              </a:tr>
-              <a:tr h="245230">
-                <a:tc>
-                  <a:txBody>
-                    <a:bodyPr/>
-                    <a:lstStyle/>
-                    <a:p>
-                      <a:pPr algn="l" fontAlgn="b"/>
-                      <a:r>
-                        <a:rPr lang="en-US" sz="1200" b="0" i="0" u="none" strike="noStrike" dirty="0" smtClean="0">
-                          <a:solidFill>
-                            <a:srgbClr val="000000"/>
-                          </a:solidFill>
-                          <a:effectLst/>
-                          <a:latin typeface="Calibri"/>
-                        </a:rPr>
-                        <a:t>SIFT</a:t>
-                      </a:r>
-                      <a:endParaRPr lang="en-US" sz="1200" b="0" i="0" u="none" strike="noStrike" dirty="0">
-                        <a:solidFill>
-                          <a:srgbClr val="000000"/>
-                        </a:solidFill>
-                        <a:effectLst/>
-                        <a:latin typeface="Calibri"/>
-                      </a:endParaRPr>
-                    </a:p>
-                  </a:txBody>
-                  <a:tcPr marL="12357" marR="12357" marT="12357" marB="0" anchor="b">
-                    <a:lnL>
-                      <a:noFill/>
-                    </a:lnL>
-                    <a:lnR w="6350" cap="flat" cmpd="sng" algn="ctr">
-                      <a:solidFill>
-                        <a:srgbClr val="FFFFFF"/>
-                      </a:solidFill>
-                      <a:prstDash val="solid"/>
-                      <a:round/>
-                      <a:headEnd type="none" w="med" len="med"/>
-                      <a:tailEnd type="none" w="med" len="med"/>
-                    </a:lnR>
-                    <a:lnT w="6350" cap="flat" cmpd="sng" algn="ctr">
-                      <a:solidFill>
-                        <a:srgbClr val="FFFFFF"/>
-                      </a:solidFill>
-                      <a:prstDash val="solid"/>
-                      <a:round/>
-                      <a:headEnd type="none" w="med" len="med"/>
-                      <a:tailEnd type="none" w="med" len="med"/>
-                    </a:lnT>
-                    <a:lnB w="6350" cap="flat" cmpd="sng" algn="ctr">
-                      <a:solidFill>
-                        <a:srgbClr val="FFFFFF"/>
-                      </a:solidFill>
-                      <a:prstDash val="solid"/>
-                      <a:round/>
-                      <a:headEnd type="none" w="med" len="med"/>
-                      <a:tailEnd type="none" w="med" len="med"/>
-                    </a:lnB>
-                    <a:solidFill>
-                      <a:srgbClr val="B8CCE4"/>
-                    </a:solidFill>
-                  </a:tcPr>
-                </a:tc>
-                <a:tc>
-                  <a:txBody>
-                    <a:bodyPr/>
-                    <a:lstStyle/>
-                    <a:p>
-                      <a:pPr marL="0" marR="0" indent="0" algn="l" defTabSz="457200" rtl="0" eaLnBrk="1" fontAlgn="b" latinLnBrk="0" hangingPunct="1">
-                        <a:lnSpc>
-                          <a:spcPct val="100000"/>
-                        </a:lnSpc>
-                        <a:spcBef>
-                          <a:spcPts val="0"/>
-                        </a:spcBef>
-                        <a:spcAft>
-                          <a:spcPts val="0"/>
-                        </a:spcAft>
-                        <a:buClrTx/>
-                        <a:buSzTx/>
-                        <a:buFontTx/>
-                        <a:buNone/>
-                        <a:tabLst/>
-                        <a:defRPr/>
-                      </a:pPr>
-                      <a:r>
-                        <a:rPr lang="en-US" sz="1200" b="0" i="0" u="none" strike="noStrike" dirty="0" smtClean="0">
-                          <a:solidFill>
-                            <a:srgbClr val="000000"/>
-                          </a:solidFill>
-                          <a:effectLst/>
-                          <a:latin typeface="Calibri"/>
-                        </a:rPr>
-                        <a:t>GBM </a:t>
-                      </a:r>
-                      <a:r>
-                        <a:rPr lang="en-US" sz="1200" b="0" i="0" u="none" strike="noStrike" dirty="0" smtClean="0">
-                          <a:solidFill>
-                            <a:srgbClr val="000000"/>
-                          </a:solidFill>
-                          <a:effectLst/>
-                          <a:latin typeface="+mn-lt"/>
-                        </a:rPr>
-                        <a:t>(depth = 5, trees = 1955)</a:t>
-                      </a:r>
-                    </a:p>
-                    <a:p>
-                      <a:pPr algn="l" fontAlgn="b"/>
-                      <a:endParaRPr lang="en-US" sz="1200" b="0" i="0" u="none" strike="noStrike" dirty="0">
-                        <a:solidFill>
-                          <a:srgbClr val="000000"/>
-                        </a:solidFill>
-                        <a:effectLst/>
-                        <a:latin typeface="Calibri"/>
-                      </a:endParaRPr>
-                    </a:p>
-                  </a:txBody>
-                  <a:tcPr marL="12357" marR="12357" marT="12357" marB="0" anchor="b">
-                    <a:lnL w="6350" cap="flat" cmpd="sng" algn="ctr">
-                      <a:solidFill>
-                        <a:srgbClr val="FFFFFF"/>
-                      </a:solidFill>
-                      <a:prstDash val="solid"/>
-                      <a:round/>
-                      <a:headEnd type="none" w="med" len="med"/>
-                      <a:tailEnd type="none" w="med" len="med"/>
-                    </a:lnL>
-                    <a:lnR w="6350" cap="flat" cmpd="sng" algn="ctr">
-                      <a:solidFill>
-                        <a:srgbClr val="FFFFFF"/>
-                      </a:solidFill>
-                      <a:prstDash val="solid"/>
-                      <a:round/>
-                      <a:headEnd type="none" w="med" len="med"/>
-                      <a:tailEnd type="none" w="med" len="med"/>
-                    </a:lnR>
-                    <a:lnT w="6350" cap="flat" cmpd="sng" algn="ctr">
-                      <a:solidFill>
-                        <a:srgbClr val="FFFFFF"/>
-                      </a:solidFill>
-                      <a:prstDash val="solid"/>
-                      <a:round/>
-                      <a:headEnd type="none" w="med" len="med"/>
-                      <a:tailEnd type="none" w="med" len="med"/>
-                    </a:lnT>
-                    <a:lnB w="6350" cap="flat" cmpd="sng" algn="ctr">
-                      <a:solidFill>
-                        <a:srgbClr val="FFFFFF"/>
-                      </a:solidFill>
-                      <a:prstDash val="solid"/>
-                      <a:round/>
-                      <a:headEnd type="none" w="med" len="med"/>
-                      <a:tailEnd type="none" w="med" len="med"/>
-                    </a:lnB>
-                    <a:solidFill>
-                      <a:srgbClr val="B8CCE4"/>
-                    </a:solidFill>
-                  </a:tcPr>
-                </a:tc>
-                <a:tc>
-                  <a:txBody>
-                    <a:bodyPr/>
-                    <a:lstStyle/>
-                    <a:p>
-                      <a:pPr algn="r" fontAlgn="b"/>
-                      <a:r>
-                        <a:rPr lang="pt-BR" sz="1200" b="0" i="0" u="none" strike="noStrike" dirty="0">
-                          <a:solidFill>
-                            <a:srgbClr val="000000"/>
-                          </a:solidFill>
-                          <a:effectLst/>
-                          <a:latin typeface="Calibri"/>
-                        </a:rPr>
-                        <a:t>69%</a:t>
-                      </a:r>
-                    </a:p>
-                  </a:txBody>
-                  <a:tcPr marL="12357" marR="12357" marT="12357" marB="0" anchor="b">
-                    <a:lnL w="6350" cap="flat" cmpd="sng" algn="ctr">
-                      <a:solidFill>
-                        <a:srgbClr val="FFFFFF"/>
-                      </a:solidFill>
-                      <a:prstDash val="solid"/>
-                      <a:round/>
-                      <a:headEnd type="none" w="med" len="med"/>
-                      <a:tailEnd type="none" w="med" len="med"/>
-                    </a:lnL>
-                    <a:lnR w="6350" cap="flat" cmpd="sng" algn="ctr">
-                      <a:solidFill>
-                        <a:srgbClr val="FFFFFF"/>
-                      </a:solidFill>
-                      <a:prstDash val="solid"/>
-                      <a:round/>
-                      <a:headEnd type="none" w="med" len="med"/>
-                      <a:tailEnd type="none" w="med" len="med"/>
-                    </a:lnR>
-                    <a:lnT w="6350" cap="flat" cmpd="sng" algn="ctr">
-                      <a:solidFill>
-                        <a:srgbClr val="FFFFFF"/>
-                      </a:solidFill>
-                      <a:prstDash val="solid"/>
-                      <a:round/>
-                      <a:headEnd type="none" w="med" len="med"/>
-                      <a:tailEnd type="none" w="med" len="med"/>
-                    </a:lnT>
-                    <a:lnB w="6350" cap="flat" cmpd="sng" algn="ctr">
-                      <a:solidFill>
-                        <a:srgbClr val="FFFFFF"/>
-                      </a:solidFill>
-                      <a:prstDash val="solid"/>
-                      <a:round/>
-                      <a:headEnd type="none" w="med" len="med"/>
-                      <a:tailEnd type="none" w="med" len="med"/>
-                    </a:lnB>
-                    <a:solidFill>
-                      <a:srgbClr val="B8CCE4"/>
-                    </a:solidFill>
-                  </a:tcPr>
-                </a:tc>
-                <a:tc>
-                  <a:txBody>
-                    <a:bodyPr/>
-                    <a:lstStyle/>
-                    <a:p>
-                      <a:pPr algn="r" fontAlgn="b"/>
-                      <a:r>
-                        <a:rPr lang="fi-FI" sz="1200" b="0" i="0" u="none" strike="noStrike">
-                          <a:solidFill>
-                            <a:srgbClr val="000000"/>
-                          </a:solidFill>
-                          <a:effectLst/>
-                          <a:latin typeface="Calibri"/>
-                        </a:rPr>
-                        <a:t>1860</a:t>
-                      </a:r>
-                    </a:p>
-                  </a:txBody>
-                  <a:tcPr marL="12700" marR="12700" marT="12700" marB="0" anchor="b">
-                    <a:lnL w="6350" cap="flat" cmpd="sng" algn="ctr">
-                      <a:solidFill>
-                        <a:srgbClr val="FFFFFF"/>
-                      </a:solidFill>
-                      <a:prstDash val="solid"/>
-                      <a:round/>
-                      <a:headEnd type="none" w="med" len="med"/>
-                      <a:tailEnd type="none" w="med" len="med"/>
-                    </a:lnL>
-                    <a:lnR w="6350" cap="flat" cmpd="sng" algn="ctr">
-                      <a:solidFill>
-                        <a:srgbClr val="FFFFFF"/>
-                      </a:solidFill>
-                      <a:prstDash val="solid"/>
-                      <a:round/>
-                      <a:headEnd type="none" w="med" len="med"/>
-                      <a:tailEnd type="none" w="med" len="med"/>
-                    </a:lnR>
-                    <a:lnT w="6350" cap="flat" cmpd="sng" algn="ctr">
-                      <a:solidFill>
-                        <a:srgbClr val="FFFFFF"/>
-                      </a:solidFill>
-                      <a:prstDash val="solid"/>
-                      <a:round/>
-                      <a:headEnd type="none" w="med" len="med"/>
-                      <a:tailEnd type="none" w="med" len="med"/>
-                    </a:lnT>
-                    <a:lnB w="6350" cap="flat" cmpd="sng" algn="ctr">
-                      <a:solidFill>
-                        <a:srgbClr val="FFFFFF"/>
-                      </a:solidFill>
-                      <a:prstDash val="solid"/>
-                      <a:round/>
-                      <a:headEnd type="none" w="med" len="med"/>
-                      <a:tailEnd type="none" w="med" len="med"/>
-                    </a:lnB>
-                    <a:solidFill>
-                      <a:srgbClr val="B8CCE4"/>
-                    </a:solidFill>
-                  </a:tcPr>
-                </a:tc>
-                <a:tc>
-                  <a:txBody>
-                    <a:bodyPr/>
-                    <a:lstStyle/>
-                    <a:p>
-                      <a:pPr algn="r" fontAlgn="b"/>
-                      <a:r>
-                        <a:rPr lang="is-IS" sz="1200" b="0" i="0" u="none" strike="noStrike">
-                          <a:solidFill>
-                            <a:srgbClr val="000000"/>
-                          </a:solidFill>
-                          <a:effectLst/>
-                          <a:latin typeface="Calibri"/>
-                        </a:rPr>
-                        <a:t>0.000370968</a:t>
-                      </a:r>
-                    </a:p>
-                  </a:txBody>
-                  <a:tcPr marL="12700" marR="12700" marT="12700" marB="0" anchor="b">
-                    <a:lnL w="6350" cap="flat" cmpd="sng" algn="ctr">
-                      <a:solidFill>
-                        <a:srgbClr val="FFFFFF"/>
-                      </a:solidFill>
-                      <a:prstDash val="solid"/>
-                      <a:round/>
-                      <a:headEnd type="none" w="med" len="med"/>
-                      <a:tailEnd type="none" w="med" len="med"/>
-                    </a:lnL>
-                    <a:lnR>
-                      <a:noFill/>
-                    </a:lnR>
-                    <a:lnT w="6350" cap="flat" cmpd="sng" algn="ctr">
-                      <a:solidFill>
-                        <a:srgbClr val="FFFFFF"/>
-                      </a:solidFill>
-                      <a:prstDash val="solid"/>
-                      <a:round/>
-                      <a:headEnd type="none" w="med" len="med"/>
-                      <a:tailEnd type="none" w="med" len="med"/>
-                    </a:lnT>
-                    <a:lnB w="6350" cap="flat" cmpd="sng" algn="ctr">
-                      <a:solidFill>
-                        <a:srgbClr val="FFFFFF"/>
-                      </a:solidFill>
-                      <a:prstDash val="solid"/>
-                      <a:round/>
-                      <a:headEnd type="none" w="med" len="med"/>
-                      <a:tailEnd type="none" w="med" len="med"/>
-                    </a:lnB>
-                    <a:solidFill>
-                      <a:srgbClr val="B8CCE4"/>
-                    </a:solidFill>
-                  </a:tcPr>
-                </a:tc>
-              </a:tr>
-              <a:tr h="245230">
-                <a:tc>
-                  <a:txBody>
-                    <a:bodyPr/>
-                    <a:lstStyle/>
-                    <a:p>
-                      <a:pPr algn="l" fontAlgn="b"/>
-                      <a:r>
-                        <a:rPr lang="en-US" sz="1200" b="0" i="0" u="none" strike="noStrike" dirty="0">
-                          <a:solidFill>
-                            <a:srgbClr val="000000"/>
-                          </a:solidFill>
-                          <a:effectLst/>
-                          <a:latin typeface="Calibri"/>
-                        </a:rPr>
-                        <a:t>SIFT + Color </a:t>
-                      </a:r>
-                    </a:p>
-                  </a:txBody>
-                  <a:tcPr marL="12357" marR="12357" marT="12357" marB="0" anchor="b">
-                    <a:lnL>
-                      <a:noFill/>
-                    </a:lnL>
-                    <a:lnR w="6350" cap="flat" cmpd="sng" algn="ctr">
-                      <a:solidFill>
-                        <a:srgbClr val="FFFFFF"/>
-                      </a:solidFill>
-                      <a:prstDash val="solid"/>
-                      <a:round/>
-                      <a:headEnd type="none" w="med" len="med"/>
-                      <a:tailEnd type="none" w="med" len="med"/>
-                    </a:lnR>
-                    <a:lnT w="6350" cap="flat" cmpd="sng" algn="ctr">
-                      <a:solidFill>
-                        <a:srgbClr val="FFFFFF"/>
-                      </a:solidFill>
-                      <a:prstDash val="solid"/>
-                      <a:round/>
-                      <a:headEnd type="none" w="med" len="med"/>
-                      <a:tailEnd type="none" w="med" len="med"/>
-                    </a:lnT>
-                    <a:lnB w="6350" cap="flat" cmpd="sng" algn="ctr">
-                      <a:solidFill>
-                        <a:srgbClr val="FFFFFF"/>
-                      </a:solidFill>
-                      <a:prstDash val="solid"/>
-                      <a:round/>
-                      <a:headEnd type="none" w="med" len="med"/>
-                      <a:tailEnd type="none" w="med" len="med"/>
-                    </a:lnB>
-                    <a:solidFill>
-                      <a:srgbClr val="DCE6F1"/>
-                    </a:solidFill>
-                  </a:tcPr>
-                </a:tc>
-                <a:tc>
-                  <a:txBody>
-                    <a:bodyPr/>
-                    <a:lstStyle/>
-                    <a:p>
-                      <a:pPr marL="0" marR="0" indent="0" algn="l" defTabSz="457200" rtl="0" eaLnBrk="1" fontAlgn="b" latinLnBrk="0" hangingPunct="1">
-                        <a:lnSpc>
-                          <a:spcPct val="100000"/>
-                        </a:lnSpc>
-                        <a:spcBef>
-                          <a:spcPts val="0"/>
-                        </a:spcBef>
-                        <a:spcAft>
-                          <a:spcPts val="0"/>
-                        </a:spcAft>
-                        <a:buClrTx/>
-                        <a:buSzTx/>
-                        <a:buFontTx/>
-                        <a:buNone/>
-                        <a:tabLst/>
-                        <a:defRPr/>
-                      </a:pPr>
-                      <a:r>
-                        <a:rPr lang="en-US" sz="1200" b="0" i="0" u="none" strike="noStrike" dirty="0" smtClean="0">
-                          <a:solidFill>
-                            <a:srgbClr val="000000"/>
-                          </a:solidFill>
-                          <a:effectLst/>
-                          <a:latin typeface="Calibri"/>
-                        </a:rPr>
-                        <a:t>GBM </a:t>
-                      </a:r>
-                      <a:r>
-                        <a:rPr lang="en-US" sz="1200" b="0" i="0" u="none" strike="noStrike" dirty="0" smtClean="0">
-                          <a:solidFill>
-                            <a:srgbClr val="000000"/>
-                          </a:solidFill>
-                          <a:effectLst/>
-                          <a:latin typeface="+mn-lt"/>
-                        </a:rPr>
-                        <a:t>(depth =1, , trees = 2000)</a:t>
-                      </a:r>
-                    </a:p>
-                    <a:p>
-                      <a:pPr algn="l" fontAlgn="b"/>
-                      <a:endParaRPr lang="en-US" sz="1200" b="0" i="0" u="none" strike="noStrike" dirty="0">
-                        <a:solidFill>
-                          <a:srgbClr val="000000"/>
-                        </a:solidFill>
-                        <a:effectLst/>
-                        <a:latin typeface="Calibri"/>
-                      </a:endParaRPr>
-                    </a:p>
-                  </a:txBody>
-                  <a:tcPr marL="12357" marR="12357" marT="12357" marB="0" anchor="b">
-                    <a:lnL w="6350" cap="flat" cmpd="sng" algn="ctr">
-                      <a:solidFill>
-                        <a:srgbClr val="FFFFFF"/>
-                      </a:solidFill>
-                      <a:prstDash val="solid"/>
-                      <a:round/>
-                      <a:headEnd type="none" w="med" len="med"/>
-                      <a:tailEnd type="none" w="med" len="med"/>
-                    </a:lnL>
-                    <a:lnR w="6350" cap="flat" cmpd="sng" algn="ctr">
-                      <a:solidFill>
-                        <a:srgbClr val="FFFFFF"/>
-                      </a:solidFill>
-                      <a:prstDash val="solid"/>
-                      <a:round/>
-                      <a:headEnd type="none" w="med" len="med"/>
-                      <a:tailEnd type="none" w="med" len="med"/>
-                    </a:lnR>
-                    <a:lnT w="6350" cap="flat" cmpd="sng" algn="ctr">
-                      <a:solidFill>
-                        <a:srgbClr val="FFFFFF"/>
-                      </a:solidFill>
-                      <a:prstDash val="solid"/>
-                      <a:round/>
-                      <a:headEnd type="none" w="med" len="med"/>
-                      <a:tailEnd type="none" w="med" len="med"/>
-                    </a:lnT>
-                    <a:lnB w="6350" cap="flat" cmpd="sng" algn="ctr">
-                      <a:solidFill>
-                        <a:srgbClr val="FFFFFF"/>
-                      </a:solidFill>
-                      <a:prstDash val="solid"/>
-                      <a:round/>
-                      <a:headEnd type="none" w="med" len="med"/>
-                      <a:tailEnd type="none" w="med" len="med"/>
-                    </a:lnB>
-                    <a:solidFill>
-                      <a:srgbClr val="DCE6F1"/>
-                    </a:solidFill>
-                  </a:tcPr>
-                </a:tc>
-                <a:tc>
-                  <a:txBody>
-                    <a:bodyPr/>
-                    <a:lstStyle/>
-                    <a:p>
-                      <a:pPr algn="r" fontAlgn="b"/>
-                      <a:r>
-                        <a:rPr lang="is-IS" sz="1200" b="0" i="0" u="none" strike="noStrike" dirty="0">
-                          <a:solidFill>
-                            <a:srgbClr val="000000"/>
-                          </a:solidFill>
-                          <a:effectLst/>
-                          <a:latin typeface="Calibri"/>
-                        </a:rPr>
-                        <a:t>78%</a:t>
-                      </a:r>
-                    </a:p>
-                  </a:txBody>
-                  <a:tcPr marL="12357" marR="12357" marT="12357" marB="0" anchor="b">
-                    <a:lnL w="6350" cap="flat" cmpd="sng" algn="ctr">
-                      <a:solidFill>
-                        <a:srgbClr val="FFFFFF"/>
-                      </a:solidFill>
-                      <a:prstDash val="solid"/>
-                      <a:round/>
-                      <a:headEnd type="none" w="med" len="med"/>
-                      <a:tailEnd type="none" w="med" len="med"/>
-                    </a:lnL>
-                    <a:lnR w="6350" cap="flat" cmpd="sng" algn="ctr">
-                      <a:solidFill>
-                        <a:srgbClr val="FFFFFF"/>
-                      </a:solidFill>
-                      <a:prstDash val="solid"/>
-                      <a:round/>
-                      <a:headEnd type="none" w="med" len="med"/>
-                      <a:tailEnd type="none" w="med" len="med"/>
-                    </a:lnR>
-                    <a:lnT w="6350" cap="flat" cmpd="sng" algn="ctr">
-                      <a:solidFill>
-                        <a:srgbClr val="FFFFFF"/>
-                      </a:solidFill>
-                      <a:prstDash val="solid"/>
-                      <a:round/>
-                      <a:headEnd type="none" w="med" len="med"/>
-                      <a:tailEnd type="none" w="med" len="med"/>
-                    </a:lnT>
-                    <a:lnB w="6350" cap="flat" cmpd="sng" algn="ctr">
-                      <a:solidFill>
-                        <a:srgbClr val="FFFFFF"/>
-                      </a:solidFill>
-                      <a:prstDash val="solid"/>
-                      <a:round/>
-                      <a:headEnd type="none" w="med" len="med"/>
-                      <a:tailEnd type="none" w="med" len="med"/>
-                    </a:lnB>
-                    <a:solidFill>
-                      <a:srgbClr val="DCE6F1"/>
-                    </a:solidFill>
-                  </a:tcPr>
-                </a:tc>
-                <a:tc>
-                  <a:txBody>
-                    <a:bodyPr/>
-                    <a:lstStyle/>
-                    <a:p>
-                      <a:pPr algn="r" fontAlgn="b"/>
-                      <a:r>
-                        <a:rPr lang="is-IS" sz="1200" b="0" i="0" u="none" strike="noStrike">
-                          <a:solidFill>
-                            <a:srgbClr val="000000"/>
-                          </a:solidFill>
-                          <a:effectLst/>
-                          <a:latin typeface="Calibri"/>
-                        </a:rPr>
-                        <a:t>372</a:t>
-                      </a:r>
-                    </a:p>
-                  </a:txBody>
-                  <a:tcPr marL="12700" marR="12700" marT="12700" marB="0" anchor="b">
-                    <a:lnL w="6350" cap="flat" cmpd="sng" algn="ctr">
-                      <a:solidFill>
-                        <a:srgbClr val="FFFFFF"/>
-                      </a:solidFill>
-                      <a:prstDash val="solid"/>
-                      <a:round/>
-                      <a:headEnd type="none" w="med" len="med"/>
-                      <a:tailEnd type="none" w="med" len="med"/>
-                    </a:lnL>
-                    <a:lnR w="6350" cap="flat" cmpd="sng" algn="ctr">
-                      <a:solidFill>
-                        <a:srgbClr val="FFFFFF"/>
-                      </a:solidFill>
-                      <a:prstDash val="solid"/>
-                      <a:round/>
-                      <a:headEnd type="none" w="med" len="med"/>
-                      <a:tailEnd type="none" w="med" len="med"/>
-                    </a:lnR>
-                    <a:lnT w="6350" cap="flat" cmpd="sng" algn="ctr">
-                      <a:solidFill>
-                        <a:srgbClr val="FFFFFF"/>
-                      </a:solidFill>
-                      <a:prstDash val="solid"/>
-                      <a:round/>
-                      <a:headEnd type="none" w="med" len="med"/>
-                      <a:tailEnd type="none" w="med" len="med"/>
-                    </a:lnT>
-                    <a:lnB w="6350" cap="flat" cmpd="sng" algn="ctr">
-                      <a:solidFill>
-                        <a:srgbClr val="FFFFFF"/>
-                      </a:solidFill>
-                      <a:prstDash val="solid"/>
-                      <a:round/>
-                      <a:headEnd type="none" w="med" len="med"/>
-                      <a:tailEnd type="none" w="med" len="med"/>
-                    </a:lnB>
-                    <a:solidFill>
-                      <a:srgbClr val="DCE6F1"/>
-                    </a:solidFill>
-                  </a:tcPr>
-                </a:tc>
-                <a:tc>
-                  <a:txBody>
-                    <a:bodyPr/>
-                    <a:lstStyle/>
-                    <a:p>
-                      <a:pPr algn="r" fontAlgn="b"/>
-                      <a:r>
-                        <a:rPr lang="is-IS" sz="1200" b="0" i="0" u="none" strike="noStrike">
-                          <a:solidFill>
-                            <a:srgbClr val="000000"/>
-                          </a:solidFill>
-                          <a:effectLst/>
-                          <a:latin typeface="Calibri"/>
-                        </a:rPr>
-                        <a:t>0.002096774</a:t>
-                      </a:r>
-                    </a:p>
-                  </a:txBody>
-                  <a:tcPr marL="12700" marR="12700" marT="12700" marB="0" anchor="b">
-                    <a:lnL w="6350" cap="flat" cmpd="sng" algn="ctr">
-                      <a:solidFill>
-                        <a:srgbClr val="FFFFFF"/>
-                      </a:solidFill>
-                      <a:prstDash val="solid"/>
-                      <a:round/>
-                      <a:headEnd type="none" w="med" len="med"/>
-                      <a:tailEnd type="none" w="med" len="med"/>
-                    </a:lnL>
-                    <a:lnR>
-                      <a:noFill/>
-                    </a:lnR>
-                    <a:lnT w="6350" cap="flat" cmpd="sng" algn="ctr">
-                      <a:solidFill>
-                        <a:srgbClr val="FFFFFF"/>
-                      </a:solidFill>
-                      <a:prstDash val="solid"/>
-                      <a:round/>
-                      <a:headEnd type="none" w="med" len="med"/>
-                      <a:tailEnd type="none" w="med" len="med"/>
-                    </a:lnT>
-                    <a:lnB w="6350" cap="flat" cmpd="sng" algn="ctr">
-                      <a:solidFill>
-                        <a:srgbClr val="FFFFFF"/>
-                      </a:solidFill>
-                      <a:prstDash val="solid"/>
-                      <a:round/>
-                      <a:headEnd type="none" w="med" len="med"/>
-                      <a:tailEnd type="none" w="med" len="med"/>
-                    </a:lnB>
-                    <a:solidFill>
-                      <a:srgbClr val="DCE6F1"/>
-                    </a:solidFill>
-                  </a:tcPr>
-                </a:tc>
-              </a:tr>
-              <a:tr h="245230">
-                <a:tc>
-                  <a:txBody>
-                    <a:bodyPr/>
-                    <a:lstStyle/>
-                    <a:p>
-                      <a:pPr algn="l" fontAlgn="b"/>
-                      <a:r>
-                        <a:rPr lang="en-US" sz="1200" b="0" i="0" u="none" strike="noStrike" dirty="0">
-                          <a:solidFill>
-                            <a:srgbClr val="000000"/>
-                          </a:solidFill>
-                          <a:effectLst/>
-                          <a:latin typeface="Calibri"/>
-                        </a:rPr>
-                        <a:t>SIFT + </a:t>
-                      </a:r>
-                      <a:r>
-                        <a:rPr lang="en-US" sz="1200" b="0" i="0" u="none" strike="noStrike" dirty="0" smtClean="0">
-                          <a:solidFill>
-                            <a:srgbClr val="000000"/>
-                          </a:solidFill>
-                          <a:effectLst/>
-                          <a:latin typeface="Calibri"/>
-                        </a:rPr>
-                        <a:t>Color</a:t>
-                      </a:r>
-                      <a:endParaRPr lang="en-US" sz="1200" b="0" i="0" u="none" strike="noStrike" dirty="0">
-                        <a:solidFill>
-                          <a:srgbClr val="000000"/>
-                        </a:solidFill>
-                        <a:effectLst/>
-                        <a:latin typeface="Calibri"/>
-                      </a:endParaRPr>
-                    </a:p>
-                  </a:txBody>
-                  <a:tcPr marL="12357" marR="12357" marT="12357" marB="0" anchor="b">
-                    <a:lnL>
-                      <a:noFill/>
-                    </a:lnL>
-                    <a:lnR w="6350" cap="flat" cmpd="sng" algn="ctr">
-                      <a:solidFill>
-                        <a:srgbClr val="FFFFFF"/>
-                      </a:solidFill>
-                      <a:prstDash val="solid"/>
-                      <a:round/>
-                      <a:headEnd type="none" w="med" len="med"/>
-                      <a:tailEnd type="none" w="med" len="med"/>
-                    </a:lnR>
-                    <a:lnT w="6350" cap="flat" cmpd="sng" algn="ctr">
-                      <a:solidFill>
-                        <a:srgbClr val="FFFFFF"/>
-                      </a:solidFill>
-                      <a:prstDash val="solid"/>
-                      <a:round/>
-                      <a:headEnd type="none" w="med" len="med"/>
-                      <a:tailEnd type="none" w="med" len="med"/>
-                    </a:lnT>
-                    <a:lnB w="6350" cap="flat" cmpd="sng" algn="ctr">
-                      <a:solidFill>
-                        <a:srgbClr val="FFFFFF"/>
-                      </a:solidFill>
-                      <a:prstDash val="solid"/>
-                      <a:round/>
-                      <a:headEnd type="none" w="med" len="med"/>
-                      <a:tailEnd type="none" w="med" len="med"/>
-                    </a:lnB>
-                    <a:solidFill>
-                      <a:srgbClr val="B8CCE4"/>
-                    </a:solidFill>
-                  </a:tcPr>
-                </a:tc>
-                <a:tc>
-                  <a:txBody>
-                    <a:bodyPr/>
-                    <a:lstStyle/>
-                    <a:p>
-                      <a:pPr marL="0" marR="0" indent="0" algn="l" defTabSz="457200" rtl="0" eaLnBrk="1" fontAlgn="b" latinLnBrk="0" hangingPunct="1">
-                        <a:lnSpc>
-                          <a:spcPct val="100000"/>
-                        </a:lnSpc>
-                        <a:spcBef>
-                          <a:spcPts val="0"/>
-                        </a:spcBef>
-                        <a:spcAft>
-                          <a:spcPts val="0"/>
-                        </a:spcAft>
-                        <a:buClrTx/>
-                        <a:buSzTx/>
-                        <a:buFontTx/>
-                        <a:buNone/>
-                        <a:tabLst/>
-                        <a:defRPr/>
-                      </a:pPr>
-                      <a:r>
-                        <a:rPr lang="en-US" sz="1200" b="0" i="0" u="none" strike="noStrike" dirty="0" smtClean="0">
-                          <a:solidFill>
-                            <a:srgbClr val="000000"/>
-                          </a:solidFill>
-                          <a:effectLst/>
-                          <a:latin typeface="Calibri"/>
-                        </a:rPr>
-                        <a:t>GBM </a:t>
-                      </a:r>
-                      <a:r>
-                        <a:rPr lang="en-US" sz="1200" b="0" i="0" u="none" strike="noStrike" dirty="0" smtClean="0">
-                          <a:solidFill>
-                            <a:srgbClr val="000000"/>
-                          </a:solidFill>
-                          <a:effectLst/>
-                          <a:latin typeface="+mn-lt"/>
-                        </a:rPr>
-                        <a:t>(depth =3, trees = 1927)</a:t>
-                      </a:r>
-                    </a:p>
-                    <a:p>
-                      <a:pPr algn="l" fontAlgn="b"/>
-                      <a:endParaRPr lang="en-US" sz="1200" b="0" i="0" u="none" strike="noStrike" dirty="0">
-                        <a:solidFill>
-                          <a:srgbClr val="000000"/>
-                        </a:solidFill>
-                        <a:effectLst/>
-                        <a:latin typeface="Calibri"/>
-                      </a:endParaRPr>
-                    </a:p>
-                  </a:txBody>
-                  <a:tcPr marL="12357" marR="12357" marT="12357" marB="0" anchor="b">
-                    <a:lnL w="6350" cap="flat" cmpd="sng" algn="ctr">
-                      <a:solidFill>
-                        <a:srgbClr val="FFFFFF"/>
-                      </a:solidFill>
-                      <a:prstDash val="solid"/>
-                      <a:round/>
-                      <a:headEnd type="none" w="med" len="med"/>
-                      <a:tailEnd type="none" w="med" len="med"/>
-                    </a:lnL>
-                    <a:lnR w="6350" cap="flat" cmpd="sng" algn="ctr">
-                      <a:solidFill>
-                        <a:srgbClr val="FFFFFF"/>
-                      </a:solidFill>
-                      <a:prstDash val="solid"/>
-                      <a:round/>
-                      <a:headEnd type="none" w="med" len="med"/>
-                      <a:tailEnd type="none" w="med" len="med"/>
-                    </a:lnR>
-                    <a:lnT w="6350" cap="flat" cmpd="sng" algn="ctr">
-                      <a:solidFill>
-                        <a:srgbClr val="FFFFFF"/>
-                      </a:solidFill>
-                      <a:prstDash val="solid"/>
-                      <a:round/>
-                      <a:headEnd type="none" w="med" len="med"/>
-                      <a:tailEnd type="none" w="med" len="med"/>
-                    </a:lnT>
-                    <a:lnB w="6350" cap="flat" cmpd="sng" algn="ctr">
-                      <a:solidFill>
-                        <a:srgbClr val="FFFFFF"/>
-                      </a:solidFill>
-                      <a:prstDash val="solid"/>
-                      <a:round/>
-                      <a:headEnd type="none" w="med" len="med"/>
-                      <a:tailEnd type="none" w="med" len="med"/>
-                    </a:lnB>
-                    <a:solidFill>
-                      <a:srgbClr val="B8CCE4"/>
-                    </a:solidFill>
-                  </a:tcPr>
-                </a:tc>
-                <a:tc>
-                  <a:txBody>
-                    <a:bodyPr/>
-                    <a:lstStyle/>
-                    <a:p>
-                      <a:pPr algn="r" fontAlgn="b"/>
-                      <a:r>
-                        <a:rPr lang="is-IS" sz="1200" b="0" i="0" u="none" strike="noStrike" dirty="0">
-                          <a:solidFill>
-                            <a:srgbClr val="000000"/>
-                          </a:solidFill>
-                          <a:effectLst/>
-                          <a:latin typeface="Calibri"/>
-                        </a:rPr>
-                        <a:t>78%</a:t>
-                      </a:r>
-                    </a:p>
-                  </a:txBody>
-                  <a:tcPr marL="12357" marR="12357" marT="12357" marB="0" anchor="b">
-                    <a:lnL w="6350" cap="flat" cmpd="sng" algn="ctr">
-                      <a:solidFill>
-                        <a:srgbClr val="FFFFFF"/>
-                      </a:solidFill>
-                      <a:prstDash val="solid"/>
-                      <a:round/>
-                      <a:headEnd type="none" w="med" len="med"/>
-                      <a:tailEnd type="none" w="med" len="med"/>
-                    </a:lnL>
-                    <a:lnR w="6350" cap="flat" cmpd="sng" algn="ctr">
-                      <a:solidFill>
-                        <a:srgbClr val="FFFFFF"/>
-                      </a:solidFill>
-                      <a:prstDash val="solid"/>
-                      <a:round/>
-                      <a:headEnd type="none" w="med" len="med"/>
-                      <a:tailEnd type="none" w="med" len="med"/>
-                    </a:lnR>
-                    <a:lnT w="6350" cap="flat" cmpd="sng" algn="ctr">
-                      <a:solidFill>
-                        <a:srgbClr val="FFFFFF"/>
-                      </a:solidFill>
-                      <a:prstDash val="solid"/>
-                      <a:round/>
-                      <a:headEnd type="none" w="med" len="med"/>
-                      <a:tailEnd type="none" w="med" len="med"/>
-                    </a:lnT>
-                    <a:lnB w="6350" cap="flat" cmpd="sng" algn="ctr">
-                      <a:solidFill>
-                        <a:srgbClr val="FFFFFF"/>
-                      </a:solidFill>
-                      <a:prstDash val="solid"/>
-                      <a:round/>
-                      <a:headEnd type="none" w="med" len="med"/>
-                      <a:tailEnd type="none" w="med" len="med"/>
-                    </a:lnB>
-                    <a:solidFill>
-                      <a:srgbClr val="B8CCE4"/>
-                    </a:solidFill>
-                  </a:tcPr>
-                </a:tc>
-                <a:tc>
-                  <a:txBody>
-                    <a:bodyPr/>
-                    <a:lstStyle/>
-                    <a:p>
-                      <a:pPr algn="r" fontAlgn="b"/>
-                      <a:r>
-                        <a:rPr lang="cs-CZ" sz="1200" b="0" i="0" u="none" strike="noStrike">
-                          <a:solidFill>
-                            <a:srgbClr val="000000"/>
-                          </a:solidFill>
-                          <a:effectLst/>
-                          <a:latin typeface="Calibri"/>
-                        </a:rPr>
-                        <a:t>1116</a:t>
-                      </a:r>
-                    </a:p>
-                  </a:txBody>
-                  <a:tcPr marL="12700" marR="12700" marT="12700" marB="0" anchor="b">
-                    <a:lnL w="6350" cap="flat" cmpd="sng" algn="ctr">
-                      <a:solidFill>
-                        <a:srgbClr val="FFFFFF"/>
-                      </a:solidFill>
-                      <a:prstDash val="solid"/>
-                      <a:round/>
-                      <a:headEnd type="none" w="med" len="med"/>
-                      <a:tailEnd type="none" w="med" len="med"/>
-                    </a:lnL>
-                    <a:lnR w="6350" cap="flat" cmpd="sng" algn="ctr">
-                      <a:solidFill>
-                        <a:srgbClr val="FFFFFF"/>
-                      </a:solidFill>
-                      <a:prstDash val="solid"/>
-                      <a:round/>
-                      <a:headEnd type="none" w="med" len="med"/>
-                      <a:tailEnd type="none" w="med" len="med"/>
-                    </a:lnR>
-                    <a:lnT w="6350" cap="flat" cmpd="sng" algn="ctr">
-                      <a:solidFill>
-                        <a:srgbClr val="FFFFFF"/>
-                      </a:solidFill>
-                      <a:prstDash val="solid"/>
-                      <a:round/>
-                      <a:headEnd type="none" w="med" len="med"/>
-                      <a:tailEnd type="none" w="med" len="med"/>
-                    </a:lnT>
-                    <a:lnB w="6350" cap="flat" cmpd="sng" algn="ctr">
-                      <a:solidFill>
-                        <a:srgbClr val="FFFFFF"/>
-                      </a:solidFill>
-                      <a:prstDash val="solid"/>
-                      <a:round/>
-                      <a:headEnd type="none" w="med" len="med"/>
-                      <a:tailEnd type="none" w="med" len="med"/>
-                    </a:lnB>
-                    <a:solidFill>
-                      <a:srgbClr val="B8CCE4"/>
-                    </a:solidFill>
-                  </a:tcPr>
-                </a:tc>
-                <a:tc>
-                  <a:txBody>
-                    <a:bodyPr/>
-                    <a:lstStyle/>
-                    <a:p>
-                      <a:pPr algn="r" fontAlgn="b"/>
-                      <a:r>
-                        <a:rPr lang="is-IS" sz="1200" b="0" i="0" u="none" strike="noStrike">
-                          <a:solidFill>
-                            <a:srgbClr val="000000"/>
-                          </a:solidFill>
-                          <a:effectLst/>
-                          <a:latin typeface="Calibri"/>
-                        </a:rPr>
-                        <a:t>0.000698925</a:t>
-                      </a:r>
-                    </a:p>
-                  </a:txBody>
-                  <a:tcPr marL="12700" marR="12700" marT="12700" marB="0" anchor="b">
-                    <a:lnL w="6350" cap="flat" cmpd="sng" algn="ctr">
-                      <a:solidFill>
-                        <a:srgbClr val="FFFFFF"/>
-                      </a:solidFill>
-                      <a:prstDash val="solid"/>
-                      <a:round/>
-                      <a:headEnd type="none" w="med" len="med"/>
-                      <a:tailEnd type="none" w="med" len="med"/>
-                    </a:lnL>
-                    <a:lnR>
-                      <a:noFill/>
-                    </a:lnR>
-                    <a:lnT w="6350" cap="flat" cmpd="sng" algn="ctr">
-                      <a:solidFill>
-                        <a:srgbClr val="FFFFFF"/>
-                      </a:solidFill>
-                      <a:prstDash val="solid"/>
-                      <a:round/>
-                      <a:headEnd type="none" w="med" len="med"/>
-                      <a:tailEnd type="none" w="med" len="med"/>
-                    </a:lnT>
-                    <a:lnB w="6350" cap="flat" cmpd="sng" algn="ctr">
-                      <a:solidFill>
-                        <a:srgbClr val="FFFFFF"/>
-                      </a:solidFill>
-                      <a:prstDash val="solid"/>
-                      <a:round/>
-                      <a:headEnd type="none" w="med" len="med"/>
-                      <a:tailEnd type="none" w="med" len="med"/>
-                    </a:lnB>
-                    <a:solidFill>
-                      <a:srgbClr val="B8CCE4"/>
-                    </a:solidFill>
-                  </a:tcPr>
-                </a:tc>
-              </a:tr>
-              <a:tr h="245230">
-                <a:tc>
-                  <a:txBody>
-                    <a:bodyPr/>
-                    <a:lstStyle/>
-                    <a:p>
-                      <a:pPr algn="l" fontAlgn="b"/>
-                      <a:r>
-                        <a:rPr lang="en-US" sz="1200" b="0" i="0" u="none" strike="noStrike" dirty="0">
-                          <a:solidFill>
-                            <a:srgbClr val="000000"/>
-                          </a:solidFill>
-                          <a:effectLst/>
-                          <a:latin typeface="Calibri"/>
-                        </a:rPr>
-                        <a:t>SIFT + </a:t>
-                      </a:r>
-                      <a:r>
-                        <a:rPr lang="en-US" sz="1200" b="0" i="0" u="none" strike="noStrike" dirty="0" smtClean="0">
-                          <a:solidFill>
-                            <a:srgbClr val="000000"/>
-                          </a:solidFill>
-                          <a:effectLst/>
-                          <a:latin typeface="Calibri"/>
-                        </a:rPr>
-                        <a:t>Color</a:t>
-                      </a:r>
-                      <a:endParaRPr lang="en-US" sz="1200" b="0" i="0" u="none" strike="noStrike" dirty="0">
-                        <a:solidFill>
-                          <a:srgbClr val="000000"/>
-                        </a:solidFill>
-                        <a:effectLst/>
-                        <a:latin typeface="Calibri"/>
-                      </a:endParaRPr>
-                    </a:p>
-                  </a:txBody>
-                  <a:tcPr marL="12357" marR="12357" marT="12357" marB="0" anchor="b">
-                    <a:lnL>
-                      <a:noFill/>
-                    </a:lnL>
-                    <a:lnR w="6350" cap="flat" cmpd="sng" algn="ctr">
-                      <a:solidFill>
-                        <a:srgbClr val="FFFFFF"/>
-                      </a:solidFill>
-                      <a:prstDash val="solid"/>
-                      <a:round/>
-                      <a:headEnd type="none" w="med" len="med"/>
-                      <a:tailEnd type="none" w="med" len="med"/>
-                    </a:lnR>
-                    <a:lnT w="6350" cap="flat" cmpd="sng" algn="ctr">
-                      <a:solidFill>
-                        <a:srgbClr val="FFFFFF"/>
-                      </a:solidFill>
-                      <a:prstDash val="solid"/>
-                      <a:round/>
-                      <a:headEnd type="none" w="med" len="med"/>
-                      <a:tailEnd type="none" w="med" len="med"/>
-                    </a:lnT>
-                    <a:lnB w="6350" cap="flat" cmpd="sng" algn="ctr">
-                      <a:solidFill>
-                        <a:srgbClr val="FFFFFF"/>
-                      </a:solidFill>
-                      <a:prstDash val="solid"/>
-                      <a:round/>
-                      <a:headEnd type="none" w="med" len="med"/>
-                      <a:tailEnd type="none" w="med" len="med"/>
-                    </a:lnB>
-                    <a:solidFill>
-                      <a:srgbClr val="DCE6F1"/>
-                    </a:solidFill>
-                  </a:tcPr>
-                </a:tc>
-                <a:tc>
-                  <a:txBody>
-                    <a:bodyPr/>
-                    <a:lstStyle/>
-                    <a:p>
-                      <a:pPr marL="0" marR="0" indent="0" algn="l" defTabSz="457200" rtl="0" eaLnBrk="1" fontAlgn="b" latinLnBrk="0" hangingPunct="1">
-                        <a:lnSpc>
-                          <a:spcPct val="100000"/>
-                        </a:lnSpc>
-                        <a:spcBef>
-                          <a:spcPts val="0"/>
-                        </a:spcBef>
-                        <a:spcAft>
-                          <a:spcPts val="0"/>
-                        </a:spcAft>
-                        <a:buClrTx/>
-                        <a:buSzTx/>
-                        <a:buFontTx/>
-                        <a:buNone/>
-                        <a:tabLst/>
-                        <a:defRPr/>
-                      </a:pPr>
-                      <a:r>
-                        <a:rPr lang="en-US" sz="1200" b="0" i="0" u="none" strike="noStrike" dirty="0" smtClean="0">
-                          <a:solidFill>
-                            <a:srgbClr val="000000"/>
-                          </a:solidFill>
-                          <a:effectLst/>
-                          <a:latin typeface="Calibri"/>
-                        </a:rPr>
-                        <a:t>GBM </a:t>
-                      </a:r>
-                      <a:r>
-                        <a:rPr lang="en-US" sz="1200" b="0" i="0" u="none" strike="noStrike" dirty="0" smtClean="0">
-                          <a:solidFill>
-                            <a:srgbClr val="000000"/>
-                          </a:solidFill>
-                          <a:effectLst/>
-                          <a:latin typeface="+mn-lt"/>
-                        </a:rPr>
-                        <a:t>(depth = 5, trees = 1205)</a:t>
-                      </a:r>
-                    </a:p>
-                    <a:p>
-                      <a:pPr algn="l" fontAlgn="b"/>
-                      <a:endParaRPr lang="en-US" sz="1200" b="0" i="0" u="none" strike="noStrike" dirty="0">
-                        <a:solidFill>
-                          <a:srgbClr val="000000"/>
-                        </a:solidFill>
-                        <a:effectLst/>
-                        <a:latin typeface="Calibri"/>
-                      </a:endParaRPr>
-                    </a:p>
-                  </a:txBody>
-                  <a:tcPr marL="12357" marR="12357" marT="12357" marB="0" anchor="b">
-                    <a:lnL w="6350" cap="flat" cmpd="sng" algn="ctr">
-                      <a:solidFill>
-                        <a:srgbClr val="FFFFFF"/>
-                      </a:solidFill>
-                      <a:prstDash val="solid"/>
-                      <a:round/>
-                      <a:headEnd type="none" w="med" len="med"/>
-                      <a:tailEnd type="none" w="med" len="med"/>
-                    </a:lnL>
-                    <a:lnR w="6350" cap="flat" cmpd="sng" algn="ctr">
-                      <a:solidFill>
-                        <a:srgbClr val="FFFFFF"/>
-                      </a:solidFill>
-                      <a:prstDash val="solid"/>
-                      <a:round/>
-                      <a:headEnd type="none" w="med" len="med"/>
-                      <a:tailEnd type="none" w="med" len="med"/>
-                    </a:lnR>
-                    <a:lnT w="6350" cap="flat" cmpd="sng" algn="ctr">
-                      <a:solidFill>
-                        <a:srgbClr val="FFFFFF"/>
-                      </a:solidFill>
-                      <a:prstDash val="solid"/>
-                      <a:round/>
-                      <a:headEnd type="none" w="med" len="med"/>
-                      <a:tailEnd type="none" w="med" len="med"/>
-                    </a:lnT>
-                    <a:lnB w="6350" cap="flat" cmpd="sng" algn="ctr">
-                      <a:solidFill>
-                        <a:srgbClr val="FFFFFF"/>
-                      </a:solidFill>
-                      <a:prstDash val="solid"/>
-                      <a:round/>
-                      <a:headEnd type="none" w="med" len="med"/>
-                      <a:tailEnd type="none" w="med" len="med"/>
-                    </a:lnB>
-                    <a:solidFill>
-                      <a:srgbClr val="DCE6F1"/>
-                    </a:solidFill>
-                  </a:tcPr>
-                </a:tc>
-                <a:tc>
-                  <a:txBody>
-                    <a:bodyPr/>
-                    <a:lstStyle/>
-                    <a:p>
-                      <a:pPr algn="r" fontAlgn="b"/>
-                      <a:r>
-                        <a:rPr lang="hr-HR" sz="1200" b="0" i="0" u="none" strike="noStrike">
-                          <a:solidFill>
-                            <a:srgbClr val="000000"/>
-                          </a:solidFill>
-                          <a:effectLst/>
-                          <a:latin typeface="Calibri"/>
-                        </a:rPr>
-                        <a:t>78.35%</a:t>
-                      </a:r>
-                    </a:p>
-                  </a:txBody>
-                  <a:tcPr marL="12357" marR="12357" marT="12357" marB="0" anchor="b">
-                    <a:lnL w="6350" cap="flat" cmpd="sng" algn="ctr">
-                      <a:solidFill>
-                        <a:srgbClr val="FFFFFF"/>
-                      </a:solidFill>
-                      <a:prstDash val="solid"/>
-                      <a:round/>
-                      <a:headEnd type="none" w="med" len="med"/>
-                      <a:tailEnd type="none" w="med" len="med"/>
-                    </a:lnL>
-                    <a:lnR w="6350" cap="flat" cmpd="sng" algn="ctr">
-                      <a:solidFill>
-                        <a:srgbClr val="FFFFFF"/>
-                      </a:solidFill>
-                      <a:prstDash val="solid"/>
-                      <a:round/>
-                      <a:headEnd type="none" w="med" len="med"/>
-                      <a:tailEnd type="none" w="med" len="med"/>
-                    </a:lnR>
-                    <a:lnT w="6350" cap="flat" cmpd="sng" algn="ctr">
-                      <a:solidFill>
-                        <a:srgbClr val="FFFFFF"/>
-                      </a:solidFill>
-                      <a:prstDash val="solid"/>
-                      <a:round/>
-                      <a:headEnd type="none" w="med" len="med"/>
-                      <a:tailEnd type="none" w="med" len="med"/>
-                    </a:lnT>
-                    <a:lnB w="6350" cap="flat" cmpd="sng" algn="ctr">
-                      <a:solidFill>
-                        <a:srgbClr val="FFFFFF"/>
-                      </a:solidFill>
-                      <a:prstDash val="solid"/>
-                      <a:round/>
-                      <a:headEnd type="none" w="med" len="med"/>
-                      <a:tailEnd type="none" w="med" len="med"/>
-                    </a:lnB>
-                    <a:solidFill>
-                      <a:srgbClr val="DCE6F1"/>
-                    </a:solidFill>
-                  </a:tcPr>
-                </a:tc>
-                <a:tc>
-                  <a:txBody>
-                    <a:bodyPr/>
-                    <a:lstStyle/>
-                    <a:p>
-                      <a:pPr algn="r" fontAlgn="b"/>
-                      <a:r>
-                        <a:rPr lang="fi-FI" sz="1200" b="0" i="0" u="none" strike="noStrike">
-                          <a:solidFill>
-                            <a:srgbClr val="000000"/>
-                          </a:solidFill>
-                          <a:effectLst/>
-                          <a:latin typeface="Calibri"/>
-                        </a:rPr>
-                        <a:t>1860</a:t>
-                      </a:r>
-                    </a:p>
-                  </a:txBody>
-                  <a:tcPr marL="12700" marR="12700" marT="12700" marB="0" anchor="b">
-                    <a:lnL w="6350" cap="flat" cmpd="sng" algn="ctr">
-                      <a:solidFill>
-                        <a:srgbClr val="FFFFFF"/>
-                      </a:solidFill>
-                      <a:prstDash val="solid"/>
-                      <a:round/>
-                      <a:headEnd type="none" w="med" len="med"/>
-                      <a:tailEnd type="none" w="med" len="med"/>
-                    </a:lnL>
-                    <a:lnR w="6350" cap="flat" cmpd="sng" algn="ctr">
-                      <a:solidFill>
-                        <a:srgbClr val="FFFFFF"/>
-                      </a:solidFill>
-                      <a:prstDash val="solid"/>
-                      <a:round/>
-                      <a:headEnd type="none" w="med" len="med"/>
-                      <a:tailEnd type="none" w="med" len="med"/>
-                    </a:lnR>
-                    <a:lnT w="6350" cap="flat" cmpd="sng" algn="ctr">
-                      <a:solidFill>
-                        <a:srgbClr val="FFFFFF"/>
-                      </a:solidFill>
-                      <a:prstDash val="solid"/>
-                      <a:round/>
-                      <a:headEnd type="none" w="med" len="med"/>
-                      <a:tailEnd type="none" w="med" len="med"/>
-                    </a:lnT>
-                    <a:lnB w="6350" cap="flat" cmpd="sng" algn="ctr">
-                      <a:solidFill>
-                        <a:srgbClr val="FFFFFF"/>
-                      </a:solidFill>
-                      <a:prstDash val="solid"/>
-                      <a:round/>
-                      <a:headEnd type="none" w="med" len="med"/>
-                      <a:tailEnd type="none" w="med" len="med"/>
-                    </a:lnB>
-                    <a:solidFill>
-                      <a:srgbClr val="DCE6F1"/>
-                    </a:solidFill>
-                  </a:tcPr>
-                </a:tc>
-                <a:tc>
-                  <a:txBody>
-                    <a:bodyPr/>
-                    <a:lstStyle/>
-                    <a:p>
-                      <a:pPr algn="r" fontAlgn="b"/>
-                      <a:r>
-                        <a:rPr lang="is-IS" sz="1200" b="0" i="0" u="none" strike="noStrike">
-                          <a:solidFill>
-                            <a:srgbClr val="000000"/>
-                          </a:solidFill>
-                          <a:effectLst/>
-                          <a:latin typeface="Calibri"/>
-                        </a:rPr>
-                        <a:t>0.000421237</a:t>
-                      </a:r>
-                    </a:p>
-                  </a:txBody>
-                  <a:tcPr marL="12700" marR="12700" marT="12700" marB="0" anchor="b">
-                    <a:lnL w="6350" cap="flat" cmpd="sng" algn="ctr">
-                      <a:solidFill>
-                        <a:srgbClr val="FFFFFF"/>
-                      </a:solidFill>
-                      <a:prstDash val="solid"/>
-                      <a:round/>
-                      <a:headEnd type="none" w="med" len="med"/>
-                      <a:tailEnd type="none" w="med" len="med"/>
-                    </a:lnL>
-                    <a:lnR>
-                      <a:noFill/>
-                    </a:lnR>
-                    <a:lnT w="6350" cap="flat" cmpd="sng" algn="ctr">
-                      <a:solidFill>
-                        <a:srgbClr val="FFFFFF"/>
-                      </a:solidFill>
-                      <a:prstDash val="solid"/>
-                      <a:round/>
-                      <a:headEnd type="none" w="med" len="med"/>
-                      <a:tailEnd type="none" w="med" len="med"/>
-                    </a:lnT>
-                    <a:lnB w="6350" cap="flat" cmpd="sng" algn="ctr">
-                      <a:solidFill>
-                        <a:srgbClr val="FFFFFF"/>
-                      </a:solidFill>
-                      <a:prstDash val="solid"/>
-                      <a:round/>
-                      <a:headEnd type="none" w="med" len="med"/>
-                      <a:tailEnd type="none" w="med" len="med"/>
-                    </a:lnB>
-                    <a:solidFill>
-                      <a:srgbClr val="DCE6F1"/>
-                    </a:solidFill>
-                  </a:tcPr>
-                </a:tc>
-              </a:tr>
-              <a:tr h="126622">
-                <a:tc>
-                  <a:txBody>
-                    <a:bodyPr/>
-                    <a:lstStyle/>
-                    <a:p>
-                      <a:pPr algn="l" fontAlgn="b"/>
-                      <a:r>
-                        <a:rPr lang="en-US" sz="1200" b="0" i="0" u="none" strike="noStrike" dirty="0">
-                          <a:solidFill>
-                            <a:srgbClr val="000000"/>
-                          </a:solidFill>
-                          <a:effectLst/>
-                          <a:latin typeface="Calibri"/>
-                        </a:rPr>
-                        <a:t>SURF + </a:t>
-                      </a:r>
-                      <a:r>
-                        <a:rPr lang="en-US" sz="1200" b="0" i="0" u="none" strike="noStrike" dirty="0" smtClean="0">
-                          <a:solidFill>
-                            <a:srgbClr val="000000"/>
-                          </a:solidFill>
-                          <a:effectLst/>
-                          <a:latin typeface="Calibri"/>
-                        </a:rPr>
-                        <a:t>Color</a:t>
-                      </a:r>
-                      <a:endParaRPr lang="en-US" sz="1200" b="0" i="0" u="none" strike="noStrike" dirty="0">
-                        <a:solidFill>
-                          <a:srgbClr val="000000"/>
-                        </a:solidFill>
-                        <a:effectLst/>
-                        <a:latin typeface="Calibri"/>
-                      </a:endParaRPr>
-                    </a:p>
-                  </a:txBody>
-                  <a:tcPr marL="12357" marR="12357" marT="12357" marB="0" anchor="b">
-                    <a:lnL>
-                      <a:noFill/>
-                    </a:lnL>
-                    <a:lnR w="6350" cap="flat" cmpd="sng" algn="ctr">
-                      <a:solidFill>
-                        <a:srgbClr val="FFFFFF"/>
-                      </a:solidFill>
-                      <a:prstDash val="solid"/>
-                      <a:round/>
-                      <a:headEnd type="none" w="med" len="med"/>
-                      <a:tailEnd type="none" w="med" len="med"/>
-                    </a:lnR>
-                    <a:lnT w="6350" cap="flat" cmpd="sng" algn="ctr">
-                      <a:solidFill>
-                        <a:srgbClr val="FFFFFF"/>
-                      </a:solidFill>
-                      <a:prstDash val="solid"/>
-                      <a:round/>
-                      <a:headEnd type="none" w="med" len="med"/>
-                      <a:tailEnd type="none" w="med" len="med"/>
-                    </a:lnT>
-                    <a:lnB w="6350" cap="flat" cmpd="sng" algn="ctr">
-                      <a:solidFill>
-                        <a:srgbClr val="FFFFFF"/>
-                      </a:solidFill>
-                      <a:prstDash val="solid"/>
-                      <a:round/>
-                      <a:headEnd type="none" w="med" len="med"/>
-                      <a:tailEnd type="none" w="med" len="med"/>
-                    </a:lnB>
-                    <a:solidFill>
-                      <a:srgbClr val="B8CCE4"/>
-                    </a:solidFill>
-                  </a:tcPr>
-                </a:tc>
-                <a:tc>
-                  <a:txBody>
-                    <a:bodyPr/>
-                    <a:lstStyle/>
-                    <a:p>
-                      <a:pPr algn="l" fontAlgn="b"/>
-                      <a:r>
-                        <a:rPr lang="en-US" sz="1200" b="0" i="0" u="none" strike="noStrike" dirty="0" smtClean="0">
-                          <a:solidFill>
-                            <a:srgbClr val="000000"/>
-                          </a:solidFill>
-                          <a:effectLst/>
-                          <a:latin typeface="Calibri"/>
-                        </a:rPr>
-                        <a:t>GBM </a:t>
-                      </a:r>
-                      <a:r>
-                        <a:rPr lang="en-US" sz="1200" b="0" i="0" u="none" strike="noStrike" dirty="0" smtClean="0">
-                          <a:solidFill>
-                            <a:srgbClr val="000000"/>
-                          </a:solidFill>
-                          <a:effectLst/>
-                          <a:latin typeface="+mn-lt"/>
-                        </a:rPr>
-                        <a:t>(depth =1, trees = 2000</a:t>
-                      </a:r>
-                      <a:endParaRPr lang="en-US" sz="1200" b="0" i="0" u="none" strike="noStrike" dirty="0">
-                        <a:solidFill>
-                          <a:srgbClr val="000000"/>
-                        </a:solidFill>
-                        <a:effectLst/>
-                        <a:latin typeface="Calibri"/>
-                      </a:endParaRPr>
-                    </a:p>
-                  </a:txBody>
-                  <a:tcPr marL="12357" marR="12357" marT="12357" marB="0" anchor="b">
-                    <a:lnL w="6350" cap="flat" cmpd="sng" algn="ctr">
-                      <a:solidFill>
-                        <a:srgbClr val="FFFFFF"/>
-                      </a:solidFill>
-                      <a:prstDash val="solid"/>
-                      <a:round/>
-                      <a:headEnd type="none" w="med" len="med"/>
-                      <a:tailEnd type="none" w="med" len="med"/>
-                    </a:lnL>
-                    <a:lnR w="6350" cap="flat" cmpd="sng" algn="ctr">
-                      <a:solidFill>
-                        <a:srgbClr val="FFFFFF"/>
-                      </a:solidFill>
-                      <a:prstDash val="solid"/>
-                      <a:round/>
-                      <a:headEnd type="none" w="med" len="med"/>
-                      <a:tailEnd type="none" w="med" len="med"/>
-                    </a:lnR>
-                    <a:lnT w="6350" cap="flat" cmpd="sng" algn="ctr">
-                      <a:solidFill>
-                        <a:srgbClr val="FFFFFF"/>
-                      </a:solidFill>
-                      <a:prstDash val="solid"/>
-                      <a:round/>
-                      <a:headEnd type="none" w="med" len="med"/>
-                      <a:tailEnd type="none" w="med" len="med"/>
-                    </a:lnT>
-                    <a:lnB w="6350" cap="flat" cmpd="sng" algn="ctr">
-                      <a:solidFill>
-                        <a:srgbClr val="FFFFFF"/>
-                      </a:solidFill>
-                      <a:prstDash val="solid"/>
-                      <a:round/>
-                      <a:headEnd type="none" w="med" len="med"/>
-                      <a:tailEnd type="none" w="med" len="med"/>
-                    </a:lnB>
-                    <a:solidFill>
-                      <a:srgbClr val="B8CCE4"/>
-                    </a:solidFill>
-                  </a:tcPr>
-                </a:tc>
-                <a:tc>
-                  <a:txBody>
-                    <a:bodyPr/>
-                    <a:lstStyle/>
-                    <a:p>
-                      <a:pPr algn="r" fontAlgn="b"/>
-                      <a:r>
-                        <a:rPr lang="hr-HR" sz="1200" b="0" i="0" u="none" strike="noStrike">
-                          <a:solidFill>
-                            <a:srgbClr val="000000"/>
-                          </a:solidFill>
-                          <a:effectLst/>
-                          <a:latin typeface="Calibri"/>
-                        </a:rPr>
-                        <a:t>80.25%</a:t>
-                      </a:r>
-                    </a:p>
-                  </a:txBody>
-                  <a:tcPr marL="12357" marR="12357" marT="12357" marB="0" anchor="b">
-                    <a:lnL w="6350" cap="flat" cmpd="sng" algn="ctr">
-                      <a:solidFill>
-                        <a:srgbClr val="FFFFFF"/>
-                      </a:solidFill>
-                      <a:prstDash val="solid"/>
-                      <a:round/>
-                      <a:headEnd type="none" w="med" len="med"/>
-                      <a:tailEnd type="none" w="med" len="med"/>
-                    </a:lnL>
-                    <a:lnR w="6350" cap="flat" cmpd="sng" algn="ctr">
-                      <a:solidFill>
-                        <a:srgbClr val="FFFFFF"/>
-                      </a:solidFill>
-                      <a:prstDash val="solid"/>
-                      <a:round/>
-                      <a:headEnd type="none" w="med" len="med"/>
-                      <a:tailEnd type="none" w="med" len="med"/>
-                    </a:lnR>
-                    <a:lnT w="6350" cap="flat" cmpd="sng" algn="ctr">
-                      <a:solidFill>
-                        <a:srgbClr val="FFFFFF"/>
-                      </a:solidFill>
-                      <a:prstDash val="solid"/>
-                      <a:round/>
-                      <a:headEnd type="none" w="med" len="med"/>
-                      <a:tailEnd type="none" w="med" len="med"/>
-                    </a:lnT>
-                    <a:lnB w="6350" cap="flat" cmpd="sng" algn="ctr">
-                      <a:solidFill>
-                        <a:srgbClr val="FFFFFF"/>
-                      </a:solidFill>
-                      <a:prstDash val="solid"/>
-                      <a:round/>
-                      <a:headEnd type="none" w="med" len="med"/>
-                      <a:tailEnd type="none" w="med" len="med"/>
-                    </a:lnB>
-                    <a:solidFill>
-                      <a:srgbClr val="B8CCE4"/>
-                    </a:solidFill>
-                  </a:tcPr>
-                </a:tc>
-                <a:tc>
-                  <a:txBody>
-                    <a:bodyPr/>
-                    <a:lstStyle/>
-                    <a:p>
-                      <a:pPr algn="r" fontAlgn="b"/>
-                      <a:r>
-                        <a:rPr lang="en-US" sz="1200" b="0" i="0" u="none" strike="noStrike">
-                          <a:solidFill>
-                            <a:srgbClr val="000000"/>
-                          </a:solidFill>
-                          <a:effectLst/>
-                          <a:latin typeface="Calibri"/>
-                        </a:rPr>
-                        <a:t>417</a:t>
-                      </a:r>
-                    </a:p>
-                  </a:txBody>
-                  <a:tcPr marL="12700" marR="12700" marT="12700" marB="0" anchor="b">
-                    <a:lnL w="6350" cap="flat" cmpd="sng" algn="ctr">
-                      <a:solidFill>
-                        <a:srgbClr val="FFFFFF"/>
-                      </a:solidFill>
-                      <a:prstDash val="solid"/>
-                      <a:round/>
-                      <a:headEnd type="none" w="med" len="med"/>
-                      <a:tailEnd type="none" w="med" len="med"/>
-                    </a:lnL>
-                    <a:lnR w="6350" cap="flat" cmpd="sng" algn="ctr">
-                      <a:solidFill>
-                        <a:srgbClr val="FFFFFF"/>
-                      </a:solidFill>
-                      <a:prstDash val="solid"/>
-                      <a:round/>
-                      <a:headEnd type="none" w="med" len="med"/>
-                      <a:tailEnd type="none" w="med" len="med"/>
-                    </a:lnR>
-                    <a:lnT w="6350" cap="flat" cmpd="sng" algn="ctr">
-                      <a:solidFill>
-                        <a:srgbClr val="FFFFFF"/>
-                      </a:solidFill>
-                      <a:prstDash val="solid"/>
-                      <a:round/>
-                      <a:headEnd type="none" w="med" len="med"/>
-                      <a:tailEnd type="none" w="med" len="med"/>
-                    </a:lnT>
-                    <a:lnB w="6350" cap="flat" cmpd="sng" algn="ctr">
-                      <a:solidFill>
-                        <a:srgbClr val="FFFFFF"/>
-                      </a:solidFill>
-                      <a:prstDash val="solid"/>
-                      <a:round/>
-                      <a:headEnd type="none" w="med" len="med"/>
-                      <a:tailEnd type="none" w="med" len="med"/>
-                    </a:lnB>
-                    <a:solidFill>
-                      <a:srgbClr val="B8CCE4"/>
-                    </a:solidFill>
-                  </a:tcPr>
-                </a:tc>
-                <a:tc>
-                  <a:txBody>
-                    <a:bodyPr/>
-                    <a:lstStyle/>
-                    <a:p>
-                      <a:pPr algn="r" fontAlgn="b"/>
-                      <a:r>
-                        <a:rPr lang="is-IS" sz="1200" b="0" i="0" u="none" strike="noStrike">
-                          <a:solidFill>
-                            <a:srgbClr val="000000"/>
-                          </a:solidFill>
-                          <a:effectLst/>
-                          <a:latin typeface="Calibri"/>
-                        </a:rPr>
-                        <a:t>0.00192446</a:t>
-                      </a:r>
-                    </a:p>
-                  </a:txBody>
-                  <a:tcPr marL="12700" marR="12700" marT="12700" marB="0" anchor="b">
-                    <a:lnL w="6350" cap="flat" cmpd="sng" algn="ctr">
-                      <a:solidFill>
-                        <a:srgbClr val="FFFFFF"/>
-                      </a:solidFill>
-                      <a:prstDash val="solid"/>
-                      <a:round/>
-                      <a:headEnd type="none" w="med" len="med"/>
-                      <a:tailEnd type="none" w="med" len="med"/>
-                    </a:lnL>
-                    <a:lnR>
-                      <a:noFill/>
-                    </a:lnR>
-                    <a:lnT w="6350" cap="flat" cmpd="sng" algn="ctr">
-                      <a:solidFill>
-                        <a:srgbClr val="FFFFFF"/>
-                      </a:solidFill>
-                      <a:prstDash val="solid"/>
-                      <a:round/>
-                      <a:headEnd type="none" w="med" len="med"/>
-                      <a:tailEnd type="none" w="med" len="med"/>
-                    </a:lnT>
-                    <a:lnB w="6350" cap="flat" cmpd="sng" algn="ctr">
-                      <a:solidFill>
-                        <a:srgbClr val="FFFFFF"/>
-                      </a:solidFill>
-                      <a:prstDash val="solid"/>
-                      <a:round/>
-                      <a:headEnd type="none" w="med" len="med"/>
-                      <a:tailEnd type="none" w="med" len="med"/>
-                    </a:lnB>
-                    <a:solidFill>
-                      <a:srgbClr val="B8CCE4"/>
-                    </a:solidFill>
-                  </a:tcPr>
-                </a:tc>
-              </a:tr>
-              <a:tr h="206782">
-                <a:tc>
-                  <a:txBody>
-                    <a:bodyPr/>
-                    <a:lstStyle/>
-                    <a:p>
-                      <a:pPr algn="l" fontAlgn="b"/>
-                      <a:r>
-                        <a:rPr lang="en-US" sz="1200" b="0" i="0" u="none" strike="noStrike" dirty="0">
-                          <a:solidFill>
-                            <a:srgbClr val="000000"/>
-                          </a:solidFill>
-                          <a:effectLst/>
-                          <a:latin typeface="Calibri"/>
-                        </a:rPr>
-                        <a:t>SURF + </a:t>
-                      </a:r>
-                      <a:r>
-                        <a:rPr lang="en-US" sz="1200" b="0" i="0" u="none" strike="noStrike" dirty="0" smtClean="0">
-                          <a:solidFill>
-                            <a:srgbClr val="000000"/>
-                          </a:solidFill>
-                          <a:effectLst/>
-                          <a:latin typeface="Calibri"/>
-                        </a:rPr>
-                        <a:t>Color</a:t>
-                      </a:r>
-                      <a:endParaRPr lang="en-US" sz="1200" b="0" i="0" u="none" strike="noStrike" dirty="0">
-                        <a:solidFill>
-                          <a:srgbClr val="000000"/>
-                        </a:solidFill>
-                        <a:effectLst/>
-                        <a:latin typeface="Calibri"/>
-                      </a:endParaRPr>
-                    </a:p>
-                  </a:txBody>
-                  <a:tcPr marL="12357" marR="12357" marT="12357" marB="0" anchor="b">
-                    <a:lnL>
-                      <a:noFill/>
-                    </a:lnL>
-                    <a:lnR w="6350" cap="flat" cmpd="sng" algn="ctr">
-                      <a:solidFill>
-                        <a:srgbClr val="FFFFFF"/>
-                      </a:solidFill>
-                      <a:prstDash val="solid"/>
-                      <a:round/>
-                      <a:headEnd type="none" w="med" len="med"/>
-                      <a:tailEnd type="none" w="med" len="med"/>
-                    </a:lnR>
-                    <a:lnT w="6350" cap="flat" cmpd="sng" algn="ctr">
-                      <a:solidFill>
-                        <a:srgbClr val="FFFFFF"/>
-                      </a:solidFill>
-                      <a:prstDash val="solid"/>
-                      <a:round/>
-                      <a:headEnd type="none" w="med" len="med"/>
-                      <a:tailEnd type="none" w="med" len="med"/>
-                    </a:lnT>
-                    <a:lnB w="6350" cap="flat" cmpd="sng" algn="ctr">
-                      <a:solidFill>
-                        <a:srgbClr val="FFFFFF"/>
-                      </a:solidFill>
-                      <a:prstDash val="solid"/>
-                      <a:round/>
-                      <a:headEnd type="none" w="med" len="med"/>
-                      <a:tailEnd type="none" w="med" len="med"/>
-                    </a:lnB>
-                    <a:solidFill>
-                      <a:srgbClr val="DCE6F1"/>
-                    </a:solidFill>
-                  </a:tcPr>
-                </a:tc>
-                <a:tc>
-                  <a:txBody>
-                    <a:bodyPr/>
-                    <a:lstStyle/>
-                    <a:p>
-                      <a:pPr marL="0" marR="0" indent="0" algn="l" defTabSz="457200" rtl="0" eaLnBrk="1" fontAlgn="b" latinLnBrk="0" hangingPunct="1">
-                        <a:lnSpc>
-                          <a:spcPct val="100000"/>
-                        </a:lnSpc>
-                        <a:spcBef>
-                          <a:spcPts val="0"/>
-                        </a:spcBef>
-                        <a:spcAft>
-                          <a:spcPts val="0"/>
-                        </a:spcAft>
-                        <a:buClrTx/>
-                        <a:buSzTx/>
-                        <a:buFontTx/>
-                        <a:buNone/>
-                        <a:tabLst/>
-                        <a:defRPr/>
-                      </a:pPr>
-                      <a:r>
-                        <a:rPr lang="en-US" sz="1200" b="0" i="0" u="none" strike="noStrike" dirty="0" smtClean="0">
-                          <a:solidFill>
-                            <a:srgbClr val="000000"/>
-                          </a:solidFill>
-                          <a:effectLst/>
-                          <a:latin typeface="Calibri"/>
-                        </a:rPr>
-                        <a:t>GBM </a:t>
-                      </a:r>
-                      <a:r>
-                        <a:rPr lang="en-US" sz="1200" b="0" i="0" u="none" strike="noStrike" dirty="0" smtClean="0">
-                          <a:solidFill>
-                            <a:srgbClr val="000000"/>
-                          </a:solidFill>
-                          <a:effectLst/>
-                          <a:latin typeface="+mn-lt"/>
-                        </a:rPr>
-                        <a:t>(depth =3, trees = 1831)</a:t>
-                      </a:r>
-                    </a:p>
-                  </a:txBody>
-                  <a:tcPr marL="12357" marR="12357" marT="12357" marB="0" anchor="b">
-                    <a:lnL w="6350" cap="flat" cmpd="sng" algn="ctr">
-                      <a:solidFill>
-                        <a:srgbClr val="FFFFFF"/>
-                      </a:solidFill>
-                      <a:prstDash val="solid"/>
-                      <a:round/>
-                      <a:headEnd type="none" w="med" len="med"/>
-                      <a:tailEnd type="none" w="med" len="med"/>
-                    </a:lnL>
-                    <a:lnR w="6350" cap="flat" cmpd="sng" algn="ctr">
-                      <a:solidFill>
-                        <a:srgbClr val="FFFFFF"/>
-                      </a:solidFill>
-                      <a:prstDash val="solid"/>
-                      <a:round/>
-                      <a:headEnd type="none" w="med" len="med"/>
-                      <a:tailEnd type="none" w="med" len="med"/>
-                    </a:lnR>
-                    <a:lnT w="6350" cap="flat" cmpd="sng" algn="ctr">
-                      <a:solidFill>
-                        <a:srgbClr val="FFFFFF"/>
-                      </a:solidFill>
-                      <a:prstDash val="solid"/>
-                      <a:round/>
-                      <a:headEnd type="none" w="med" len="med"/>
-                      <a:tailEnd type="none" w="med" len="med"/>
-                    </a:lnT>
-                    <a:lnB w="6350" cap="flat" cmpd="sng" algn="ctr">
-                      <a:solidFill>
-                        <a:srgbClr val="FFFFFF"/>
-                      </a:solidFill>
-                      <a:prstDash val="solid"/>
-                      <a:round/>
-                      <a:headEnd type="none" w="med" len="med"/>
-                      <a:tailEnd type="none" w="med" len="med"/>
-                    </a:lnB>
-                    <a:solidFill>
-                      <a:srgbClr val="DCE6F1"/>
-                    </a:solidFill>
-                  </a:tcPr>
-                </a:tc>
-                <a:tc>
-                  <a:txBody>
-                    <a:bodyPr/>
-                    <a:lstStyle/>
-                    <a:p>
-                      <a:pPr algn="r" fontAlgn="b"/>
-                      <a:r>
-                        <a:rPr lang="hr-HR" sz="1200" b="0" i="0" u="none" strike="noStrike">
-                          <a:solidFill>
-                            <a:srgbClr val="000000"/>
-                          </a:solidFill>
-                          <a:effectLst/>
-                          <a:latin typeface="Calibri"/>
-                        </a:rPr>
-                        <a:t>79.25%</a:t>
-                      </a:r>
-                    </a:p>
-                  </a:txBody>
-                  <a:tcPr marL="12357" marR="12357" marT="12357" marB="0" anchor="b">
-                    <a:lnL w="6350" cap="flat" cmpd="sng" algn="ctr">
-                      <a:solidFill>
-                        <a:srgbClr val="FFFFFF"/>
-                      </a:solidFill>
-                      <a:prstDash val="solid"/>
-                      <a:round/>
-                      <a:headEnd type="none" w="med" len="med"/>
-                      <a:tailEnd type="none" w="med" len="med"/>
-                    </a:lnL>
-                    <a:lnR w="6350" cap="flat" cmpd="sng" algn="ctr">
-                      <a:solidFill>
-                        <a:srgbClr val="FFFFFF"/>
-                      </a:solidFill>
-                      <a:prstDash val="solid"/>
-                      <a:round/>
-                      <a:headEnd type="none" w="med" len="med"/>
-                      <a:tailEnd type="none" w="med" len="med"/>
-                    </a:lnR>
-                    <a:lnT w="6350" cap="flat" cmpd="sng" algn="ctr">
-                      <a:solidFill>
-                        <a:srgbClr val="FFFFFF"/>
-                      </a:solidFill>
-                      <a:prstDash val="solid"/>
-                      <a:round/>
-                      <a:headEnd type="none" w="med" len="med"/>
-                      <a:tailEnd type="none" w="med" len="med"/>
-                    </a:lnT>
-                    <a:lnB w="6350" cap="flat" cmpd="sng" algn="ctr">
-                      <a:solidFill>
-                        <a:srgbClr val="FFFFFF"/>
-                      </a:solidFill>
-                      <a:prstDash val="solid"/>
-                      <a:round/>
-                      <a:headEnd type="none" w="med" len="med"/>
-                      <a:tailEnd type="none" w="med" len="med"/>
-                    </a:lnB>
-                    <a:solidFill>
-                      <a:srgbClr val="DCE6F1"/>
-                    </a:solidFill>
-                  </a:tcPr>
-                </a:tc>
-                <a:tc>
-                  <a:txBody>
-                    <a:bodyPr/>
-                    <a:lstStyle/>
-                    <a:p>
-                      <a:pPr algn="r" fontAlgn="b"/>
-                      <a:r>
-                        <a:rPr lang="is-IS" sz="1200" b="0" i="0" u="none" strike="noStrike">
-                          <a:solidFill>
-                            <a:srgbClr val="000000"/>
-                          </a:solidFill>
-                          <a:effectLst/>
-                          <a:latin typeface="Calibri"/>
-                        </a:rPr>
-                        <a:t>1251</a:t>
-                      </a:r>
-                    </a:p>
-                  </a:txBody>
-                  <a:tcPr marL="12700" marR="12700" marT="12700" marB="0" anchor="b">
-                    <a:lnL w="6350" cap="flat" cmpd="sng" algn="ctr">
-                      <a:solidFill>
-                        <a:srgbClr val="FFFFFF"/>
-                      </a:solidFill>
-                      <a:prstDash val="solid"/>
-                      <a:round/>
-                      <a:headEnd type="none" w="med" len="med"/>
-                      <a:tailEnd type="none" w="med" len="med"/>
-                    </a:lnL>
-                    <a:lnR w="6350" cap="flat" cmpd="sng" algn="ctr">
-                      <a:solidFill>
-                        <a:srgbClr val="FFFFFF"/>
-                      </a:solidFill>
-                      <a:prstDash val="solid"/>
-                      <a:round/>
-                      <a:headEnd type="none" w="med" len="med"/>
-                      <a:tailEnd type="none" w="med" len="med"/>
-                    </a:lnR>
-                    <a:lnT w="6350" cap="flat" cmpd="sng" algn="ctr">
-                      <a:solidFill>
-                        <a:srgbClr val="FFFFFF"/>
-                      </a:solidFill>
-                      <a:prstDash val="solid"/>
-                      <a:round/>
-                      <a:headEnd type="none" w="med" len="med"/>
-                      <a:tailEnd type="none" w="med" len="med"/>
-                    </a:lnT>
-                    <a:lnB w="6350" cap="flat" cmpd="sng" algn="ctr">
-                      <a:solidFill>
-                        <a:srgbClr val="FFFFFF"/>
-                      </a:solidFill>
-                      <a:prstDash val="solid"/>
-                      <a:round/>
-                      <a:headEnd type="none" w="med" len="med"/>
-                      <a:tailEnd type="none" w="med" len="med"/>
-                    </a:lnB>
-                    <a:solidFill>
-                      <a:srgbClr val="DCE6F1"/>
-                    </a:solidFill>
-                  </a:tcPr>
-                </a:tc>
-                <a:tc>
-                  <a:txBody>
-                    <a:bodyPr/>
-                    <a:lstStyle/>
-                    <a:p>
-                      <a:pPr algn="r" fontAlgn="b"/>
-                      <a:r>
-                        <a:rPr lang="is-IS" sz="1200" b="0" i="0" u="none" strike="noStrike">
-                          <a:solidFill>
-                            <a:srgbClr val="000000"/>
-                          </a:solidFill>
-                          <a:effectLst/>
-                          <a:latin typeface="Calibri"/>
-                        </a:rPr>
-                        <a:t>0.000633493</a:t>
-                      </a:r>
-                    </a:p>
-                  </a:txBody>
-                  <a:tcPr marL="12700" marR="12700" marT="12700" marB="0" anchor="b">
-                    <a:lnL w="6350" cap="flat" cmpd="sng" algn="ctr">
-                      <a:solidFill>
-                        <a:srgbClr val="FFFFFF"/>
-                      </a:solidFill>
-                      <a:prstDash val="solid"/>
-                      <a:round/>
-                      <a:headEnd type="none" w="med" len="med"/>
-                      <a:tailEnd type="none" w="med" len="med"/>
-                    </a:lnL>
-                    <a:lnR>
-                      <a:noFill/>
-                    </a:lnR>
-                    <a:lnT w="6350" cap="flat" cmpd="sng" algn="ctr">
-                      <a:solidFill>
-                        <a:srgbClr val="FFFFFF"/>
-                      </a:solidFill>
-                      <a:prstDash val="solid"/>
-                      <a:round/>
-                      <a:headEnd type="none" w="med" len="med"/>
-                      <a:tailEnd type="none" w="med" len="med"/>
-                    </a:lnT>
-                    <a:lnB w="6350" cap="flat" cmpd="sng" algn="ctr">
-                      <a:solidFill>
-                        <a:srgbClr val="FFFFFF"/>
-                      </a:solidFill>
-                      <a:prstDash val="solid"/>
-                      <a:round/>
-                      <a:headEnd type="none" w="med" len="med"/>
-                      <a:tailEnd type="none" w="med" len="med"/>
-                    </a:lnB>
-                    <a:solidFill>
-                      <a:srgbClr val="DCE6F1"/>
-                    </a:solidFill>
-                  </a:tcPr>
-                </a:tc>
-              </a:tr>
-              <a:tr h="245230">
-                <a:tc>
-                  <a:txBody>
-                    <a:bodyPr/>
-                    <a:lstStyle/>
-                    <a:p>
-                      <a:pPr algn="l" fontAlgn="b"/>
-                      <a:r>
-                        <a:rPr lang="en-US" sz="1200" b="0" i="0" u="none" strike="noStrike" dirty="0">
-                          <a:solidFill>
-                            <a:srgbClr val="000000"/>
-                          </a:solidFill>
-                          <a:effectLst/>
-                          <a:latin typeface="Calibri"/>
-                        </a:rPr>
-                        <a:t>SURF </a:t>
-                      </a:r>
-                      <a:r>
-                        <a:rPr lang="en-US" sz="1200" b="0" i="0" u="none" strike="noStrike" dirty="0" smtClean="0">
-                          <a:solidFill>
-                            <a:srgbClr val="000000"/>
-                          </a:solidFill>
-                          <a:effectLst/>
-                          <a:latin typeface="Calibri"/>
-                        </a:rPr>
-                        <a:t>+ Color</a:t>
-                      </a:r>
-                      <a:endParaRPr lang="en-US" sz="1200" b="0" i="0" u="none" strike="noStrike" dirty="0">
-                        <a:solidFill>
-                          <a:srgbClr val="000000"/>
-                        </a:solidFill>
-                        <a:effectLst/>
-                        <a:latin typeface="Calibri"/>
-                      </a:endParaRPr>
-                    </a:p>
-                  </a:txBody>
-                  <a:tcPr marL="12357" marR="12357" marT="12357" marB="0" anchor="b">
-                    <a:lnL>
-                      <a:noFill/>
-                    </a:lnL>
-                    <a:lnR w="6350" cap="flat" cmpd="sng" algn="ctr">
-                      <a:solidFill>
-                        <a:srgbClr val="FFFFFF"/>
-                      </a:solidFill>
-                      <a:prstDash val="solid"/>
-                      <a:round/>
-                      <a:headEnd type="none" w="med" len="med"/>
-                      <a:tailEnd type="none" w="med" len="med"/>
-                    </a:lnR>
-                    <a:lnT w="6350" cap="flat" cmpd="sng" algn="ctr">
-                      <a:solidFill>
-                        <a:srgbClr val="FFFFFF"/>
-                      </a:solidFill>
-                      <a:prstDash val="solid"/>
-                      <a:round/>
-                      <a:headEnd type="none" w="med" len="med"/>
-                      <a:tailEnd type="none" w="med" len="med"/>
-                    </a:lnT>
-                    <a:lnB>
-                      <a:noFill/>
-                    </a:lnB>
-                    <a:solidFill>
-                      <a:srgbClr val="FFFF00"/>
-                    </a:solidFill>
-                  </a:tcPr>
-                </a:tc>
-                <a:tc>
-                  <a:txBody>
-                    <a:bodyPr/>
-                    <a:lstStyle/>
-                    <a:p>
-                      <a:pPr marL="0" marR="0" indent="0" algn="l" defTabSz="457200" rtl="0" eaLnBrk="1" fontAlgn="b" latinLnBrk="0" hangingPunct="1">
-                        <a:lnSpc>
-                          <a:spcPct val="100000"/>
-                        </a:lnSpc>
-                        <a:spcBef>
-                          <a:spcPts val="0"/>
-                        </a:spcBef>
-                        <a:spcAft>
-                          <a:spcPts val="0"/>
-                        </a:spcAft>
-                        <a:buClrTx/>
-                        <a:buSzTx/>
-                        <a:buFontTx/>
-                        <a:buNone/>
-                        <a:tabLst/>
-                        <a:defRPr/>
-                      </a:pPr>
-                      <a:r>
-                        <a:rPr lang="en-US" sz="1200" b="0" i="0" u="none" strike="noStrike" dirty="0" smtClean="0">
-                          <a:solidFill>
-                            <a:srgbClr val="000000"/>
-                          </a:solidFill>
-                          <a:effectLst/>
-                          <a:latin typeface="Calibri"/>
-                        </a:rPr>
-                        <a:t>GBM</a:t>
-                      </a:r>
-                      <a:r>
-                        <a:rPr lang="en-US" sz="1200" b="0" i="0" u="none" strike="noStrike" dirty="0" smtClean="0">
-                          <a:solidFill>
-                            <a:srgbClr val="000000"/>
-                          </a:solidFill>
-                          <a:effectLst/>
-                          <a:latin typeface="+mn-lt"/>
-                        </a:rPr>
-                        <a:t> (depth =5, trees = 1212)</a:t>
-                      </a:r>
-                    </a:p>
-                  </a:txBody>
-                  <a:tcPr marL="12357" marR="12357" marT="12357" marB="0" anchor="b">
-                    <a:lnL w="6350" cap="flat" cmpd="sng" algn="ctr">
-                      <a:solidFill>
-                        <a:srgbClr val="FFFFFF"/>
-                      </a:solidFill>
-                      <a:prstDash val="solid"/>
-                      <a:round/>
-                      <a:headEnd type="none" w="med" len="med"/>
-                      <a:tailEnd type="none" w="med" len="med"/>
-                    </a:lnL>
-                    <a:lnR w="6350" cap="flat" cmpd="sng" algn="ctr">
-                      <a:solidFill>
-                        <a:srgbClr val="FFFFFF"/>
-                      </a:solidFill>
-                      <a:prstDash val="solid"/>
-                      <a:round/>
-                      <a:headEnd type="none" w="med" len="med"/>
-                      <a:tailEnd type="none" w="med" len="med"/>
-                    </a:lnR>
-                    <a:lnT w="6350" cap="flat" cmpd="sng" algn="ctr">
-                      <a:solidFill>
-                        <a:srgbClr val="FFFFFF"/>
-                      </a:solidFill>
-                      <a:prstDash val="solid"/>
-                      <a:round/>
-                      <a:headEnd type="none" w="med" len="med"/>
-                      <a:tailEnd type="none" w="med" len="med"/>
-                    </a:lnT>
-                    <a:lnB>
-                      <a:noFill/>
-                    </a:lnB>
-                    <a:solidFill>
-                      <a:srgbClr val="FFFF00"/>
-                    </a:solidFill>
-                  </a:tcPr>
-                </a:tc>
-                <a:tc>
-                  <a:txBody>
-                    <a:bodyPr/>
-                    <a:lstStyle/>
-                    <a:p>
-                      <a:pPr algn="r" fontAlgn="b"/>
-                      <a:r>
-                        <a:rPr lang="hr-HR" sz="1200" b="0" i="0" u="none" strike="noStrike" dirty="0">
-                          <a:solidFill>
-                            <a:srgbClr val="000000"/>
-                          </a:solidFill>
-                          <a:effectLst/>
-                          <a:latin typeface="Calibri"/>
-                        </a:rPr>
-                        <a:t>81.75%</a:t>
-                      </a:r>
-                    </a:p>
-                  </a:txBody>
-                  <a:tcPr marL="12357" marR="12357" marT="12357" marB="0" anchor="b">
-                    <a:lnL w="6350" cap="flat" cmpd="sng" algn="ctr">
-                      <a:solidFill>
-                        <a:srgbClr val="FFFFFF"/>
-                      </a:solidFill>
-                      <a:prstDash val="solid"/>
-                      <a:round/>
-                      <a:headEnd type="none" w="med" len="med"/>
-                      <a:tailEnd type="none" w="med" len="med"/>
-                    </a:lnL>
-                    <a:lnR w="6350" cap="flat" cmpd="sng" algn="ctr">
-                      <a:solidFill>
-                        <a:srgbClr val="FFFFFF"/>
-                      </a:solidFill>
-                      <a:prstDash val="solid"/>
-                      <a:round/>
-                      <a:headEnd type="none" w="med" len="med"/>
-                      <a:tailEnd type="none" w="med" len="med"/>
-                    </a:lnR>
-                    <a:lnT w="6350" cap="flat" cmpd="sng" algn="ctr">
-                      <a:solidFill>
-                        <a:srgbClr val="FFFFFF"/>
-                      </a:solidFill>
-                      <a:prstDash val="solid"/>
-                      <a:round/>
-                      <a:headEnd type="none" w="med" len="med"/>
-                      <a:tailEnd type="none" w="med" len="med"/>
-                    </a:lnT>
-                    <a:lnB>
-                      <a:noFill/>
-                    </a:lnB>
-                    <a:solidFill>
-                      <a:srgbClr val="FFFF00"/>
-                    </a:solidFill>
-                  </a:tcPr>
-                </a:tc>
-                <a:tc>
-                  <a:txBody>
-                    <a:bodyPr/>
-                    <a:lstStyle/>
-                    <a:p>
-                      <a:pPr algn="r" fontAlgn="b"/>
-                      <a:r>
-                        <a:rPr lang="en-US" sz="1200" b="0" i="0" u="none" strike="noStrike">
-                          <a:solidFill>
-                            <a:srgbClr val="000000"/>
-                          </a:solidFill>
-                          <a:effectLst/>
-                          <a:latin typeface="Calibri"/>
-                        </a:rPr>
-                        <a:t>417</a:t>
-                      </a:r>
-                    </a:p>
-                  </a:txBody>
-                  <a:tcPr marL="12700" marR="12700" marT="12700" marB="0" anchor="b">
-                    <a:lnL w="6350" cap="flat" cmpd="sng" algn="ctr">
-                      <a:solidFill>
-                        <a:srgbClr val="FFFFFF"/>
-                      </a:solidFill>
-                      <a:prstDash val="solid"/>
-                      <a:round/>
-                      <a:headEnd type="none" w="med" len="med"/>
-                      <a:tailEnd type="none" w="med" len="med"/>
-                    </a:lnL>
-                    <a:lnR w="6350" cap="flat" cmpd="sng" algn="ctr">
-                      <a:solidFill>
-                        <a:srgbClr val="FFFFFF"/>
-                      </a:solidFill>
-                      <a:prstDash val="solid"/>
-                      <a:round/>
-                      <a:headEnd type="none" w="med" len="med"/>
-                      <a:tailEnd type="none" w="med" len="med"/>
-                    </a:lnR>
-                    <a:lnT w="6350" cap="flat" cmpd="sng" algn="ctr">
-                      <a:solidFill>
-                        <a:srgbClr val="FFFFFF"/>
-                      </a:solidFill>
-                      <a:prstDash val="solid"/>
-                      <a:round/>
-                      <a:headEnd type="none" w="med" len="med"/>
-                      <a:tailEnd type="none" w="med" len="med"/>
-                    </a:lnT>
-                    <a:lnB>
-                      <a:noFill/>
-                    </a:lnB>
-                    <a:solidFill>
-                      <a:srgbClr val="FFFF00"/>
-                    </a:solidFill>
-                  </a:tcPr>
-                </a:tc>
-                <a:tc>
-                  <a:txBody>
-                    <a:bodyPr/>
-                    <a:lstStyle/>
-                    <a:p>
-                      <a:pPr algn="r" fontAlgn="b"/>
-                      <a:r>
-                        <a:rPr lang="is-IS" sz="1200" b="0" i="0" u="none" strike="noStrike" dirty="0">
-                          <a:solidFill>
-                            <a:srgbClr val="000000"/>
-                          </a:solidFill>
-                          <a:effectLst/>
-                          <a:latin typeface="Calibri"/>
-                        </a:rPr>
-                        <a:t>0.001960432</a:t>
-                      </a:r>
-                    </a:p>
-                  </a:txBody>
-                  <a:tcPr marL="12700" marR="12700" marT="12700" marB="0" anchor="b">
-                    <a:lnL w="6350" cap="flat" cmpd="sng" algn="ctr">
-                      <a:solidFill>
-                        <a:srgbClr val="FFFFFF"/>
-                      </a:solidFill>
-                      <a:prstDash val="solid"/>
-                      <a:round/>
-                      <a:headEnd type="none" w="med" len="med"/>
-                      <a:tailEnd type="none" w="med" len="med"/>
-                    </a:lnL>
-                    <a:lnR>
-                      <a:noFill/>
-                    </a:lnR>
-                    <a:lnT w="6350" cap="flat" cmpd="sng" algn="ctr">
-                      <a:solidFill>
-                        <a:srgbClr val="FFFFFF"/>
-                      </a:solidFill>
-                      <a:prstDash val="solid"/>
-                      <a:round/>
-                      <a:headEnd type="none" w="med" len="med"/>
-                      <a:tailEnd type="none" w="med" len="med"/>
-                    </a:lnT>
-                    <a:lnB>
-                      <a:noFill/>
-                    </a:lnB>
-                    <a:solidFill>
-                      <a:srgbClr val="FFFF00"/>
-                    </a:solidFill>
-                  </a:tcPr>
-                </a:tc>
-              </a:tr>
-            </a:tbl>
-          </a:graphicData>
-        </a:graphic>
-      </p:graphicFrame>
       <p:sp>
         <p:nvSpPr>
           <p:cNvPr id="6" name="Content Placeholder 5"/>
@@ -6866,7 +3592,7 @@
         </p:spPr>
         <p:txBody>
           <a:bodyPr>
-            <a:normAutofit fontScale="92500" lnSpcReduction="10000"/>
+            <a:noAutofit/>
           </a:bodyPr>
           <a:lstStyle/>
           <a:p>
@@ -6874,10 +3600,10 @@
               <a:buNone/>
             </a:pPr>
             <a:r>
-              <a:rPr lang="en-US" dirty="0" smtClean="0"/>
-              <a:t>Baseline model: Select best features</a:t>
-            </a:r>
-            <a:endParaRPr lang="en-US" dirty="0"/>
+              <a:rPr lang="en-US" sz="2800" dirty="0" smtClean="0"/>
+              <a:t>Baseline model: Select best parameter</a:t>
+            </a:r>
+            <a:endParaRPr lang="en-US" sz="2800" dirty="0"/>
           </a:p>
         </p:txBody>
       </p:sp>
@@ -6900,7 +3626,7 @@
         </p:spPr>
         <p:txBody>
           <a:bodyPr vert="horz" lIns="91440" tIns="45720" rIns="91440" bIns="45720" rtlCol="0">
-            <a:normAutofit fontScale="92500" lnSpcReduction="10000"/>
+            <a:noAutofit/>
           </a:bodyPr>
           <a:lstStyle>
             <a:lvl1pPr marL="342900" indent="-342900" algn="l" defTabSz="457200" rtl="0" eaLnBrk="1" latinLnBrk="0" hangingPunct="1">
@@ -7045,10 +3771,10 @@
               <a:buNone/>
             </a:pPr>
             <a:r>
-              <a:rPr lang="en-US" dirty="0" smtClean="0"/>
+              <a:rPr lang="en-US" sz="2800" dirty="0" smtClean="0"/>
               <a:t>Best features: Select best model</a:t>
             </a:r>
-            <a:endParaRPr lang="en-US" dirty="0"/>
+            <a:endParaRPr lang="en-US" sz="2800" dirty="0"/>
           </a:p>
         </p:txBody>
       </p:sp>
@@ -7061,14 +3787,14 @@
           <p:nvPr>
             <p:extLst>
               <p:ext uri="{D42A27DB-BD31-4B8C-83A1-F6EECF244321}">
-                <p14:modId xmlns:p14="http://schemas.microsoft.com/office/powerpoint/2010/main" val="586613782"/>
+                <p14:modId xmlns:p14="http://schemas.microsoft.com/office/powerpoint/2010/main" val="372656493"/>
               </p:ext>
             </p:extLst>
           </p:nvPr>
         </p:nvGraphicFramePr>
         <p:xfrm>
-          <a:off x="457200" y="5364413"/>
-          <a:ext cx="8229601" cy="963604"/>
+          <a:off x="457200" y="5380288"/>
+          <a:ext cx="8229601" cy="964003"/>
         </p:xfrm>
         <a:graphic>
           <a:graphicData uri="http://schemas.openxmlformats.org/drawingml/2006/table">
@@ -7359,7 +4085,7 @@
                     <a:p>
                       <a:pPr algn="l" fontAlgn="b"/>
                       <a:r>
-                        <a:rPr lang="en-US" sz="1200" b="0" i="0" u="none" strike="noStrike">
+                        <a:rPr lang="en-US" sz="1200" b="0" i="0" u="none" strike="noStrike" dirty="0">
                           <a:solidFill>
                             <a:srgbClr val="000000"/>
                           </a:solidFill>
@@ -7967,7 +4693,7 @@
                       </a:endParaRPr>
                     </a:p>
                   </a:txBody>
-                  <a:tcPr marL="12301" marR="12301" marT="12301" marB="0" anchor="b">
+                  <a:tcPr marL="12357" marR="12357" marT="12357" marB="0" anchor="b">
                     <a:lnL>
                       <a:noFill/>
                     </a:lnL>
@@ -8021,7 +4747,7 @@
                           <a:effectLst/>
                           <a:latin typeface="+mn-lt"/>
                         </a:rPr>
-                        <a:t>(depth =5)</a:t>
+                        <a:t>(depth =1, trees = 2000</a:t>
                       </a:r>
                       <a:endParaRPr lang="en-US" sz="1200" b="0" i="0" u="none" strike="noStrike" dirty="0">
                         <a:solidFill>
@@ -8032,7 +4758,7 @@
                       </a:endParaRPr>
                     </a:p>
                   </a:txBody>
-                  <a:tcPr marL="12301" marR="12301" marT="12301" marB="0" anchor="b">
+                  <a:tcPr marL="12357" marR="12357" marT="12357" marB="0" anchor="b">
                     <a:lnL w="6350" cap="flat" cmpd="sng" algn="ctr">
                       <a:solidFill>
                         <a:srgbClr val="FFFFFF"/>
@@ -8075,18 +4801,18 @@
                     <a:p>
                       <a:pPr algn="r" fontAlgn="b"/>
                       <a:r>
-                        <a:rPr lang="hr-HR" sz="1200" b="0" i="0" u="none" strike="noStrike">
+                        <a:rPr lang="hr-HR" sz="1200" b="0" i="0" u="none" strike="noStrike" dirty="0">
                           <a:solidFill>
                             <a:srgbClr val="000000"/>
                           </a:solidFill>
                           <a:effectLst/>
                           <a:latin typeface="Calibri"/>
                         </a:rPr>
-                        <a:t>81.75%</a:t>
+                        <a:t>80.25%</a:t>
                       </a:r>
                     </a:p>
                   </a:txBody>
-                  <a:tcPr marL="12301" marR="12301" marT="12301" marB="0" anchor="b">
+                  <a:tcPr marL="12700" marR="12700" marT="12700" marB="0" anchor="b">
                     <a:lnL w="6350" cap="flat" cmpd="sng" algn="ctr">
                       <a:solidFill>
                         <a:srgbClr val="FFFFFF"/>
@@ -8129,18 +4855,18 @@
                     <a:p>
                       <a:pPr algn="r" fontAlgn="b"/>
                       <a:r>
-                        <a:rPr lang="is-IS" sz="1200" b="0" i="0" u="none" strike="noStrike">
+                        <a:rPr lang="en-US" sz="1200" b="0" i="0" u="none" strike="noStrike" dirty="0">
                           <a:solidFill>
                             <a:srgbClr val="000000"/>
                           </a:solidFill>
                           <a:effectLst/>
                           <a:latin typeface="Calibri"/>
                         </a:rPr>
-                        <a:t>3759</a:t>
+                        <a:t>417</a:t>
                       </a:r>
                     </a:p>
                   </a:txBody>
-                  <a:tcPr marL="12301" marR="12301" marT="12301" marB="0" anchor="b">
+                  <a:tcPr marL="12700" marR="12700" marT="12700" marB="0" anchor="b">
                     <a:lnL w="6350" cap="flat" cmpd="sng" algn="ctr">
                       <a:solidFill>
                         <a:srgbClr val="FFFFFF"/>
@@ -8190,11 +4916,11 @@
                           <a:effectLst/>
                           <a:latin typeface="Calibri"/>
                         </a:rPr>
-                        <a:t>0.000217478</a:t>
+                        <a:t>0.00192446</a:t>
                       </a:r>
                     </a:p>
                   </a:txBody>
-                  <a:tcPr marL="12301" marR="12301" marT="12301" marB="0" anchor="b">
+                  <a:tcPr marL="12700" marR="12700" marT="12700" marB="0" anchor="b">
                     <a:lnL w="6350" cap="flat" cmpd="sng" algn="ctr">
                       <a:solidFill>
                         <a:srgbClr val="FFFFFF"/>
@@ -8229,6 +4955,2343 @@
           </a:graphicData>
         </a:graphic>
       </p:graphicFrame>
+      <p:graphicFrame>
+        <p:nvGraphicFramePr>
+          <p:cNvPr id="11" name="Table 10"/>
+          <p:cNvGraphicFramePr>
+            <a:graphicFrameLocks noGrp="1"/>
+          </p:cNvGraphicFramePr>
+          <p:nvPr>
+            <p:extLst>
+              <p:ext uri="{D42A27DB-BD31-4B8C-83A1-F6EECF244321}">
+                <p14:modId xmlns:p14="http://schemas.microsoft.com/office/powerpoint/2010/main" val="3524873188"/>
+              </p:ext>
+            </p:extLst>
+          </p:nvPr>
+        </p:nvGraphicFramePr>
+        <p:xfrm>
+          <a:off x="457197" y="1913436"/>
+          <a:ext cx="8229601" cy="782365"/>
+        </p:xfrm>
+        <a:graphic>
+          <a:graphicData uri="http://schemas.openxmlformats.org/drawingml/2006/table">
+            <a:tbl>
+              <a:tblPr/>
+              <a:tblGrid>
+                <a:gridCol w="1525367"/>
+                <a:gridCol w="2657091"/>
+                <a:gridCol w="1943613"/>
+                <a:gridCol w="799587"/>
+                <a:gridCol w="1303943"/>
+              </a:tblGrid>
+              <a:tr h="0">
+                <a:tc>
+                  <a:txBody>
+                    <a:bodyPr/>
+                    <a:lstStyle/>
+                    <a:p>
+                      <a:pPr algn="l" fontAlgn="b"/>
+                      <a:r>
+                        <a:rPr lang="en-US" sz="1200" b="1" i="0" u="sng" strike="noStrike">
+                          <a:solidFill>
+                            <a:srgbClr val="FFFFFF"/>
+                          </a:solidFill>
+                          <a:effectLst/>
+                          <a:latin typeface="Calibri"/>
+                        </a:rPr>
+                        <a:t>Feature</a:t>
+                      </a:r>
+                    </a:p>
+                  </a:txBody>
+                  <a:tcPr marL="12301" marR="12301" marT="12301" marB="0" anchor="b">
+                    <a:lnL>
+                      <a:noFill/>
+                    </a:lnL>
+                    <a:lnR w="6350" cap="flat" cmpd="sng" algn="ctr">
+                      <a:solidFill>
+                        <a:srgbClr val="FFFFFF"/>
+                      </a:solidFill>
+                      <a:prstDash val="solid"/>
+                      <a:round/>
+                      <a:headEnd type="none" w="med" len="med"/>
+                      <a:tailEnd type="none" w="med" len="med"/>
+                    </a:lnR>
+                    <a:lnT>
+                      <a:noFill/>
+                    </a:lnT>
+                    <a:lnB w="6350" cap="flat" cmpd="sng" algn="ctr">
+                      <a:solidFill>
+                        <a:srgbClr val="FFFFFF"/>
+                      </a:solidFill>
+                      <a:prstDash val="solid"/>
+                      <a:round/>
+                      <a:headEnd type="none" w="med" len="med"/>
+                      <a:tailEnd type="none" w="med" len="med"/>
+                    </a:lnB>
+                    <a:solidFill>
+                      <a:srgbClr val="4F81BD"/>
+                    </a:solidFill>
+                  </a:tcPr>
+                </a:tc>
+                <a:tc>
+                  <a:txBody>
+                    <a:bodyPr/>
+                    <a:lstStyle/>
+                    <a:p>
+                      <a:pPr algn="l" fontAlgn="b"/>
+                      <a:r>
+                        <a:rPr lang="en-US" sz="1200" b="1" i="0" u="sng" strike="noStrike">
+                          <a:solidFill>
+                            <a:srgbClr val="FFFFFF"/>
+                          </a:solidFill>
+                          <a:effectLst/>
+                          <a:latin typeface="Calibri"/>
+                        </a:rPr>
+                        <a:t>Model</a:t>
+                      </a:r>
+                    </a:p>
+                  </a:txBody>
+                  <a:tcPr marL="12301" marR="12301" marT="12301" marB="0" anchor="b">
+                    <a:lnL w="6350" cap="flat" cmpd="sng" algn="ctr">
+                      <a:solidFill>
+                        <a:srgbClr val="FFFFFF"/>
+                      </a:solidFill>
+                      <a:prstDash val="solid"/>
+                      <a:round/>
+                      <a:headEnd type="none" w="med" len="med"/>
+                      <a:tailEnd type="none" w="med" len="med"/>
+                    </a:lnL>
+                    <a:lnR w="6350" cap="flat" cmpd="sng" algn="ctr">
+                      <a:solidFill>
+                        <a:srgbClr val="FFFFFF"/>
+                      </a:solidFill>
+                      <a:prstDash val="solid"/>
+                      <a:round/>
+                      <a:headEnd type="none" w="med" len="med"/>
+                      <a:tailEnd type="none" w="med" len="med"/>
+                    </a:lnR>
+                    <a:lnT>
+                      <a:noFill/>
+                    </a:lnT>
+                    <a:lnB w="6350" cap="flat" cmpd="sng" algn="ctr">
+                      <a:solidFill>
+                        <a:srgbClr val="FFFFFF"/>
+                      </a:solidFill>
+                      <a:prstDash val="solid"/>
+                      <a:round/>
+                      <a:headEnd type="none" w="med" len="med"/>
+                      <a:tailEnd type="none" w="med" len="med"/>
+                    </a:lnB>
+                    <a:solidFill>
+                      <a:srgbClr val="4F81BD"/>
+                    </a:solidFill>
+                  </a:tcPr>
+                </a:tc>
+                <a:tc>
+                  <a:txBody>
+                    <a:bodyPr/>
+                    <a:lstStyle/>
+                    <a:p>
+                      <a:pPr algn="l" fontAlgn="b"/>
+                      <a:r>
+                        <a:rPr lang="en-US" sz="1200" b="1" i="0" u="sng" strike="noStrike">
+                          <a:solidFill>
+                            <a:srgbClr val="FFFFFF"/>
+                          </a:solidFill>
+                          <a:effectLst/>
+                          <a:latin typeface="Calibri"/>
+                        </a:rPr>
+                        <a:t>Test Accuracy (CV = 5-fold)</a:t>
+                      </a:r>
+                    </a:p>
+                  </a:txBody>
+                  <a:tcPr marL="12301" marR="12301" marT="12301" marB="0" anchor="b">
+                    <a:lnL w="6350" cap="flat" cmpd="sng" algn="ctr">
+                      <a:solidFill>
+                        <a:srgbClr val="FFFFFF"/>
+                      </a:solidFill>
+                      <a:prstDash val="solid"/>
+                      <a:round/>
+                      <a:headEnd type="none" w="med" len="med"/>
+                      <a:tailEnd type="none" w="med" len="med"/>
+                    </a:lnL>
+                    <a:lnR w="6350" cap="flat" cmpd="sng" algn="ctr">
+                      <a:solidFill>
+                        <a:srgbClr val="FFFFFF"/>
+                      </a:solidFill>
+                      <a:prstDash val="solid"/>
+                      <a:round/>
+                      <a:headEnd type="none" w="med" len="med"/>
+                      <a:tailEnd type="none" w="med" len="med"/>
+                    </a:lnR>
+                    <a:lnT>
+                      <a:noFill/>
+                    </a:lnT>
+                    <a:lnB w="6350" cap="flat" cmpd="sng" algn="ctr">
+                      <a:solidFill>
+                        <a:srgbClr val="FFFFFF"/>
+                      </a:solidFill>
+                      <a:prstDash val="solid"/>
+                      <a:round/>
+                      <a:headEnd type="none" w="med" len="med"/>
+                      <a:tailEnd type="none" w="med" len="med"/>
+                    </a:lnB>
+                    <a:solidFill>
+                      <a:srgbClr val="4F81BD"/>
+                    </a:solidFill>
+                  </a:tcPr>
+                </a:tc>
+                <a:tc>
+                  <a:txBody>
+                    <a:bodyPr/>
+                    <a:lstStyle/>
+                    <a:p>
+                      <a:pPr algn="l" fontAlgn="b"/>
+                      <a:r>
+                        <a:rPr lang="en-US" sz="1200" b="1" i="0" u="sng" strike="noStrike">
+                          <a:solidFill>
+                            <a:srgbClr val="FFFFFF"/>
+                          </a:solidFill>
+                          <a:effectLst/>
+                          <a:latin typeface="Calibri"/>
+                        </a:rPr>
+                        <a:t>Timing</a:t>
+                      </a:r>
+                    </a:p>
+                  </a:txBody>
+                  <a:tcPr marL="12301" marR="12301" marT="12301" marB="0" anchor="b">
+                    <a:lnL w="6350" cap="flat" cmpd="sng" algn="ctr">
+                      <a:solidFill>
+                        <a:srgbClr val="FFFFFF"/>
+                      </a:solidFill>
+                      <a:prstDash val="solid"/>
+                      <a:round/>
+                      <a:headEnd type="none" w="med" len="med"/>
+                      <a:tailEnd type="none" w="med" len="med"/>
+                    </a:lnL>
+                    <a:lnR w="6350" cap="flat" cmpd="sng" algn="ctr">
+                      <a:solidFill>
+                        <a:srgbClr val="FFFFFF"/>
+                      </a:solidFill>
+                      <a:prstDash val="solid"/>
+                      <a:round/>
+                      <a:headEnd type="none" w="med" len="med"/>
+                      <a:tailEnd type="none" w="med" len="med"/>
+                    </a:lnR>
+                    <a:lnT>
+                      <a:noFill/>
+                    </a:lnT>
+                    <a:lnB w="6350" cap="flat" cmpd="sng" algn="ctr">
+                      <a:solidFill>
+                        <a:srgbClr val="FFFFFF"/>
+                      </a:solidFill>
+                      <a:prstDash val="solid"/>
+                      <a:round/>
+                      <a:headEnd type="none" w="med" len="med"/>
+                      <a:tailEnd type="none" w="med" len="med"/>
+                    </a:lnB>
+                    <a:solidFill>
+                      <a:srgbClr val="4F81BD"/>
+                    </a:solidFill>
+                  </a:tcPr>
+                </a:tc>
+                <a:tc>
+                  <a:txBody>
+                    <a:bodyPr/>
+                    <a:lstStyle/>
+                    <a:p>
+                      <a:pPr algn="l" fontAlgn="b"/>
+                      <a:r>
+                        <a:rPr lang="en-US" sz="1200" b="1" i="0" u="sng" strike="noStrike">
+                          <a:solidFill>
+                            <a:srgbClr val="FFFFFF"/>
+                          </a:solidFill>
+                          <a:effectLst/>
+                          <a:latin typeface="Calibri"/>
+                        </a:rPr>
+                        <a:t>Accuracy/Timing</a:t>
+                      </a:r>
+                    </a:p>
+                  </a:txBody>
+                  <a:tcPr marL="12301" marR="12301" marT="12301" marB="0" anchor="b">
+                    <a:lnL w="6350" cap="flat" cmpd="sng" algn="ctr">
+                      <a:solidFill>
+                        <a:srgbClr val="FFFFFF"/>
+                      </a:solidFill>
+                      <a:prstDash val="solid"/>
+                      <a:round/>
+                      <a:headEnd type="none" w="med" len="med"/>
+                      <a:tailEnd type="none" w="med" len="med"/>
+                    </a:lnL>
+                    <a:lnR>
+                      <a:noFill/>
+                    </a:lnR>
+                    <a:lnT>
+                      <a:noFill/>
+                    </a:lnT>
+                    <a:lnB w="6350" cap="flat" cmpd="sng" algn="ctr">
+                      <a:solidFill>
+                        <a:srgbClr val="FFFFFF"/>
+                      </a:solidFill>
+                      <a:prstDash val="solid"/>
+                      <a:round/>
+                      <a:headEnd type="none" w="med" len="med"/>
+                      <a:tailEnd type="none" w="med" len="med"/>
+                    </a:lnB>
+                    <a:solidFill>
+                      <a:srgbClr val="4F81BD"/>
+                    </a:solidFill>
+                  </a:tcPr>
+                </a:tc>
+              </a:tr>
+              <a:tr h="196822">
+                <a:tc>
+                  <a:txBody>
+                    <a:bodyPr/>
+                    <a:lstStyle/>
+                    <a:p>
+                      <a:pPr algn="l" fontAlgn="b"/>
+                      <a:r>
+                        <a:rPr lang="en-US" sz="1200" b="0" i="0" u="none" strike="noStrike">
+                          <a:solidFill>
+                            <a:srgbClr val="000000"/>
+                          </a:solidFill>
+                          <a:effectLst/>
+                          <a:latin typeface="Calibri"/>
+                        </a:rPr>
+                        <a:t>SIFT</a:t>
+                      </a:r>
+                    </a:p>
+                  </a:txBody>
+                  <a:tcPr marL="12301" marR="12301" marT="12301" marB="0" anchor="b">
+                    <a:lnL>
+                      <a:noFill/>
+                    </a:lnL>
+                    <a:lnR w="6350" cap="flat" cmpd="sng" algn="ctr">
+                      <a:solidFill>
+                        <a:srgbClr val="FFFFFF"/>
+                      </a:solidFill>
+                      <a:prstDash val="solid"/>
+                      <a:round/>
+                      <a:headEnd type="none" w="med" len="med"/>
+                      <a:tailEnd type="none" w="med" len="med"/>
+                    </a:lnR>
+                    <a:lnT w="6350" cap="flat" cmpd="sng" algn="ctr">
+                      <a:solidFill>
+                        <a:srgbClr val="FFFFFF"/>
+                      </a:solidFill>
+                      <a:prstDash val="solid"/>
+                      <a:round/>
+                      <a:headEnd type="none" w="med" len="med"/>
+                      <a:tailEnd type="none" w="med" len="med"/>
+                    </a:lnT>
+                    <a:lnB w="6350" cap="flat" cmpd="sng" algn="ctr">
+                      <a:solidFill>
+                        <a:srgbClr val="FFFFFF"/>
+                      </a:solidFill>
+                      <a:prstDash val="solid"/>
+                      <a:round/>
+                      <a:headEnd type="none" w="med" len="med"/>
+                      <a:tailEnd type="none" w="med" len="med"/>
+                    </a:lnB>
+                    <a:solidFill>
+                      <a:srgbClr val="FFFF00"/>
+                    </a:solidFill>
+                  </a:tcPr>
+                </a:tc>
+                <a:tc>
+                  <a:txBody>
+                    <a:bodyPr/>
+                    <a:lstStyle/>
+                    <a:p>
+                      <a:pPr algn="l" fontAlgn="b"/>
+                      <a:r>
+                        <a:rPr lang="en-US" sz="1200" b="0" i="0" u="none" strike="noStrike">
+                          <a:solidFill>
+                            <a:srgbClr val="000000"/>
+                          </a:solidFill>
+                          <a:effectLst/>
+                          <a:latin typeface="Calibri"/>
+                        </a:rPr>
+                        <a:t>GBM (depth = 1, trees = 2000)</a:t>
+                      </a:r>
+                    </a:p>
+                  </a:txBody>
+                  <a:tcPr marL="12301" marR="12301" marT="12301" marB="0" anchor="b">
+                    <a:lnL w="6350" cap="flat" cmpd="sng" algn="ctr">
+                      <a:solidFill>
+                        <a:srgbClr val="FFFFFF"/>
+                      </a:solidFill>
+                      <a:prstDash val="solid"/>
+                      <a:round/>
+                      <a:headEnd type="none" w="med" len="med"/>
+                      <a:tailEnd type="none" w="med" len="med"/>
+                    </a:lnL>
+                    <a:lnR w="6350" cap="flat" cmpd="sng" algn="ctr">
+                      <a:solidFill>
+                        <a:srgbClr val="FFFFFF"/>
+                      </a:solidFill>
+                      <a:prstDash val="solid"/>
+                      <a:round/>
+                      <a:headEnd type="none" w="med" len="med"/>
+                      <a:tailEnd type="none" w="med" len="med"/>
+                    </a:lnR>
+                    <a:lnT w="6350" cap="flat" cmpd="sng" algn="ctr">
+                      <a:solidFill>
+                        <a:srgbClr val="FFFFFF"/>
+                      </a:solidFill>
+                      <a:prstDash val="solid"/>
+                      <a:round/>
+                      <a:headEnd type="none" w="med" len="med"/>
+                      <a:tailEnd type="none" w="med" len="med"/>
+                    </a:lnT>
+                    <a:lnB w="6350" cap="flat" cmpd="sng" algn="ctr">
+                      <a:solidFill>
+                        <a:srgbClr val="FFFFFF"/>
+                      </a:solidFill>
+                      <a:prstDash val="solid"/>
+                      <a:round/>
+                      <a:headEnd type="none" w="med" len="med"/>
+                      <a:tailEnd type="none" w="med" len="med"/>
+                    </a:lnB>
+                    <a:solidFill>
+                      <a:srgbClr val="FFFF00"/>
+                    </a:solidFill>
+                  </a:tcPr>
+                </a:tc>
+                <a:tc>
+                  <a:txBody>
+                    <a:bodyPr/>
+                    <a:lstStyle/>
+                    <a:p>
+                      <a:pPr algn="r" fontAlgn="b"/>
+                      <a:r>
+                        <a:rPr lang="hr-HR" sz="1200" b="0" i="0" u="none" strike="noStrike">
+                          <a:solidFill>
+                            <a:srgbClr val="000000"/>
+                          </a:solidFill>
+                          <a:effectLst/>
+                          <a:latin typeface="Calibri"/>
+                        </a:rPr>
+                        <a:t>66.25%</a:t>
+                      </a:r>
+                    </a:p>
+                  </a:txBody>
+                  <a:tcPr marL="12301" marR="12301" marT="12301" marB="0" anchor="b">
+                    <a:lnL w="6350" cap="flat" cmpd="sng" algn="ctr">
+                      <a:solidFill>
+                        <a:srgbClr val="FFFFFF"/>
+                      </a:solidFill>
+                      <a:prstDash val="solid"/>
+                      <a:round/>
+                      <a:headEnd type="none" w="med" len="med"/>
+                      <a:tailEnd type="none" w="med" len="med"/>
+                    </a:lnL>
+                    <a:lnR w="6350" cap="flat" cmpd="sng" algn="ctr">
+                      <a:solidFill>
+                        <a:srgbClr val="FFFFFF"/>
+                      </a:solidFill>
+                      <a:prstDash val="solid"/>
+                      <a:round/>
+                      <a:headEnd type="none" w="med" len="med"/>
+                      <a:tailEnd type="none" w="med" len="med"/>
+                    </a:lnR>
+                    <a:lnT w="6350" cap="flat" cmpd="sng" algn="ctr">
+                      <a:solidFill>
+                        <a:srgbClr val="FFFFFF"/>
+                      </a:solidFill>
+                      <a:prstDash val="solid"/>
+                      <a:round/>
+                      <a:headEnd type="none" w="med" len="med"/>
+                      <a:tailEnd type="none" w="med" len="med"/>
+                    </a:lnT>
+                    <a:lnB w="6350" cap="flat" cmpd="sng" algn="ctr">
+                      <a:solidFill>
+                        <a:srgbClr val="FFFFFF"/>
+                      </a:solidFill>
+                      <a:prstDash val="solid"/>
+                      <a:round/>
+                      <a:headEnd type="none" w="med" len="med"/>
+                      <a:tailEnd type="none" w="med" len="med"/>
+                    </a:lnB>
+                    <a:solidFill>
+                      <a:srgbClr val="FFFF00"/>
+                    </a:solidFill>
+                  </a:tcPr>
+                </a:tc>
+                <a:tc>
+                  <a:txBody>
+                    <a:bodyPr/>
+                    <a:lstStyle/>
+                    <a:p>
+                      <a:pPr algn="r" fontAlgn="b"/>
+                      <a:r>
+                        <a:rPr lang="is-IS" sz="1200" b="0" i="0" u="none" strike="noStrike">
+                          <a:solidFill>
+                            <a:srgbClr val="000000"/>
+                          </a:solidFill>
+                          <a:effectLst/>
+                          <a:latin typeface="Calibri"/>
+                        </a:rPr>
+                        <a:t>372</a:t>
+                      </a:r>
+                    </a:p>
+                  </a:txBody>
+                  <a:tcPr marL="12301" marR="12301" marT="12301" marB="0" anchor="b">
+                    <a:lnL w="6350" cap="flat" cmpd="sng" algn="ctr">
+                      <a:solidFill>
+                        <a:srgbClr val="FFFFFF"/>
+                      </a:solidFill>
+                      <a:prstDash val="solid"/>
+                      <a:round/>
+                      <a:headEnd type="none" w="med" len="med"/>
+                      <a:tailEnd type="none" w="med" len="med"/>
+                    </a:lnL>
+                    <a:lnR w="6350" cap="flat" cmpd="sng" algn="ctr">
+                      <a:solidFill>
+                        <a:srgbClr val="FFFFFF"/>
+                      </a:solidFill>
+                      <a:prstDash val="solid"/>
+                      <a:round/>
+                      <a:headEnd type="none" w="med" len="med"/>
+                      <a:tailEnd type="none" w="med" len="med"/>
+                    </a:lnR>
+                    <a:lnT w="6350" cap="flat" cmpd="sng" algn="ctr">
+                      <a:solidFill>
+                        <a:srgbClr val="FFFFFF"/>
+                      </a:solidFill>
+                      <a:prstDash val="solid"/>
+                      <a:round/>
+                      <a:headEnd type="none" w="med" len="med"/>
+                      <a:tailEnd type="none" w="med" len="med"/>
+                    </a:lnT>
+                    <a:lnB w="6350" cap="flat" cmpd="sng" algn="ctr">
+                      <a:solidFill>
+                        <a:srgbClr val="FFFFFF"/>
+                      </a:solidFill>
+                      <a:prstDash val="solid"/>
+                      <a:round/>
+                      <a:headEnd type="none" w="med" len="med"/>
+                      <a:tailEnd type="none" w="med" len="med"/>
+                    </a:lnB>
+                    <a:solidFill>
+                      <a:srgbClr val="FFFF00"/>
+                    </a:solidFill>
+                  </a:tcPr>
+                </a:tc>
+                <a:tc>
+                  <a:txBody>
+                    <a:bodyPr/>
+                    <a:lstStyle/>
+                    <a:p>
+                      <a:pPr algn="r" fontAlgn="b"/>
+                      <a:r>
+                        <a:rPr lang="is-IS" sz="1200" b="0" i="0" u="none" strike="noStrike">
+                          <a:solidFill>
+                            <a:srgbClr val="000000"/>
+                          </a:solidFill>
+                          <a:effectLst/>
+                          <a:latin typeface="Calibri"/>
+                        </a:rPr>
+                        <a:t>0.001780914</a:t>
+                      </a:r>
+                    </a:p>
+                  </a:txBody>
+                  <a:tcPr marL="12301" marR="12301" marT="12301" marB="0" anchor="b">
+                    <a:lnL w="6350" cap="flat" cmpd="sng" algn="ctr">
+                      <a:solidFill>
+                        <a:srgbClr val="FFFFFF"/>
+                      </a:solidFill>
+                      <a:prstDash val="solid"/>
+                      <a:round/>
+                      <a:headEnd type="none" w="med" len="med"/>
+                      <a:tailEnd type="none" w="med" len="med"/>
+                    </a:lnL>
+                    <a:lnR>
+                      <a:noFill/>
+                    </a:lnR>
+                    <a:lnT w="6350" cap="flat" cmpd="sng" algn="ctr">
+                      <a:solidFill>
+                        <a:srgbClr val="FFFFFF"/>
+                      </a:solidFill>
+                      <a:prstDash val="solid"/>
+                      <a:round/>
+                      <a:headEnd type="none" w="med" len="med"/>
+                      <a:tailEnd type="none" w="med" len="med"/>
+                    </a:lnT>
+                    <a:lnB w="6350" cap="flat" cmpd="sng" algn="ctr">
+                      <a:solidFill>
+                        <a:srgbClr val="FFFFFF"/>
+                      </a:solidFill>
+                      <a:prstDash val="solid"/>
+                      <a:round/>
+                      <a:headEnd type="none" w="med" len="med"/>
+                      <a:tailEnd type="none" w="med" len="med"/>
+                    </a:lnB>
+                    <a:solidFill>
+                      <a:srgbClr val="FFFF00"/>
+                    </a:solidFill>
+                  </a:tcPr>
+                </a:tc>
+              </a:tr>
+              <a:tr h="189441">
+                <a:tc>
+                  <a:txBody>
+                    <a:bodyPr/>
+                    <a:lstStyle/>
+                    <a:p>
+                      <a:pPr algn="l" fontAlgn="b"/>
+                      <a:r>
+                        <a:rPr lang="en-US" sz="1200" b="0" i="0" u="none" strike="noStrike">
+                          <a:solidFill>
+                            <a:srgbClr val="000000"/>
+                          </a:solidFill>
+                          <a:effectLst/>
+                          <a:latin typeface="Calibri"/>
+                        </a:rPr>
+                        <a:t>SIFT</a:t>
+                      </a:r>
+                    </a:p>
+                  </a:txBody>
+                  <a:tcPr marL="12301" marR="12301" marT="12301" marB="0" anchor="b">
+                    <a:lnL>
+                      <a:noFill/>
+                    </a:lnL>
+                    <a:lnR w="6350" cap="flat" cmpd="sng" algn="ctr">
+                      <a:solidFill>
+                        <a:srgbClr val="FFFFFF"/>
+                      </a:solidFill>
+                      <a:prstDash val="solid"/>
+                      <a:round/>
+                      <a:headEnd type="none" w="med" len="med"/>
+                      <a:tailEnd type="none" w="med" len="med"/>
+                    </a:lnR>
+                    <a:lnT w="6350" cap="flat" cmpd="sng" algn="ctr">
+                      <a:solidFill>
+                        <a:srgbClr val="FFFFFF"/>
+                      </a:solidFill>
+                      <a:prstDash val="solid"/>
+                      <a:round/>
+                      <a:headEnd type="none" w="med" len="med"/>
+                      <a:tailEnd type="none" w="med" len="med"/>
+                    </a:lnT>
+                    <a:lnB w="6350" cap="flat" cmpd="sng" algn="ctr">
+                      <a:solidFill>
+                        <a:srgbClr val="FFFFFF"/>
+                      </a:solidFill>
+                      <a:prstDash val="solid"/>
+                      <a:round/>
+                      <a:headEnd type="none" w="med" len="med"/>
+                      <a:tailEnd type="none" w="med" len="med"/>
+                    </a:lnB>
+                    <a:solidFill>
+                      <a:srgbClr val="DCE6F1"/>
+                    </a:solidFill>
+                  </a:tcPr>
+                </a:tc>
+                <a:tc>
+                  <a:txBody>
+                    <a:bodyPr/>
+                    <a:lstStyle/>
+                    <a:p>
+                      <a:pPr algn="l" fontAlgn="b"/>
+                      <a:r>
+                        <a:rPr lang="en-US" sz="1200" b="0" i="0" u="none" strike="noStrike">
+                          <a:solidFill>
+                            <a:srgbClr val="000000"/>
+                          </a:solidFill>
+                          <a:effectLst/>
+                          <a:latin typeface="Calibri"/>
+                        </a:rPr>
+                        <a:t>GBM (depth =3, trees = 2000)</a:t>
+                      </a:r>
+                    </a:p>
+                  </a:txBody>
+                  <a:tcPr marL="12301" marR="12301" marT="12301" marB="0" anchor="b">
+                    <a:lnL w="6350" cap="flat" cmpd="sng" algn="ctr">
+                      <a:solidFill>
+                        <a:srgbClr val="FFFFFF"/>
+                      </a:solidFill>
+                      <a:prstDash val="solid"/>
+                      <a:round/>
+                      <a:headEnd type="none" w="med" len="med"/>
+                      <a:tailEnd type="none" w="med" len="med"/>
+                    </a:lnL>
+                    <a:lnR w="6350" cap="flat" cmpd="sng" algn="ctr">
+                      <a:solidFill>
+                        <a:srgbClr val="FFFFFF"/>
+                      </a:solidFill>
+                      <a:prstDash val="solid"/>
+                      <a:round/>
+                      <a:headEnd type="none" w="med" len="med"/>
+                      <a:tailEnd type="none" w="med" len="med"/>
+                    </a:lnR>
+                    <a:lnT w="6350" cap="flat" cmpd="sng" algn="ctr">
+                      <a:solidFill>
+                        <a:srgbClr val="FFFFFF"/>
+                      </a:solidFill>
+                      <a:prstDash val="solid"/>
+                      <a:round/>
+                      <a:headEnd type="none" w="med" len="med"/>
+                      <a:tailEnd type="none" w="med" len="med"/>
+                    </a:lnT>
+                    <a:lnB w="6350" cap="flat" cmpd="sng" algn="ctr">
+                      <a:solidFill>
+                        <a:srgbClr val="FFFFFF"/>
+                      </a:solidFill>
+                      <a:prstDash val="solid"/>
+                      <a:round/>
+                      <a:headEnd type="none" w="med" len="med"/>
+                      <a:tailEnd type="none" w="med" len="med"/>
+                    </a:lnB>
+                    <a:solidFill>
+                      <a:srgbClr val="DCE6F1"/>
+                    </a:solidFill>
+                  </a:tcPr>
+                </a:tc>
+                <a:tc>
+                  <a:txBody>
+                    <a:bodyPr/>
+                    <a:lstStyle/>
+                    <a:p>
+                      <a:pPr algn="r" fontAlgn="b"/>
+                      <a:r>
+                        <a:rPr lang="is-IS" sz="1200" b="0" i="0" u="none" strike="noStrike">
+                          <a:solidFill>
+                            <a:srgbClr val="000000"/>
+                          </a:solidFill>
+                          <a:effectLst/>
+                          <a:latin typeface="Calibri"/>
+                        </a:rPr>
+                        <a:t>67%</a:t>
+                      </a:r>
+                    </a:p>
+                  </a:txBody>
+                  <a:tcPr marL="12301" marR="12301" marT="12301" marB="0" anchor="b">
+                    <a:lnL w="6350" cap="flat" cmpd="sng" algn="ctr">
+                      <a:solidFill>
+                        <a:srgbClr val="FFFFFF"/>
+                      </a:solidFill>
+                      <a:prstDash val="solid"/>
+                      <a:round/>
+                      <a:headEnd type="none" w="med" len="med"/>
+                      <a:tailEnd type="none" w="med" len="med"/>
+                    </a:lnL>
+                    <a:lnR w="6350" cap="flat" cmpd="sng" algn="ctr">
+                      <a:solidFill>
+                        <a:srgbClr val="FFFFFF"/>
+                      </a:solidFill>
+                      <a:prstDash val="solid"/>
+                      <a:round/>
+                      <a:headEnd type="none" w="med" len="med"/>
+                      <a:tailEnd type="none" w="med" len="med"/>
+                    </a:lnR>
+                    <a:lnT w="6350" cap="flat" cmpd="sng" algn="ctr">
+                      <a:solidFill>
+                        <a:srgbClr val="FFFFFF"/>
+                      </a:solidFill>
+                      <a:prstDash val="solid"/>
+                      <a:round/>
+                      <a:headEnd type="none" w="med" len="med"/>
+                      <a:tailEnd type="none" w="med" len="med"/>
+                    </a:lnT>
+                    <a:lnB w="6350" cap="flat" cmpd="sng" algn="ctr">
+                      <a:solidFill>
+                        <a:srgbClr val="FFFFFF"/>
+                      </a:solidFill>
+                      <a:prstDash val="solid"/>
+                      <a:round/>
+                      <a:headEnd type="none" w="med" len="med"/>
+                      <a:tailEnd type="none" w="med" len="med"/>
+                    </a:lnB>
+                    <a:solidFill>
+                      <a:srgbClr val="DCE6F1"/>
+                    </a:solidFill>
+                  </a:tcPr>
+                </a:tc>
+                <a:tc>
+                  <a:txBody>
+                    <a:bodyPr/>
+                    <a:lstStyle/>
+                    <a:p>
+                      <a:pPr algn="r" fontAlgn="b"/>
+                      <a:r>
+                        <a:rPr lang="cs-CZ" sz="1200" b="0" i="0" u="none" strike="noStrike">
+                          <a:solidFill>
+                            <a:srgbClr val="000000"/>
+                          </a:solidFill>
+                          <a:effectLst/>
+                          <a:latin typeface="Calibri"/>
+                        </a:rPr>
+                        <a:t>1116</a:t>
+                      </a:r>
+                    </a:p>
+                  </a:txBody>
+                  <a:tcPr marL="12301" marR="12301" marT="12301" marB="0" anchor="b">
+                    <a:lnL w="6350" cap="flat" cmpd="sng" algn="ctr">
+                      <a:solidFill>
+                        <a:srgbClr val="FFFFFF"/>
+                      </a:solidFill>
+                      <a:prstDash val="solid"/>
+                      <a:round/>
+                      <a:headEnd type="none" w="med" len="med"/>
+                      <a:tailEnd type="none" w="med" len="med"/>
+                    </a:lnL>
+                    <a:lnR w="6350" cap="flat" cmpd="sng" algn="ctr">
+                      <a:solidFill>
+                        <a:srgbClr val="FFFFFF"/>
+                      </a:solidFill>
+                      <a:prstDash val="solid"/>
+                      <a:round/>
+                      <a:headEnd type="none" w="med" len="med"/>
+                      <a:tailEnd type="none" w="med" len="med"/>
+                    </a:lnR>
+                    <a:lnT w="6350" cap="flat" cmpd="sng" algn="ctr">
+                      <a:solidFill>
+                        <a:srgbClr val="FFFFFF"/>
+                      </a:solidFill>
+                      <a:prstDash val="solid"/>
+                      <a:round/>
+                      <a:headEnd type="none" w="med" len="med"/>
+                      <a:tailEnd type="none" w="med" len="med"/>
+                    </a:lnT>
+                    <a:lnB w="6350" cap="flat" cmpd="sng" algn="ctr">
+                      <a:solidFill>
+                        <a:srgbClr val="FFFFFF"/>
+                      </a:solidFill>
+                      <a:prstDash val="solid"/>
+                      <a:round/>
+                      <a:headEnd type="none" w="med" len="med"/>
+                      <a:tailEnd type="none" w="med" len="med"/>
+                    </a:lnB>
+                    <a:solidFill>
+                      <a:srgbClr val="DCE6F1"/>
+                    </a:solidFill>
+                  </a:tcPr>
+                </a:tc>
+                <a:tc>
+                  <a:txBody>
+                    <a:bodyPr/>
+                    <a:lstStyle/>
+                    <a:p>
+                      <a:pPr algn="r" fontAlgn="b"/>
+                      <a:r>
+                        <a:rPr lang="is-IS" sz="1200" b="0" i="0" u="none" strike="noStrike">
+                          <a:solidFill>
+                            <a:srgbClr val="000000"/>
+                          </a:solidFill>
+                          <a:effectLst/>
+                          <a:latin typeface="Calibri"/>
+                        </a:rPr>
+                        <a:t>0.000600358</a:t>
+                      </a:r>
+                    </a:p>
+                  </a:txBody>
+                  <a:tcPr marL="12301" marR="12301" marT="12301" marB="0" anchor="b">
+                    <a:lnL w="6350" cap="flat" cmpd="sng" algn="ctr">
+                      <a:solidFill>
+                        <a:srgbClr val="FFFFFF"/>
+                      </a:solidFill>
+                      <a:prstDash val="solid"/>
+                      <a:round/>
+                      <a:headEnd type="none" w="med" len="med"/>
+                      <a:tailEnd type="none" w="med" len="med"/>
+                    </a:lnL>
+                    <a:lnR>
+                      <a:noFill/>
+                    </a:lnR>
+                    <a:lnT w="6350" cap="flat" cmpd="sng" algn="ctr">
+                      <a:solidFill>
+                        <a:srgbClr val="FFFFFF"/>
+                      </a:solidFill>
+                      <a:prstDash val="solid"/>
+                      <a:round/>
+                      <a:headEnd type="none" w="med" len="med"/>
+                      <a:tailEnd type="none" w="med" len="med"/>
+                    </a:lnT>
+                    <a:lnB w="6350" cap="flat" cmpd="sng" algn="ctr">
+                      <a:solidFill>
+                        <a:srgbClr val="FFFFFF"/>
+                      </a:solidFill>
+                      <a:prstDash val="solid"/>
+                      <a:round/>
+                      <a:headEnd type="none" w="med" len="med"/>
+                      <a:tailEnd type="none" w="med" len="med"/>
+                    </a:lnB>
+                    <a:solidFill>
+                      <a:srgbClr val="DCE6F1"/>
+                    </a:solidFill>
+                  </a:tcPr>
+                </a:tc>
+              </a:tr>
+              <a:tr h="189441">
+                <a:tc>
+                  <a:txBody>
+                    <a:bodyPr/>
+                    <a:lstStyle/>
+                    <a:p>
+                      <a:pPr algn="l" fontAlgn="b"/>
+                      <a:r>
+                        <a:rPr lang="en-US" sz="1200" b="0" i="0" u="none" strike="noStrike">
+                          <a:solidFill>
+                            <a:srgbClr val="000000"/>
+                          </a:solidFill>
+                          <a:effectLst/>
+                          <a:latin typeface="Calibri"/>
+                        </a:rPr>
+                        <a:t>SIFT</a:t>
+                      </a:r>
+                    </a:p>
+                  </a:txBody>
+                  <a:tcPr marL="12301" marR="12301" marT="12301" marB="0" anchor="b">
+                    <a:lnL>
+                      <a:noFill/>
+                    </a:lnL>
+                    <a:lnR w="6350" cap="flat" cmpd="sng" algn="ctr">
+                      <a:solidFill>
+                        <a:srgbClr val="FFFFFF"/>
+                      </a:solidFill>
+                      <a:prstDash val="solid"/>
+                      <a:round/>
+                      <a:headEnd type="none" w="med" len="med"/>
+                      <a:tailEnd type="none" w="med" len="med"/>
+                    </a:lnR>
+                    <a:lnT w="6350" cap="flat" cmpd="sng" algn="ctr">
+                      <a:solidFill>
+                        <a:srgbClr val="FFFFFF"/>
+                      </a:solidFill>
+                      <a:prstDash val="solid"/>
+                      <a:round/>
+                      <a:headEnd type="none" w="med" len="med"/>
+                      <a:tailEnd type="none" w="med" len="med"/>
+                    </a:lnT>
+                    <a:lnB w="6350" cap="flat" cmpd="sng" algn="ctr">
+                      <a:solidFill>
+                        <a:srgbClr val="FFFFFF"/>
+                      </a:solidFill>
+                      <a:prstDash val="solid"/>
+                      <a:round/>
+                      <a:headEnd type="none" w="med" len="med"/>
+                      <a:tailEnd type="none" w="med" len="med"/>
+                    </a:lnB>
+                    <a:solidFill>
+                      <a:srgbClr val="B8CCE4"/>
+                    </a:solidFill>
+                  </a:tcPr>
+                </a:tc>
+                <a:tc>
+                  <a:txBody>
+                    <a:bodyPr/>
+                    <a:lstStyle/>
+                    <a:p>
+                      <a:pPr algn="l" fontAlgn="b"/>
+                      <a:r>
+                        <a:rPr lang="en-US" sz="1200" b="0" i="0" u="none" strike="noStrike">
+                          <a:solidFill>
+                            <a:srgbClr val="000000"/>
+                          </a:solidFill>
+                          <a:effectLst/>
+                          <a:latin typeface="Calibri"/>
+                        </a:rPr>
+                        <a:t>GBM (depth = 5, trees = 1955)</a:t>
+                      </a:r>
+                    </a:p>
+                  </a:txBody>
+                  <a:tcPr marL="12301" marR="12301" marT="12301" marB="0" anchor="b">
+                    <a:lnL w="6350" cap="flat" cmpd="sng" algn="ctr">
+                      <a:solidFill>
+                        <a:srgbClr val="FFFFFF"/>
+                      </a:solidFill>
+                      <a:prstDash val="solid"/>
+                      <a:round/>
+                      <a:headEnd type="none" w="med" len="med"/>
+                      <a:tailEnd type="none" w="med" len="med"/>
+                    </a:lnL>
+                    <a:lnR w="6350" cap="flat" cmpd="sng" algn="ctr">
+                      <a:solidFill>
+                        <a:srgbClr val="FFFFFF"/>
+                      </a:solidFill>
+                      <a:prstDash val="solid"/>
+                      <a:round/>
+                      <a:headEnd type="none" w="med" len="med"/>
+                      <a:tailEnd type="none" w="med" len="med"/>
+                    </a:lnR>
+                    <a:lnT w="6350" cap="flat" cmpd="sng" algn="ctr">
+                      <a:solidFill>
+                        <a:srgbClr val="FFFFFF"/>
+                      </a:solidFill>
+                      <a:prstDash val="solid"/>
+                      <a:round/>
+                      <a:headEnd type="none" w="med" len="med"/>
+                      <a:tailEnd type="none" w="med" len="med"/>
+                    </a:lnT>
+                    <a:lnB w="6350" cap="flat" cmpd="sng" algn="ctr">
+                      <a:solidFill>
+                        <a:srgbClr val="FFFFFF"/>
+                      </a:solidFill>
+                      <a:prstDash val="solid"/>
+                      <a:round/>
+                      <a:headEnd type="none" w="med" len="med"/>
+                      <a:tailEnd type="none" w="med" len="med"/>
+                    </a:lnB>
+                    <a:solidFill>
+                      <a:srgbClr val="B8CCE4"/>
+                    </a:solidFill>
+                  </a:tcPr>
+                </a:tc>
+                <a:tc>
+                  <a:txBody>
+                    <a:bodyPr/>
+                    <a:lstStyle/>
+                    <a:p>
+                      <a:pPr algn="r" fontAlgn="b"/>
+                      <a:r>
+                        <a:rPr lang="pt-BR" sz="1200" b="0" i="0" u="none" strike="noStrike">
+                          <a:solidFill>
+                            <a:srgbClr val="000000"/>
+                          </a:solidFill>
+                          <a:effectLst/>
+                          <a:latin typeface="Calibri"/>
+                        </a:rPr>
+                        <a:t>69%</a:t>
+                      </a:r>
+                    </a:p>
+                  </a:txBody>
+                  <a:tcPr marL="12301" marR="12301" marT="12301" marB="0" anchor="b">
+                    <a:lnL w="6350" cap="flat" cmpd="sng" algn="ctr">
+                      <a:solidFill>
+                        <a:srgbClr val="FFFFFF"/>
+                      </a:solidFill>
+                      <a:prstDash val="solid"/>
+                      <a:round/>
+                      <a:headEnd type="none" w="med" len="med"/>
+                      <a:tailEnd type="none" w="med" len="med"/>
+                    </a:lnL>
+                    <a:lnR w="6350" cap="flat" cmpd="sng" algn="ctr">
+                      <a:solidFill>
+                        <a:srgbClr val="FFFFFF"/>
+                      </a:solidFill>
+                      <a:prstDash val="solid"/>
+                      <a:round/>
+                      <a:headEnd type="none" w="med" len="med"/>
+                      <a:tailEnd type="none" w="med" len="med"/>
+                    </a:lnR>
+                    <a:lnT w="6350" cap="flat" cmpd="sng" algn="ctr">
+                      <a:solidFill>
+                        <a:srgbClr val="FFFFFF"/>
+                      </a:solidFill>
+                      <a:prstDash val="solid"/>
+                      <a:round/>
+                      <a:headEnd type="none" w="med" len="med"/>
+                      <a:tailEnd type="none" w="med" len="med"/>
+                    </a:lnT>
+                    <a:lnB w="6350" cap="flat" cmpd="sng" algn="ctr">
+                      <a:solidFill>
+                        <a:srgbClr val="FFFFFF"/>
+                      </a:solidFill>
+                      <a:prstDash val="solid"/>
+                      <a:round/>
+                      <a:headEnd type="none" w="med" len="med"/>
+                      <a:tailEnd type="none" w="med" len="med"/>
+                    </a:lnB>
+                    <a:solidFill>
+                      <a:srgbClr val="B8CCE4"/>
+                    </a:solidFill>
+                  </a:tcPr>
+                </a:tc>
+                <a:tc>
+                  <a:txBody>
+                    <a:bodyPr/>
+                    <a:lstStyle/>
+                    <a:p>
+                      <a:pPr algn="r" fontAlgn="b"/>
+                      <a:r>
+                        <a:rPr lang="fi-FI" sz="1200" b="0" i="0" u="none" strike="noStrike">
+                          <a:solidFill>
+                            <a:srgbClr val="000000"/>
+                          </a:solidFill>
+                          <a:effectLst/>
+                          <a:latin typeface="Calibri"/>
+                        </a:rPr>
+                        <a:t>1860</a:t>
+                      </a:r>
+                    </a:p>
+                  </a:txBody>
+                  <a:tcPr marL="12301" marR="12301" marT="12301" marB="0" anchor="b">
+                    <a:lnL w="6350" cap="flat" cmpd="sng" algn="ctr">
+                      <a:solidFill>
+                        <a:srgbClr val="FFFFFF"/>
+                      </a:solidFill>
+                      <a:prstDash val="solid"/>
+                      <a:round/>
+                      <a:headEnd type="none" w="med" len="med"/>
+                      <a:tailEnd type="none" w="med" len="med"/>
+                    </a:lnL>
+                    <a:lnR w="6350" cap="flat" cmpd="sng" algn="ctr">
+                      <a:solidFill>
+                        <a:srgbClr val="FFFFFF"/>
+                      </a:solidFill>
+                      <a:prstDash val="solid"/>
+                      <a:round/>
+                      <a:headEnd type="none" w="med" len="med"/>
+                      <a:tailEnd type="none" w="med" len="med"/>
+                    </a:lnR>
+                    <a:lnT w="6350" cap="flat" cmpd="sng" algn="ctr">
+                      <a:solidFill>
+                        <a:srgbClr val="FFFFFF"/>
+                      </a:solidFill>
+                      <a:prstDash val="solid"/>
+                      <a:round/>
+                      <a:headEnd type="none" w="med" len="med"/>
+                      <a:tailEnd type="none" w="med" len="med"/>
+                    </a:lnT>
+                    <a:lnB w="6350" cap="flat" cmpd="sng" algn="ctr">
+                      <a:solidFill>
+                        <a:srgbClr val="FFFFFF"/>
+                      </a:solidFill>
+                      <a:prstDash val="solid"/>
+                      <a:round/>
+                      <a:headEnd type="none" w="med" len="med"/>
+                      <a:tailEnd type="none" w="med" len="med"/>
+                    </a:lnB>
+                    <a:solidFill>
+                      <a:srgbClr val="B8CCE4"/>
+                    </a:solidFill>
+                  </a:tcPr>
+                </a:tc>
+                <a:tc>
+                  <a:txBody>
+                    <a:bodyPr/>
+                    <a:lstStyle/>
+                    <a:p>
+                      <a:pPr algn="r" fontAlgn="b"/>
+                      <a:r>
+                        <a:rPr lang="is-IS" sz="1200" b="0" i="0" u="none" strike="noStrike" dirty="0">
+                          <a:solidFill>
+                            <a:srgbClr val="000000"/>
+                          </a:solidFill>
+                          <a:effectLst/>
+                          <a:latin typeface="Calibri"/>
+                        </a:rPr>
+                        <a:t>0.000370968</a:t>
+                      </a:r>
+                    </a:p>
+                  </a:txBody>
+                  <a:tcPr marL="12301" marR="12301" marT="12301" marB="0" anchor="b">
+                    <a:lnL w="6350" cap="flat" cmpd="sng" algn="ctr">
+                      <a:solidFill>
+                        <a:srgbClr val="FFFFFF"/>
+                      </a:solidFill>
+                      <a:prstDash val="solid"/>
+                      <a:round/>
+                      <a:headEnd type="none" w="med" len="med"/>
+                      <a:tailEnd type="none" w="med" len="med"/>
+                    </a:lnL>
+                    <a:lnR>
+                      <a:noFill/>
+                    </a:lnR>
+                    <a:lnT w="6350" cap="flat" cmpd="sng" algn="ctr">
+                      <a:solidFill>
+                        <a:srgbClr val="FFFFFF"/>
+                      </a:solidFill>
+                      <a:prstDash val="solid"/>
+                      <a:round/>
+                      <a:headEnd type="none" w="med" len="med"/>
+                      <a:tailEnd type="none" w="med" len="med"/>
+                    </a:lnT>
+                    <a:lnB w="6350" cap="flat" cmpd="sng" algn="ctr">
+                      <a:solidFill>
+                        <a:srgbClr val="FFFFFF"/>
+                      </a:solidFill>
+                      <a:prstDash val="solid"/>
+                      <a:round/>
+                      <a:headEnd type="none" w="med" len="med"/>
+                      <a:tailEnd type="none" w="med" len="med"/>
+                    </a:lnB>
+                    <a:solidFill>
+                      <a:srgbClr val="B8CCE4"/>
+                    </a:solidFill>
+                  </a:tcPr>
+                </a:tc>
+              </a:tr>
+            </a:tbl>
+          </a:graphicData>
+        </a:graphic>
+      </p:graphicFrame>
+      <p:graphicFrame>
+        <p:nvGraphicFramePr>
+          <p:cNvPr id="14" name="Table 13"/>
+          <p:cNvGraphicFramePr>
+            <a:graphicFrameLocks noGrp="1"/>
+          </p:cNvGraphicFramePr>
+          <p:nvPr>
+            <p:extLst>
+              <p:ext uri="{D42A27DB-BD31-4B8C-83A1-F6EECF244321}">
+                <p14:modId xmlns:p14="http://schemas.microsoft.com/office/powerpoint/2010/main" val="1301421662"/>
+              </p:ext>
+            </p:extLst>
+          </p:nvPr>
+        </p:nvGraphicFramePr>
+        <p:xfrm>
+          <a:off x="457200" y="3615694"/>
+          <a:ext cx="8229601" cy="780724"/>
+        </p:xfrm>
+        <a:graphic>
+          <a:graphicData uri="http://schemas.openxmlformats.org/drawingml/2006/table">
+            <a:tbl>
+              <a:tblPr/>
+              <a:tblGrid>
+                <a:gridCol w="1525367"/>
+                <a:gridCol w="2657091"/>
+                <a:gridCol w="1943613"/>
+                <a:gridCol w="799587"/>
+                <a:gridCol w="1303943"/>
+              </a:tblGrid>
+              <a:tr h="189441">
+                <a:tc>
+                  <a:txBody>
+                    <a:bodyPr/>
+                    <a:lstStyle/>
+                    <a:p>
+                      <a:pPr algn="l" fontAlgn="b"/>
+                      <a:r>
+                        <a:rPr lang="en-US" sz="1200" b="1" i="0" u="sng" strike="noStrike">
+                          <a:solidFill>
+                            <a:srgbClr val="FFFFFF"/>
+                          </a:solidFill>
+                          <a:effectLst/>
+                          <a:latin typeface="Calibri"/>
+                        </a:rPr>
+                        <a:t>Feature</a:t>
+                      </a:r>
+                    </a:p>
+                  </a:txBody>
+                  <a:tcPr marL="12301" marR="12301" marT="12301" marB="0" anchor="b">
+                    <a:lnL>
+                      <a:noFill/>
+                    </a:lnL>
+                    <a:lnR w="6350" cap="flat" cmpd="sng" algn="ctr">
+                      <a:solidFill>
+                        <a:srgbClr val="FFFFFF"/>
+                      </a:solidFill>
+                      <a:prstDash val="solid"/>
+                      <a:round/>
+                      <a:headEnd type="none" w="med" len="med"/>
+                      <a:tailEnd type="none" w="med" len="med"/>
+                    </a:lnR>
+                    <a:lnT>
+                      <a:noFill/>
+                    </a:lnT>
+                    <a:lnB w="6350" cap="flat" cmpd="sng" algn="ctr">
+                      <a:solidFill>
+                        <a:srgbClr val="FFFFFF"/>
+                      </a:solidFill>
+                      <a:prstDash val="solid"/>
+                      <a:round/>
+                      <a:headEnd type="none" w="med" len="med"/>
+                      <a:tailEnd type="none" w="med" len="med"/>
+                    </a:lnB>
+                    <a:solidFill>
+                      <a:srgbClr val="4F81BD"/>
+                    </a:solidFill>
+                  </a:tcPr>
+                </a:tc>
+                <a:tc>
+                  <a:txBody>
+                    <a:bodyPr/>
+                    <a:lstStyle/>
+                    <a:p>
+                      <a:pPr algn="l" fontAlgn="b"/>
+                      <a:r>
+                        <a:rPr lang="en-US" sz="1200" b="1" i="0" u="sng" strike="noStrike">
+                          <a:solidFill>
+                            <a:srgbClr val="FFFFFF"/>
+                          </a:solidFill>
+                          <a:effectLst/>
+                          <a:latin typeface="Calibri"/>
+                        </a:rPr>
+                        <a:t>Model</a:t>
+                      </a:r>
+                    </a:p>
+                  </a:txBody>
+                  <a:tcPr marL="12301" marR="12301" marT="12301" marB="0" anchor="b">
+                    <a:lnL w="6350" cap="flat" cmpd="sng" algn="ctr">
+                      <a:solidFill>
+                        <a:srgbClr val="FFFFFF"/>
+                      </a:solidFill>
+                      <a:prstDash val="solid"/>
+                      <a:round/>
+                      <a:headEnd type="none" w="med" len="med"/>
+                      <a:tailEnd type="none" w="med" len="med"/>
+                    </a:lnL>
+                    <a:lnR w="6350" cap="flat" cmpd="sng" algn="ctr">
+                      <a:solidFill>
+                        <a:srgbClr val="FFFFFF"/>
+                      </a:solidFill>
+                      <a:prstDash val="solid"/>
+                      <a:round/>
+                      <a:headEnd type="none" w="med" len="med"/>
+                      <a:tailEnd type="none" w="med" len="med"/>
+                    </a:lnR>
+                    <a:lnT>
+                      <a:noFill/>
+                    </a:lnT>
+                    <a:lnB w="6350" cap="flat" cmpd="sng" algn="ctr">
+                      <a:solidFill>
+                        <a:srgbClr val="FFFFFF"/>
+                      </a:solidFill>
+                      <a:prstDash val="solid"/>
+                      <a:round/>
+                      <a:headEnd type="none" w="med" len="med"/>
+                      <a:tailEnd type="none" w="med" len="med"/>
+                    </a:lnB>
+                    <a:solidFill>
+                      <a:srgbClr val="4F81BD"/>
+                    </a:solidFill>
+                  </a:tcPr>
+                </a:tc>
+                <a:tc>
+                  <a:txBody>
+                    <a:bodyPr/>
+                    <a:lstStyle/>
+                    <a:p>
+                      <a:pPr algn="l" fontAlgn="b"/>
+                      <a:r>
+                        <a:rPr lang="en-US" sz="1200" b="1" i="0" u="sng" strike="noStrike" dirty="0">
+                          <a:solidFill>
+                            <a:srgbClr val="FFFFFF"/>
+                          </a:solidFill>
+                          <a:effectLst/>
+                          <a:latin typeface="Calibri"/>
+                        </a:rPr>
+                        <a:t>Test Accuracy (CV = 5-fold)</a:t>
+                      </a:r>
+                    </a:p>
+                  </a:txBody>
+                  <a:tcPr marL="12301" marR="12301" marT="12301" marB="0" anchor="b">
+                    <a:lnL w="6350" cap="flat" cmpd="sng" algn="ctr">
+                      <a:solidFill>
+                        <a:srgbClr val="FFFFFF"/>
+                      </a:solidFill>
+                      <a:prstDash val="solid"/>
+                      <a:round/>
+                      <a:headEnd type="none" w="med" len="med"/>
+                      <a:tailEnd type="none" w="med" len="med"/>
+                    </a:lnL>
+                    <a:lnR w="6350" cap="flat" cmpd="sng" algn="ctr">
+                      <a:solidFill>
+                        <a:srgbClr val="FFFFFF"/>
+                      </a:solidFill>
+                      <a:prstDash val="solid"/>
+                      <a:round/>
+                      <a:headEnd type="none" w="med" len="med"/>
+                      <a:tailEnd type="none" w="med" len="med"/>
+                    </a:lnR>
+                    <a:lnT>
+                      <a:noFill/>
+                    </a:lnT>
+                    <a:lnB w="6350" cap="flat" cmpd="sng" algn="ctr">
+                      <a:solidFill>
+                        <a:srgbClr val="FFFFFF"/>
+                      </a:solidFill>
+                      <a:prstDash val="solid"/>
+                      <a:round/>
+                      <a:headEnd type="none" w="med" len="med"/>
+                      <a:tailEnd type="none" w="med" len="med"/>
+                    </a:lnB>
+                    <a:solidFill>
+                      <a:srgbClr val="4F81BD"/>
+                    </a:solidFill>
+                  </a:tcPr>
+                </a:tc>
+                <a:tc>
+                  <a:txBody>
+                    <a:bodyPr/>
+                    <a:lstStyle/>
+                    <a:p>
+                      <a:pPr algn="l" fontAlgn="b"/>
+                      <a:r>
+                        <a:rPr lang="en-US" sz="1200" b="1" i="0" u="sng" strike="noStrike">
+                          <a:solidFill>
+                            <a:srgbClr val="FFFFFF"/>
+                          </a:solidFill>
+                          <a:effectLst/>
+                          <a:latin typeface="Calibri"/>
+                        </a:rPr>
+                        <a:t>Timing</a:t>
+                      </a:r>
+                    </a:p>
+                  </a:txBody>
+                  <a:tcPr marL="12301" marR="12301" marT="12301" marB="0" anchor="b">
+                    <a:lnL w="6350" cap="flat" cmpd="sng" algn="ctr">
+                      <a:solidFill>
+                        <a:srgbClr val="FFFFFF"/>
+                      </a:solidFill>
+                      <a:prstDash val="solid"/>
+                      <a:round/>
+                      <a:headEnd type="none" w="med" len="med"/>
+                      <a:tailEnd type="none" w="med" len="med"/>
+                    </a:lnL>
+                    <a:lnR w="6350" cap="flat" cmpd="sng" algn="ctr">
+                      <a:solidFill>
+                        <a:srgbClr val="FFFFFF"/>
+                      </a:solidFill>
+                      <a:prstDash val="solid"/>
+                      <a:round/>
+                      <a:headEnd type="none" w="med" len="med"/>
+                      <a:tailEnd type="none" w="med" len="med"/>
+                    </a:lnR>
+                    <a:lnT>
+                      <a:noFill/>
+                    </a:lnT>
+                    <a:lnB w="6350" cap="flat" cmpd="sng" algn="ctr">
+                      <a:solidFill>
+                        <a:srgbClr val="FFFFFF"/>
+                      </a:solidFill>
+                      <a:prstDash val="solid"/>
+                      <a:round/>
+                      <a:headEnd type="none" w="med" len="med"/>
+                      <a:tailEnd type="none" w="med" len="med"/>
+                    </a:lnB>
+                    <a:solidFill>
+                      <a:srgbClr val="4F81BD"/>
+                    </a:solidFill>
+                  </a:tcPr>
+                </a:tc>
+                <a:tc>
+                  <a:txBody>
+                    <a:bodyPr/>
+                    <a:lstStyle/>
+                    <a:p>
+                      <a:pPr algn="l" fontAlgn="b"/>
+                      <a:r>
+                        <a:rPr lang="en-US" sz="1200" b="1" i="0" u="sng" strike="noStrike">
+                          <a:solidFill>
+                            <a:srgbClr val="FFFFFF"/>
+                          </a:solidFill>
+                          <a:effectLst/>
+                          <a:latin typeface="Calibri"/>
+                        </a:rPr>
+                        <a:t>Accuracy/Timing</a:t>
+                      </a:r>
+                    </a:p>
+                  </a:txBody>
+                  <a:tcPr marL="12301" marR="12301" marT="12301" marB="0" anchor="b">
+                    <a:lnL w="6350" cap="flat" cmpd="sng" algn="ctr">
+                      <a:solidFill>
+                        <a:srgbClr val="FFFFFF"/>
+                      </a:solidFill>
+                      <a:prstDash val="solid"/>
+                      <a:round/>
+                      <a:headEnd type="none" w="med" len="med"/>
+                      <a:tailEnd type="none" w="med" len="med"/>
+                    </a:lnL>
+                    <a:lnR>
+                      <a:noFill/>
+                    </a:lnR>
+                    <a:lnT>
+                      <a:noFill/>
+                    </a:lnT>
+                    <a:lnB w="6350" cap="flat" cmpd="sng" algn="ctr">
+                      <a:solidFill>
+                        <a:srgbClr val="FFFFFF"/>
+                      </a:solidFill>
+                      <a:prstDash val="solid"/>
+                      <a:round/>
+                      <a:headEnd type="none" w="med" len="med"/>
+                      <a:tailEnd type="none" w="med" len="med"/>
+                    </a:lnB>
+                    <a:solidFill>
+                      <a:srgbClr val="4F81BD"/>
+                    </a:solidFill>
+                  </a:tcPr>
+                </a:tc>
+              </a:tr>
+              <a:tr h="189441">
+                <a:tc>
+                  <a:txBody>
+                    <a:bodyPr/>
+                    <a:lstStyle/>
+                    <a:p>
+                      <a:pPr algn="l" fontAlgn="b"/>
+                      <a:r>
+                        <a:rPr lang="en-US" sz="1200" b="0" i="0" u="none" strike="noStrike">
+                          <a:solidFill>
+                            <a:srgbClr val="000000"/>
+                          </a:solidFill>
+                          <a:effectLst/>
+                          <a:latin typeface="Calibri"/>
+                        </a:rPr>
+                        <a:t>SIFT</a:t>
+                      </a:r>
+                    </a:p>
+                  </a:txBody>
+                  <a:tcPr marL="12301" marR="12301" marT="12301" marB="0" anchor="b">
+                    <a:lnL>
+                      <a:noFill/>
+                    </a:lnL>
+                    <a:lnR w="6350" cap="flat" cmpd="sng" algn="ctr">
+                      <a:solidFill>
+                        <a:srgbClr val="FFFFFF"/>
+                      </a:solidFill>
+                      <a:prstDash val="solid"/>
+                      <a:round/>
+                      <a:headEnd type="none" w="med" len="med"/>
+                      <a:tailEnd type="none" w="med" len="med"/>
+                    </a:lnR>
+                    <a:lnT w="6350" cap="flat" cmpd="sng" algn="ctr">
+                      <a:solidFill>
+                        <a:srgbClr val="FFFFFF"/>
+                      </a:solidFill>
+                      <a:prstDash val="solid"/>
+                      <a:round/>
+                      <a:headEnd type="none" w="med" len="med"/>
+                      <a:tailEnd type="none" w="med" len="med"/>
+                    </a:lnT>
+                    <a:lnB w="6350" cap="flat" cmpd="sng" algn="ctr">
+                      <a:solidFill>
+                        <a:srgbClr val="FFFFFF"/>
+                      </a:solidFill>
+                      <a:prstDash val="solid"/>
+                      <a:round/>
+                      <a:headEnd type="none" w="med" len="med"/>
+                      <a:tailEnd type="none" w="med" len="med"/>
+                    </a:lnB>
+                    <a:solidFill>
+                      <a:srgbClr val="B8CCE4"/>
+                    </a:solidFill>
+                  </a:tcPr>
+                </a:tc>
+                <a:tc>
+                  <a:txBody>
+                    <a:bodyPr/>
+                    <a:lstStyle/>
+                    <a:p>
+                      <a:pPr algn="l" fontAlgn="b"/>
+                      <a:r>
+                        <a:rPr lang="en-US" sz="1200" b="0" i="0" u="none" strike="noStrike">
+                          <a:solidFill>
+                            <a:srgbClr val="000000"/>
+                          </a:solidFill>
+                          <a:effectLst/>
+                          <a:latin typeface="Calibri"/>
+                        </a:rPr>
+                        <a:t>GBM (depth = 1, trees = 2000)</a:t>
+                      </a:r>
+                    </a:p>
+                  </a:txBody>
+                  <a:tcPr marL="12301" marR="12301" marT="12301" marB="0" anchor="b">
+                    <a:lnL w="6350" cap="flat" cmpd="sng" algn="ctr">
+                      <a:solidFill>
+                        <a:srgbClr val="FFFFFF"/>
+                      </a:solidFill>
+                      <a:prstDash val="solid"/>
+                      <a:round/>
+                      <a:headEnd type="none" w="med" len="med"/>
+                      <a:tailEnd type="none" w="med" len="med"/>
+                    </a:lnL>
+                    <a:lnR w="6350" cap="flat" cmpd="sng" algn="ctr">
+                      <a:solidFill>
+                        <a:srgbClr val="FFFFFF"/>
+                      </a:solidFill>
+                      <a:prstDash val="solid"/>
+                      <a:round/>
+                      <a:headEnd type="none" w="med" len="med"/>
+                      <a:tailEnd type="none" w="med" len="med"/>
+                    </a:lnR>
+                    <a:lnT w="6350" cap="flat" cmpd="sng" algn="ctr">
+                      <a:solidFill>
+                        <a:srgbClr val="FFFFFF"/>
+                      </a:solidFill>
+                      <a:prstDash val="solid"/>
+                      <a:round/>
+                      <a:headEnd type="none" w="med" len="med"/>
+                      <a:tailEnd type="none" w="med" len="med"/>
+                    </a:lnT>
+                    <a:lnB w="6350" cap="flat" cmpd="sng" algn="ctr">
+                      <a:solidFill>
+                        <a:srgbClr val="FFFFFF"/>
+                      </a:solidFill>
+                      <a:prstDash val="solid"/>
+                      <a:round/>
+                      <a:headEnd type="none" w="med" len="med"/>
+                      <a:tailEnd type="none" w="med" len="med"/>
+                    </a:lnB>
+                    <a:solidFill>
+                      <a:srgbClr val="B8CCE4"/>
+                    </a:solidFill>
+                  </a:tcPr>
+                </a:tc>
+                <a:tc>
+                  <a:txBody>
+                    <a:bodyPr/>
+                    <a:lstStyle/>
+                    <a:p>
+                      <a:pPr algn="r" fontAlgn="b"/>
+                      <a:r>
+                        <a:rPr lang="hr-HR" sz="1200" b="0" i="0" u="none" strike="noStrike">
+                          <a:solidFill>
+                            <a:srgbClr val="000000"/>
+                          </a:solidFill>
+                          <a:effectLst/>
+                          <a:latin typeface="Calibri"/>
+                        </a:rPr>
+                        <a:t>66.25%</a:t>
+                      </a:r>
+                    </a:p>
+                  </a:txBody>
+                  <a:tcPr marL="12301" marR="12301" marT="12301" marB="0" anchor="b">
+                    <a:lnL w="6350" cap="flat" cmpd="sng" algn="ctr">
+                      <a:solidFill>
+                        <a:srgbClr val="FFFFFF"/>
+                      </a:solidFill>
+                      <a:prstDash val="solid"/>
+                      <a:round/>
+                      <a:headEnd type="none" w="med" len="med"/>
+                      <a:tailEnd type="none" w="med" len="med"/>
+                    </a:lnL>
+                    <a:lnR w="6350" cap="flat" cmpd="sng" algn="ctr">
+                      <a:solidFill>
+                        <a:srgbClr val="FFFFFF"/>
+                      </a:solidFill>
+                      <a:prstDash val="solid"/>
+                      <a:round/>
+                      <a:headEnd type="none" w="med" len="med"/>
+                      <a:tailEnd type="none" w="med" len="med"/>
+                    </a:lnR>
+                    <a:lnT w="6350" cap="flat" cmpd="sng" algn="ctr">
+                      <a:solidFill>
+                        <a:srgbClr val="FFFFFF"/>
+                      </a:solidFill>
+                      <a:prstDash val="solid"/>
+                      <a:round/>
+                      <a:headEnd type="none" w="med" len="med"/>
+                      <a:tailEnd type="none" w="med" len="med"/>
+                    </a:lnT>
+                    <a:lnB w="6350" cap="flat" cmpd="sng" algn="ctr">
+                      <a:solidFill>
+                        <a:srgbClr val="FFFFFF"/>
+                      </a:solidFill>
+                      <a:prstDash val="solid"/>
+                      <a:round/>
+                      <a:headEnd type="none" w="med" len="med"/>
+                      <a:tailEnd type="none" w="med" len="med"/>
+                    </a:lnB>
+                    <a:solidFill>
+                      <a:srgbClr val="B8CCE4"/>
+                    </a:solidFill>
+                  </a:tcPr>
+                </a:tc>
+                <a:tc>
+                  <a:txBody>
+                    <a:bodyPr/>
+                    <a:lstStyle/>
+                    <a:p>
+                      <a:pPr algn="r" fontAlgn="b"/>
+                      <a:r>
+                        <a:rPr lang="is-IS" sz="1200" b="0" i="0" u="none" strike="noStrike">
+                          <a:solidFill>
+                            <a:srgbClr val="000000"/>
+                          </a:solidFill>
+                          <a:effectLst/>
+                          <a:latin typeface="Calibri"/>
+                        </a:rPr>
+                        <a:t>372</a:t>
+                      </a:r>
+                    </a:p>
+                  </a:txBody>
+                  <a:tcPr marL="12301" marR="12301" marT="12301" marB="0" anchor="b">
+                    <a:lnL w="6350" cap="flat" cmpd="sng" algn="ctr">
+                      <a:solidFill>
+                        <a:srgbClr val="FFFFFF"/>
+                      </a:solidFill>
+                      <a:prstDash val="solid"/>
+                      <a:round/>
+                      <a:headEnd type="none" w="med" len="med"/>
+                      <a:tailEnd type="none" w="med" len="med"/>
+                    </a:lnL>
+                    <a:lnR w="6350" cap="flat" cmpd="sng" algn="ctr">
+                      <a:solidFill>
+                        <a:srgbClr val="FFFFFF"/>
+                      </a:solidFill>
+                      <a:prstDash val="solid"/>
+                      <a:round/>
+                      <a:headEnd type="none" w="med" len="med"/>
+                      <a:tailEnd type="none" w="med" len="med"/>
+                    </a:lnR>
+                    <a:lnT w="6350" cap="flat" cmpd="sng" algn="ctr">
+                      <a:solidFill>
+                        <a:srgbClr val="FFFFFF"/>
+                      </a:solidFill>
+                      <a:prstDash val="solid"/>
+                      <a:round/>
+                      <a:headEnd type="none" w="med" len="med"/>
+                      <a:tailEnd type="none" w="med" len="med"/>
+                    </a:lnT>
+                    <a:lnB w="6350" cap="flat" cmpd="sng" algn="ctr">
+                      <a:solidFill>
+                        <a:srgbClr val="FFFFFF"/>
+                      </a:solidFill>
+                      <a:prstDash val="solid"/>
+                      <a:round/>
+                      <a:headEnd type="none" w="med" len="med"/>
+                      <a:tailEnd type="none" w="med" len="med"/>
+                    </a:lnB>
+                    <a:solidFill>
+                      <a:srgbClr val="B8CCE4"/>
+                    </a:solidFill>
+                  </a:tcPr>
+                </a:tc>
+                <a:tc>
+                  <a:txBody>
+                    <a:bodyPr/>
+                    <a:lstStyle/>
+                    <a:p>
+                      <a:pPr algn="r" fontAlgn="b"/>
+                      <a:r>
+                        <a:rPr lang="is-IS" sz="1200" b="0" i="0" u="none" strike="noStrike">
+                          <a:solidFill>
+                            <a:srgbClr val="000000"/>
+                          </a:solidFill>
+                          <a:effectLst/>
+                          <a:latin typeface="Calibri"/>
+                        </a:rPr>
+                        <a:t>0.001780914</a:t>
+                      </a:r>
+                    </a:p>
+                  </a:txBody>
+                  <a:tcPr marL="12301" marR="12301" marT="12301" marB="0" anchor="b">
+                    <a:lnL w="6350" cap="flat" cmpd="sng" algn="ctr">
+                      <a:solidFill>
+                        <a:srgbClr val="FFFFFF"/>
+                      </a:solidFill>
+                      <a:prstDash val="solid"/>
+                      <a:round/>
+                      <a:headEnd type="none" w="med" len="med"/>
+                      <a:tailEnd type="none" w="med" len="med"/>
+                    </a:lnL>
+                    <a:lnR>
+                      <a:noFill/>
+                    </a:lnR>
+                    <a:lnT w="6350" cap="flat" cmpd="sng" algn="ctr">
+                      <a:solidFill>
+                        <a:srgbClr val="FFFFFF"/>
+                      </a:solidFill>
+                      <a:prstDash val="solid"/>
+                      <a:round/>
+                      <a:headEnd type="none" w="med" len="med"/>
+                      <a:tailEnd type="none" w="med" len="med"/>
+                    </a:lnT>
+                    <a:lnB w="6350" cap="flat" cmpd="sng" algn="ctr">
+                      <a:solidFill>
+                        <a:srgbClr val="FFFFFF"/>
+                      </a:solidFill>
+                      <a:prstDash val="solid"/>
+                      <a:round/>
+                      <a:headEnd type="none" w="med" len="med"/>
+                      <a:tailEnd type="none" w="med" len="med"/>
+                    </a:lnB>
+                    <a:solidFill>
+                      <a:srgbClr val="B8CCE4"/>
+                    </a:solidFill>
+                  </a:tcPr>
+                </a:tc>
+              </a:tr>
+              <a:tr h="189441">
+                <a:tc>
+                  <a:txBody>
+                    <a:bodyPr/>
+                    <a:lstStyle/>
+                    <a:p>
+                      <a:pPr algn="l" fontAlgn="b"/>
+                      <a:r>
+                        <a:rPr lang="en-US" sz="1200" b="0" i="0" u="none" strike="noStrike">
+                          <a:solidFill>
+                            <a:srgbClr val="000000"/>
+                          </a:solidFill>
+                          <a:effectLst/>
+                          <a:latin typeface="Calibri"/>
+                        </a:rPr>
+                        <a:t>SIFT + Color </a:t>
+                      </a:r>
+                    </a:p>
+                  </a:txBody>
+                  <a:tcPr marL="12301" marR="12301" marT="12301" marB="0" anchor="b">
+                    <a:lnL>
+                      <a:noFill/>
+                    </a:lnL>
+                    <a:lnR w="6350" cap="flat" cmpd="sng" algn="ctr">
+                      <a:solidFill>
+                        <a:srgbClr val="FFFFFF"/>
+                      </a:solidFill>
+                      <a:prstDash val="solid"/>
+                      <a:round/>
+                      <a:headEnd type="none" w="med" len="med"/>
+                      <a:tailEnd type="none" w="med" len="med"/>
+                    </a:lnR>
+                    <a:lnT w="6350" cap="flat" cmpd="sng" algn="ctr">
+                      <a:solidFill>
+                        <a:srgbClr val="FFFFFF"/>
+                      </a:solidFill>
+                      <a:prstDash val="solid"/>
+                      <a:round/>
+                      <a:headEnd type="none" w="med" len="med"/>
+                      <a:tailEnd type="none" w="med" len="med"/>
+                    </a:lnT>
+                    <a:lnB w="6350" cap="flat" cmpd="sng" algn="ctr">
+                      <a:solidFill>
+                        <a:srgbClr val="FFFFFF"/>
+                      </a:solidFill>
+                      <a:prstDash val="solid"/>
+                      <a:round/>
+                      <a:headEnd type="none" w="med" len="med"/>
+                      <a:tailEnd type="none" w="med" len="med"/>
+                    </a:lnB>
+                    <a:solidFill>
+                      <a:srgbClr val="DCE6F1"/>
+                    </a:solidFill>
+                  </a:tcPr>
+                </a:tc>
+                <a:tc>
+                  <a:txBody>
+                    <a:bodyPr/>
+                    <a:lstStyle/>
+                    <a:p>
+                      <a:pPr algn="l" fontAlgn="b"/>
+                      <a:r>
+                        <a:rPr lang="en-US" sz="1200" b="0" i="0" u="none" strike="noStrike">
+                          <a:solidFill>
+                            <a:srgbClr val="000000"/>
+                          </a:solidFill>
+                          <a:effectLst/>
+                          <a:latin typeface="Calibri"/>
+                        </a:rPr>
+                        <a:t>GBM (depth =1, , trees = 2000)</a:t>
+                      </a:r>
+                    </a:p>
+                  </a:txBody>
+                  <a:tcPr marL="12301" marR="12301" marT="12301" marB="0" anchor="b">
+                    <a:lnL w="6350" cap="flat" cmpd="sng" algn="ctr">
+                      <a:solidFill>
+                        <a:srgbClr val="FFFFFF"/>
+                      </a:solidFill>
+                      <a:prstDash val="solid"/>
+                      <a:round/>
+                      <a:headEnd type="none" w="med" len="med"/>
+                      <a:tailEnd type="none" w="med" len="med"/>
+                    </a:lnL>
+                    <a:lnR w="6350" cap="flat" cmpd="sng" algn="ctr">
+                      <a:solidFill>
+                        <a:srgbClr val="FFFFFF"/>
+                      </a:solidFill>
+                      <a:prstDash val="solid"/>
+                      <a:round/>
+                      <a:headEnd type="none" w="med" len="med"/>
+                      <a:tailEnd type="none" w="med" len="med"/>
+                    </a:lnR>
+                    <a:lnT w="6350" cap="flat" cmpd="sng" algn="ctr">
+                      <a:solidFill>
+                        <a:srgbClr val="FFFFFF"/>
+                      </a:solidFill>
+                      <a:prstDash val="solid"/>
+                      <a:round/>
+                      <a:headEnd type="none" w="med" len="med"/>
+                      <a:tailEnd type="none" w="med" len="med"/>
+                    </a:lnT>
+                    <a:lnB w="6350" cap="flat" cmpd="sng" algn="ctr">
+                      <a:solidFill>
+                        <a:srgbClr val="FFFFFF"/>
+                      </a:solidFill>
+                      <a:prstDash val="solid"/>
+                      <a:round/>
+                      <a:headEnd type="none" w="med" len="med"/>
+                      <a:tailEnd type="none" w="med" len="med"/>
+                    </a:lnB>
+                    <a:solidFill>
+                      <a:srgbClr val="DCE6F1"/>
+                    </a:solidFill>
+                  </a:tcPr>
+                </a:tc>
+                <a:tc>
+                  <a:txBody>
+                    <a:bodyPr/>
+                    <a:lstStyle/>
+                    <a:p>
+                      <a:pPr algn="r" fontAlgn="b"/>
+                      <a:r>
+                        <a:rPr lang="is-IS" sz="1200" b="0" i="0" u="none" strike="noStrike">
+                          <a:solidFill>
+                            <a:srgbClr val="000000"/>
+                          </a:solidFill>
+                          <a:effectLst/>
+                          <a:latin typeface="Calibri"/>
+                        </a:rPr>
+                        <a:t>78%</a:t>
+                      </a:r>
+                    </a:p>
+                  </a:txBody>
+                  <a:tcPr marL="12301" marR="12301" marT="12301" marB="0" anchor="b">
+                    <a:lnL w="6350" cap="flat" cmpd="sng" algn="ctr">
+                      <a:solidFill>
+                        <a:srgbClr val="FFFFFF"/>
+                      </a:solidFill>
+                      <a:prstDash val="solid"/>
+                      <a:round/>
+                      <a:headEnd type="none" w="med" len="med"/>
+                      <a:tailEnd type="none" w="med" len="med"/>
+                    </a:lnL>
+                    <a:lnR w="6350" cap="flat" cmpd="sng" algn="ctr">
+                      <a:solidFill>
+                        <a:srgbClr val="FFFFFF"/>
+                      </a:solidFill>
+                      <a:prstDash val="solid"/>
+                      <a:round/>
+                      <a:headEnd type="none" w="med" len="med"/>
+                      <a:tailEnd type="none" w="med" len="med"/>
+                    </a:lnR>
+                    <a:lnT w="6350" cap="flat" cmpd="sng" algn="ctr">
+                      <a:solidFill>
+                        <a:srgbClr val="FFFFFF"/>
+                      </a:solidFill>
+                      <a:prstDash val="solid"/>
+                      <a:round/>
+                      <a:headEnd type="none" w="med" len="med"/>
+                      <a:tailEnd type="none" w="med" len="med"/>
+                    </a:lnT>
+                    <a:lnB w="6350" cap="flat" cmpd="sng" algn="ctr">
+                      <a:solidFill>
+                        <a:srgbClr val="FFFFFF"/>
+                      </a:solidFill>
+                      <a:prstDash val="solid"/>
+                      <a:round/>
+                      <a:headEnd type="none" w="med" len="med"/>
+                      <a:tailEnd type="none" w="med" len="med"/>
+                    </a:lnB>
+                    <a:solidFill>
+                      <a:srgbClr val="DCE6F1"/>
+                    </a:solidFill>
+                  </a:tcPr>
+                </a:tc>
+                <a:tc>
+                  <a:txBody>
+                    <a:bodyPr/>
+                    <a:lstStyle/>
+                    <a:p>
+                      <a:pPr algn="r" fontAlgn="b"/>
+                      <a:r>
+                        <a:rPr lang="is-IS" sz="1200" b="0" i="0" u="none" strike="noStrike">
+                          <a:solidFill>
+                            <a:srgbClr val="000000"/>
+                          </a:solidFill>
+                          <a:effectLst/>
+                          <a:latin typeface="Calibri"/>
+                        </a:rPr>
+                        <a:t>372</a:t>
+                      </a:r>
+                    </a:p>
+                  </a:txBody>
+                  <a:tcPr marL="12301" marR="12301" marT="12301" marB="0" anchor="b">
+                    <a:lnL w="6350" cap="flat" cmpd="sng" algn="ctr">
+                      <a:solidFill>
+                        <a:srgbClr val="FFFFFF"/>
+                      </a:solidFill>
+                      <a:prstDash val="solid"/>
+                      <a:round/>
+                      <a:headEnd type="none" w="med" len="med"/>
+                      <a:tailEnd type="none" w="med" len="med"/>
+                    </a:lnL>
+                    <a:lnR w="6350" cap="flat" cmpd="sng" algn="ctr">
+                      <a:solidFill>
+                        <a:srgbClr val="FFFFFF"/>
+                      </a:solidFill>
+                      <a:prstDash val="solid"/>
+                      <a:round/>
+                      <a:headEnd type="none" w="med" len="med"/>
+                      <a:tailEnd type="none" w="med" len="med"/>
+                    </a:lnR>
+                    <a:lnT w="6350" cap="flat" cmpd="sng" algn="ctr">
+                      <a:solidFill>
+                        <a:srgbClr val="FFFFFF"/>
+                      </a:solidFill>
+                      <a:prstDash val="solid"/>
+                      <a:round/>
+                      <a:headEnd type="none" w="med" len="med"/>
+                      <a:tailEnd type="none" w="med" len="med"/>
+                    </a:lnT>
+                    <a:lnB w="6350" cap="flat" cmpd="sng" algn="ctr">
+                      <a:solidFill>
+                        <a:srgbClr val="FFFFFF"/>
+                      </a:solidFill>
+                      <a:prstDash val="solid"/>
+                      <a:round/>
+                      <a:headEnd type="none" w="med" len="med"/>
+                      <a:tailEnd type="none" w="med" len="med"/>
+                    </a:lnB>
+                    <a:solidFill>
+                      <a:srgbClr val="DCE6F1"/>
+                    </a:solidFill>
+                  </a:tcPr>
+                </a:tc>
+                <a:tc>
+                  <a:txBody>
+                    <a:bodyPr/>
+                    <a:lstStyle/>
+                    <a:p>
+                      <a:pPr algn="r" fontAlgn="b"/>
+                      <a:r>
+                        <a:rPr lang="is-IS" sz="1200" b="0" i="0" u="none" strike="noStrike">
+                          <a:solidFill>
+                            <a:srgbClr val="000000"/>
+                          </a:solidFill>
+                          <a:effectLst/>
+                          <a:latin typeface="Calibri"/>
+                        </a:rPr>
+                        <a:t>0.002096774</a:t>
+                      </a:r>
+                    </a:p>
+                  </a:txBody>
+                  <a:tcPr marL="12301" marR="12301" marT="12301" marB="0" anchor="b">
+                    <a:lnL w="6350" cap="flat" cmpd="sng" algn="ctr">
+                      <a:solidFill>
+                        <a:srgbClr val="FFFFFF"/>
+                      </a:solidFill>
+                      <a:prstDash val="solid"/>
+                      <a:round/>
+                      <a:headEnd type="none" w="med" len="med"/>
+                      <a:tailEnd type="none" w="med" len="med"/>
+                    </a:lnL>
+                    <a:lnR>
+                      <a:noFill/>
+                    </a:lnR>
+                    <a:lnT w="6350" cap="flat" cmpd="sng" algn="ctr">
+                      <a:solidFill>
+                        <a:srgbClr val="FFFFFF"/>
+                      </a:solidFill>
+                      <a:prstDash val="solid"/>
+                      <a:round/>
+                      <a:headEnd type="none" w="med" len="med"/>
+                      <a:tailEnd type="none" w="med" len="med"/>
+                    </a:lnT>
+                    <a:lnB w="6350" cap="flat" cmpd="sng" algn="ctr">
+                      <a:solidFill>
+                        <a:srgbClr val="FFFFFF"/>
+                      </a:solidFill>
+                      <a:prstDash val="solid"/>
+                      <a:round/>
+                      <a:headEnd type="none" w="med" len="med"/>
+                      <a:tailEnd type="none" w="med" len="med"/>
+                    </a:lnB>
+                    <a:solidFill>
+                      <a:srgbClr val="DCE6F1"/>
+                    </a:solidFill>
+                  </a:tcPr>
+                </a:tc>
+              </a:tr>
+              <a:tr h="189441">
+                <a:tc>
+                  <a:txBody>
+                    <a:bodyPr/>
+                    <a:lstStyle/>
+                    <a:p>
+                      <a:pPr algn="l" fontAlgn="b"/>
+                      <a:r>
+                        <a:rPr lang="en-US" sz="1200" b="0" i="0" u="none" strike="noStrike" dirty="0">
+                          <a:solidFill>
+                            <a:srgbClr val="000000"/>
+                          </a:solidFill>
+                          <a:effectLst/>
+                          <a:latin typeface="Calibri"/>
+                        </a:rPr>
+                        <a:t>SURF + Color</a:t>
+                      </a:r>
+                    </a:p>
+                  </a:txBody>
+                  <a:tcPr marL="12301" marR="12301" marT="12301" marB="0" anchor="b">
+                    <a:lnL>
+                      <a:noFill/>
+                    </a:lnL>
+                    <a:lnR w="6350" cap="flat" cmpd="sng" algn="ctr">
+                      <a:solidFill>
+                        <a:srgbClr val="FFFFFF"/>
+                      </a:solidFill>
+                      <a:prstDash val="solid"/>
+                      <a:round/>
+                      <a:headEnd type="none" w="med" len="med"/>
+                      <a:tailEnd type="none" w="med" len="med"/>
+                    </a:lnR>
+                    <a:lnT w="6350" cap="flat" cmpd="sng" algn="ctr">
+                      <a:solidFill>
+                        <a:srgbClr val="FFFFFF"/>
+                      </a:solidFill>
+                      <a:prstDash val="solid"/>
+                      <a:round/>
+                      <a:headEnd type="none" w="med" len="med"/>
+                      <a:tailEnd type="none" w="med" len="med"/>
+                    </a:lnT>
+                    <a:lnB w="6350" cap="flat" cmpd="sng" algn="ctr">
+                      <a:solidFill>
+                        <a:srgbClr val="FFFFFF"/>
+                      </a:solidFill>
+                      <a:prstDash val="solid"/>
+                      <a:round/>
+                      <a:headEnd type="none" w="med" len="med"/>
+                      <a:tailEnd type="none" w="med" len="med"/>
+                    </a:lnB>
+                    <a:solidFill>
+                      <a:srgbClr val="FFFF00"/>
+                    </a:solidFill>
+                  </a:tcPr>
+                </a:tc>
+                <a:tc>
+                  <a:txBody>
+                    <a:bodyPr/>
+                    <a:lstStyle/>
+                    <a:p>
+                      <a:pPr algn="l" fontAlgn="b"/>
+                      <a:r>
+                        <a:rPr lang="en-US" sz="1200" b="0" i="0" u="none" strike="noStrike" dirty="0">
+                          <a:solidFill>
+                            <a:srgbClr val="000000"/>
+                          </a:solidFill>
+                          <a:effectLst/>
+                          <a:latin typeface="Calibri"/>
+                        </a:rPr>
+                        <a:t>GBM (depth =1, trees = 2000</a:t>
+                      </a:r>
+                    </a:p>
+                  </a:txBody>
+                  <a:tcPr marL="12301" marR="12301" marT="12301" marB="0" anchor="b">
+                    <a:lnL w="6350" cap="flat" cmpd="sng" algn="ctr">
+                      <a:solidFill>
+                        <a:srgbClr val="FFFFFF"/>
+                      </a:solidFill>
+                      <a:prstDash val="solid"/>
+                      <a:round/>
+                      <a:headEnd type="none" w="med" len="med"/>
+                      <a:tailEnd type="none" w="med" len="med"/>
+                    </a:lnL>
+                    <a:lnR w="6350" cap="flat" cmpd="sng" algn="ctr">
+                      <a:solidFill>
+                        <a:srgbClr val="FFFFFF"/>
+                      </a:solidFill>
+                      <a:prstDash val="solid"/>
+                      <a:round/>
+                      <a:headEnd type="none" w="med" len="med"/>
+                      <a:tailEnd type="none" w="med" len="med"/>
+                    </a:lnR>
+                    <a:lnT w="6350" cap="flat" cmpd="sng" algn="ctr">
+                      <a:solidFill>
+                        <a:srgbClr val="FFFFFF"/>
+                      </a:solidFill>
+                      <a:prstDash val="solid"/>
+                      <a:round/>
+                      <a:headEnd type="none" w="med" len="med"/>
+                      <a:tailEnd type="none" w="med" len="med"/>
+                    </a:lnT>
+                    <a:lnB w="6350" cap="flat" cmpd="sng" algn="ctr">
+                      <a:solidFill>
+                        <a:srgbClr val="FFFFFF"/>
+                      </a:solidFill>
+                      <a:prstDash val="solid"/>
+                      <a:round/>
+                      <a:headEnd type="none" w="med" len="med"/>
+                      <a:tailEnd type="none" w="med" len="med"/>
+                    </a:lnB>
+                    <a:solidFill>
+                      <a:srgbClr val="FFFF00"/>
+                    </a:solidFill>
+                  </a:tcPr>
+                </a:tc>
+                <a:tc>
+                  <a:txBody>
+                    <a:bodyPr/>
+                    <a:lstStyle/>
+                    <a:p>
+                      <a:pPr algn="r" fontAlgn="b"/>
+                      <a:r>
+                        <a:rPr lang="hr-HR" sz="1200" b="0" i="0" u="none" strike="noStrike">
+                          <a:solidFill>
+                            <a:srgbClr val="000000"/>
+                          </a:solidFill>
+                          <a:effectLst/>
+                          <a:latin typeface="Calibri"/>
+                        </a:rPr>
+                        <a:t>80.25%</a:t>
+                      </a:r>
+                    </a:p>
+                  </a:txBody>
+                  <a:tcPr marL="12301" marR="12301" marT="12301" marB="0" anchor="b">
+                    <a:lnL w="6350" cap="flat" cmpd="sng" algn="ctr">
+                      <a:solidFill>
+                        <a:srgbClr val="FFFFFF"/>
+                      </a:solidFill>
+                      <a:prstDash val="solid"/>
+                      <a:round/>
+                      <a:headEnd type="none" w="med" len="med"/>
+                      <a:tailEnd type="none" w="med" len="med"/>
+                    </a:lnL>
+                    <a:lnR w="6350" cap="flat" cmpd="sng" algn="ctr">
+                      <a:solidFill>
+                        <a:srgbClr val="FFFFFF"/>
+                      </a:solidFill>
+                      <a:prstDash val="solid"/>
+                      <a:round/>
+                      <a:headEnd type="none" w="med" len="med"/>
+                      <a:tailEnd type="none" w="med" len="med"/>
+                    </a:lnR>
+                    <a:lnT w="6350" cap="flat" cmpd="sng" algn="ctr">
+                      <a:solidFill>
+                        <a:srgbClr val="FFFFFF"/>
+                      </a:solidFill>
+                      <a:prstDash val="solid"/>
+                      <a:round/>
+                      <a:headEnd type="none" w="med" len="med"/>
+                      <a:tailEnd type="none" w="med" len="med"/>
+                    </a:lnT>
+                    <a:lnB>
+                      <a:noFill/>
+                    </a:lnB>
+                    <a:solidFill>
+                      <a:srgbClr val="FFFF00"/>
+                    </a:solidFill>
+                  </a:tcPr>
+                </a:tc>
+                <a:tc>
+                  <a:txBody>
+                    <a:bodyPr/>
+                    <a:lstStyle/>
+                    <a:p>
+                      <a:pPr algn="r" fontAlgn="b"/>
+                      <a:r>
+                        <a:rPr lang="en-US" sz="1200" b="0" i="0" u="none" strike="noStrike">
+                          <a:solidFill>
+                            <a:srgbClr val="000000"/>
+                          </a:solidFill>
+                          <a:effectLst/>
+                          <a:latin typeface="Calibri"/>
+                        </a:rPr>
+                        <a:t>417</a:t>
+                      </a:r>
+                    </a:p>
+                  </a:txBody>
+                  <a:tcPr marL="12301" marR="12301" marT="12301" marB="0" anchor="b">
+                    <a:lnL w="6350" cap="flat" cmpd="sng" algn="ctr">
+                      <a:solidFill>
+                        <a:srgbClr val="FFFFFF"/>
+                      </a:solidFill>
+                      <a:prstDash val="solid"/>
+                      <a:round/>
+                      <a:headEnd type="none" w="med" len="med"/>
+                      <a:tailEnd type="none" w="med" len="med"/>
+                    </a:lnL>
+                    <a:lnR w="6350" cap="flat" cmpd="sng" algn="ctr">
+                      <a:solidFill>
+                        <a:srgbClr val="FFFFFF"/>
+                      </a:solidFill>
+                      <a:prstDash val="solid"/>
+                      <a:round/>
+                      <a:headEnd type="none" w="med" len="med"/>
+                      <a:tailEnd type="none" w="med" len="med"/>
+                    </a:lnR>
+                    <a:lnT w="6350" cap="flat" cmpd="sng" algn="ctr">
+                      <a:solidFill>
+                        <a:srgbClr val="FFFFFF"/>
+                      </a:solidFill>
+                      <a:prstDash val="solid"/>
+                      <a:round/>
+                      <a:headEnd type="none" w="med" len="med"/>
+                      <a:tailEnd type="none" w="med" len="med"/>
+                    </a:lnT>
+                    <a:lnB>
+                      <a:noFill/>
+                    </a:lnB>
+                    <a:solidFill>
+                      <a:srgbClr val="FFFF00"/>
+                    </a:solidFill>
+                  </a:tcPr>
+                </a:tc>
+                <a:tc>
+                  <a:txBody>
+                    <a:bodyPr/>
+                    <a:lstStyle/>
+                    <a:p>
+                      <a:pPr algn="r" fontAlgn="b"/>
+                      <a:r>
+                        <a:rPr lang="is-IS" sz="1200" b="0" i="0" u="none" strike="noStrike" dirty="0">
+                          <a:solidFill>
+                            <a:srgbClr val="000000"/>
+                          </a:solidFill>
+                          <a:effectLst/>
+                          <a:latin typeface="Calibri"/>
+                        </a:rPr>
+                        <a:t>0.00192446</a:t>
+                      </a:r>
+                    </a:p>
+                  </a:txBody>
+                  <a:tcPr marL="12301" marR="12301" marT="12301" marB="0" anchor="b">
+                    <a:lnL w="6350" cap="flat" cmpd="sng" algn="ctr">
+                      <a:solidFill>
+                        <a:srgbClr val="FFFFFF"/>
+                      </a:solidFill>
+                      <a:prstDash val="solid"/>
+                      <a:round/>
+                      <a:headEnd type="none" w="med" len="med"/>
+                      <a:tailEnd type="none" w="med" len="med"/>
+                    </a:lnL>
+                    <a:lnR>
+                      <a:noFill/>
+                    </a:lnR>
+                    <a:lnT w="6350" cap="flat" cmpd="sng" algn="ctr">
+                      <a:solidFill>
+                        <a:srgbClr val="FFFFFF"/>
+                      </a:solidFill>
+                      <a:prstDash val="solid"/>
+                      <a:round/>
+                      <a:headEnd type="none" w="med" len="med"/>
+                      <a:tailEnd type="none" w="med" len="med"/>
+                    </a:lnT>
+                    <a:lnB>
+                      <a:noFill/>
+                    </a:lnB>
+                    <a:solidFill>
+                      <a:srgbClr val="FFFF00"/>
+                    </a:solidFill>
+                  </a:tcPr>
+                </a:tc>
+              </a:tr>
+            </a:tbl>
+          </a:graphicData>
+        </a:graphic>
+      </p:graphicFrame>
+      <p:sp>
+        <p:nvSpPr>
+          <p:cNvPr id="15" name="Rectangle 14"/>
+          <p:cNvSpPr/>
+          <p:nvPr/>
+        </p:nvSpPr>
+        <p:spPr>
+          <a:xfrm>
+            <a:off x="457200" y="2875002"/>
+            <a:ext cx="8229598" cy="523220"/>
+          </a:xfrm>
+          <a:prstGeom prst="rect">
+            <a:avLst/>
+          </a:prstGeom>
+        </p:spPr>
+        <p:txBody>
+          <a:bodyPr wrap="square">
+            <a:spAutoFit/>
+          </a:bodyPr>
+          <a:lstStyle/>
+          <a:p>
+            <a:r>
+              <a:rPr lang="en-US" sz="2800" dirty="0" smtClean="0"/>
+              <a:t>Adding features: select best feature given parameter</a:t>
+            </a:r>
+            <a:endParaRPr lang="en-US" sz="2800" dirty="0"/>
+          </a:p>
+        </p:txBody>
+      </p:sp>
     </p:spTree>
     <p:extLst>
       <p:ext uri="{BB962C8B-B14F-4D97-AF65-F5344CB8AC3E}">

--- a/doc/Image Presentation.pptx
+++ b/doc/Image Presentation.pptx
@@ -3626,7 +3626,7 @@
         </p:spPr>
         <p:txBody>
           <a:bodyPr vert="horz" lIns="91440" tIns="45720" rIns="91440" bIns="45720" rtlCol="0">
-            <a:noAutofit/>
+            <a:normAutofit fontScale="92500" lnSpcReduction="10000"/>
           </a:bodyPr>
           <a:lstStyle>
             <a:lvl1pPr marL="342900" indent="-342900" algn="l" defTabSz="457200" rtl="0" eaLnBrk="1" latinLnBrk="0" hangingPunct="1">
@@ -3771,10 +3771,10 @@
               <a:buNone/>
             </a:pPr>
             <a:r>
-              <a:rPr lang="en-US" sz="2800" dirty="0" smtClean="0"/>
+              <a:rPr lang="en-US" dirty="0" smtClean="0"/>
               <a:t>Best features: Select best model</a:t>
             </a:r>
-            <a:endParaRPr lang="en-US" sz="2800" dirty="0"/>
+            <a:endParaRPr lang="en-US" dirty="0"/>
           </a:p>
         </p:txBody>
       </p:sp>
@@ -5886,7 +5886,7 @@
                     <a:p>
                       <a:pPr algn="l" fontAlgn="b"/>
                       <a:r>
-                        <a:rPr lang="en-US" sz="1200" b="0" i="0" u="none" strike="noStrike">
+                        <a:rPr lang="en-US" sz="1200" b="0" i="0" u="none" strike="noStrike" dirty="0">
                           <a:solidFill>
                             <a:srgbClr val="000000"/>
                           </a:solidFill>
@@ -6127,13 +6127,13 @@
           <p:nvPr>
             <p:extLst>
               <p:ext uri="{D42A27DB-BD31-4B8C-83A1-F6EECF244321}">
-                <p14:modId xmlns:p14="http://schemas.microsoft.com/office/powerpoint/2010/main" val="1301421662"/>
+                <p14:modId xmlns:p14="http://schemas.microsoft.com/office/powerpoint/2010/main" val="71952210"/>
               </p:ext>
             </p:extLst>
           </p:nvPr>
         </p:nvGraphicFramePr>
         <p:xfrm>
-          <a:off x="457200" y="3615694"/>
+          <a:off x="457200" y="3888803"/>
           <a:ext cx="8229601" cy="780724"/>
         </p:xfrm>
         <a:graphic>
@@ -7271,8 +7271,8 @@
         </p:nvSpPr>
         <p:spPr>
           <a:xfrm>
-            <a:off x="457200" y="2875002"/>
-            <a:ext cx="8229598" cy="523220"/>
+            <a:off x="457199" y="2875002"/>
+            <a:ext cx="8480425" cy="954107"/>
           </a:xfrm>
           <a:prstGeom prst="rect">
             <a:avLst/>
@@ -7286,7 +7286,7 @@
           <a:p>
             <a:r>
               <a:rPr lang="en-US" sz="2800" dirty="0" smtClean="0"/>
-              <a:t>Adding features: select best feature given parameter</a:t>
+              <a:t>Adding features: select best feature collection given parameter</a:t>
             </a:r>
             <a:endParaRPr lang="en-US" sz="2800" dirty="0"/>
           </a:p>

--- a/doc/Image Presentation.pptx
+++ b/doc/Image Presentation.pptx
@@ -3787,14 +3787,2060 @@
           <p:nvPr>
             <p:extLst>
               <p:ext uri="{D42A27DB-BD31-4B8C-83A1-F6EECF244321}">
-                <p14:modId xmlns:p14="http://schemas.microsoft.com/office/powerpoint/2010/main" val="372656493"/>
+                <p14:modId xmlns:p14="http://schemas.microsoft.com/office/powerpoint/2010/main" val="1205719283"/>
               </p:ext>
             </p:extLst>
           </p:nvPr>
         </p:nvGraphicFramePr>
         <p:xfrm>
           <a:off x="457200" y="5380288"/>
-          <a:ext cx="8229601" cy="964003"/>
+          <a:ext cx="8229601" cy="768423"/>
+        </p:xfrm>
+        <a:graphic>
+          <a:graphicData uri="http://schemas.openxmlformats.org/drawingml/2006/table">
+            <a:tbl>
+              <a:tblPr/>
+              <a:tblGrid>
+                <a:gridCol w="1525367"/>
+                <a:gridCol w="2657091"/>
+                <a:gridCol w="1943613"/>
+                <a:gridCol w="799587"/>
+                <a:gridCol w="1303943"/>
+              </a:tblGrid>
+              <a:tr h="189441">
+                <a:tc>
+                  <a:txBody>
+                    <a:bodyPr/>
+                    <a:lstStyle/>
+                    <a:p>
+                      <a:pPr algn="l" fontAlgn="b"/>
+                      <a:r>
+                        <a:rPr lang="en-US" sz="1200" b="1" i="0" u="sng" strike="noStrike" dirty="0">
+                          <a:solidFill>
+                            <a:srgbClr val="FFFFFF"/>
+                          </a:solidFill>
+                          <a:effectLst/>
+                          <a:latin typeface="Calibri"/>
+                        </a:rPr>
+                        <a:t>Feature</a:t>
+                      </a:r>
+                    </a:p>
+                  </a:txBody>
+                  <a:tcPr marL="12301" marR="12301" marT="12301" marB="0" anchor="b">
+                    <a:lnL>
+                      <a:noFill/>
+                    </a:lnL>
+                    <a:lnR w="6350" cap="flat" cmpd="sng" algn="ctr">
+                      <a:solidFill>
+                        <a:srgbClr val="FFFFFF"/>
+                      </a:solidFill>
+                      <a:prstDash val="solid"/>
+                      <a:round/>
+                      <a:headEnd type="none" w="med" len="med"/>
+                      <a:tailEnd type="none" w="med" len="med"/>
+                    </a:lnR>
+                    <a:lnT>
+                      <a:noFill/>
+                    </a:lnT>
+                    <a:lnB w="6350" cap="flat" cmpd="sng" algn="ctr">
+                      <a:solidFill>
+                        <a:srgbClr val="FFFFFF"/>
+                      </a:solidFill>
+                      <a:prstDash val="solid"/>
+                      <a:round/>
+                      <a:headEnd type="none" w="med" len="med"/>
+                      <a:tailEnd type="none" w="med" len="med"/>
+                    </a:lnB>
+                    <a:solidFill>
+                      <a:srgbClr val="4F81BD"/>
+                    </a:solidFill>
+                  </a:tcPr>
+                </a:tc>
+                <a:tc>
+                  <a:txBody>
+                    <a:bodyPr/>
+                    <a:lstStyle/>
+                    <a:p>
+                      <a:pPr algn="l" fontAlgn="b"/>
+                      <a:r>
+                        <a:rPr lang="en-US" sz="1200" b="1" i="0" u="sng" strike="noStrike">
+                          <a:solidFill>
+                            <a:srgbClr val="FFFFFF"/>
+                          </a:solidFill>
+                          <a:effectLst/>
+                          <a:latin typeface="Calibri"/>
+                        </a:rPr>
+                        <a:t>Model</a:t>
+                      </a:r>
+                    </a:p>
+                  </a:txBody>
+                  <a:tcPr marL="12301" marR="12301" marT="12301" marB="0" anchor="b">
+                    <a:lnL w="6350" cap="flat" cmpd="sng" algn="ctr">
+                      <a:solidFill>
+                        <a:srgbClr val="FFFFFF"/>
+                      </a:solidFill>
+                      <a:prstDash val="solid"/>
+                      <a:round/>
+                      <a:headEnd type="none" w="med" len="med"/>
+                      <a:tailEnd type="none" w="med" len="med"/>
+                    </a:lnL>
+                    <a:lnR w="6350" cap="flat" cmpd="sng" algn="ctr">
+                      <a:solidFill>
+                        <a:srgbClr val="FFFFFF"/>
+                      </a:solidFill>
+                      <a:prstDash val="solid"/>
+                      <a:round/>
+                      <a:headEnd type="none" w="med" len="med"/>
+                      <a:tailEnd type="none" w="med" len="med"/>
+                    </a:lnR>
+                    <a:lnT>
+                      <a:noFill/>
+                    </a:lnT>
+                    <a:lnB w="6350" cap="flat" cmpd="sng" algn="ctr">
+                      <a:solidFill>
+                        <a:srgbClr val="FFFFFF"/>
+                      </a:solidFill>
+                      <a:prstDash val="solid"/>
+                      <a:round/>
+                      <a:headEnd type="none" w="med" len="med"/>
+                      <a:tailEnd type="none" w="med" len="med"/>
+                    </a:lnB>
+                    <a:solidFill>
+                      <a:srgbClr val="4F81BD"/>
+                    </a:solidFill>
+                  </a:tcPr>
+                </a:tc>
+                <a:tc>
+                  <a:txBody>
+                    <a:bodyPr/>
+                    <a:lstStyle/>
+                    <a:p>
+                      <a:pPr algn="l" fontAlgn="b"/>
+                      <a:r>
+                        <a:rPr lang="en-US" sz="1200" b="1" i="0" u="sng" strike="noStrike" dirty="0" smtClean="0">
+                          <a:solidFill>
+                            <a:srgbClr val="FFFFFF"/>
+                          </a:solidFill>
+                          <a:effectLst/>
+                          <a:latin typeface="Calibri"/>
+                        </a:rPr>
+                        <a:t>Accuracy </a:t>
+                      </a:r>
+                      <a:r>
+                        <a:rPr lang="en-US" sz="1200" b="1" i="0" u="sng" strike="noStrike" dirty="0">
+                          <a:solidFill>
+                            <a:srgbClr val="FFFFFF"/>
+                          </a:solidFill>
+                          <a:effectLst/>
+                          <a:latin typeface="Calibri"/>
+                        </a:rPr>
+                        <a:t>(CV = 5-fold)</a:t>
+                      </a:r>
+                    </a:p>
+                  </a:txBody>
+                  <a:tcPr marL="12301" marR="12301" marT="12301" marB="0" anchor="b">
+                    <a:lnL w="6350" cap="flat" cmpd="sng" algn="ctr">
+                      <a:solidFill>
+                        <a:srgbClr val="FFFFFF"/>
+                      </a:solidFill>
+                      <a:prstDash val="solid"/>
+                      <a:round/>
+                      <a:headEnd type="none" w="med" len="med"/>
+                      <a:tailEnd type="none" w="med" len="med"/>
+                    </a:lnL>
+                    <a:lnR w="6350" cap="flat" cmpd="sng" algn="ctr">
+                      <a:solidFill>
+                        <a:srgbClr val="FFFFFF"/>
+                      </a:solidFill>
+                      <a:prstDash val="solid"/>
+                      <a:round/>
+                      <a:headEnd type="none" w="med" len="med"/>
+                      <a:tailEnd type="none" w="med" len="med"/>
+                    </a:lnR>
+                    <a:lnT>
+                      <a:noFill/>
+                    </a:lnT>
+                    <a:lnB w="6350" cap="flat" cmpd="sng" algn="ctr">
+                      <a:solidFill>
+                        <a:srgbClr val="FFFFFF"/>
+                      </a:solidFill>
+                      <a:prstDash val="solid"/>
+                      <a:round/>
+                      <a:headEnd type="none" w="med" len="med"/>
+                      <a:tailEnd type="none" w="med" len="med"/>
+                    </a:lnB>
+                    <a:solidFill>
+                      <a:srgbClr val="4F81BD"/>
+                    </a:solidFill>
+                  </a:tcPr>
+                </a:tc>
+                <a:tc>
+                  <a:txBody>
+                    <a:bodyPr/>
+                    <a:lstStyle/>
+                    <a:p>
+                      <a:pPr algn="l" fontAlgn="b"/>
+                      <a:r>
+                        <a:rPr lang="en-US" sz="1200" b="1" i="0" u="sng" strike="noStrike">
+                          <a:solidFill>
+                            <a:srgbClr val="FFFFFF"/>
+                          </a:solidFill>
+                          <a:effectLst/>
+                          <a:latin typeface="Calibri"/>
+                        </a:rPr>
+                        <a:t>Timing</a:t>
+                      </a:r>
+                    </a:p>
+                  </a:txBody>
+                  <a:tcPr marL="12301" marR="12301" marT="12301" marB="0" anchor="b">
+                    <a:lnL w="6350" cap="flat" cmpd="sng" algn="ctr">
+                      <a:solidFill>
+                        <a:srgbClr val="FFFFFF"/>
+                      </a:solidFill>
+                      <a:prstDash val="solid"/>
+                      <a:round/>
+                      <a:headEnd type="none" w="med" len="med"/>
+                      <a:tailEnd type="none" w="med" len="med"/>
+                    </a:lnL>
+                    <a:lnR w="6350" cap="flat" cmpd="sng" algn="ctr">
+                      <a:solidFill>
+                        <a:srgbClr val="FFFFFF"/>
+                      </a:solidFill>
+                      <a:prstDash val="solid"/>
+                      <a:round/>
+                      <a:headEnd type="none" w="med" len="med"/>
+                      <a:tailEnd type="none" w="med" len="med"/>
+                    </a:lnR>
+                    <a:lnT>
+                      <a:noFill/>
+                    </a:lnT>
+                    <a:lnB w="6350" cap="flat" cmpd="sng" algn="ctr">
+                      <a:solidFill>
+                        <a:srgbClr val="FFFFFF"/>
+                      </a:solidFill>
+                      <a:prstDash val="solid"/>
+                      <a:round/>
+                      <a:headEnd type="none" w="med" len="med"/>
+                      <a:tailEnd type="none" w="med" len="med"/>
+                    </a:lnB>
+                    <a:solidFill>
+                      <a:srgbClr val="4F81BD"/>
+                    </a:solidFill>
+                  </a:tcPr>
+                </a:tc>
+                <a:tc>
+                  <a:txBody>
+                    <a:bodyPr/>
+                    <a:lstStyle/>
+                    <a:p>
+                      <a:pPr algn="l" fontAlgn="b"/>
+                      <a:r>
+                        <a:rPr lang="en-US" sz="1200" b="1" i="0" u="sng" strike="noStrike">
+                          <a:solidFill>
+                            <a:srgbClr val="FFFFFF"/>
+                          </a:solidFill>
+                          <a:effectLst/>
+                          <a:latin typeface="Calibri"/>
+                        </a:rPr>
+                        <a:t>Accuracy/Timing</a:t>
+                      </a:r>
+                    </a:p>
+                  </a:txBody>
+                  <a:tcPr marL="12301" marR="12301" marT="12301" marB="0" anchor="b">
+                    <a:lnL w="6350" cap="flat" cmpd="sng" algn="ctr">
+                      <a:solidFill>
+                        <a:srgbClr val="FFFFFF"/>
+                      </a:solidFill>
+                      <a:prstDash val="solid"/>
+                      <a:round/>
+                      <a:headEnd type="none" w="med" len="med"/>
+                      <a:tailEnd type="none" w="med" len="med"/>
+                    </a:lnL>
+                    <a:lnR>
+                      <a:noFill/>
+                    </a:lnR>
+                    <a:lnT>
+                      <a:noFill/>
+                    </a:lnT>
+                    <a:lnB w="6350" cap="flat" cmpd="sng" algn="ctr">
+                      <a:solidFill>
+                        <a:srgbClr val="FFFFFF"/>
+                      </a:solidFill>
+                      <a:prstDash val="solid"/>
+                      <a:round/>
+                      <a:headEnd type="none" w="med" len="med"/>
+                      <a:tailEnd type="none" w="med" len="med"/>
+                    </a:lnB>
+                    <a:solidFill>
+                      <a:srgbClr val="4F81BD"/>
+                    </a:solidFill>
+                  </a:tcPr>
+                </a:tc>
+              </a:tr>
+              <a:tr h="189441">
+                <a:tc>
+                  <a:txBody>
+                    <a:bodyPr/>
+                    <a:lstStyle/>
+                    <a:p>
+                      <a:pPr algn="l" fontAlgn="b"/>
+                      <a:r>
+                        <a:rPr lang="en-US" sz="1200" b="0" i="0" u="none" strike="noStrike" dirty="0">
+                          <a:solidFill>
+                            <a:srgbClr val="000000"/>
+                          </a:solidFill>
+                          <a:effectLst/>
+                          <a:latin typeface="Calibri"/>
+                        </a:rPr>
+                        <a:t>SURF + Color</a:t>
+                      </a:r>
+                    </a:p>
+                  </a:txBody>
+                  <a:tcPr marL="12301" marR="12301" marT="12301" marB="0" anchor="b">
+                    <a:lnL>
+                      <a:noFill/>
+                    </a:lnL>
+                    <a:lnR w="6350" cap="flat" cmpd="sng" algn="ctr">
+                      <a:solidFill>
+                        <a:srgbClr val="FFFFFF"/>
+                      </a:solidFill>
+                      <a:prstDash val="solid"/>
+                      <a:round/>
+                      <a:headEnd type="none" w="med" len="med"/>
+                      <a:tailEnd type="none" w="med" len="med"/>
+                    </a:lnR>
+                    <a:lnT w="6350" cap="flat" cmpd="sng" algn="ctr">
+                      <a:solidFill>
+                        <a:srgbClr val="FFFFFF"/>
+                      </a:solidFill>
+                      <a:prstDash val="solid"/>
+                      <a:round/>
+                      <a:headEnd type="none" w="med" len="med"/>
+                      <a:tailEnd type="none" w="med" len="med"/>
+                    </a:lnT>
+                    <a:lnB w="6350" cap="flat" cmpd="sng" algn="ctr">
+                      <a:solidFill>
+                        <a:srgbClr val="FFFFFF"/>
+                      </a:solidFill>
+                      <a:prstDash val="solid"/>
+                      <a:round/>
+                      <a:headEnd type="none" w="med" len="med"/>
+                      <a:tailEnd type="none" w="med" len="med"/>
+                    </a:lnB>
+                    <a:solidFill>
+                      <a:srgbClr val="FFFF00"/>
+                    </a:solidFill>
+                  </a:tcPr>
+                </a:tc>
+                <a:tc>
+                  <a:txBody>
+                    <a:bodyPr/>
+                    <a:lstStyle/>
+                    <a:p>
+                      <a:pPr algn="l" fontAlgn="b"/>
+                      <a:r>
+                        <a:rPr lang="en-US" sz="1200" b="0" i="0" u="none" strike="noStrike">
+                          <a:solidFill>
+                            <a:srgbClr val="000000"/>
+                          </a:solidFill>
+                          <a:effectLst/>
+                          <a:latin typeface="Calibri"/>
+                        </a:rPr>
+                        <a:t>Linear Kernel SVM (cost = 10)</a:t>
+                      </a:r>
+                    </a:p>
+                  </a:txBody>
+                  <a:tcPr marL="12301" marR="12301" marT="12301" marB="0" anchor="b">
+                    <a:lnL w="6350" cap="flat" cmpd="sng" algn="ctr">
+                      <a:solidFill>
+                        <a:srgbClr val="FFFFFF"/>
+                      </a:solidFill>
+                      <a:prstDash val="solid"/>
+                      <a:round/>
+                      <a:headEnd type="none" w="med" len="med"/>
+                      <a:tailEnd type="none" w="med" len="med"/>
+                    </a:lnL>
+                    <a:lnR w="6350" cap="flat" cmpd="sng" algn="ctr">
+                      <a:solidFill>
+                        <a:srgbClr val="FFFFFF"/>
+                      </a:solidFill>
+                      <a:prstDash val="solid"/>
+                      <a:round/>
+                      <a:headEnd type="none" w="med" len="med"/>
+                      <a:tailEnd type="none" w="med" len="med"/>
+                    </a:lnR>
+                    <a:lnT w="6350" cap="flat" cmpd="sng" algn="ctr">
+                      <a:solidFill>
+                        <a:srgbClr val="FFFFFF"/>
+                      </a:solidFill>
+                      <a:prstDash val="solid"/>
+                      <a:round/>
+                      <a:headEnd type="none" w="med" len="med"/>
+                      <a:tailEnd type="none" w="med" len="med"/>
+                    </a:lnT>
+                    <a:lnB w="6350" cap="flat" cmpd="sng" algn="ctr">
+                      <a:solidFill>
+                        <a:srgbClr val="FFFFFF"/>
+                      </a:solidFill>
+                      <a:prstDash val="solid"/>
+                      <a:round/>
+                      <a:headEnd type="none" w="med" len="med"/>
+                      <a:tailEnd type="none" w="med" len="med"/>
+                    </a:lnB>
+                    <a:solidFill>
+                      <a:srgbClr val="FFFF00"/>
+                    </a:solidFill>
+                  </a:tcPr>
+                </a:tc>
+                <a:tc>
+                  <a:txBody>
+                    <a:bodyPr/>
+                    <a:lstStyle/>
+                    <a:p>
+                      <a:pPr algn="r" fontAlgn="b"/>
+                      <a:r>
+                        <a:rPr lang="fi-FI" sz="1200" b="0" i="0" u="none" strike="noStrike">
+                          <a:solidFill>
+                            <a:srgbClr val="000000"/>
+                          </a:solidFill>
+                          <a:effectLst/>
+                          <a:latin typeface="Calibri"/>
+                        </a:rPr>
+                        <a:t>79%</a:t>
+                      </a:r>
+                    </a:p>
+                  </a:txBody>
+                  <a:tcPr marL="12301" marR="12301" marT="12301" marB="0" anchor="b">
+                    <a:lnL w="6350" cap="flat" cmpd="sng" algn="ctr">
+                      <a:solidFill>
+                        <a:srgbClr val="FFFFFF"/>
+                      </a:solidFill>
+                      <a:prstDash val="solid"/>
+                      <a:round/>
+                      <a:headEnd type="none" w="med" len="med"/>
+                      <a:tailEnd type="none" w="med" len="med"/>
+                    </a:lnL>
+                    <a:lnR w="6350" cap="flat" cmpd="sng" algn="ctr">
+                      <a:solidFill>
+                        <a:srgbClr val="FFFFFF"/>
+                      </a:solidFill>
+                      <a:prstDash val="solid"/>
+                      <a:round/>
+                      <a:headEnd type="none" w="med" len="med"/>
+                      <a:tailEnd type="none" w="med" len="med"/>
+                    </a:lnR>
+                    <a:lnT w="6350" cap="flat" cmpd="sng" algn="ctr">
+                      <a:solidFill>
+                        <a:srgbClr val="FFFFFF"/>
+                      </a:solidFill>
+                      <a:prstDash val="solid"/>
+                      <a:round/>
+                      <a:headEnd type="none" w="med" len="med"/>
+                      <a:tailEnd type="none" w="med" len="med"/>
+                    </a:lnT>
+                    <a:lnB w="6350" cap="flat" cmpd="sng" algn="ctr">
+                      <a:solidFill>
+                        <a:srgbClr val="FFFFFF"/>
+                      </a:solidFill>
+                      <a:prstDash val="solid"/>
+                      <a:round/>
+                      <a:headEnd type="none" w="med" len="med"/>
+                      <a:tailEnd type="none" w="med" len="med"/>
+                    </a:lnB>
+                    <a:solidFill>
+                      <a:srgbClr val="FFFF00"/>
+                    </a:solidFill>
+                  </a:tcPr>
+                </a:tc>
+                <a:tc>
+                  <a:txBody>
+                    <a:bodyPr/>
+                    <a:lstStyle/>
+                    <a:p>
+                      <a:pPr algn="r" fontAlgn="b"/>
+                      <a:r>
+                        <a:rPr lang="en-US" sz="1200" b="0" i="0" u="none" strike="noStrike" dirty="0">
+                          <a:solidFill>
+                            <a:srgbClr val="000000"/>
+                          </a:solidFill>
+                          <a:effectLst/>
+                          <a:latin typeface="Calibri"/>
+                        </a:rPr>
+                        <a:t>154</a:t>
+                      </a:r>
+                    </a:p>
+                  </a:txBody>
+                  <a:tcPr marL="12301" marR="12301" marT="12301" marB="0" anchor="b">
+                    <a:lnL w="6350" cap="flat" cmpd="sng" algn="ctr">
+                      <a:solidFill>
+                        <a:srgbClr val="FFFFFF"/>
+                      </a:solidFill>
+                      <a:prstDash val="solid"/>
+                      <a:round/>
+                      <a:headEnd type="none" w="med" len="med"/>
+                      <a:tailEnd type="none" w="med" len="med"/>
+                    </a:lnL>
+                    <a:lnR w="6350" cap="flat" cmpd="sng" algn="ctr">
+                      <a:solidFill>
+                        <a:srgbClr val="FFFFFF"/>
+                      </a:solidFill>
+                      <a:prstDash val="solid"/>
+                      <a:round/>
+                      <a:headEnd type="none" w="med" len="med"/>
+                      <a:tailEnd type="none" w="med" len="med"/>
+                    </a:lnR>
+                    <a:lnT w="6350" cap="flat" cmpd="sng" algn="ctr">
+                      <a:solidFill>
+                        <a:srgbClr val="FFFFFF"/>
+                      </a:solidFill>
+                      <a:prstDash val="solid"/>
+                      <a:round/>
+                      <a:headEnd type="none" w="med" len="med"/>
+                      <a:tailEnd type="none" w="med" len="med"/>
+                    </a:lnT>
+                    <a:lnB w="6350" cap="flat" cmpd="sng" algn="ctr">
+                      <a:solidFill>
+                        <a:srgbClr val="FFFFFF"/>
+                      </a:solidFill>
+                      <a:prstDash val="solid"/>
+                      <a:round/>
+                      <a:headEnd type="none" w="med" len="med"/>
+                      <a:tailEnd type="none" w="med" len="med"/>
+                    </a:lnB>
+                    <a:solidFill>
+                      <a:srgbClr val="FFFF00"/>
+                    </a:solidFill>
+                  </a:tcPr>
+                </a:tc>
+                <a:tc>
+                  <a:txBody>
+                    <a:bodyPr/>
+                    <a:lstStyle/>
+                    <a:p>
+                      <a:pPr algn="r" fontAlgn="b"/>
+                      <a:r>
+                        <a:rPr lang="is-IS" sz="1200" b="0" i="0" u="none" strike="noStrike">
+                          <a:solidFill>
+                            <a:srgbClr val="000000"/>
+                          </a:solidFill>
+                          <a:effectLst/>
+                          <a:latin typeface="Calibri"/>
+                        </a:rPr>
+                        <a:t>0.00512987</a:t>
+                      </a:r>
+                    </a:p>
+                  </a:txBody>
+                  <a:tcPr marL="12301" marR="12301" marT="12301" marB="0" anchor="b">
+                    <a:lnL w="6350" cap="flat" cmpd="sng" algn="ctr">
+                      <a:solidFill>
+                        <a:srgbClr val="FFFFFF"/>
+                      </a:solidFill>
+                      <a:prstDash val="solid"/>
+                      <a:round/>
+                      <a:headEnd type="none" w="med" len="med"/>
+                      <a:tailEnd type="none" w="med" len="med"/>
+                    </a:lnL>
+                    <a:lnR>
+                      <a:noFill/>
+                    </a:lnR>
+                    <a:lnT w="6350" cap="flat" cmpd="sng" algn="ctr">
+                      <a:solidFill>
+                        <a:srgbClr val="FFFFFF"/>
+                      </a:solidFill>
+                      <a:prstDash val="solid"/>
+                      <a:round/>
+                      <a:headEnd type="none" w="med" len="med"/>
+                      <a:tailEnd type="none" w="med" len="med"/>
+                    </a:lnT>
+                    <a:lnB w="6350" cap="flat" cmpd="sng" algn="ctr">
+                      <a:solidFill>
+                        <a:srgbClr val="FFFFFF"/>
+                      </a:solidFill>
+                      <a:prstDash val="solid"/>
+                      <a:round/>
+                      <a:headEnd type="none" w="med" len="med"/>
+                      <a:tailEnd type="none" w="med" len="med"/>
+                    </a:lnB>
+                    <a:solidFill>
+                      <a:srgbClr val="FFFF00"/>
+                    </a:solidFill>
+                  </a:tcPr>
+                </a:tc>
+              </a:tr>
+              <a:tr h="189441">
+                <a:tc>
+                  <a:txBody>
+                    <a:bodyPr/>
+                    <a:lstStyle/>
+                    <a:p>
+                      <a:pPr algn="l" fontAlgn="b"/>
+                      <a:r>
+                        <a:rPr lang="en-US" sz="1200" b="0" i="0" u="none" strike="noStrike" dirty="0">
+                          <a:solidFill>
+                            <a:srgbClr val="000000"/>
+                          </a:solidFill>
+                          <a:effectLst/>
+                          <a:latin typeface="Calibri"/>
+                        </a:rPr>
+                        <a:t>SURF + Color </a:t>
+                      </a:r>
+                    </a:p>
+                  </a:txBody>
+                  <a:tcPr marL="12301" marR="12301" marT="12301" marB="0" anchor="b">
+                    <a:lnL>
+                      <a:noFill/>
+                    </a:lnL>
+                    <a:lnR w="6350" cap="flat" cmpd="sng" algn="ctr">
+                      <a:solidFill>
+                        <a:srgbClr val="FFFFFF"/>
+                      </a:solidFill>
+                      <a:prstDash val="solid"/>
+                      <a:round/>
+                      <a:headEnd type="none" w="med" len="med"/>
+                      <a:tailEnd type="none" w="med" len="med"/>
+                    </a:lnR>
+                    <a:lnT w="6350" cap="flat" cmpd="sng" algn="ctr">
+                      <a:solidFill>
+                        <a:srgbClr val="FFFFFF"/>
+                      </a:solidFill>
+                      <a:prstDash val="solid"/>
+                      <a:round/>
+                      <a:headEnd type="none" w="med" len="med"/>
+                      <a:tailEnd type="none" w="med" len="med"/>
+                    </a:lnT>
+                    <a:lnB w="6350" cap="flat" cmpd="sng" algn="ctr">
+                      <a:solidFill>
+                        <a:srgbClr val="FFFFFF"/>
+                      </a:solidFill>
+                      <a:prstDash val="solid"/>
+                      <a:round/>
+                      <a:headEnd type="none" w="med" len="med"/>
+                      <a:tailEnd type="none" w="med" len="med"/>
+                    </a:lnB>
+                    <a:solidFill>
+                      <a:srgbClr val="DCE6F1"/>
+                    </a:solidFill>
+                  </a:tcPr>
+                </a:tc>
+                <a:tc>
+                  <a:txBody>
+                    <a:bodyPr/>
+                    <a:lstStyle/>
+                    <a:p>
+                      <a:pPr algn="l" fontAlgn="b"/>
+                      <a:r>
+                        <a:rPr lang="en-US" sz="1200" b="0" i="0" u="none" strike="noStrike" dirty="0">
+                          <a:solidFill>
+                            <a:srgbClr val="000000"/>
+                          </a:solidFill>
+                          <a:effectLst/>
+                          <a:latin typeface="Calibri"/>
+                        </a:rPr>
+                        <a:t>Radial Kernel SVM (cost = 10, gamma = 10)</a:t>
+                      </a:r>
+                    </a:p>
+                  </a:txBody>
+                  <a:tcPr marL="12301" marR="12301" marT="12301" marB="0" anchor="b">
+                    <a:lnL w="6350" cap="flat" cmpd="sng" algn="ctr">
+                      <a:solidFill>
+                        <a:srgbClr val="FFFFFF"/>
+                      </a:solidFill>
+                      <a:prstDash val="solid"/>
+                      <a:round/>
+                      <a:headEnd type="none" w="med" len="med"/>
+                      <a:tailEnd type="none" w="med" len="med"/>
+                    </a:lnL>
+                    <a:lnR w="6350" cap="flat" cmpd="sng" algn="ctr">
+                      <a:solidFill>
+                        <a:srgbClr val="FFFFFF"/>
+                      </a:solidFill>
+                      <a:prstDash val="solid"/>
+                      <a:round/>
+                      <a:headEnd type="none" w="med" len="med"/>
+                      <a:tailEnd type="none" w="med" len="med"/>
+                    </a:lnR>
+                    <a:lnT w="6350" cap="flat" cmpd="sng" algn="ctr">
+                      <a:solidFill>
+                        <a:srgbClr val="FFFFFF"/>
+                      </a:solidFill>
+                      <a:prstDash val="solid"/>
+                      <a:round/>
+                      <a:headEnd type="none" w="med" len="med"/>
+                      <a:tailEnd type="none" w="med" len="med"/>
+                    </a:lnT>
+                    <a:lnB w="6350" cap="flat" cmpd="sng" algn="ctr">
+                      <a:solidFill>
+                        <a:srgbClr val="FFFFFF"/>
+                      </a:solidFill>
+                      <a:prstDash val="solid"/>
+                      <a:round/>
+                      <a:headEnd type="none" w="med" len="med"/>
+                      <a:tailEnd type="none" w="med" len="med"/>
+                    </a:lnB>
+                    <a:solidFill>
+                      <a:srgbClr val="DCE6F1"/>
+                    </a:solidFill>
+                  </a:tcPr>
+                </a:tc>
+                <a:tc>
+                  <a:txBody>
+                    <a:bodyPr/>
+                    <a:lstStyle/>
+                    <a:p>
+                      <a:pPr algn="r" fontAlgn="b"/>
+                      <a:r>
+                        <a:rPr lang="en-US" sz="1200" b="0" i="0" u="none" strike="noStrike">
+                          <a:solidFill>
+                            <a:srgbClr val="000000"/>
+                          </a:solidFill>
+                          <a:effectLst/>
+                          <a:latin typeface="Calibri"/>
+                        </a:rPr>
+                        <a:t>80%</a:t>
+                      </a:r>
+                    </a:p>
+                  </a:txBody>
+                  <a:tcPr marL="12301" marR="12301" marT="12301" marB="0" anchor="b">
+                    <a:lnL w="6350" cap="flat" cmpd="sng" algn="ctr">
+                      <a:solidFill>
+                        <a:srgbClr val="FFFFFF"/>
+                      </a:solidFill>
+                      <a:prstDash val="solid"/>
+                      <a:round/>
+                      <a:headEnd type="none" w="med" len="med"/>
+                      <a:tailEnd type="none" w="med" len="med"/>
+                    </a:lnL>
+                    <a:lnR w="6350" cap="flat" cmpd="sng" algn="ctr">
+                      <a:solidFill>
+                        <a:srgbClr val="FFFFFF"/>
+                      </a:solidFill>
+                      <a:prstDash val="solid"/>
+                      <a:round/>
+                      <a:headEnd type="none" w="med" len="med"/>
+                      <a:tailEnd type="none" w="med" len="med"/>
+                    </a:lnR>
+                    <a:lnT w="6350" cap="flat" cmpd="sng" algn="ctr">
+                      <a:solidFill>
+                        <a:srgbClr val="FFFFFF"/>
+                      </a:solidFill>
+                      <a:prstDash val="solid"/>
+                      <a:round/>
+                      <a:headEnd type="none" w="med" len="med"/>
+                      <a:tailEnd type="none" w="med" len="med"/>
+                    </a:lnT>
+                    <a:lnB w="6350" cap="flat" cmpd="sng" algn="ctr">
+                      <a:solidFill>
+                        <a:srgbClr val="FFFFFF"/>
+                      </a:solidFill>
+                      <a:prstDash val="solid"/>
+                      <a:round/>
+                      <a:headEnd type="none" w="med" len="med"/>
+                      <a:tailEnd type="none" w="med" len="med"/>
+                    </a:lnB>
+                    <a:solidFill>
+                      <a:srgbClr val="DCE6F1"/>
+                    </a:solidFill>
+                  </a:tcPr>
+                </a:tc>
+                <a:tc>
+                  <a:txBody>
+                    <a:bodyPr/>
+                    <a:lstStyle/>
+                    <a:p>
+                      <a:pPr algn="r" fontAlgn="b"/>
+                      <a:r>
+                        <a:rPr lang="is-IS" sz="1200" b="0" i="0" u="none" strike="noStrike" dirty="0">
+                          <a:solidFill>
+                            <a:srgbClr val="000000"/>
+                          </a:solidFill>
+                          <a:effectLst/>
+                          <a:latin typeface="Calibri"/>
+                        </a:rPr>
+                        <a:t>625</a:t>
+                      </a:r>
+                    </a:p>
+                  </a:txBody>
+                  <a:tcPr marL="12301" marR="12301" marT="12301" marB="0" anchor="b">
+                    <a:lnL w="6350" cap="flat" cmpd="sng" algn="ctr">
+                      <a:solidFill>
+                        <a:srgbClr val="FFFFFF"/>
+                      </a:solidFill>
+                      <a:prstDash val="solid"/>
+                      <a:round/>
+                      <a:headEnd type="none" w="med" len="med"/>
+                      <a:tailEnd type="none" w="med" len="med"/>
+                    </a:lnL>
+                    <a:lnR w="6350" cap="flat" cmpd="sng" algn="ctr">
+                      <a:solidFill>
+                        <a:srgbClr val="FFFFFF"/>
+                      </a:solidFill>
+                      <a:prstDash val="solid"/>
+                      <a:round/>
+                      <a:headEnd type="none" w="med" len="med"/>
+                      <a:tailEnd type="none" w="med" len="med"/>
+                    </a:lnR>
+                    <a:lnT w="6350" cap="flat" cmpd="sng" algn="ctr">
+                      <a:solidFill>
+                        <a:srgbClr val="FFFFFF"/>
+                      </a:solidFill>
+                      <a:prstDash val="solid"/>
+                      <a:round/>
+                      <a:headEnd type="none" w="med" len="med"/>
+                      <a:tailEnd type="none" w="med" len="med"/>
+                    </a:lnT>
+                    <a:lnB w="6350" cap="flat" cmpd="sng" algn="ctr">
+                      <a:solidFill>
+                        <a:srgbClr val="FFFFFF"/>
+                      </a:solidFill>
+                      <a:prstDash val="solid"/>
+                      <a:round/>
+                      <a:headEnd type="none" w="med" len="med"/>
+                      <a:tailEnd type="none" w="med" len="med"/>
+                    </a:lnB>
+                    <a:solidFill>
+                      <a:srgbClr val="DCE6F1"/>
+                    </a:solidFill>
+                  </a:tcPr>
+                </a:tc>
+                <a:tc>
+                  <a:txBody>
+                    <a:bodyPr/>
+                    <a:lstStyle/>
+                    <a:p>
+                      <a:pPr algn="r" fontAlgn="b"/>
+                      <a:r>
+                        <a:rPr lang="nb-NO" sz="1200" b="0" i="0" u="none" strike="noStrike" dirty="0">
+                          <a:solidFill>
+                            <a:srgbClr val="000000"/>
+                          </a:solidFill>
+                          <a:effectLst/>
+                          <a:latin typeface="Calibri"/>
+                        </a:rPr>
+                        <a:t>0.00128</a:t>
+                      </a:r>
+                    </a:p>
+                  </a:txBody>
+                  <a:tcPr marL="12301" marR="12301" marT="12301" marB="0" anchor="b">
+                    <a:lnL w="6350" cap="flat" cmpd="sng" algn="ctr">
+                      <a:solidFill>
+                        <a:srgbClr val="FFFFFF"/>
+                      </a:solidFill>
+                      <a:prstDash val="solid"/>
+                      <a:round/>
+                      <a:headEnd type="none" w="med" len="med"/>
+                      <a:tailEnd type="none" w="med" len="med"/>
+                    </a:lnL>
+                    <a:lnR>
+                      <a:noFill/>
+                    </a:lnR>
+                    <a:lnT w="6350" cap="flat" cmpd="sng" algn="ctr">
+                      <a:solidFill>
+                        <a:srgbClr val="FFFFFF"/>
+                      </a:solidFill>
+                      <a:prstDash val="solid"/>
+                      <a:round/>
+                      <a:headEnd type="none" w="med" len="med"/>
+                      <a:tailEnd type="none" w="med" len="med"/>
+                    </a:lnT>
+                    <a:lnB w="6350" cap="flat" cmpd="sng" algn="ctr">
+                      <a:solidFill>
+                        <a:srgbClr val="FFFFFF"/>
+                      </a:solidFill>
+                      <a:prstDash val="solid"/>
+                      <a:round/>
+                      <a:headEnd type="none" w="med" len="med"/>
+                      <a:tailEnd type="none" w="med" len="med"/>
+                    </a:lnB>
+                    <a:solidFill>
+                      <a:srgbClr val="DCE6F1"/>
+                    </a:solidFill>
+                  </a:tcPr>
+                </a:tc>
+              </a:tr>
+            </a:tbl>
+          </a:graphicData>
+        </a:graphic>
+      </p:graphicFrame>
+      <p:graphicFrame>
+        <p:nvGraphicFramePr>
+          <p:cNvPr id="11" name="Table 10"/>
+          <p:cNvGraphicFramePr>
+            <a:graphicFrameLocks noGrp="1"/>
+          </p:cNvGraphicFramePr>
+          <p:nvPr>
+            <p:extLst>
+              <p:ext uri="{D42A27DB-BD31-4B8C-83A1-F6EECF244321}">
+                <p14:modId xmlns:p14="http://schemas.microsoft.com/office/powerpoint/2010/main" val="3524873188"/>
+              </p:ext>
+            </p:extLst>
+          </p:nvPr>
+        </p:nvGraphicFramePr>
+        <p:xfrm>
+          <a:off x="457197" y="1913436"/>
+          <a:ext cx="8229601" cy="782764"/>
+        </p:xfrm>
+        <a:graphic>
+          <a:graphicData uri="http://schemas.openxmlformats.org/drawingml/2006/table">
+            <a:tbl>
+              <a:tblPr/>
+              <a:tblGrid>
+                <a:gridCol w="1525367"/>
+                <a:gridCol w="2657091"/>
+                <a:gridCol w="1943613"/>
+                <a:gridCol w="799587"/>
+                <a:gridCol w="1303943"/>
+              </a:tblGrid>
+              <a:tr h="0">
+                <a:tc>
+                  <a:txBody>
+                    <a:bodyPr/>
+                    <a:lstStyle/>
+                    <a:p>
+                      <a:pPr algn="l" fontAlgn="b"/>
+                      <a:r>
+                        <a:rPr lang="en-US" sz="1200" b="1" i="0" u="sng" strike="noStrike">
+                          <a:solidFill>
+                            <a:srgbClr val="FFFFFF"/>
+                          </a:solidFill>
+                          <a:effectLst/>
+                          <a:latin typeface="Calibri"/>
+                        </a:rPr>
+                        <a:t>Feature</a:t>
+                      </a:r>
+                    </a:p>
+                  </a:txBody>
+                  <a:tcPr marL="12301" marR="12301" marT="12301" marB="0" anchor="b">
+                    <a:lnL>
+                      <a:noFill/>
+                    </a:lnL>
+                    <a:lnR w="6350" cap="flat" cmpd="sng" algn="ctr">
+                      <a:solidFill>
+                        <a:srgbClr val="FFFFFF"/>
+                      </a:solidFill>
+                      <a:prstDash val="solid"/>
+                      <a:round/>
+                      <a:headEnd type="none" w="med" len="med"/>
+                      <a:tailEnd type="none" w="med" len="med"/>
+                    </a:lnR>
+                    <a:lnT>
+                      <a:noFill/>
+                    </a:lnT>
+                    <a:lnB w="6350" cap="flat" cmpd="sng" algn="ctr">
+                      <a:solidFill>
+                        <a:srgbClr val="FFFFFF"/>
+                      </a:solidFill>
+                      <a:prstDash val="solid"/>
+                      <a:round/>
+                      <a:headEnd type="none" w="med" len="med"/>
+                      <a:tailEnd type="none" w="med" len="med"/>
+                    </a:lnB>
+                    <a:solidFill>
+                      <a:srgbClr val="4F81BD"/>
+                    </a:solidFill>
+                  </a:tcPr>
+                </a:tc>
+                <a:tc>
+                  <a:txBody>
+                    <a:bodyPr/>
+                    <a:lstStyle/>
+                    <a:p>
+                      <a:pPr algn="l" fontAlgn="b"/>
+                      <a:r>
+                        <a:rPr lang="en-US" sz="1200" b="1" i="0" u="sng" strike="noStrike">
+                          <a:solidFill>
+                            <a:srgbClr val="FFFFFF"/>
+                          </a:solidFill>
+                          <a:effectLst/>
+                          <a:latin typeface="Calibri"/>
+                        </a:rPr>
+                        <a:t>Model</a:t>
+                      </a:r>
+                    </a:p>
+                  </a:txBody>
+                  <a:tcPr marL="12301" marR="12301" marT="12301" marB="0" anchor="b">
+                    <a:lnL w="6350" cap="flat" cmpd="sng" algn="ctr">
+                      <a:solidFill>
+                        <a:srgbClr val="FFFFFF"/>
+                      </a:solidFill>
+                      <a:prstDash val="solid"/>
+                      <a:round/>
+                      <a:headEnd type="none" w="med" len="med"/>
+                      <a:tailEnd type="none" w="med" len="med"/>
+                    </a:lnL>
+                    <a:lnR w="6350" cap="flat" cmpd="sng" algn="ctr">
+                      <a:solidFill>
+                        <a:srgbClr val="FFFFFF"/>
+                      </a:solidFill>
+                      <a:prstDash val="solid"/>
+                      <a:round/>
+                      <a:headEnd type="none" w="med" len="med"/>
+                      <a:tailEnd type="none" w="med" len="med"/>
+                    </a:lnR>
+                    <a:lnT>
+                      <a:noFill/>
+                    </a:lnT>
+                    <a:lnB w="6350" cap="flat" cmpd="sng" algn="ctr">
+                      <a:solidFill>
+                        <a:srgbClr val="FFFFFF"/>
+                      </a:solidFill>
+                      <a:prstDash val="solid"/>
+                      <a:round/>
+                      <a:headEnd type="none" w="med" len="med"/>
+                      <a:tailEnd type="none" w="med" len="med"/>
+                    </a:lnB>
+                    <a:solidFill>
+                      <a:srgbClr val="4F81BD"/>
+                    </a:solidFill>
+                  </a:tcPr>
+                </a:tc>
+                <a:tc>
+                  <a:txBody>
+                    <a:bodyPr/>
+                    <a:lstStyle/>
+                    <a:p>
+                      <a:pPr algn="l" fontAlgn="b"/>
+                      <a:r>
+                        <a:rPr lang="en-US" sz="1200" b="1" i="0" u="sng" strike="noStrike">
+                          <a:solidFill>
+                            <a:srgbClr val="FFFFFF"/>
+                          </a:solidFill>
+                          <a:effectLst/>
+                          <a:latin typeface="Calibri"/>
+                        </a:rPr>
+                        <a:t>Test Accuracy (CV = 5-fold)</a:t>
+                      </a:r>
+                    </a:p>
+                  </a:txBody>
+                  <a:tcPr marL="12301" marR="12301" marT="12301" marB="0" anchor="b">
+                    <a:lnL w="6350" cap="flat" cmpd="sng" algn="ctr">
+                      <a:solidFill>
+                        <a:srgbClr val="FFFFFF"/>
+                      </a:solidFill>
+                      <a:prstDash val="solid"/>
+                      <a:round/>
+                      <a:headEnd type="none" w="med" len="med"/>
+                      <a:tailEnd type="none" w="med" len="med"/>
+                    </a:lnL>
+                    <a:lnR w="6350" cap="flat" cmpd="sng" algn="ctr">
+                      <a:solidFill>
+                        <a:srgbClr val="FFFFFF"/>
+                      </a:solidFill>
+                      <a:prstDash val="solid"/>
+                      <a:round/>
+                      <a:headEnd type="none" w="med" len="med"/>
+                      <a:tailEnd type="none" w="med" len="med"/>
+                    </a:lnR>
+                    <a:lnT>
+                      <a:noFill/>
+                    </a:lnT>
+                    <a:lnB w="6350" cap="flat" cmpd="sng" algn="ctr">
+                      <a:solidFill>
+                        <a:srgbClr val="FFFFFF"/>
+                      </a:solidFill>
+                      <a:prstDash val="solid"/>
+                      <a:round/>
+                      <a:headEnd type="none" w="med" len="med"/>
+                      <a:tailEnd type="none" w="med" len="med"/>
+                    </a:lnB>
+                    <a:solidFill>
+                      <a:srgbClr val="4F81BD"/>
+                    </a:solidFill>
+                  </a:tcPr>
+                </a:tc>
+                <a:tc>
+                  <a:txBody>
+                    <a:bodyPr/>
+                    <a:lstStyle/>
+                    <a:p>
+                      <a:pPr algn="l" fontAlgn="b"/>
+                      <a:r>
+                        <a:rPr lang="en-US" sz="1200" b="1" i="0" u="sng" strike="noStrike" dirty="0">
+                          <a:solidFill>
+                            <a:srgbClr val="FFFFFF"/>
+                          </a:solidFill>
+                          <a:effectLst/>
+                          <a:latin typeface="Calibri"/>
+                        </a:rPr>
+                        <a:t>Timing</a:t>
+                      </a:r>
+                    </a:p>
+                  </a:txBody>
+                  <a:tcPr marL="12301" marR="12301" marT="12301" marB="0" anchor="b">
+                    <a:lnL w="6350" cap="flat" cmpd="sng" algn="ctr">
+                      <a:solidFill>
+                        <a:srgbClr val="FFFFFF"/>
+                      </a:solidFill>
+                      <a:prstDash val="solid"/>
+                      <a:round/>
+                      <a:headEnd type="none" w="med" len="med"/>
+                      <a:tailEnd type="none" w="med" len="med"/>
+                    </a:lnL>
+                    <a:lnR w="6350" cap="flat" cmpd="sng" algn="ctr">
+                      <a:solidFill>
+                        <a:srgbClr val="FFFFFF"/>
+                      </a:solidFill>
+                      <a:prstDash val="solid"/>
+                      <a:round/>
+                      <a:headEnd type="none" w="med" len="med"/>
+                      <a:tailEnd type="none" w="med" len="med"/>
+                    </a:lnR>
+                    <a:lnT>
+                      <a:noFill/>
+                    </a:lnT>
+                    <a:lnB w="6350" cap="flat" cmpd="sng" algn="ctr">
+                      <a:solidFill>
+                        <a:srgbClr val="FFFFFF"/>
+                      </a:solidFill>
+                      <a:prstDash val="solid"/>
+                      <a:round/>
+                      <a:headEnd type="none" w="med" len="med"/>
+                      <a:tailEnd type="none" w="med" len="med"/>
+                    </a:lnB>
+                    <a:solidFill>
+                      <a:srgbClr val="4F81BD"/>
+                    </a:solidFill>
+                  </a:tcPr>
+                </a:tc>
+                <a:tc>
+                  <a:txBody>
+                    <a:bodyPr/>
+                    <a:lstStyle/>
+                    <a:p>
+                      <a:pPr algn="l" fontAlgn="b"/>
+                      <a:r>
+                        <a:rPr lang="en-US" sz="1200" b="1" i="0" u="sng" strike="noStrike">
+                          <a:solidFill>
+                            <a:srgbClr val="FFFFFF"/>
+                          </a:solidFill>
+                          <a:effectLst/>
+                          <a:latin typeface="Calibri"/>
+                        </a:rPr>
+                        <a:t>Accuracy/Timing</a:t>
+                      </a:r>
+                    </a:p>
+                  </a:txBody>
+                  <a:tcPr marL="12301" marR="12301" marT="12301" marB="0" anchor="b">
+                    <a:lnL w="6350" cap="flat" cmpd="sng" algn="ctr">
+                      <a:solidFill>
+                        <a:srgbClr val="FFFFFF"/>
+                      </a:solidFill>
+                      <a:prstDash val="solid"/>
+                      <a:round/>
+                      <a:headEnd type="none" w="med" len="med"/>
+                      <a:tailEnd type="none" w="med" len="med"/>
+                    </a:lnL>
+                    <a:lnR>
+                      <a:noFill/>
+                    </a:lnR>
+                    <a:lnT>
+                      <a:noFill/>
+                    </a:lnT>
+                    <a:lnB w="6350" cap="flat" cmpd="sng" algn="ctr">
+                      <a:solidFill>
+                        <a:srgbClr val="FFFFFF"/>
+                      </a:solidFill>
+                      <a:prstDash val="solid"/>
+                      <a:round/>
+                      <a:headEnd type="none" w="med" len="med"/>
+                      <a:tailEnd type="none" w="med" len="med"/>
+                    </a:lnB>
+                    <a:solidFill>
+                      <a:srgbClr val="4F81BD"/>
+                    </a:solidFill>
+                  </a:tcPr>
+                </a:tc>
+              </a:tr>
+              <a:tr h="196822">
+                <a:tc>
+                  <a:txBody>
+                    <a:bodyPr/>
+                    <a:lstStyle/>
+                    <a:p>
+                      <a:pPr algn="l" fontAlgn="b"/>
+                      <a:r>
+                        <a:rPr lang="en-US" sz="1200" b="0" i="0" u="none" strike="noStrike">
+                          <a:solidFill>
+                            <a:srgbClr val="000000"/>
+                          </a:solidFill>
+                          <a:effectLst/>
+                          <a:latin typeface="Calibri"/>
+                        </a:rPr>
+                        <a:t>SIFT</a:t>
+                      </a:r>
+                    </a:p>
+                  </a:txBody>
+                  <a:tcPr marL="12700" marR="12700" marT="12700" marB="0" anchor="b">
+                    <a:lnL>
+                      <a:noFill/>
+                    </a:lnL>
+                    <a:lnR w="6350" cap="flat" cmpd="sng" algn="ctr">
+                      <a:solidFill>
+                        <a:srgbClr val="FFFFFF"/>
+                      </a:solidFill>
+                      <a:prstDash val="solid"/>
+                      <a:round/>
+                      <a:headEnd type="none" w="med" len="med"/>
+                      <a:tailEnd type="none" w="med" len="med"/>
+                    </a:lnR>
+                    <a:lnT w="6350" cap="flat" cmpd="sng" algn="ctr">
+                      <a:solidFill>
+                        <a:srgbClr val="FFFFFF"/>
+                      </a:solidFill>
+                      <a:prstDash val="solid"/>
+                      <a:round/>
+                      <a:headEnd type="none" w="med" len="med"/>
+                      <a:tailEnd type="none" w="med" len="med"/>
+                    </a:lnT>
+                    <a:lnB w="6350" cap="flat" cmpd="sng" algn="ctr">
+                      <a:solidFill>
+                        <a:srgbClr val="FFFFFF"/>
+                      </a:solidFill>
+                      <a:prstDash val="solid"/>
+                      <a:round/>
+                      <a:headEnd type="none" w="med" len="med"/>
+                      <a:tailEnd type="none" w="med" len="med"/>
+                    </a:lnB>
+                    <a:solidFill>
+                      <a:srgbClr val="FFFF00"/>
+                    </a:solidFill>
+                  </a:tcPr>
+                </a:tc>
+                <a:tc>
+                  <a:txBody>
+                    <a:bodyPr/>
+                    <a:lstStyle/>
+                    <a:p>
+                      <a:pPr algn="l" fontAlgn="b"/>
+                      <a:r>
+                        <a:rPr lang="en-US" sz="1200" b="0" i="0" u="none" strike="noStrike">
+                          <a:solidFill>
+                            <a:srgbClr val="000000"/>
+                          </a:solidFill>
+                          <a:effectLst/>
+                          <a:latin typeface="Calibri"/>
+                        </a:rPr>
+                        <a:t>GBM (depth = 1, trees = 2000)</a:t>
+                      </a:r>
+                    </a:p>
+                  </a:txBody>
+                  <a:tcPr marL="12700" marR="12700" marT="12700" marB="0" anchor="b">
+                    <a:lnL w="6350" cap="flat" cmpd="sng" algn="ctr">
+                      <a:solidFill>
+                        <a:srgbClr val="FFFFFF"/>
+                      </a:solidFill>
+                      <a:prstDash val="solid"/>
+                      <a:round/>
+                      <a:headEnd type="none" w="med" len="med"/>
+                      <a:tailEnd type="none" w="med" len="med"/>
+                    </a:lnL>
+                    <a:lnR w="6350" cap="flat" cmpd="sng" algn="ctr">
+                      <a:solidFill>
+                        <a:srgbClr val="FFFFFF"/>
+                      </a:solidFill>
+                      <a:prstDash val="solid"/>
+                      <a:round/>
+                      <a:headEnd type="none" w="med" len="med"/>
+                      <a:tailEnd type="none" w="med" len="med"/>
+                    </a:lnR>
+                    <a:lnT w="6350" cap="flat" cmpd="sng" algn="ctr">
+                      <a:solidFill>
+                        <a:srgbClr val="FFFFFF"/>
+                      </a:solidFill>
+                      <a:prstDash val="solid"/>
+                      <a:round/>
+                      <a:headEnd type="none" w="med" len="med"/>
+                      <a:tailEnd type="none" w="med" len="med"/>
+                    </a:lnT>
+                    <a:lnB w="6350" cap="flat" cmpd="sng" algn="ctr">
+                      <a:solidFill>
+                        <a:srgbClr val="FFFFFF"/>
+                      </a:solidFill>
+                      <a:prstDash val="solid"/>
+                      <a:round/>
+                      <a:headEnd type="none" w="med" len="med"/>
+                      <a:tailEnd type="none" w="med" len="med"/>
+                    </a:lnB>
+                    <a:solidFill>
+                      <a:srgbClr val="FFFF00"/>
+                    </a:solidFill>
+                  </a:tcPr>
+                </a:tc>
+                <a:tc>
+                  <a:txBody>
+                    <a:bodyPr/>
+                    <a:lstStyle/>
+                    <a:p>
+                      <a:pPr algn="r" fontAlgn="b"/>
+                      <a:r>
+                        <a:rPr lang="hr-HR" sz="1200" b="0" i="0" u="none" strike="noStrike">
+                          <a:solidFill>
+                            <a:srgbClr val="000000"/>
+                          </a:solidFill>
+                          <a:effectLst/>
+                          <a:latin typeface="Calibri"/>
+                        </a:rPr>
+                        <a:t>66.25%</a:t>
+                      </a:r>
+                    </a:p>
+                  </a:txBody>
+                  <a:tcPr marL="12700" marR="12700" marT="12700" marB="0" anchor="b">
+                    <a:lnL w="6350" cap="flat" cmpd="sng" algn="ctr">
+                      <a:solidFill>
+                        <a:srgbClr val="FFFFFF"/>
+                      </a:solidFill>
+                      <a:prstDash val="solid"/>
+                      <a:round/>
+                      <a:headEnd type="none" w="med" len="med"/>
+                      <a:tailEnd type="none" w="med" len="med"/>
+                    </a:lnL>
+                    <a:lnR w="6350" cap="flat" cmpd="sng" algn="ctr">
+                      <a:solidFill>
+                        <a:srgbClr val="FFFFFF"/>
+                      </a:solidFill>
+                      <a:prstDash val="solid"/>
+                      <a:round/>
+                      <a:headEnd type="none" w="med" len="med"/>
+                      <a:tailEnd type="none" w="med" len="med"/>
+                    </a:lnR>
+                    <a:lnT w="6350" cap="flat" cmpd="sng" algn="ctr">
+                      <a:solidFill>
+                        <a:srgbClr val="FFFFFF"/>
+                      </a:solidFill>
+                      <a:prstDash val="solid"/>
+                      <a:round/>
+                      <a:headEnd type="none" w="med" len="med"/>
+                      <a:tailEnd type="none" w="med" len="med"/>
+                    </a:lnT>
+                    <a:lnB w="6350" cap="flat" cmpd="sng" algn="ctr">
+                      <a:solidFill>
+                        <a:srgbClr val="FFFFFF"/>
+                      </a:solidFill>
+                      <a:prstDash val="solid"/>
+                      <a:round/>
+                      <a:headEnd type="none" w="med" len="med"/>
+                      <a:tailEnd type="none" w="med" len="med"/>
+                    </a:lnB>
+                    <a:solidFill>
+                      <a:srgbClr val="FFFF00"/>
+                    </a:solidFill>
+                  </a:tcPr>
+                </a:tc>
+                <a:tc>
+                  <a:txBody>
+                    <a:bodyPr/>
+                    <a:lstStyle/>
+                    <a:p>
+                      <a:pPr algn="r" fontAlgn="b"/>
+                      <a:r>
+                        <a:rPr lang="cs-CZ" sz="1200" b="0" i="0" u="none" strike="noStrike">
+                          <a:solidFill>
+                            <a:srgbClr val="000000"/>
+                          </a:solidFill>
+                          <a:effectLst/>
+                          <a:latin typeface="Calibri"/>
+                        </a:rPr>
+                        <a:t>1117</a:t>
+                      </a:r>
+                    </a:p>
+                  </a:txBody>
+                  <a:tcPr marL="12700" marR="12700" marT="12700" marB="0" anchor="b">
+                    <a:lnL w="6350" cap="flat" cmpd="sng" algn="ctr">
+                      <a:solidFill>
+                        <a:srgbClr val="FFFFFF"/>
+                      </a:solidFill>
+                      <a:prstDash val="solid"/>
+                      <a:round/>
+                      <a:headEnd type="none" w="med" len="med"/>
+                      <a:tailEnd type="none" w="med" len="med"/>
+                    </a:lnL>
+                    <a:lnR w="6350" cap="flat" cmpd="sng" algn="ctr">
+                      <a:solidFill>
+                        <a:srgbClr val="FFFFFF"/>
+                      </a:solidFill>
+                      <a:prstDash val="solid"/>
+                      <a:round/>
+                      <a:headEnd type="none" w="med" len="med"/>
+                      <a:tailEnd type="none" w="med" len="med"/>
+                    </a:lnR>
+                    <a:lnT w="6350" cap="flat" cmpd="sng" algn="ctr">
+                      <a:solidFill>
+                        <a:srgbClr val="FFFFFF"/>
+                      </a:solidFill>
+                      <a:prstDash val="solid"/>
+                      <a:round/>
+                      <a:headEnd type="none" w="med" len="med"/>
+                      <a:tailEnd type="none" w="med" len="med"/>
+                    </a:lnT>
+                    <a:lnB w="6350" cap="flat" cmpd="sng" algn="ctr">
+                      <a:solidFill>
+                        <a:srgbClr val="FFFFFF"/>
+                      </a:solidFill>
+                      <a:prstDash val="solid"/>
+                      <a:round/>
+                      <a:headEnd type="none" w="med" len="med"/>
+                      <a:tailEnd type="none" w="med" len="med"/>
+                    </a:lnB>
+                    <a:solidFill>
+                      <a:srgbClr val="FFFF00"/>
+                    </a:solidFill>
+                  </a:tcPr>
+                </a:tc>
+                <a:tc>
+                  <a:txBody>
+                    <a:bodyPr/>
+                    <a:lstStyle/>
+                    <a:p>
+                      <a:pPr algn="r" fontAlgn="b"/>
+                      <a:r>
+                        <a:rPr lang="is-IS" sz="1200" b="0" i="0" u="none" strike="noStrike">
+                          <a:solidFill>
+                            <a:srgbClr val="000000"/>
+                          </a:solidFill>
+                          <a:effectLst/>
+                          <a:latin typeface="Calibri"/>
+                        </a:rPr>
+                        <a:t>0.000593107</a:t>
+                      </a:r>
+                    </a:p>
+                  </a:txBody>
+                  <a:tcPr marL="12700" marR="12700" marT="12700" marB="0" anchor="b">
+                    <a:lnL w="6350" cap="flat" cmpd="sng" algn="ctr">
+                      <a:solidFill>
+                        <a:srgbClr val="FFFFFF"/>
+                      </a:solidFill>
+                      <a:prstDash val="solid"/>
+                      <a:round/>
+                      <a:headEnd type="none" w="med" len="med"/>
+                      <a:tailEnd type="none" w="med" len="med"/>
+                    </a:lnL>
+                    <a:lnR>
+                      <a:noFill/>
+                    </a:lnR>
+                    <a:lnT w="6350" cap="flat" cmpd="sng" algn="ctr">
+                      <a:solidFill>
+                        <a:srgbClr val="FFFFFF"/>
+                      </a:solidFill>
+                      <a:prstDash val="solid"/>
+                      <a:round/>
+                      <a:headEnd type="none" w="med" len="med"/>
+                      <a:tailEnd type="none" w="med" len="med"/>
+                    </a:lnT>
+                    <a:lnB w="6350" cap="flat" cmpd="sng" algn="ctr">
+                      <a:solidFill>
+                        <a:srgbClr val="FFFFFF"/>
+                      </a:solidFill>
+                      <a:prstDash val="solid"/>
+                      <a:round/>
+                      <a:headEnd type="none" w="med" len="med"/>
+                      <a:tailEnd type="none" w="med" len="med"/>
+                    </a:lnB>
+                    <a:solidFill>
+                      <a:srgbClr val="FFFF00"/>
+                    </a:solidFill>
+                  </a:tcPr>
+                </a:tc>
+              </a:tr>
+              <a:tr h="189441">
+                <a:tc>
+                  <a:txBody>
+                    <a:bodyPr/>
+                    <a:lstStyle/>
+                    <a:p>
+                      <a:pPr algn="l" fontAlgn="b"/>
+                      <a:r>
+                        <a:rPr lang="en-US" sz="1200" b="0" i="0" u="none" strike="noStrike">
+                          <a:solidFill>
+                            <a:srgbClr val="000000"/>
+                          </a:solidFill>
+                          <a:effectLst/>
+                          <a:latin typeface="Calibri"/>
+                        </a:rPr>
+                        <a:t>SIFT</a:t>
+                      </a:r>
+                    </a:p>
+                  </a:txBody>
+                  <a:tcPr marL="12700" marR="12700" marT="12700" marB="0" anchor="b">
+                    <a:lnL>
+                      <a:noFill/>
+                    </a:lnL>
+                    <a:lnR w="6350" cap="flat" cmpd="sng" algn="ctr">
+                      <a:solidFill>
+                        <a:srgbClr val="FFFFFF"/>
+                      </a:solidFill>
+                      <a:prstDash val="solid"/>
+                      <a:round/>
+                      <a:headEnd type="none" w="med" len="med"/>
+                      <a:tailEnd type="none" w="med" len="med"/>
+                    </a:lnR>
+                    <a:lnT w="6350" cap="flat" cmpd="sng" algn="ctr">
+                      <a:solidFill>
+                        <a:srgbClr val="FFFFFF"/>
+                      </a:solidFill>
+                      <a:prstDash val="solid"/>
+                      <a:round/>
+                      <a:headEnd type="none" w="med" len="med"/>
+                      <a:tailEnd type="none" w="med" len="med"/>
+                    </a:lnT>
+                    <a:lnB w="6350" cap="flat" cmpd="sng" algn="ctr">
+                      <a:solidFill>
+                        <a:srgbClr val="FFFFFF"/>
+                      </a:solidFill>
+                      <a:prstDash val="solid"/>
+                      <a:round/>
+                      <a:headEnd type="none" w="med" len="med"/>
+                      <a:tailEnd type="none" w="med" len="med"/>
+                    </a:lnB>
+                    <a:solidFill>
+                      <a:srgbClr val="DCE6F1"/>
+                    </a:solidFill>
+                  </a:tcPr>
+                </a:tc>
+                <a:tc>
+                  <a:txBody>
+                    <a:bodyPr/>
+                    <a:lstStyle/>
+                    <a:p>
+                      <a:pPr algn="l" fontAlgn="b"/>
+                      <a:r>
+                        <a:rPr lang="en-US" sz="1200" b="0" i="0" u="none" strike="noStrike">
+                          <a:solidFill>
+                            <a:srgbClr val="000000"/>
+                          </a:solidFill>
+                          <a:effectLst/>
+                          <a:latin typeface="Calibri"/>
+                        </a:rPr>
+                        <a:t>GBM (depth =3, trees = 2000)</a:t>
+                      </a:r>
+                    </a:p>
+                  </a:txBody>
+                  <a:tcPr marL="12700" marR="12700" marT="12700" marB="0" anchor="b">
+                    <a:lnL w="6350" cap="flat" cmpd="sng" algn="ctr">
+                      <a:solidFill>
+                        <a:srgbClr val="FFFFFF"/>
+                      </a:solidFill>
+                      <a:prstDash val="solid"/>
+                      <a:round/>
+                      <a:headEnd type="none" w="med" len="med"/>
+                      <a:tailEnd type="none" w="med" len="med"/>
+                    </a:lnL>
+                    <a:lnR w="6350" cap="flat" cmpd="sng" algn="ctr">
+                      <a:solidFill>
+                        <a:srgbClr val="FFFFFF"/>
+                      </a:solidFill>
+                      <a:prstDash val="solid"/>
+                      <a:round/>
+                      <a:headEnd type="none" w="med" len="med"/>
+                      <a:tailEnd type="none" w="med" len="med"/>
+                    </a:lnR>
+                    <a:lnT w="6350" cap="flat" cmpd="sng" algn="ctr">
+                      <a:solidFill>
+                        <a:srgbClr val="FFFFFF"/>
+                      </a:solidFill>
+                      <a:prstDash val="solid"/>
+                      <a:round/>
+                      <a:headEnd type="none" w="med" len="med"/>
+                      <a:tailEnd type="none" w="med" len="med"/>
+                    </a:lnT>
+                    <a:lnB w="6350" cap="flat" cmpd="sng" algn="ctr">
+                      <a:solidFill>
+                        <a:srgbClr val="FFFFFF"/>
+                      </a:solidFill>
+                      <a:prstDash val="solid"/>
+                      <a:round/>
+                      <a:headEnd type="none" w="med" len="med"/>
+                      <a:tailEnd type="none" w="med" len="med"/>
+                    </a:lnB>
+                    <a:solidFill>
+                      <a:srgbClr val="DCE6F1"/>
+                    </a:solidFill>
+                  </a:tcPr>
+                </a:tc>
+                <a:tc>
+                  <a:txBody>
+                    <a:bodyPr/>
+                    <a:lstStyle/>
+                    <a:p>
+                      <a:pPr algn="r" fontAlgn="b"/>
+                      <a:r>
+                        <a:rPr lang="is-IS" sz="1200" b="0" i="0" u="none" strike="noStrike">
+                          <a:solidFill>
+                            <a:srgbClr val="000000"/>
+                          </a:solidFill>
+                          <a:effectLst/>
+                          <a:latin typeface="Calibri"/>
+                        </a:rPr>
+                        <a:t>67%</a:t>
+                      </a:r>
+                    </a:p>
+                  </a:txBody>
+                  <a:tcPr marL="12700" marR="12700" marT="12700" marB="0" anchor="b">
+                    <a:lnL w="6350" cap="flat" cmpd="sng" algn="ctr">
+                      <a:solidFill>
+                        <a:srgbClr val="FFFFFF"/>
+                      </a:solidFill>
+                      <a:prstDash val="solid"/>
+                      <a:round/>
+                      <a:headEnd type="none" w="med" len="med"/>
+                      <a:tailEnd type="none" w="med" len="med"/>
+                    </a:lnL>
+                    <a:lnR w="6350" cap="flat" cmpd="sng" algn="ctr">
+                      <a:solidFill>
+                        <a:srgbClr val="FFFFFF"/>
+                      </a:solidFill>
+                      <a:prstDash val="solid"/>
+                      <a:round/>
+                      <a:headEnd type="none" w="med" len="med"/>
+                      <a:tailEnd type="none" w="med" len="med"/>
+                    </a:lnR>
+                    <a:lnT w="6350" cap="flat" cmpd="sng" algn="ctr">
+                      <a:solidFill>
+                        <a:srgbClr val="FFFFFF"/>
+                      </a:solidFill>
+                      <a:prstDash val="solid"/>
+                      <a:round/>
+                      <a:headEnd type="none" w="med" len="med"/>
+                      <a:tailEnd type="none" w="med" len="med"/>
+                    </a:lnT>
+                    <a:lnB w="6350" cap="flat" cmpd="sng" algn="ctr">
+                      <a:solidFill>
+                        <a:srgbClr val="FFFFFF"/>
+                      </a:solidFill>
+                      <a:prstDash val="solid"/>
+                      <a:round/>
+                      <a:headEnd type="none" w="med" len="med"/>
+                      <a:tailEnd type="none" w="med" len="med"/>
+                    </a:lnB>
+                    <a:solidFill>
+                      <a:srgbClr val="DCE6F1"/>
+                    </a:solidFill>
+                  </a:tcPr>
+                </a:tc>
+                <a:tc>
+                  <a:txBody>
+                    <a:bodyPr/>
+                    <a:lstStyle/>
+                    <a:p>
+                      <a:pPr algn="r" fontAlgn="b"/>
+                      <a:r>
+                        <a:rPr lang="is-IS" sz="1200" b="0" i="0" u="none" strike="noStrike">
+                          <a:solidFill>
+                            <a:srgbClr val="000000"/>
+                          </a:solidFill>
+                          <a:effectLst/>
+                          <a:latin typeface="Calibri"/>
+                        </a:rPr>
+                        <a:t>1452</a:t>
+                      </a:r>
+                    </a:p>
+                  </a:txBody>
+                  <a:tcPr marL="12700" marR="12700" marT="12700" marB="0" anchor="b">
+                    <a:lnL w="6350" cap="flat" cmpd="sng" algn="ctr">
+                      <a:solidFill>
+                        <a:srgbClr val="FFFFFF"/>
+                      </a:solidFill>
+                      <a:prstDash val="solid"/>
+                      <a:round/>
+                      <a:headEnd type="none" w="med" len="med"/>
+                      <a:tailEnd type="none" w="med" len="med"/>
+                    </a:lnL>
+                    <a:lnR w="6350" cap="flat" cmpd="sng" algn="ctr">
+                      <a:solidFill>
+                        <a:srgbClr val="FFFFFF"/>
+                      </a:solidFill>
+                      <a:prstDash val="solid"/>
+                      <a:round/>
+                      <a:headEnd type="none" w="med" len="med"/>
+                      <a:tailEnd type="none" w="med" len="med"/>
+                    </a:lnR>
+                    <a:lnT w="6350" cap="flat" cmpd="sng" algn="ctr">
+                      <a:solidFill>
+                        <a:srgbClr val="FFFFFF"/>
+                      </a:solidFill>
+                      <a:prstDash val="solid"/>
+                      <a:round/>
+                      <a:headEnd type="none" w="med" len="med"/>
+                      <a:tailEnd type="none" w="med" len="med"/>
+                    </a:lnT>
+                    <a:lnB w="6350" cap="flat" cmpd="sng" algn="ctr">
+                      <a:solidFill>
+                        <a:srgbClr val="FFFFFF"/>
+                      </a:solidFill>
+                      <a:prstDash val="solid"/>
+                      <a:round/>
+                      <a:headEnd type="none" w="med" len="med"/>
+                      <a:tailEnd type="none" w="med" len="med"/>
+                    </a:lnB>
+                    <a:solidFill>
+                      <a:srgbClr val="DCE6F1"/>
+                    </a:solidFill>
+                  </a:tcPr>
+                </a:tc>
+                <a:tc>
+                  <a:txBody>
+                    <a:bodyPr/>
+                    <a:lstStyle/>
+                    <a:p>
+                      <a:pPr algn="r" fontAlgn="b"/>
+                      <a:r>
+                        <a:rPr lang="is-IS" sz="1200" b="0" i="0" u="none" strike="noStrike" dirty="0">
+                          <a:solidFill>
+                            <a:srgbClr val="000000"/>
+                          </a:solidFill>
+                          <a:effectLst/>
+                          <a:latin typeface="Calibri"/>
+                        </a:rPr>
+                        <a:t>0.000461401</a:t>
+                      </a:r>
+                    </a:p>
+                  </a:txBody>
+                  <a:tcPr marL="12700" marR="12700" marT="12700" marB="0" anchor="b">
+                    <a:lnL w="6350" cap="flat" cmpd="sng" algn="ctr">
+                      <a:solidFill>
+                        <a:srgbClr val="FFFFFF"/>
+                      </a:solidFill>
+                      <a:prstDash val="solid"/>
+                      <a:round/>
+                      <a:headEnd type="none" w="med" len="med"/>
+                      <a:tailEnd type="none" w="med" len="med"/>
+                    </a:lnL>
+                    <a:lnR>
+                      <a:noFill/>
+                    </a:lnR>
+                    <a:lnT w="6350" cap="flat" cmpd="sng" algn="ctr">
+                      <a:solidFill>
+                        <a:srgbClr val="FFFFFF"/>
+                      </a:solidFill>
+                      <a:prstDash val="solid"/>
+                      <a:round/>
+                      <a:headEnd type="none" w="med" len="med"/>
+                      <a:tailEnd type="none" w="med" len="med"/>
+                    </a:lnT>
+                    <a:lnB w="6350" cap="flat" cmpd="sng" algn="ctr">
+                      <a:solidFill>
+                        <a:srgbClr val="FFFFFF"/>
+                      </a:solidFill>
+                      <a:prstDash val="solid"/>
+                      <a:round/>
+                      <a:headEnd type="none" w="med" len="med"/>
+                      <a:tailEnd type="none" w="med" len="med"/>
+                    </a:lnB>
+                    <a:solidFill>
+                      <a:srgbClr val="DCE6F1"/>
+                    </a:solidFill>
+                  </a:tcPr>
+                </a:tc>
+              </a:tr>
+              <a:tr h="189441">
+                <a:tc>
+                  <a:txBody>
+                    <a:bodyPr/>
+                    <a:lstStyle/>
+                    <a:p>
+                      <a:pPr algn="l" fontAlgn="b"/>
+                      <a:r>
+                        <a:rPr lang="en-US" sz="1200" b="0" i="0" u="none" strike="noStrike">
+                          <a:solidFill>
+                            <a:srgbClr val="000000"/>
+                          </a:solidFill>
+                          <a:effectLst/>
+                          <a:latin typeface="Calibri"/>
+                        </a:rPr>
+                        <a:t>SIFT</a:t>
+                      </a:r>
+                    </a:p>
+                  </a:txBody>
+                  <a:tcPr marL="12301" marR="12301" marT="12301" marB="0" anchor="b">
+                    <a:lnL>
+                      <a:noFill/>
+                    </a:lnL>
+                    <a:lnR w="6350" cap="flat" cmpd="sng" algn="ctr">
+                      <a:solidFill>
+                        <a:srgbClr val="FFFFFF"/>
+                      </a:solidFill>
+                      <a:prstDash val="solid"/>
+                      <a:round/>
+                      <a:headEnd type="none" w="med" len="med"/>
+                      <a:tailEnd type="none" w="med" len="med"/>
+                    </a:lnR>
+                    <a:lnT w="6350" cap="flat" cmpd="sng" algn="ctr">
+                      <a:solidFill>
+                        <a:srgbClr val="FFFFFF"/>
+                      </a:solidFill>
+                      <a:prstDash val="solid"/>
+                      <a:round/>
+                      <a:headEnd type="none" w="med" len="med"/>
+                      <a:tailEnd type="none" w="med" len="med"/>
+                    </a:lnT>
+                    <a:lnB w="6350" cap="flat" cmpd="sng" algn="ctr">
+                      <a:solidFill>
+                        <a:srgbClr val="FFFFFF"/>
+                      </a:solidFill>
+                      <a:prstDash val="solid"/>
+                      <a:round/>
+                      <a:headEnd type="none" w="med" len="med"/>
+                      <a:tailEnd type="none" w="med" len="med"/>
+                    </a:lnB>
+                    <a:solidFill>
+                      <a:srgbClr val="B8CCE4"/>
+                    </a:solidFill>
+                  </a:tcPr>
+                </a:tc>
+                <a:tc>
+                  <a:txBody>
+                    <a:bodyPr/>
+                    <a:lstStyle/>
+                    <a:p>
+                      <a:pPr algn="l" fontAlgn="b"/>
+                      <a:r>
+                        <a:rPr lang="en-US" sz="1200" b="0" i="0" u="none" strike="noStrike" dirty="0">
+                          <a:solidFill>
+                            <a:srgbClr val="000000"/>
+                          </a:solidFill>
+                          <a:effectLst/>
+                          <a:latin typeface="Calibri"/>
+                        </a:rPr>
+                        <a:t>GBM (depth = 5, trees = 1955)</a:t>
+                      </a:r>
+                    </a:p>
+                  </a:txBody>
+                  <a:tcPr marL="12301" marR="12301" marT="12301" marB="0" anchor="b">
+                    <a:lnL w="6350" cap="flat" cmpd="sng" algn="ctr">
+                      <a:solidFill>
+                        <a:srgbClr val="FFFFFF"/>
+                      </a:solidFill>
+                      <a:prstDash val="solid"/>
+                      <a:round/>
+                      <a:headEnd type="none" w="med" len="med"/>
+                      <a:tailEnd type="none" w="med" len="med"/>
+                    </a:lnL>
+                    <a:lnR w="6350" cap="flat" cmpd="sng" algn="ctr">
+                      <a:solidFill>
+                        <a:srgbClr val="FFFFFF"/>
+                      </a:solidFill>
+                      <a:prstDash val="solid"/>
+                      <a:round/>
+                      <a:headEnd type="none" w="med" len="med"/>
+                      <a:tailEnd type="none" w="med" len="med"/>
+                    </a:lnR>
+                    <a:lnT w="6350" cap="flat" cmpd="sng" algn="ctr">
+                      <a:solidFill>
+                        <a:srgbClr val="FFFFFF"/>
+                      </a:solidFill>
+                      <a:prstDash val="solid"/>
+                      <a:round/>
+                      <a:headEnd type="none" w="med" len="med"/>
+                      <a:tailEnd type="none" w="med" len="med"/>
+                    </a:lnT>
+                    <a:lnB w="6350" cap="flat" cmpd="sng" algn="ctr">
+                      <a:solidFill>
+                        <a:srgbClr val="FFFFFF"/>
+                      </a:solidFill>
+                      <a:prstDash val="solid"/>
+                      <a:round/>
+                      <a:headEnd type="none" w="med" len="med"/>
+                      <a:tailEnd type="none" w="med" len="med"/>
+                    </a:lnB>
+                    <a:solidFill>
+                      <a:srgbClr val="B8CCE4"/>
+                    </a:solidFill>
+                  </a:tcPr>
+                </a:tc>
+                <a:tc>
+                  <a:txBody>
+                    <a:bodyPr/>
+                    <a:lstStyle/>
+                    <a:p>
+                      <a:pPr algn="r" fontAlgn="b"/>
+                      <a:r>
+                        <a:rPr lang="pt-BR" sz="1200" b="0" i="0" u="none" strike="noStrike">
+                          <a:solidFill>
+                            <a:srgbClr val="000000"/>
+                          </a:solidFill>
+                          <a:effectLst/>
+                          <a:latin typeface="Calibri"/>
+                        </a:rPr>
+                        <a:t>69%</a:t>
+                      </a:r>
+                    </a:p>
+                  </a:txBody>
+                  <a:tcPr marL="12301" marR="12301" marT="12301" marB="0" anchor="b">
+                    <a:lnL w="6350" cap="flat" cmpd="sng" algn="ctr">
+                      <a:solidFill>
+                        <a:srgbClr val="FFFFFF"/>
+                      </a:solidFill>
+                      <a:prstDash val="solid"/>
+                      <a:round/>
+                      <a:headEnd type="none" w="med" len="med"/>
+                      <a:tailEnd type="none" w="med" len="med"/>
+                    </a:lnL>
+                    <a:lnR w="6350" cap="flat" cmpd="sng" algn="ctr">
+                      <a:solidFill>
+                        <a:srgbClr val="FFFFFF"/>
+                      </a:solidFill>
+                      <a:prstDash val="solid"/>
+                      <a:round/>
+                      <a:headEnd type="none" w="med" len="med"/>
+                      <a:tailEnd type="none" w="med" len="med"/>
+                    </a:lnR>
+                    <a:lnT w="6350" cap="flat" cmpd="sng" algn="ctr">
+                      <a:solidFill>
+                        <a:srgbClr val="FFFFFF"/>
+                      </a:solidFill>
+                      <a:prstDash val="solid"/>
+                      <a:round/>
+                      <a:headEnd type="none" w="med" len="med"/>
+                      <a:tailEnd type="none" w="med" len="med"/>
+                    </a:lnT>
+                    <a:lnB w="6350" cap="flat" cmpd="sng" algn="ctr">
+                      <a:solidFill>
+                        <a:srgbClr val="FFFFFF"/>
+                      </a:solidFill>
+                      <a:prstDash val="solid"/>
+                      <a:round/>
+                      <a:headEnd type="none" w="med" len="med"/>
+                      <a:tailEnd type="none" w="med" len="med"/>
+                    </a:lnB>
+                    <a:solidFill>
+                      <a:srgbClr val="B8CCE4"/>
+                    </a:solidFill>
+                  </a:tcPr>
+                </a:tc>
+                <a:tc>
+                  <a:txBody>
+                    <a:bodyPr/>
+                    <a:lstStyle/>
+                    <a:p>
+                      <a:pPr algn="r" fontAlgn="b"/>
+                      <a:r>
+                        <a:rPr lang="fi-FI" sz="1200" b="0" i="0" u="none" strike="noStrike" dirty="0">
+                          <a:solidFill>
+                            <a:srgbClr val="000000"/>
+                          </a:solidFill>
+                          <a:effectLst/>
+                          <a:latin typeface="Calibri"/>
+                        </a:rPr>
+                        <a:t>1860</a:t>
+                      </a:r>
+                    </a:p>
+                  </a:txBody>
+                  <a:tcPr marL="12301" marR="12301" marT="12301" marB="0" anchor="b">
+                    <a:lnL w="6350" cap="flat" cmpd="sng" algn="ctr">
+                      <a:solidFill>
+                        <a:srgbClr val="FFFFFF"/>
+                      </a:solidFill>
+                      <a:prstDash val="solid"/>
+                      <a:round/>
+                      <a:headEnd type="none" w="med" len="med"/>
+                      <a:tailEnd type="none" w="med" len="med"/>
+                    </a:lnL>
+                    <a:lnR w="6350" cap="flat" cmpd="sng" algn="ctr">
+                      <a:solidFill>
+                        <a:srgbClr val="FFFFFF"/>
+                      </a:solidFill>
+                      <a:prstDash val="solid"/>
+                      <a:round/>
+                      <a:headEnd type="none" w="med" len="med"/>
+                      <a:tailEnd type="none" w="med" len="med"/>
+                    </a:lnR>
+                    <a:lnT w="6350" cap="flat" cmpd="sng" algn="ctr">
+                      <a:solidFill>
+                        <a:srgbClr val="FFFFFF"/>
+                      </a:solidFill>
+                      <a:prstDash val="solid"/>
+                      <a:round/>
+                      <a:headEnd type="none" w="med" len="med"/>
+                      <a:tailEnd type="none" w="med" len="med"/>
+                    </a:lnT>
+                    <a:lnB w="6350" cap="flat" cmpd="sng" algn="ctr">
+                      <a:solidFill>
+                        <a:srgbClr val="FFFFFF"/>
+                      </a:solidFill>
+                      <a:prstDash val="solid"/>
+                      <a:round/>
+                      <a:headEnd type="none" w="med" len="med"/>
+                      <a:tailEnd type="none" w="med" len="med"/>
+                    </a:lnB>
+                    <a:solidFill>
+                      <a:srgbClr val="B8CCE4"/>
+                    </a:solidFill>
+                  </a:tcPr>
+                </a:tc>
+                <a:tc>
+                  <a:txBody>
+                    <a:bodyPr/>
+                    <a:lstStyle/>
+                    <a:p>
+                      <a:pPr algn="r" fontAlgn="b"/>
+                      <a:r>
+                        <a:rPr lang="is-IS" sz="1200" b="0" i="0" u="none" strike="noStrike" dirty="0">
+                          <a:solidFill>
+                            <a:srgbClr val="000000"/>
+                          </a:solidFill>
+                          <a:effectLst/>
+                          <a:latin typeface="Calibri"/>
+                        </a:rPr>
+                        <a:t>0.000370968</a:t>
+                      </a:r>
+                    </a:p>
+                  </a:txBody>
+                  <a:tcPr marL="12301" marR="12301" marT="12301" marB="0" anchor="b">
+                    <a:lnL w="6350" cap="flat" cmpd="sng" algn="ctr">
+                      <a:solidFill>
+                        <a:srgbClr val="FFFFFF"/>
+                      </a:solidFill>
+                      <a:prstDash val="solid"/>
+                      <a:round/>
+                      <a:headEnd type="none" w="med" len="med"/>
+                      <a:tailEnd type="none" w="med" len="med"/>
+                    </a:lnL>
+                    <a:lnR>
+                      <a:noFill/>
+                    </a:lnR>
+                    <a:lnT w="6350" cap="flat" cmpd="sng" algn="ctr">
+                      <a:solidFill>
+                        <a:srgbClr val="FFFFFF"/>
+                      </a:solidFill>
+                      <a:prstDash val="solid"/>
+                      <a:round/>
+                      <a:headEnd type="none" w="med" len="med"/>
+                      <a:tailEnd type="none" w="med" len="med"/>
+                    </a:lnT>
+                    <a:lnB w="6350" cap="flat" cmpd="sng" algn="ctr">
+                      <a:solidFill>
+                        <a:srgbClr val="FFFFFF"/>
+                      </a:solidFill>
+                      <a:prstDash val="solid"/>
+                      <a:round/>
+                      <a:headEnd type="none" w="med" len="med"/>
+                      <a:tailEnd type="none" w="med" len="med"/>
+                    </a:lnB>
+                    <a:solidFill>
+                      <a:srgbClr val="B8CCE4"/>
+                    </a:solidFill>
+                  </a:tcPr>
+                </a:tc>
+              </a:tr>
+            </a:tbl>
+          </a:graphicData>
+        </a:graphic>
+      </p:graphicFrame>
+      <p:graphicFrame>
+        <p:nvGraphicFramePr>
+          <p:cNvPr id="14" name="Table 13"/>
+          <p:cNvGraphicFramePr>
+            <a:graphicFrameLocks noGrp="1"/>
+          </p:cNvGraphicFramePr>
+          <p:nvPr>
+            <p:extLst>
+              <p:ext uri="{D42A27DB-BD31-4B8C-83A1-F6EECF244321}">
+                <p14:modId xmlns:p14="http://schemas.microsoft.com/office/powerpoint/2010/main" val="965668630"/>
+              </p:ext>
+            </p:extLst>
+          </p:nvPr>
+        </p:nvGraphicFramePr>
+        <p:xfrm>
+          <a:off x="457200" y="3888803"/>
+          <a:ext cx="8229601" cy="781921"/>
         </p:xfrm>
         <a:graphic>
           <a:graphicData uri="http://schemas.openxmlformats.org/drawingml/2006/table">
@@ -3917,2346 +5963,6 @@
                     <a:p>
                       <a:pPr algn="l" fontAlgn="b"/>
                       <a:r>
-                        <a:rPr lang="en-US" sz="1200" b="1" i="0" u="sng" strike="noStrike" dirty="0" smtClean="0">
-                          <a:solidFill>
-                            <a:srgbClr val="FFFFFF"/>
-                          </a:solidFill>
-                          <a:effectLst/>
-                          <a:latin typeface="Calibri"/>
-                        </a:rPr>
-                        <a:t>Accuracy </a:t>
-                      </a:r>
-                      <a:r>
-                        <a:rPr lang="en-US" sz="1200" b="1" i="0" u="sng" strike="noStrike" dirty="0">
-                          <a:solidFill>
-                            <a:srgbClr val="FFFFFF"/>
-                          </a:solidFill>
-                          <a:effectLst/>
-                          <a:latin typeface="Calibri"/>
-                        </a:rPr>
-                        <a:t>(CV = 5-fold)</a:t>
-                      </a:r>
-                    </a:p>
-                  </a:txBody>
-                  <a:tcPr marL="12301" marR="12301" marT="12301" marB="0" anchor="b">
-                    <a:lnL w="6350" cap="flat" cmpd="sng" algn="ctr">
-                      <a:solidFill>
-                        <a:srgbClr val="FFFFFF"/>
-                      </a:solidFill>
-                      <a:prstDash val="solid"/>
-                      <a:round/>
-                      <a:headEnd type="none" w="med" len="med"/>
-                      <a:tailEnd type="none" w="med" len="med"/>
-                    </a:lnL>
-                    <a:lnR w="6350" cap="flat" cmpd="sng" algn="ctr">
-                      <a:solidFill>
-                        <a:srgbClr val="FFFFFF"/>
-                      </a:solidFill>
-                      <a:prstDash val="solid"/>
-                      <a:round/>
-                      <a:headEnd type="none" w="med" len="med"/>
-                      <a:tailEnd type="none" w="med" len="med"/>
-                    </a:lnR>
-                    <a:lnT>
-                      <a:noFill/>
-                    </a:lnT>
-                    <a:lnB w="6350" cap="flat" cmpd="sng" algn="ctr">
-                      <a:solidFill>
-                        <a:srgbClr val="FFFFFF"/>
-                      </a:solidFill>
-                      <a:prstDash val="solid"/>
-                      <a:round/>
-                      <a:headEnd type="none" w="med" len="med"/>
-                      <a:tailEnd type="none" w="med" len="med"/>
-                    </a:lnB>
-                    <a:solidFill>
-                      <a:srgbClr val="4F81BD"/>
-                    </a:solidFill>
-                  </a:tcPr>
-                </a:tc>
-                <a:tc>
-                  <a:txBody>
-                    <a:bodyPr/>
-                    <a:lstStyle/>
-                    <a:p>
-                      <a:pPr algn="l" fontAlgn="b"/>
-                      <a:r>
-                        <a:rPr lang="en-US" sz="1200" b="1" i="0" u="sng" strike="noStrike">
-                          <a:solidFill>
-                            <a:srgbClr val="FFFFFF"/>
-                          </a:solidFill>
-                          <a:effectLst/>
-                          <a:latin typeface="Calibri"/>
-                        </a:rPr>
-                        <a:t>Timing</a:t>
-                      </a:r>
-                    </a:p>
-                  </a:txBody>
-                  <a:tcPr marL="12301" marR="12301" marT="12301" marB="0" anchor="b">
-                    <a:lnL w="6350" cap="flat" cmpd="sng" algn="ctr">
-                      <a:solidFill>
-                        <a:srgbClr val="FFFFFF"/>
-                      </a:solidFill>
-                      <a:prstDash val="solid"/>
-                      <a:round/>
-                      <a:headEnd type="none" w="med" len="med"/>
-                      <a:tailEnd type="none" w="med" len="med"/>
-                    </a:lnL>
-                    <a:lnR w="6350" cap="flat" cmpd="sng" algn="ctr">
-                      <a:solidFill>
-                        <a:srgbClr val="FFFFFF"/>
-                      </a:solidFill>
-                      <a:prstDash val="solid"/>
-                      <a:round/>
-                      <a:headEnd type="none" w="med" len="med"/>
-                      <a:tailEnd type="none" w="med" len="med"/>
-                    </a:lnR>
-                    <a:lnT>
-                      <a:noFill/>
-                    </a:lnT>
-                    <a:lnB w="6350" cap="flat" cmpd="sng" algn="ctr">
-                      <a:solidFill>
-                        <a:srgbClr val="FFFFFF"/>
-                      </a:solidFill>
-                      <a:prstDash val="solid"/>
-                      <a:round/>
-                      <a:headEnd type="none" w="med" len="med"/>
-                      <a:tailEnd type="none" w="med" len="med"/>
-                    </a:lnB>
-                    <a:solidFill>
-                      <a:srgbClr val="4F81BD"/>
-                    </a:solidFill>
-                  </a:tcPr>
-                </a:tc>
-                <a:tc>
-                  <a:txBody>
-                    <a:bodyPr/>
-                    <a:lstStyle/>
-                    <a:p>
-                      <a:pPr algn="l" fontAlgn="b"/>
-                      <a:r>
-                        <a:rPr lang="en-US" sz="1200" b="1" i="0" u="sng" strike="noStrike">
-                          <a:solidFill>
-                            <a:srgbClr val="FFFFFF"/>
-                          </a:solidFill>
-                          <a:effectLst/>
-                          <a:latin typeface="Calibri"/>
-                        </a:rPr>
-                        <a:t>Accuracy/Timing</a:t>
-                      </a:r>
-                    </a:p>
-                  </a:txBody>
-                  <a:tcPr marL="12301" marR="12301" marT="12301" marB="0" anchor="b">
-                    <a:lnL w="6350" cap="flat" cmpd="sng" algn="ctr">
-                      <a:solidFill>
-                        <a:srgbClr val="FFFFFF"/>
-                      </a:solidFill>
-                      <a:prstDash val="solid"/>
-                      <a:round/>
-                      <a:headEnd type="none" w="med" len="med"/>
-                      <a:tailEnd type="none" w="med" len="med"/>
-                    </a:lnL>
-                    <a:lnR>
-                      <a:noFill/>
-                    </a:lnR>
-                    <a:lnT>
-                      <a:noFill/>
-                    </a:lnT>
-                    <a:lnB w="6350" cap="flat" cmpd="sng" algn="ctr">
-                      <a:solidFill>
-                        <a:srgbClr val="FFFFFF"/>
-                      </a:solidFill>
-                      <a:prstDash val="solid"/>
-                      <a:round/>
-                      <a:headEnd type="none" w="med" len="med"/>
-                      <a:tailEnd type="none" w="med" len="med"/>
-                    </a:lnB>
-                    <a:solidFill>
-                      <a:srgbClr val="4F81BD"/>
-                    </a:solidFill>
-                  </a:tcPr>
-                </a:tc>
-              </a:tr>
-              <a:tr h="189441">
-                <a:tc>
-                  <a:txBody>
-                    <a:bodyPr/>
-                    <a:lstStyle/>
-                    <a:p>
-                      <a:pPr algn="l" fontAlgn="b"/>
-                      <a:r>
-                        <a:rPr lang="en-US" sz="1200" b="0" i="0" u="none" strike="noStrike" dirty="0">
-                          <a:solidFill>
-                            <a:srgbClr val="000000"/>
-                          </a:solidFill>
-                          <a:effectLst/>
-                          <a:latin typeface="Calibri"/>
-                        </a:rPr>
-                        <a:t>SURF + Color</a:t>
-                      </a:r>
-                    </a:p>
-                  </a:txBody>
-                  <a:tcPr marL="12301" marR="12301" marT="12301" marB="0" anchor="b">
-                    <a:lnL>
-                      <a:noFill/>
-                    </a:lnL>
-                    <a:lnR w="6350" cap="flat" cmpd="sng" algn="ctr">
-                      <a:solidFill>
-                        <a:srgbClr val="FFFFFF"/>
-                      </a:solidFill>
-                      <a:prstDash val="solid"/>
-                      <a:round/>
-                      <a:headEnd type="none" w="med" len="med"/>
-                      <a:tailEnd type="none" w="med" len="med"/>
-                    </a:lnR>
-                    <a:lnT w="6350" cap="flat" cmpd="sng" algn="ctr">
-                      <a:solidFill>
-                        <a:srgbClr val="FFFFFF"/>
-                      </a:solidFill>
-                      <a:prstDash val="solid"/>
-                      <a:round/>
-                      <a:headEnd type="none" w="med" len="med"/>
-                      <a:tailEnd type="none" w="med" len="med"/>
-                    </a:lnT>
-                    <a:lnB w="6350" cap="flat" cmpd="sng" algn="ctr">
-                      <a:solidFill>
-                        <a:srgbClr val="FFFFFF"/>
-                      </a:solidFill>
-                      <a:prstDash val="solid"/>
-                      <a:round/>
-                      <a:headEnd type="none" w="med" len="med"/>
-                      <a:tailEnd type="none" w="med" len="med"/>
-                    </a:lnB>
-                    <a:solidFill>
-                      <a:srgbClr val="FFFF00"/>
-                    </a:solidFill>
-                  </a:tcPr>
-                </a:tc>
-                <a:tc>
-                  <a:txBody>
-                    <a:bodyPr/>
-                    <a:lstStyle/>
-                    <a:p>
-                      <a:pPr algn="l" fontAlgn="b"/>
-                      <a:r>
-                        <a:rPr lang="en-US" sz="1200" b="0" i="0" u="none" strike="noStrike">
-                          <a:solidFill>
-                            <a:srgbClr val="000000"/>
-                          </a:solidFill>
-                          <a:effectLst/>
-                          <a:latin typeface="Calibri"/>
-                        </a:rPr>
-                        <a:t>Linear Kernel SVM (cost = 10)</a:t>
-                      </a:r>
-                    </a:p>
-                  </a:txBody>
-                  <a:tcPr marL="12301" marR="12301" marT="12301" marB="0" anchor="b">
-                    <a:lnL w="6350" cap="flat" cmpd="sng" algn="ctr">
-                      <a:solidFill>
-                        <a:srgbClr val="FFFFFF"/>
-                      </a:solidFill>
-                      <a:prstDash val="solid"/>
-                      <a:round/>
-                      <a:headEnd type="none" w="med" len="med"/>
-                      <a:tailEnd type="none" w="med" len="med"/>
-                    </a:lnL>
-                    <a:lnR w="6350" cap="flat" cmpd="sng" algn="ctr">
-                      <a:solidFill>
-                        <a:srgbClr val="FFFFFF"/>
-                      </a:solidFill>
-                      <a:prstDash val="solid"/>
-                      <a:round/>
-                      <a:headEnd type="none" w="med" len="med"/>
-                      <a:tailEnd type="none" w="med" len="med"/>
-                    </a:lnR>
-                    <a:lnT w="6350" cap="flat" cmpd="sng" algn="ctr">
-                      <a:solidFill>
-                        <a:srgbClr val="FFFFFF"/>
-                      </a:solidFill>
-                      <a:prstDash val="solid"/>
-                      <a:round/>
-                      <a:headEnd type="none" w="med" len="med"/>
-                      <a:tailEnd type="none" w="med" len="med"/>
-                    </a:lnT>
-                    <a:lnB w="6350" cap="flat" cmpd="sng" algn="ctr">
-                      <a:solidFill>
-                        <a:srgbClr val="FFFFFF"/>
-                      </a:solidFill>
-                      <a:prstDash val="solid"/>
-                      <a:round/>
-                      <a:headEnd type="none" w="med" len="med"/>
-                      <a:tailEnd type="none" w="med" len="med"/>
-                    </a:lnB>
-                    <a:solidFill>
-                      <a:srgbClr val="FFFF00"/>
-                    </a:solidFill>
-                  </a:tcPr>
-                </a:tc>
-                <a:tc>
-                  <a:txBody>
-                    <a:bodyPr/>
-                    <a:lstStyle/>
-                    <a:p>
-                      <a:pPr algn="r" fontAlgn="b"/>
-                      <a:r>
-                        <a:rPr lang="fi-FI" sz="1200" b="0" i="0" u="none" strike="noStrike">
-                          <a:solidFill>
-                            <a:srgbClr val="000000"/>
-                          </a:solidFill>
-                          <a:effectLst/>
-                          <a:latin typeface="Calibri"/>
-                        </a:rPr>
-                        <a:t>79%</a:t>
-                      </a:r>
-                    </a:p>
-                  </a:txBody>
-                  <a:tcPr marL="12301" marR="12301" marT="12301" marB="0" anchor="b">
-                    <a:lnL w="6350" cap="flat" cmpd="sng" algn="ctr">
-                      <a:solidFill>
-                        <a:srgbClr val="FFFFFF"/>
-                      </a:solidFill>
-                      <a:prstDash val="solid"/>
-                      <a:round/>
-                      <a:headEnd type="none" w="med" len="med"/>
-                      <a:tailEnd type="none" w="med" len="med"/>
-                    </a:lnL>
-                    <a:lnR w="6350" cap="flat" cmpd="sng" algn="ctr">
-                      <a:solidFill>
-                        <a:srgbClr val="FFFFFF"/>
-                      </a:solidFill>
-                      <a:prstDash val="solid"/>
-                      <a:round/>
-                      <a:headEnd type="none" w="med" len="med"/>
-                      <a:tailEnd type="none" w="med" len="med"/>
-                    </a:lnR>
-                    <a:lnT w="6350" cap="flat" cmpd="sng" algn="ctr">
-                      <a:solidFill>
-                        <a:srgbClr val="FFFFFF"/>
-                      </a:solidFill>
-                      <a:prstDash val="solid"/>
-                      <a:round/>
-                      <a:headEnd type="none" w="med" len="med"/>
-                      <a:tailEnd type="none" w="med" len="med"/>
-                    </a:lnT>
-                    <a:lnB w="6350" cap="flat" cmpd="sng" algn="ctr">
-                      <a:solidFill>
-                        <a:srgbClr val="FFFFFF"/>
-                      </a:solidFill>
-                      <a:prstDash val="solid"/>
-                      <a:round/>
-                      <a:headEnd type="none" w="med" len="med"/>
-                      <a:tailEnd type="none" w="med" len="med"/>
-                    </a:lnB>
-                    <a:solidFill>
-                      <a:srgbClr val="FFFF00"/>
-                    </a:solidFill>
-                  </a:tcPr>
-                </a:tc>
-                <a:tc>
-                  <a:txBody>
-                    <a:bodyPr/>
-                    <a:lstStyle/>
-                    <a:p>
-                      <a:pPr algn="r" fontAlgn="b"/>
-                      <a:r>
-                        <a:rPr lang="en-US" sz="1200" b="0" i="0" u="none" strike="noStrike">
-                          <a:solidFill>
-                            <a:srgbClr val="000000"/>
-                          </a:solidFill>
-                          <a:effectLst/>
-                          <a:latin typeface="Calibri"/>
-                        </a:rPr>
-                        <a:t>154</a:t>
-                      </a:r>
-                    </a:p>
-                  </a:txBody>
-                  <a:tcPr marL="12301" marR="12301" marT="12301" marB="0" anchor="b">
-                    <a:lnL w="6350" cap="flat" cmpd="sng" algn="ctr">
-                      <a:solidFill>
-                        <a:srgbClr val="FFFFFF"/>
-                      </a:solidFill>
-                      <a:prstDash val="solid"/>
-                      <a:round/>
-                      <a:headEnd type="none" w="med" len="med"/>
-                      <a:tailEnd type="none" w="med" len="med"/>
-                    </a:lnL>
-                    <a:lnR w="6350" cap="flat" cmpd="sng" algn="ctr">
-                      <a:solidFill>
-                        <a:srgbClr val="FFFFFF"/>
-                      </a:solidFill>
-                      <a:prstDash val="solid"/>
-                      <a:round/>
-                      <a:headEnd type="none" w="med" len="med"/>
-                      <a:tailEnd type="none" w="med" len="med"/>
-                    </a:lnR>
-                    <a:lnT w="6350" cap="flat" cmpd="sng" algn="ctr">
-                      <a:solidFill>
-                        <a:srgbClr val="FFFFFF"/>
-                      </a:solidFill>
-                      <a:prstDash val="solid"/>
-                      <a:round/>
-                      <a:headEnd type="none" w="med" len="med"/>
-                      <a:tailEnd type="none" w="med" len="med"/>
-                    </a:lnT>
-                    <a:lnB w="6350" cap="flat" cmpd="sng" algn="ctr">
-                      <a:solidFill>
-                        <a:srgbClr val="FFFFFF"/>
-                      </a:solidFill>
-                      <a:prstDash val="solid"/>
-                      <a:round/>
-                      <a:headEnd type="none" w="med" len="med"/>
-                      <a:tailEnd type="none" w="med" len="med"/>
-                    </a:lnB>
-                    <a:solidFill>
-                      <a:srgbClr val="FFFF00"/>
-                    </a:solidFill>
-                  </a:tcPr>
-                </a:tc>
-                <a:tc>
-                  <a:txBody>
-                    <a:bodyPr/>
-                    <a:lstStyle/>
-                    <a:p>
-                      <a:pPr algn="r" fontAlgn="b"/>
-                      <a:r>
-                        <a:rPr lang="is-IS" sz="1200" b="0" i="0" u="none" strike="noStrike">
-                          <a:solidFill>
-                            <a:srgbClr val="000000"/>
-                          </a:solidFill>
-                          <a:effectLst/>
-                          <a:latin typeface="Calibri"/>
-                        </a:rPr>
-                        <a:t>0.00512987</a:t>
-                      </a:r>
-                    </a:p>
-                  </a:txBody>
-                  <a:tcPr marL="12301" marR="12301" marT="12301" marB="0" anchor="b">
-                    <a:lnL w="6350" cap="flat" cmpd="sng" algn="ctr">
-                      <a:solidFill>
-                        <a:srgbClr val="FFFFFF"/>
-                      </a:solidFill>
-                      <a:prstDash val="solid"/>
-                      <a:round/>
-                      <a:headEnd type="none" w="med" len="med"/>
-                      <a:tailEnd type="none" w="med" len="med"/>
-                    </a:lnL>
-                    <a:lnR>
-                      <a:noFill/>
-                    </a:lnR>
-                    <a:lnT w="6350" cap="flat" cmpd="sng" algn="ctr">
-                      <a:solidFill>
-                        <a:srgbClr val="FFFFFF"/>
-                      </a:solidFill>
-                      <a:prstDash val="solid"/>
-                      <a:round/>
-                      <a:headEnd type="none" w="med" len="med"/>
-                      <a:tailEnd type="none" w="med" len="med"/>
-                    </a:lnT>
-                    <a:lnB w="6350" cap="flat" cmpd="sng" algn="ctr">
-                      <a:solidFill>
-                        <a:srgbClr val="FFFFFF"/>
-                      </a:solidFill>
-                      <a:prstDash val="solid"/>
-                      <a:round/>
-                      <a:headEnd type="none" w="med" len="med"/>
-                      <a:tailEnd type="none" w="med" len="med"/>
-                    </a:lnB>
-                    <a:solidFill>
-                      <a:srgbClr val="FFFF00"/>
-                    </a:solidFill>
-                  </a:tcPr>
-                </a:tc>
-              </a:tr>
-              <a:tr h="189441">
-                <a:tc>
-                  <a:txBody>
-                    <a:bodyPr/>
-                    <a:lstStyle/>
-                    <a:p>
-                      <a:pPr algn="l" fontAlgn="b"/>
-                      <a:r>
-                        <a:rPr lang="en-US" sz="1200" b="0" i="0" u="none" strike="noStrike" dirty="0">
-                          <a:solidFill>
-                            <a:srgbClr val="000000"/>
-                          </a:solidFill>
-                          <a:effectLst/>
-                          <a:latin typeface="Calibri"/>
-                        </a:rPr>
-                        <a:t>SURF + Color </a:t>
-                      </a:r>
-                    </a:p>
-                  </a:txBody>
-                  <a:tcPr marL="12301" marR="12301" marT="12301" marB="0" anchor="b">
-                    <a:lnL>
-                      <a:noFill/>
-                    </a:lnL>
-                    <a:lnR w="6350" cap="flat" cmpd="sng" algn="ctr">
-                      <a:solidFill>
-                        <a:srgbClr val="FFFFFF"/>
-                      </a:solidFill>
-                      <a:prstDash val="solid"/>
-                      <a:round/>
-                      <a:headEnd type="none" w="med" len="med"/>
-                      <a:tailEnd type="none" w="med" len="med"/>
-                    </a:lnR>
-                    <a:lnT w="6350" cap="flat" cmpd="sng" algn="ctr">
-                      <a:solidFill>
-                        <a:srgbClr val="FFFFFF"/>
-                      </a:solidFill>
-                      <a:prstDash val="solid"/>
-                      <a:round/>
-                      <a:headEnd type="none" w="med" len="med"/>
-                      <a:tailEnd type="none" w="med" len="med"/>
-                    </a:lnT>
-                    <a:lnB w="6350" cap="flat" cmpd="sng" algn="ctr">
-                      <a:solidFill>
-                        <a:srgbClr val="FFFFFF"/>
-                      </a:solidFill>
-                      <a:prstDash val="solid"/>
-                      <a:round/>
-                      <a:headEnd type="none" w="med" len="med"/>
-                      <a:tailEnd type="none" w="med" len="med"/>
-                    </a:lnB>
-                    <a:solidFill>
-                      <a:srgbClr val="DCE6F1"/>
-                    </a:solidFill>
-                  </a:tcPr>
-                </a:tc>
-                <a:tc>
-                  <a:txBody>
-                    <a:bodyPr/>
-                    <a:lstStyle/>
-                    <a:p>
-                      <a:pPr algn="l" fontAlgn="b"/>
-                      <a:r>
-                        <a:rPr lang="en-US" sz="1200" b="0" i="0" u="none" strike="noStrike" dirty="0">
-                          <a:solidFill>
-                            <a:srgbClr val="000000"/>
-                          </a:solidFill>
-                          <a:effectLst/>
-                          <a:latin typeface="Calibri"/>
-                        </a:rPr>
-                        <a:t>Radial Kernel SVM (cost = 10, gamma = 10)</a:t>
-                      </a:r>
-                    </a:p>
-                  </a:txBody>
-                  <a:tcPr marL="12301" marR="12301" marT="12301" marB="0" anchor="b">
-                    <a:lnL w="6350" cap="flat" cmpd="sng" algn="ctr">
-                      <a:solidFill>
-                        <a:srgbClr val="FFFFFF"/>
-                      </a:solidFill>
-                      <a:prstDash val="solid"/>
-                      <a:round/>
-                      <a:headEnd type="none" w="med" len="med"/>
-                      <a:tailEnd type="none" w="med" len="med"/>
-                    </a:lnL>
-                    <a:lnR w="6350" cap="flat" cmpd="sng" algn="ctr">
-                      <a:solidFill>
-                        <a:srgbClr val="FFFFFF"/>
-                      </a:solidFill>
-                      <a:prstDash val="solid"/>
-                      <a:round/>
-                      <a:headEnd type="none" w="med" len="med"/>
-                      <a:tailEnd type="none" w="med" len="med"/>
-                    </a:lnR>
-                    <a:lnT w="6350" cap="flat" cmpd="sng" algn="ctr">
-                      <a:solidFill>
-                        <a:srgbClr val="FFFFFF"/>
-                      </a:solidFill>
-                      <a:prstDash val="solid"/>
-                      <a:round/>
-                      <a:headEnd type="none" w="med" len="med"/>
-                      <a:tailEnd type="none" w="med" len="med"/>
-                    </a:lnT>
-                    <a:lnB w="6350" cap="flat" cmpd="sng" algn="ctr">
-                      <a:solidFill>
-                        <a:srgbClr val="FFFFFF"/>
-                      </a:solidFill>
-                      <a:prstDash val="solid"/>
-                      <a:round/>
-                      <a:headEnd type="none" w="med" len="med"/>
-                      <a:tailEnd type="none" w="med" len="med"/>
-                    </a:lnB>
-                    <a:solidFill>
-                      <a:srgbClr val="DCE6F1"/>
-                    </a:solidFill>
-                  </a:tcPr>
-                </a:tc>
-                <a:tc>
-                  <a:txBody>
-                    <a:bodyPr/>
-                    <a:lstStyle/>
-                    <a:p>
-                      <a:pPr algn="r" fontAlgn="b"/>
-                      <a:r>
-                        <a:rPr lang="en-US" sz="1200" b="0" i="0" u="none" strike="noStrike">
-                          <a:solidFill>
-                            <a:srgbClr val="000000"/>
-                          </a:solidFill>
-                          <a:effectLst/>
-                          <a:latin typeface="Calibri"/>
-                        </a:rPr>
-                        <a:t>80%</a:t>
-                      </a:r>
-                    </a:p>
-                  </a:txBody>
-                  <a:tcPr marL="12301" marR="12301" marT="12301" marB="0" anchor="b">
-                    <a:lnL w="6350" cap="flat" cmpd="sng" algn="ctr">
-                      <a:solidFill>
-                        <a:srgbClr val="FFFFFF"/>
-                      </a:solidFill>
-                      <a:prstDash val="solid"/>
-                      <a:round/>
-                      <a:headEnd type="none" w="med" len="med"/>
-                      <a:tailEnd type="none" w="med" len="med"/>
-                    </a:lnL>
-                    <a:lnR w="6350" cap="flat" cmpd="sng" algn="ctr">
-                      <a:solidFill>
-                        <a:srgbClr val="FFFFFF"/>
-                      </a:solidFill>
-                      <a:prstDash val="solid"/>
-                      <a:round/>
-                      <a:headEnd type="none" w="med" len="med"/>
-                      <a:tailEnd type="none" w="med" len="med"/>
-                    </a:lnR>
-                    <a:lnT w="6350" cap="flat" cmpd="sng" algn="ctr">
-                      <a:solidFill>
-                        <a:srgbClr val="FFFFFF"/>
-                      </a:solidFill>
-                      <a:prstDash val="solid"/>
-                      <a:round/>
-                      <a:headEnd type="none" w="med" len="med"/>
-                      <a:tailEnd type="none" w="med" len="med"/>
-                    </a:lnT>
-                    <a:lnB w="6350" cap="flat" cmpd="sng" algn="ctr">
-                      <a:solidFill>
-                        <a:srgbClr val="FFFFFF"/>
-                      </a:solidFill>
-                      <a:prstDash val="solid"/>
-                      <a:round/>
-                      <a:headEnd type="none" w="med" len="med"/>
-                      <a:tailEnd type="none" w="med" len="med"/>
-                    </a:lnB>
-                    <a:solidFill>
-                      <a:srgbClr val="DCE6F1"/>
-                    </a:solidFill>
-                  </a:tcPr>
-                </a:tc>
-                <a:tc>
-                  <a:txBody>
-                    <a:bodyPr/>
-                    <a:lstStyle/>
-                    <a:p>
-                      <a:pPr algn="r" fontAlgn="b"/>
-                      <a:r>
-                        <a:rPr lang="is-IS" sz="1200" b="0" i="0" u="none" strike="noStrike">
-                          <a:solidFill>
-                            <a:srgbClr val="000000"/>
-                          </a:solidFill>
-                          <a:effectLst/>
-                          <a:latin typeface="Calibri"/>
-                        </a:rPr>
-                        <a:t>625</a:t>
-                      </a:r>
-                    </a:p>
-                  </a:txBody>
-                  <a:tcPr marL="12301" marR="12301" marT="12301" marB="0" anchor="b">
-                    <a:lnL w="6350" cap="flat" cmpd="sng" algn="ctr">
-                      <a:solidFill>
-                        <a:srgbClr val="FFFFFF"/>
-                      </a:solidFill>
-                      <a:prstDash val="solid"/>
-                      <a:round/>
-                      <a:headEnd type="none" w="med" len="med"/>
-                      <a:tailEnd type="none" w="med" len="med"/>
-                    </a:lnL>
-                    <a:lnR w="6350" cap="flat" cmpd="sng" algn="ctr">
-                      <a:solidFill>
-                        <a:srgbClr val="FFFFFF"/>
-                      </a:solidFill>
-                      <a:prstDash val="solid"/>
-                      <a:round/>
-                      <a:headEnd type="none" w="med" len="med"/>
-                      <a:tailEnd type="none" w="med" len="med"/>
-                    </a:lnR>
-                    <a:lnT w="6350" cap="flat" cmpd="sng" algn="ctr">
-                      <a:solidFill>
-                        <a:srgbClr val="FFFFFF"/>
-                      </a:solidFill>
-                      <a:prstDash val="solid"/>
-                      <a:round/>
-                      <a:headEnd type="none" w="med" len="med"/>
-                      <a:tailEnd type="none" w="med" len="med"/>
-                    </a:lnT>
-                    <a:lnB w="6350" cap="flat" cmpd="sng" algn="ctr">
-                      <a:solidFill>
-                        <a:srgbClr val="FFFFFF"/>
-                      </a:solidFill>
-                      <a:prstDash val="solid"/>
-                      <a:round/>
-                      <a:headEnd type="none" w="med" len="med"/>
-                      <a:tailEnd type="none" w="med" len="med"/>
-                    </a:lnB>
-                    <a:solidFill>
-                      <a:srgbClr val="DCE6F1"/>
-                    </a:solidFill>
-                  </a:tcPr>
-                </a:tc>
-                <a:tc>
-                  <a:txBody>
-                    <a:bodyPr/>
-                    <a:lstStyle/>
-                    <a:p>
-                      <a:pPr algn="r" fontAlgn="b"/>
-                      <a:r>
-                        <a:rPr lang="nb-NO" sz="1200" b="0" i="0" u="none" strike="noStrike">
-                          <a:solidFill>
-                            <a:srgbClr val="000000"/>
-                          </a:solidFill>
-                          <a:effectLst/>
-                          <a:latin typeface="Calibri"/>
-                        </a:rPr>
-                        <a:t>0.00128</a:t>
-                      </a:r>
-                    </a:p>
-                  </a:txBody>
-                  <a:tcPr marL="12301" marR="12301" marT="12301" marB="0" anchor="b">
-                    <a:lnL w="6350" cap="flat" cmpd="sng" algn="ctr">
-                      <a:solidFill>
-                        <a:srgbClr val="FFFFFF"/>
-                      </a:solidFill>
-                      <a:prstDash val="solid"/>
-                      <a:round/>
-                      <a:headEnd type="none" w="med" len="med"/>
-                      <a:tailEnd type="none" w="med" len="med"/>
-                    </a:lnL>
-                    <a:lnR>
-                      <a:noFill/>
-                    </a:lnR>
-                    <a:lnT w="6350" cap="flat" cmpd="sng" algn="ctr">
-                      <a:solidFill>
-                        <a:srgbClr val="FFFFFF"/>
-                      </a:solidFill>
-                      <a:prstDash val="solid"/>
-                      <a:round/>
-                      <a:headEnd type="none" w="med" len="med"/>
-                      <a:tailEnd type="none" w="med" len="med"/>
-                    </a:lnT>
-                    <a:lnB w="6350" cap="flat" cmpd="sng" algn="ctr">
-                      <a:solidFill>
-                        <a:srgbClr val="FFFFFF"/>
-                      </a:solidFill>
-                      <a:prstDash val="solid"/>
-                      <a:round/>
-                      <a:headEnd type="none" w="med" len="med"/>
-                      <a:tailEnd type="none" w="med" len="med"/>
-                    </a:lnB>
-                    <a:solidFill>
-                      <a:srgbClr val="DCE6F1"/>
-                    </a:solidFill>
-                  </a:tcPr>
-                </a:tc>
-              </a:tr>
-              <a:tr h="189441">
-                <a:tc>
-                  <a:txBody>
-                    <a:bodyPr/>
-                    <a:lstStyle/>
-                    <a:p>
-                      <a:pPr algn="l" fontAlgn="b"/>
-                      <a:r>
-                        <a:rPr lang="en-US" sz="1200" b="0" i="0" u="none" strike="noStrike" dirty="0">
-                          <a:solidFill>
-                            <a:srgbClr val="000000"/>
-                          </a:solidFill>
-                          <a:effectLst/>
-                          <a:latin typeface="Calibri"/>
-                        </a:rPr>
-                        <a:t>SURF + </a:t>
-                      </a:r>
-                      <a:r>
-                        <a:rPr lang="en-US" sz="1200" b="0" i="0" u="none" strike="noStrike" dirty="0" smtClean="0">
-                          <a:solidFill>
-                            <a:srgbClr val="000000"/>
-                          </a:solidFill>
-                          <a:effectLst/>
-                          <a:latin typeface="Calibri"/>
-                        </a:rPr>
-                        <a:t>Color</a:t>
-                      </a:r>
-                      <a:endParaRPr lang="en-US" sz="1200" b="0" i="0" u="none" strike="noStrike" dirty="0">
-                        <a:solidFill>
-                          <a:srgbClr val="000000"/>
-                        </a:solidFill>
-                        <a:effectLst/>
-                        <a:latin typeface="Calibri"/>
-                      </a:endParaRPr>
-                    </a:p>
-                  </a:txBody>
-                  <a:tcPr marL="12357" marR="12357" marT="12357" marB="0" anchor="b">
-                    <a:lnL>
-                      <a:noFill/>
-                    </a:lnL>
-                    <a:lnR w="6350" cap="flat" cmpd="sng" algn="ctr">
-                      <a:solidFill>
-                        <a:srgbClr val="FFFFFF"/>
-                      </a:solidFill>
-                      <a:prstDash val="solid"/>
-                      <a:round/>
-                      <a:headEnd type="none" w="med" len="med"/>
-                      <a:tailEnd type="none" w="med" len="med"/>
-                    </a:lnR>
-                    <a:lnT w="6350" cap="flat" cmpd="sng" algn="ctr">
-                      <a:solidFill>
-                        <a:srgbClr val="FFFFFF"/>
-                      </a:solidFill>
-                      <a:prstDash val="solid"/>
-                      <a:round/>
-                      <a:headEnd type="none" w="med" len="med"/>
-                      <a:tailEnd type="none" w="med" len="med"/>
-                    </a:lnT>
-                    <a:lnB>
-                      <a:noFill/>
-                    </a:lnB>
-                    <a:solidFill>
-                      <a:srgbClr val="B8CCE4"/>
-                    </a:solidFill>
-                  </a:tcPr>
-                </a:tc>
-                <a:tc>
-                  <a:txBody>
-                    <a:bodyPr/>
-                    <a:lstStyle/>
-                    <a:p>
-                      <a:pPr algn="l" fontAlgn="b"/>
-                      <a:r>
-                        <a:rPr lang="en-US" sz="1200" b="0" i="0" u="none" strike="noStrike" dirty="0" smtClean="0">
-                          <a:solidFill>
-                            <a:srgbClr val="000000"/>
-                          </a:solidFill>
-                          <a:effectLst/>
-                          <a:latin typeface="Calibri"/>
-                        </a:rPr>
-                        <a:t>GBM </a:t>
-                      </a:r>
-                      <a:r>
-                        <a:rPr lang="en-US" sz="1200" b="0" i="0" u="none" strike="noStrike" dirty="0" smtClean="0">
-                          <a:solidFill>
-                            <a:srgbClr val="000000"/>
-                          </a:solidFill>
-                          <a:effectLst/>
-                          <a:latin typeface="+mn-lt"/>
-                        </a:rPr>
-                        <a:t>(depth =1, trees = 2000</a:t>
-                      </a:r>
-                      <a:endParaRPr lang="en-US" sz="1200" b="0" i="0" u="none" strike="noStrike" dirty="0">
-                        <a:solidFill>
-                          <a:srgbClr val="000000"/>
-                        </a:solidFill>
-                        <a:effectLst/>
-                        <a:latin typeface="Calibri"/>
-                      </a:endParaRPr>
-                    </a:p>
-                  </a:txBody>
-                  <a:tcPr marL="12357" marR="12357" marT="12357" marB="0" anchor="b">
-                    <a:lnL w="6350" cap="flat" cmpd="sng" algn="ctr">
-                      <a:solidFill>
-                        <a:srgbClr val="FFFFFF"/>
-                      </a:solidFill>
-                      <a:prstDash val="solid"/>
-                      <a:round/>
-                      <a:headEnd type="none" w="med" len="med"/>
-                      <a:tailEnd type="none" w="med" len="med"/>
-                    </a:lnL>
-                    <a:lnR w="6350" cap="flat" cmpd="sng" algn="ctr">
-                      <a:solidFill>
-                        <a:srgbClr val="FFFFFF"/>
-                      </a:solidFill>
-                      <a:prstDash val="solid"/>
-                      <a:round/>
-                      <a:headEnd type="none" w="med" len="med"/>
-                      <a:tailEnd type="none" w="med" len="med"/>
-                    </a:lnR>
-                    <a:lnT w="6350" cap="flat" cmpd="sng" algn="ctr">
-                      <a:solidFill>
-                        <a:srgbClr val="FFFFFF"/>
-                      </a:solidFill>
-                      <a:prstDash val="solid"/>
-                      <a:round/>
-                      <a:headEnd type="none" w="med" len="med"/>
-                      <a:tailEnd type="none" w="med" len="med"/>
-                    </a:lnT>
-                    <a:lnB>
-                      <a:noFill/>
-                    </a:lnB>
-                    <a:solidFill>
-                      <a:srgbClr val="B8CCE4"/>
-                    </a:solidFill>
-                  </a:tcPr>
-                </a:tc>
-                <a:tc>
-                  <a:txBody>
-                    <a:bodyPr/>
-                    <a:lstStyle/>
-                    <a:p>
-                      <a:pPr algn="r" fontAlgn="b"/>
-                      <a:r>
-                        <a:rPr lang="hr-HR" sz="1200" b="0" i="0" u="none" strike="noStrike" dirty="0">
-                          <a:solidFill>
-                            <a:srgbClr val="000000"/>
-                          </a:solidFill>
-                          <a:effectLst/>
-                          <a:latin typeface="Calibri"/>
-                        </a:rPr>
-                        <a:t>80.25%</a:t>
-                      </a:r>
-                    </a:p>
-                  </a:txBody>
-                  <a:tcPr marL="12700" marR="12700" marT="12700" marB="0" anchor="b">
-                    <a:lnL w="6350" cap="flat" cmpd="sng" algn="ctr">
-                      <a:solidFill>
-                        <a:srgbClr val="FFFFFF"/>
-                      </a:solidFill>
-                      <a:prstDash val="solid"/>
-                      <a:round/>
-                      <a:headEnd type="none" w="med" len="med"/>
-                      <a:tailEnd type="none" w="med" len="med"/>
-                    </a:lnL>
-                    <a:lnR w="6350" cap="flat" cmpd="sng" algn="ctr">
-                      <a:solidFill>
-                        <a:srgbClr val="FFFFFF"/>
-                      </a:solidFill>
-                      <a:prstDash val="solid"/>
-                      <a:round/>
-                      <a:headEnd type="none" w="med" len="med"/>
-                      <a:tailEnd type="none" w="med" len="med"/>
-                    </a:lnR>
-                    <a:lnT w="6350" cap="flat" cmpd="sng" algn="ctr">
-                      <a:solidFill>
-                        <a:srgbClr val="FFFFFF"/>
-                      </a:solidFill>
-                      <a:prstDash val="solid"/>
-                      <a:round/>
-                      <a:headEnd type="none" w="med" len="med"/>
-                      <a:tailEnd type="none" w="med" len="med"/>
-                    </a:lnT>
-                    <a:lnB>
-                      <a:noFill/>
-                    </a:lnB>
-                    <a:solidFill>
-                      <a:srgbClr val="B8CCE4"/>
-                    </a:solidFill>
-                  </a:tcPr>
-                </a:tc>
-                <a:tc>
-                  <a:txBody>
-                    <a:bodyPr/>
-                    <a:lstStyle/>
-                    <a:p>
-                      <a:pPr algn="r" fontAlgn="b"/>
-                      <a:r>
-                        <a:rPr lang="en-US" sz="1200" b="0" i="0" u="none" strike="noStrike" dirty="0">
-                          <a:solidFill>
-                            <a:srgbClr val="000000"/>
-                          </a:solidFill>
-                          <a:effectLst/>
-                          <a:latin typeface="Calibri"/>
-                        </a:rPr>
-                        <a:t>417</a:t>
-                      </a:r>
-                    </a:p>
-                  </a:txBody>
-                  <a:tcPr marL="12700" marR="12700" marT="12700" marB="0" anchor="b">
-                    <a:lnL w="6350" cap="flat" cmpd="sng" algn="ctr">
-                      <a:solidFill>
-                        <a:srgbClr val="FFFFFF"/>
-                      </a:solidFill>
-                      <a:prstDash val="solid"/>
-                      <a:round/>
-                      <a:headEnd type="none" w="med" len="med"/>
-                      <a:tailEnd type="none" w="med" len="med"/>
-                    </a:lnL>
-                    <a:lnR w="6350" cap="flat" cmpd="sng" algn="ctr">
-                      <a:solidFill>
-                        <a:srgbClr val="FFFFFF"/>
-                      </a:solidFill>
-                      <a:prstDash val="solid"/>
-                      <a:round/>
-                      <a:headEnd type="none" w="med" len="med"/>
-                      <a:tailEnd type="none" w="med" len="med"/>
-                    </a:lnR>
-                    <a:lnT w="6350" cap="flat" cmpd="sng" algn="ctr">
-                      <a:solidFill>
-                        <a:srgbClr val="FFFFFF"/>
-                      </a:solidFill>
-                      <a:prstDash val="solid"/>
-                      <a:round/>
-                      <a:headEnd type="none" w="med" len="med"/>
-                      <a:tailEnd type="none" w="med" len="med"/>
-                    </a:lnT>
-                    <a:lnB>
-                      <a:noFill/>
-                    </a:lnB>
-                    <a:solidFill>
-                      <a:srgbClr val="B8CCE4"/>
-                    </a:solidFill>
-                  </a:tcPr>
-                </a:tc>
-                <a:tc>
-                  <a:txBody>
-                    <a:bodyPr/>
-                    <a:lstStyle/>
-                    <a:p>
-                      <a:pPr algn="r" fontAlgn="b"/>
-                      <a:r>
-                        <a:rPr lang="is-IS" sz="1200" b="0" i="0" u="none" strike="noStrike" dirty="0">
-                          <a:solidFill>
-                            <a:srgbClr val="000000"/>
-                          </a:solidFill>
-                          <a:effectLst/>
-                          <a:latin typeface="Calibri"/>
-                        </a:rPr>
-                        <a:t>0.00192446</a:t>
-                      </a:r>
-                    </a:p>
-                  </a:txBody>
-                  <a:tcPr marL="12700" marR="12700" marT="12700" marB="0" anchor="b">
-                    <a:lnL w="6350" cap="flat" cmpd="sng" algn="ctr">
-                      <a:solidFill>
-                        <a:srgbClr val="FFFFFF"/>
-                      </a:solidFill>
-                      <a:prstDash val="solid"/>
-                      <a:round/>
-                      <a:headEnd type="none" w="med" len="med"/>
-                      <a:tailEnd type="none" w="med" len="med"/>
-                    </a:lnL>
-                    <a:lnR>
-                      <a:noFill/>
-                    </a:lnR>
-                    <a:lnT w="6350" cap="flat" cmpd="sng" algn="ctr">
-                      <a:solidFill>
-                        <a:srgbClr val="FFFFFF"/>
-                      </a:solidFill>
-                      <a:prstDash val="solid"/>
-                      <a:round/>
-                      <a:headEnd type="none" w="med" len="med"/>
-                      <a:tailEnd type="none" w="med" len="med"/>
-                    </a:lnT>
-                    <a:lnB>
-                      <a:noFill/>
-                    </a:lnB>
-                    <a:solidFill>
-                      <a:srgbClr val="B8CCE4"/>
-                    </a:solidFill>
-                  </a:tcPr>
-                </a:tc>
-              </a:tr>
-            </a:tbl>
-          </a:graphicData>
-        </a:graphic>
-      </p:graphicFrame>
-      <p:graphicFrame>
-        <p:nvGraphicFramePr>
-          <p:cNvPr id="11" name="Table 10"/>
-          <p:cNvGraphicFramePr>
-            <a:graphicFrameLocks noGrp="1"/>
-          </p:cNvGraphicFramePr>
-          <p:nvPr>
-            <p:extLst>
-              <p:ext uri="{D42A27DB-BD31-4B8C-83A1-F6EECF244321}">
-                <p14:modId xmlns:p14="http://schemas.microsoft.com/office/powerpoint/2010/main" val="3524873188"/>
-              </p:ext>
-            </p:extLst>
-          </p:nvPr>
-        </p:nvGraphicFramePr>
-        <p:xfrm>
-          <a:off x="457197" y="1913436"/>
-          <a:ext cx="8229601" cy="782365"/>
-        </p:xfrm>
-        <a:graphic>
-          <a:graphicData uri="http://schemas.openxmlformats.org/drawingml/2006/table">
-            <a:tbl>
-              <a:tblPr/>
-              <a:tblGrid>
-                <a:gridCol w="1525367"/>
-                <a:gridCol w="2657091"/>
-                <a:gridCol w="1943613"/>
-                <a:gridCol w="799587"/>
-                <a:gridCol w="1303943"/>
-              </a:tblGrid>
-              <a:tr h="0">
-                <a:tc>
-                  <a:txBody>
-                    <a:bodyPr/>
-                    <a:lstStyle/>
-                    <a:p>
-                      <a:pPr algn="l" fontAlgn="b"/>
-                      <a:r>
-                        <a:rPr lang="en-US" sz="1200" b="1" i="0" u="sng" strike="noStrike">
-                          <a:solidFill>
-                            <a:srgbClr val="FFFFFF"/>
-                          </a:solidFill>
-                          <a:effectLst/>
-                          <a:latin typeface="Calibri"/>
-                        </a:rPr>
-                        <a:t>Feature</a:t>
-                      </a:r>
-                    </a:p>
-                  </a:txBody>
-                  <a:tcPr marL="12301" marR="12301" marT="12301" marB="0" anchor="b">
-                    <a:lnL>
-                      <a:noFill/>
-                    </a:lnL>
-                    <a:lnR w="6350" cap="flat" cmpd="sng" algn="ctr">
-                      <a:solidFill>
-                        <a:srgbClr val="FFFFFF"/>
-                      </a:solidFill>
-                      <a:prstDash val="solid"/>
-                      <a:round/>
-                      <a:headEnd type="none" w="med" len="med"/>
-                      <a:tailEnd type="none" w="med" len="med"/>
-                    </a:lnR>
-                    <a:lnT>
-                      <a:noFill/>
-                    </a:lnT>
-                    <a:lnB w="6350" cap="flat" cmpd="sng" algn="ctr">
-                      <a:solidFill>
-                        <a:srgbClr val="FFFFFF"/>
-                      </a:solidFill>
-                      <a:prstDash val="solid"/>
-                      <a:round/>
-                      <a:headEnd type="none" w="med" len="med"/>
-                      <a:tailEnd type="none" w="med" len="med"/>
-                    </a:lnB>
-                    <a:solidFill>
-                      <a:srgbClr val="4F81BD"/>
-                    </a:solidFill>
-                  </a:tcPr>
-                </a:tc>
-                <a:tc>
-                  <a:txBody>
-                    <a:bodyPr/>
-                    <a:lstStyle/>
-                    <a:p>
-                      <a:pPr algn="l" fontAlgn="b"/>
-                      <a:r>
-                        <a:rPr lang="en-US" sz="1200" b="1" i="0" u="sng" strike="noStrike">
-                          <a:solidFill>
-                            <a:srgbClr val="FFFFFF"/>
-                          </a:solidFill>
-                          <a:effectLst/>
-                          <a:latin typeface="Calibri"/>
-                        </a:rPr>
-                        <a:t>Model</a:t>
-                      </a:r>
-                    </a:p>
-                  </a:txBody>
-                  <a:tcPr marL="12301" marR="12301" marT="12301" marB="0" anchor="b">
-                    <a:lnL w="6350" cap="flat" cmpd="sng" algn="ctr">
-                      <a:solidFill>
-                        <a:srgbClr val="FFFFFF"/>
-                      </a:solidFill>
-                      <a:prstDash val="solid"/>
-                      <a:round/>
-                      <a:headEnd type="none" w="med" len="med"/>
-                      <a:tailEnd type="none" w="med" len="med"/>
-                    </a:lnL>
-                    <a:lnR w="6350" cap="flat" cmpd="sng" algn="ctr">
-                      <a:solidFill>
-                        <a:srgbClr val="FFFFFF"/>
-                      </a:solidFill>
-                      <a:prstDash val="solid"/>
-                      <a:round/>
-                      <a:headEnd type="none" w="med" len="med"/>
-                      <a:tailEnd type="none" w="med" len="med"/>
-                    </a:lnR>
-                    <a:lnT>
-                      <a:noFill/>
-                    </a:lnT>
-                    <a:lnB w="6350" cap="flat" cmpd="sng" algn="ctr">
-                      <a:solidFill>
-                        <a:srgbClr val="FFFFFF"/>
-                      </a:solidFill>
-                      <a:prstDash val="solid"/>
-                      <a:round/>
-                      <a:headEnd type="none" w="med" len="med"/>
-                      <a:tailEnd type="none" w="med" len="med"/>
-                    </a:lnB>
-                    <a:solidFill>
-                      <a:srgbClr val="4F81BD"/>
-                    </a:solidFill>
-                  </a:tcPr>
-                </a:tc>
-                <a:tc>
-                  <a:txBody>
-                    <a:bodyPr/>
-                    <a:lstStyle/>
-                    <a:p>
-                      <a:pPr algn="l" fontAlgn="b"/>
-                      <a:r>
-                        <a:rPr lang="en-US" sz="1200" b="1" i="0" u="sng" strike="noStrike">
-                          <a:solidFill>
-                            <a:srgbClr val="FFFFFF"/>
-                          </a:solidFill>
-                          <a:effectLst/>
-                          <a:latin typeface="Calibri"/>
-                        </a:rPr>
-                        <a:t>Test Accuracy (CV = 5-fold)</a:t>
-                      </a:r>
-                    </a:p>
-                  </a:txBody>
-                  <a:tcPr marL="12301" marR="12301" marT="12301" marB="0" anchor="b">
-                    <a:lnL w="6350" cap="flat" cmpd="sng" algn="ctr">
-                      <a:solidFill>
-                        <a:srgbClr val="FFFFFF"/>
-                      </a:solidFill>
-                      <a:prstDash val="solid"/>
-                      <a:round/>
-                      <a:headEnd type="none" w="med" len="med"/>
-                      <a:tailEnd type="none" w="med" len="med"/>
-                    </a:lnL>
-                    <a:lnR w="6350" cap="flat" cmpd="sng" algn="ctr">
-                      <a:solidFill>
-                        <a:srgbClr val="FFFFFF"/>
-                      </a:solidFill>
-                      <a:prstDash val="solid"/>
-                      <a:round/>
-                      <a:headEnd type="none" w="med" len="med"/>
-                      <a:tailEnd type="none" w="med" len="med"/>
-                    </a:lnR>
-                    <a:lnT>
-                      <a:noFill/>
-                    </a:lnT>
-                    <a:lnB w="6350" cap="flat" cmpd="sng" algn="ctr">
-                      <a:solidFill>
-                        <a:srgbClr val="FFFFFF"/>
-                      </a:solidFill>
-                      <a:prstDash val="solid"/>
-                      <a:round/>
-                      <a:headEnd type="none" w="med" len="med"/>
-                      <a:tailEnd type="none" w="med" len="med"/>
-                    </a:lnB>
-                    <a:solidFill>
-                      <a:srgbClr val="4F81BD"/>
-                    </a:solidFill>
-                  </a:tcPr>
-                </a:tc>
-                <a:tc>
-                  <a:txBody>
-                    <a:bodyPr/>
-                    <a:lstStyle/>
-                    <a:p>
-                      <a:pPr algn="l" fontAlgn="b"/>
-                      <a:r>
-                        <a:rPr lang="en-US" sz="1200" b="1" i="0" u="sng" strike="noStrike">
-                          <a:solidFill>
-                            <a:srgbClr val="FFFFFF"/>
-                          </a:solidFill>
-                          <a:effectLst/>
-                          <a:latin typeface="Calibri"/>
-                        </a:rPr>
-                        <a:t>Timing</a:t>
-                      </a:r>
-                    </a:p>
-                  </a:txBody>
-                  <a:tcPr marL="12301" marR="12301" marT="12301" marB="0" anchor="b">
-                    <a:lnL w="6350" cap="flat" cmpd="sng" algn="ctr">
-                      <a:solidFill>
-                        <a:srgbClr val="FFFFFF"/>
-                      </a:solidFill>
-                      <a:prstDash val="solid"/>
-                      <a:round/>
-                      <a:headEnd type="none" w="med" len="med"/>
-                      <a:tailEnd type="none" w="med" len="med"/>
-                    </a:lnL>
-                    <a:lnR w="6350" cap="flat" cmpd="sng" algn="ctr">
-                      <a:solidFill>
-                        <a:srgbClr val="FFFFFF"/>
-                      </a:solidFill>
-                      <a:prstDash val="solid"/>
-                      <a:round/>
-                      <a:headEnd type="none" w="med" len="med"/>
-                      <a:tailEnd type="none" w="med" len="med"/>
-                    </a:lnR>
-                    <a:lnT>
-                      <a:noFill/>
-                    </a:lnT>
-                    <a:lnB w="6350" cap="flat" cmpd="sng" algn="ctr">
-                      <a:solidFill>
-                        <a:srgbClr val="FFFFFF"/>
-                      </a:solidFill>
-                      <a:prstDash val="solid"/>
-                      <a:round/>
-                      <a:headEnd type="none" w="med" len="med"/>
-                      <a:tailEnd type="none" w="med" len="med"/>
-                    </a:lnB>
-                    <a:solidFill>
-                      <a:srgbClr val="4F81BD"/>
-                    </a:solidFill>
-                  </a:tcPr>
-                </a:tc>
-                <a:tc>
-                  <a:txBody>
-                    <a:bodyPr/>
-                    <a:lstStyle/>
-                    <a:p>
-                      <a:pPr algn="l" fontAlgn="b"/>
-                      <a:r>
-                        <a:rPr lang="en-US" sz="1200" b="1" i="0" u="sng" strike="noStrike">
-                          <a:solidFill>
-                            <a:srgbClr val="FFFFFF"/>
-                          </a:solidFill>
-                          <a:effectLst/>
-                          <a:latin typeface="Calibri"/>
-                        </a:rPr>
-                        <a:t>Accuracy/Timing</a:t>
-                      </a:r>
-                    </a:p>
-                  </a:txBody>
-                  <a:tcPr marL="12301" marR="12301" marT="12301" marB="0" anchor="b">
-                    <a:lnL w="6350" cap="flat" cmpd="sng" algn="ctr">
-                      <a:solidFill>
-                        <a:srgbClr val="FFFFFF"/>
-                      </a:solidFill>
-                      <a:prstDash val="solid"/>
-                      <a:round/>
-                      <a:headEnd type="none" w="med" len="med"/>
-                      <a:tailEnd type="none" w="med" len="med"/>
-                    </a:lnL>
-                    <a:lnR>
-                      <a:noFill/>
-                    </a:lnR>
-                    <a:lnT>
-                      <a:noFill/>
-                    </a:lnT>
-                    <a:lnB w="6350" cap="flat" cmpd="sng" algn="ctr">
-                      <a:solidFill>
-                        <a:srgbClr val="FFFFFF"/>
-                      </a:solidFill>
-                      <a:prstDash val="solid"/>
-                      <a:round/>
-                      <a:headEnd type="none" w="med" len="med"/>
-                      <a:tailEnd type="none" w="med" len="med"/>
-                    </a:lnB>
-                    <a:solidFill>
-                      <a:srgbClr val="4F81BD"/>
-                    </a:solidFill>
-                  </a:tcPr>
-                </a:tc>
-              </a:tr>
-              <a:tr h="196822">
-                <a:tc>
-                  <a:txBody>
-                    <a:bodyPr/>
-                    <a:lstStyle/>
-                    <a:p>
-                      <a:pPr algn="l" fontAlgn="b"/>
-                      <a:r>
-                        <a:rPr lang="en-US" sz="1200" b="0" i="0" u="none" strike="noStrike">
-                          <a:solidFill>
-                            <a:srgbClr val="000000"/>
-                          </a:solidFill>
-                          <a:effectLst/>
-                          <a:latin typeface="Calibri"/>
-                        </a:rPr>
-                        <a:t>SIFT</a:t>
-                      </a:r>
-                    </a:p>
-                  </a:txBody>
-                  <a:tcPr marL="12301" marR="12301" marT="12301" marB="0" anchor="b">
-                    <a:lnL>
-                      <a:noFill/>
-                    </a:lnL>
-                    <a:lnR w="6350" cap="flat" cmpd="sng" algn="ctr">
-                      <a:solidFill>
-                        <a:srgbClr val="FFFFFF"/>
-                      </a:solidFill>
-                      <a:prstDash val="solid"/>
-                      <a:round/>
-                      <a:headEnd type="none" w="med" len="med"/>
-                      <a:tailEnd type="none" w="med" len="med"/>
-                    </a:lnR>
-                    <a:lnT w="6350" cap="flat" cmpd="sng" algn="ctr">
-                      <a:solidFill>
-                        <a:srgbClr val="FFFFFF"/>
-                      </a:solidFill>
-                      <a:prstDash val="solid"/>
-                      <a:round/>
-                      <a:headEnd type="none" w="med" len="med"/>
-                      <a:tailEnd type="none" w="med" len="med"/>
-                    </a:lnT>
-                    <a:lnB w="6350" cap="flat" cmpd="sng" algn="ctr">
-                      <a:solidFill>
-                        <a:srgbClr val="FFFFFF"/>
-                      </a:solidFill>
-                      <a:prstDash val="solid"/>
-                      <a:round/>
-                      <a:headEnd type="none" w="med" len="med"/>
-                      <a:tailEnd type="none" w="med" len="med"/>
-                    </a:lnB>
-                    <a:solidFill>
-                      <a:srgbClr val="FFFF00"/>
-                    </a:solidFill>
-                  </a:tcPr>
-                </a:tc>
-                <a:tc>
-                  <a:txBody>
-                    <a:bodyPr/>
-                    <a:lstStyle/>
-                    <a:p>
-                      <a:pPr algn="l" fontAlgn="b"/>
-                      <a:r>
-                        <a:rPr lang="en-US" sz="1200" b="0" i="0" u="none" strike="noStrike">
-                          <a:solidFill>
-                            <a:srgbClr val="000000"/>
-                          </a:solidFill>
-                          <a:effectLst/>
-                          <a:latin typeface="Calibri"/>
-                        </a:rPr>
-                        <a:t>GBM (depth = 1, trees = 2000)</a:t>
-                      </a:r>
-                    </a:p>
-                  </a:txBody>
-                  <a:tcPr marL="12301" marR="12301" marT="12301" marB="0" anchor="b">
-                    <a:lnL w="6350" cap="flat" cmpd="sng" algn="ctr">
-                      <a:solidFill>
-                        <a:srgbClr val="FFFFFF"/>
-                      </a:solidFill>
-                      <a:prstDash val="solid"/>
-                      <a:round/>
-                      <a:headEnd type="none" w="med" len="med"/>
-                      <a:tailEnd type="none" w="med" len="med"/>
-                    </a:lnL>
-                    <a:lnR w="6350" cap="flat" cmpd="sng" algn="ctr">
-                      <a:solidFill>
-                        <a:srgbClr val="FFFFFF"/>
-                      </a:solidFill>
-                      <a:prstDash val="solid"/>
-                      <a:round/>
-                      <a:headEnd type="none" w="med" len="med"/>
-                      <a:tailEnd type="none" w="med" len="med"/>
-                    </a:lnR>
-                    <a:lnT w="6350" cap="flat" cmpd="sng" algn="ctr">
-                      <a:solidFill>
-                        <a:srgbClr val="FFFFFF"/>
-                      </a:solidFill>
-                      <a:prstDash val="solid"/>
-                      <a:round/>
-                      <a:headEnd type="none" w="med" len="med"/>
-                      <a:tailEnd type="none" w="med" len="med"/>
-                    </a:lnT>
-                    <a:lnB w="6350" cap="flat" cmpd="sng" algn="ctr">
-                      <a:solidFill>
-                        <a:srgbClr val="FFFFFF"/>
-                      </a:solidFill>
-                      <a:prstDash val="solid"/>
-                      <a:round/>
-                      <a:headEnd type="none" w="med" len="med"/>
-                      <a:tailEnd type="none" w="med" len="med"/>
-                    </a:lnB>
-                    <a:solidFill>
-                      <a:srgbClr val="FFFF00"/>
-                    </a:solidFill>
-                  </a:tcPr>
-                </a:tc>
-                <a:tc>
-                  <a:txBody>
-                    <a:bodyPr/>
-                    <a:lstStyle/>
-                    <a:p>
-                      <a:pPr algn="r" fontAlgn="b"/>
-                      <a:r>
-                        <a:rPr lang="hr-HR" sz="1200" b="0" i="0" u="none" strike="noStrike">
-                          <a:solidFill>
-                            <a:srgbClr val="000000"/>
-                          </a:solidFill>
-                          <a:effectLst/>
-                          <a:latin typeface="Calibri"/>
-                        </a:rPr>
-                        <a:t>66.25%</a:t>
-                      </a:r>
-                    </a:p>
-                  </a:txBody>
-                  <a:tcPr marL="12301" marR="12301" marT="12301" marB="0" anchor="b">
-                    <a:lnL w="6350" cap="flat" cmpd="sng" algn="ctr">
-                      <a:solidFill>
-                        <a:srgbClr val="FFFFFF"/>
-                      </a:solidFill>
-                      <a:prstDash val="solid"/>
-                      <a:round/>
-                      <a:headEnd type="none" w="med" len="med"/>
-                      <a:tailEnd type="none" w="med" len="med"/>
-                    </a:lnL>
-                    <a:lnR w="6350" cap="flat" cmpd="sng" algn="ctr">
-                      <a:solidFill>
-                        <a:srgbClr val="FFFFFF"/>
-                      </a:solidFill>
-                      <a:prstDash val="solid"/>
-                      <a:round/>
-                      <a:headEnd type="none" w="med" len="med"/>
-                      <a:tailEnd type="none" w="med" len="med"/>
-                    </a:lnR>
-                    <a:lnT w="6350" cap="flat" cmpd="sng" algn="ctr">
-                      <a:solidFill>
-                        <a:srgbClr val="FFFFFF"/>
-                      </a:solidFill>
-                      <a:prstDash val="solid"/>
-                      <a:round/>
-                      <a:headEnd type="none" w="med" len="med"/>
-                      <a:tailEnd type="none" w="med" len="med"/>
-                    </a:lnT>
-                    <a:lnB w="6350" cap="flat" cmpd="sng" algn="ctr">
-                      <a:solidFill>
-                        <a:srgbClr val="FFFFFF"/>
-                      </a:solidFill>
-                      <a:prstDash val="solid"/>
-                      <a:round/>
-                      <a:headEnd type="none" w="med" len="med"/>
-                      <a:tailEnd type="none" w="med" len="med"/>
-                    </a:lnB>
-                    <a:solidFill>
-                      <a:srgbClr val="FFFF00"/>
-                    </a:solidFill>
-                  </a:tcPr>
-                </a:tc>
-                <a:tc>
-                  <a:txBody>
-                    <a:bodyPr/>
-                    <a:lstStyle/>
-                    <a:p>
-                      <a:pPr algn="r" fontAlgn="b"/>
-                      <a:r>
-                        <a:rPr lang="is-IS" sz="1200" b="0" i="0" u="none" strike="noStrike">
-                          <a:solidFill>
-                            <a:srgbClr val="000000"/>
-                          </a:solidFill>
-                          <a:effectLst/>
-                          <a:latin typeface="Calibri"/>
-                        </a:rPr>
-                        <a:t>372</a:t>
-                      </a:r>
-                    </a:p>
-                  </a:txBody>
-                  <a:tcPr marL="12301" marR="12301" marT="12301" marB="0" anchor="b">
-                    <a:lnL w="6350" cap="flat" cmpd="sng" algn="ctr">
-                      <a:solidFill>
-                        <a:srgbClr val="FFFFFF"/>
-                      </a:solidFill>
-                      <a:prstDash val="solid"/>
-                      <a:round/>
-                      <a:headEnd type="none" w="med" len="med"/>
-                      <a:tailEnd type="none" w="med" len="med"/>
-                    </a:lnL>
-                    <a:lnR w="6350" cap="flat" cmpd="sng" algn="ctr">
-                      <a:solidFill>
-                        <a:srgbClr val="FFFFFF"/>
-                      </a:solidFill>
-                      <a:prstDash val="solid"/>
-                      <a:round/>
-                      <a:headEnd type="none" w="med" len="med"/>
-                      <a:tailEnd type="none" w="med" len="med"/>
-                    </a:lnR>
-                    <a:lnT w="6350" cap="flat" cmpd="sng" algn="ctr">
-                      <a:solidFill>
-                        <a:srgbClr val="FFFFFF"/>
-                      </a:solidFill>
-                      <a:prstDash val="solid"/>
-                      <a:round/>
-                      <a:headEnd type="none" w="med" len="med"/>
-                      <a:tailEnd type="none" w="med" len="med"/>
-                    </a:lnT>
-                    <a:lnB w="6350" cap="flat" cmpd="sng" algn="ctr">
-                      <a:solidFill>
-                        <a:srgbClr val="FFFFFF"/>
-                      </a:solidFill>
-                      <a:prstDash val="solid"/>
-                      <a:round/>
-                      <a:headEnd type="none" w="med" len="med"/>
-                      <a:tailEnd type="none" w="med" len="med"/>
-                    </a:lnB>
-                    <a:solidFill>
-                      <a:srgbClr val="FFFF00"/>
-                    </a:solidFill>
-                  </a:tcPr>
-                </a:tc>
-                <a:tc>
-                  <a:txBody>
-                    <a:bodyPr/>
-                    <a:lstStyle/>
-                    <a:p>
-                      <a:pPr algn="r" fontAlgn="b"/>
-                      <a:r>
-                        <a:rPr lang="is-IS" sz="1200" b="0" i="0" u="none" strike="noStrike">
-                          <a:solidFill>
-                            <a:srgbClr val="000000"/>
-                          </a:solidFill>
-                          <a:effectLst/>
-                          <a:latin typeface="Calibri"/>
-                        </a:rPr>
-                        <a:t>0.001780914</a:t>
-                      </a:r>
-                    </a:p>
-                  </a:txBody>
-                  <a:tcPr marL="12301" marR="12301" marT="12301" marB="0" anchor="b">
-                    <a:lnL w="6350" cap="flat" cmpd="sng" algn="ctr">
-                      <a:solidFill>
-                        <a:srgbClr val="FFFFFF"/>
-                      </a:solidFill>
-                      <a:prstDash val="solid"/>
-                      <a:round/>
-                      <a:headEnd type="none" w="med" len="med"/>
-                      <a:tailEnd type="none" w="med" len="med"/>
-                    </a:lnL>
-                    <a:lnR>
-                      <a:noFill/>
-                    </a:lnR>
-                    <a:lnT w="6350" cap="flat" cmpd="sng" algn="ctr">
-                      <a:solidFill>
-                        <a:srgbClr val="FFFFFF"/>
-                      </a:solidFill>
-                      <a:prstDash val="solid"/>
-                      <a:round/>
-                      <a:headEnd type="none" w="med" len="med"/>
-                      <a:tailEnd type="none" w="med" len="med"/>
-                    </a:lnT>
-                    <a:lnB w="6350" cap="flat" cmpd="sng" algn="ctr">
-                      <a:solidFill>
-                        <a:srgbClr val="FFFFFF"/>
-                      </a:solidFill>
-                      <a:prstDash val="solid"/>
-                      <a:round/>
-                      <a:headEnd type="none" w="med" len="med"/>
-                      <a:tailEnd type="none" w="med" len="med"/>
-                    </a:lnB>
-                    <a:solidFill>
-                      <a:srgbClr val="FFFF00"/>
-                    </a:solidFill>
-                  </a:tcPr>
-                </a:tc>
-              </a:tr>
-              <a:tr h="189441">
-                <a:tc>
-                  <a:txBody>
-                    <a:bodyPr/>
-                    <a:lstStyle/>
-                    <a:p>
-                      <a:pPr algn="l" fontAlgn="b"/>
-                      <a:r>
-                        <a:rPr lang="en-US" sz="1200" b="0" i="0" u="none" strike="noStrike">
-                          <a:solidFill>
-                            <a:srgbClr val="000000"/>
-                          </a:solidFill>
-                          <a:effectLst/>
-                          <a:latin typeface="Calibri"/>
-                        </a:rPr>
-                        <a:t>SIFT</a:t>
-                      </a:r>
-                    </a:p>
-                  </a:txBody>
-                  <a:tcPr marL="12301" marR="12301" marT="12301" marB="0" anchor="b">
-                    <a:lnL>
-                      <a:noFill/>
-                    </a:lnL>
-                    <a:lnR w="6350" cap="flat" cmpd="sng" algn="ctr">
-                      <a:solidFill>
-                        <a:srgbClr val="FFFFFF"/>
-                      </a:solidFill>
-                      <a:prstDash val="solid"/>
-                      <a:round/>
-                      <a:headEnd type="none" w="med" len="med"/>
-                      <a:tailEnd type="none" w="med" len="med"/>
-                    </a:lnR>
-                    <a:lnT w="6350" cap="flat" cmpd="sng" algn="ctr">
-                      <a:solidFill>
-                        <a:srgbClr val="FFFFFF"/>
-                      </a:solidFill>
-                      <a:prstDash val="solid"/>
-                      <a:round/>
-                      <a:headEnd type="none" w="med" len="med"/>
-                      <a:tailEnd type="none" w="med" len="med"/>
-                    </a:lnT>
-                    <a:lnB w="6350" cap="flat" cmpd="sng" algn="ctr">
-                      <a:solidFill>
-                        <a:srgbClr val="FFFFFF"/>
-                      </a:solidFill>
-                      <a:prstDash val="solid"/>
-                      <a:round/>
-                      <a:headEnd type="none" w="med" len="med"/>
-                      <a:tailEnd type="none" w="med" len="med"/>
-                    </a:lnB>
-                    <a:solidFill>
-                      <a:srgbClr val="DCE6F1"/>
-                    </a:solidFill>
-                  </a:tcPr>
-                </a:tc>
-                <a:tc>
-                  <a:txBody>
-                    <a:bodyPr/>
-                    <a:lstStyle/>
-                    <a:p>
-                      <a:pPr algn="l" fontAlgn="b"/>
-                      <a:r>
-                        <a:rPr lang="en-US" sz="1200" b="0" i="0" u="none" strike="noStrike">
-                          <a:solidFill>
-                            <a:srgbClr val="000000"/>
-                          </a:solidFill>
-                          <a:effectLst/>
-                          <a:latin typeface="Calibri"/>
-                        </a:rPr>
-                        <a:t>GBM (depth =3, trees = 2000)</a:t>
-                      </a:r>
-                    </a:p>
-                  </a:txBody>
-                  <a:tcPr marL="12301" marR="12301" marT="12301" marB="0" anchor="b">
-                    <a:lnL w="6350" cap="flat" cmpd="sng" algn="ctr">
-                      <a:solidFill>
-                        <a:srgbClr val="FFFFFF"/>
-                      </a:solidFill>
-                      <a:prstDash val="solid"/>
-                      <a:round/>
-                      <a:headEnd type="none" w="med" len="med"/>
-                      <a:tailEnd type="none" w="med" len="med"/>
-                    </a:lnL>
-                    <a:lnR w="6350" cap="flat" cmpd="sng" algn="ctr">
-                      <a:solidFill>
-                        <a:srgbClr val="FFFFFF"/>
-                      </a:solidFill>
-                      <a:prstDash val="solid"/>
-                      <a:round/>
-                      <a:headEnd type="none" w="med" len="med"/>
-                      <a:tailEnd type="none" w="med" len="med"/>
-                    </a:lnR>
-                    <a:lnT w="6350" cap="flat" cmpd="sng" algn="ctr">
-                      <a:solidFill>
-                        <a:srgbClr val="FFFFFF"/>
-                      </a:solidFill>
-                      <a:prstDash val="solid"/>
-                      <a:round/>
-                      <a:headEnd type="none" w="med" len="med"/>
-                      <a:tailEnd type="none" w="med" len="med"/>
-                    </a:lnT>
-                    <a:lnB w="6350" cap="flat" cmpd="sng" algn="ctr">
-                      <a:solidFill>
-                        <a:srgbClr val="FFFFFF"/>
-                      </a:solidFill>
-                      <a:prstDash val="solid"/>
-                      <a:round/>
-                      <a:headEnd type="none" w="med" len="med"/>
-                      <a:tailEnd type="none" w="med" len="med"/>
-                    </a:lnB>
-                    <a:solidFill>
-                      <a:srgbClr val="DCE6F1"/>
-                    </a:solidFill>
-                  </a:tcPr>
-                </a:tc>
-                <a:tc>
-                  <a:txBody>
-                    <a:bodyPr/>
-                    <a:lstStyle/>
-                    <a:p>
-                      <a:pPr algn="r" fontAlgn="b"/>
-                      <a:r>
-                        <a:rPr lang="is-IS" sz="1200" b="0" i="0" u="none" strike="noStrike">
-                          <a:solidFill>
-                            <a:srgbClr val="000000"/>
-                          </a:solidFill>
-                          <a:effectLst/>
-                          <a:latin typeface="Calibri"/>
-                        </a:rPr>
-                        <a:t>67%</a:t>
-                      </a:r>
-                    </a:p>
-                  </a:txBody>
-                  <a:tcPr marL="12301" marR="12301" marT="12301" marB="0" anchor="b">
-                    <a:lnL w="6350" cap="flat" cmpd="sng" algn="ctr">
-                      <a:solidFill>
-                        <a:srgbClr val="FFFFFF"/>
-                      </a:solidFill>
-                      <a:prstDash val="solid"/>
-                      <a:round/>
-                      <a:headEnd type="none" w="med" len="med"/>
-                      <a:tailEnd type="none" w="med" len="med"/>
-                    </a:lnL>
-                    <a:lnR w="6350" cap="flat" cmpd="sng" algn="ctr">
-                      <a:solidFill>
-                        <a:srgbClr val="FFFFFF"/>
-                      </a:solidFill>
-                      <a:prstDash val="solid"/>
-                      <a:round/>
-                      <a:headEnd type="none" w="med" len="med"/>
-                      <a:tailEnd type="none" w="med" len="med"/>
-                    </a:lnR>
-                    <a:lnT w="6350" cap="flat" cmpd="sng" algn="ctr">
-                      <a:solidFill>
-                        <a:srgbClr val="FFFFFF"/>
-                      </a:solidFill>
-                      <a:prstDash val="solid"/>
-                      <a:round/>
-                      <a:headEnd type="none" w="med" len="med"/>
-                      <a:tailEnd type="none" w="med" len="med"/>
-                    </a:lnT>
-                    <a:lnB w="6350" cap="flat" cmpd="sng" algn="ctr">
-                      <a:solidFill>
-                        <a:srgbClr val="FFFFFF"/>
-                      </a:solidFill>
-                      <a:prstDash val="solid"/>
-                      <a:round/>
-                      <a:headEnd type="none" w="med" len="med"/>
-                      <a:tailEnd type="none" w="med" len="med"/>
-                    </a:lnB>
-                    <a:solidFill>
-                      <a:srgbClr val="DCE6F1"/>
-                    </a:solidFill>
-                  </a:tcPr>
-                </a:tc>
-                <a:tc>
-                  <a:txBody>
-                    <a:bodyPr/>
-                    <a:lstStyle/>
-                    <a:p>
-                      <a:pPr algn="r" fontAlgn="b"/>
-                      <a:r>
-                        <a:rPr lang="cs-CZ" sz="1200" b="0" i="0" u="none" strike="noStrike">
-                          <a:solidFill>
-                            <a:srgbClr val="000000"/>
-                          </a:solidFill>
-                          <a:effectLst/>
-                          <a:latin typeface="Calibri"/>
-                        </a:rPr>
-                        <a:t>1116</a:t>
-                      </a:r>
-                    </a:p>
-                  </a:txBody>
-                  <a:tcPr marL="12301" marR="12301" marT="12301" marB="0" anchor="b">
-                    <a:lnL w="6350" cap="flat" cmpd="sng" algn="ctr">
-                      <a:solidFill>
-                        <a:srgbClr val="FFFFFF"/>
-                      </a:solidFill>
-                      <a:prstDash val="solid"/>
-                      <a:round/>
-                      <a:headEnd type="none" w="med" len="med"/>
-                      <a:tailEnd type="none" w="med" len="med"/>
-                    </a:lnL>
-                    <a:lnR w="6350" cap="flat" cmpd="sng" algn="ctr">
-                      <a:solidFill>
-                        <a:srgbClr val="FFFFFF"/>
-                      </a:solidFill>
-                      <a:prstDash val="solid"/>
-                      <a:round/>
-                      <a:headEnd type="none" w="med" len="med"/>
-                      <a:tailEnd type="none" w="med" len="med"/>
-                    </a:lnR>
-                    <a:lnT w="6350" cap="flat" cmpd="sng" algn="ctr">
-                      <a:solidFill>
-                        <a:srgbClr val="FFFFFF"/>
-                      </a:solidFill>
-                      <a:prstDash val="solid"/>
-                      <a:round/>
-                      <a:headEnd type="none" w="med" len="med"/>
-                      <a:tailEnd type="none" w="med" len="med"/>
-                    </a:lnT>
-                    <a:lnB w="6350" cap="flat" cmpd="sng" algn="ctr">
-                      <a:solidFill>
-                        <a:srgbClr val="FFFFFF"/>
-                      </a:solidFill>
-                      <a:prstDash val="solid"/>
-                      <a:round/>
-                      <a:headEnd type="none" w="med" len="med"/>
-                      <a:tailEnd type="none" w="med" len="med"/>
-                    </a:lnB>
-                    <a:solidFill>
-                      <a:srgbClr val="DCE6F1"/>
-                    </a:solidFill>
-                  </a:tcPr>
-                </a:tc>
-                <a:tc>
-                  <a:txBody>
-                    <a:bodyPr/>
-                    <a:lstStyle/>
-                    <a:p>
-                      <a:pPr algn="r" fontAlgn="b"/>
-                      <a:r>
-                        <a:rPr lang="is-IS" sz="1200" b="0" i="0" u="none" strike="noStrike">
-                          <a:solidFill>
-                            <a:srgbClr val="000000"/>
-                          </a:solidFill>
-                          <a:effectLst/>
-                          <a:latin typeface="Calibri"/>
-                        </a:rPr>
-                        <a:t>0.000600358</a:t>
-                      </a:r>
-                    </a:p>
-                  </a:txBody>
-                  <a:tcPr marL="12301" marR="12301" marT="12301" marB="0" anchor="b">
-                    <a:lnL w="6350" cap="flat" cmpd="sng" algn="ctr">
-                      <a:solidFill>
-                        <a:srgbClr val="FFFFFF"/>
-                      </a:solidFill>
-                      <a:prstDash val="solid"/>
-                      <a:round/>
-                      <a:headEnd type="none" w="med" len="med"/>
-                      <a:tailEnd type="none" w="med" len="med"/>
-                    </a:lnL>
-                    <a:lnR>
-                      <a:noFill/>
-                    </a:lnR>
-                    <a:lnT w="6350" cap="flat" cmpd="sng" algn="ctr">
-                      <a:solidFill>
-                        <a:srgbClr val="FFFFFF"/>
-                      </a:solidFill>
-                      <a:prstDash val="solid"/>
-                      <a:round/>
-                      <a:headEnd type="none" w="med" len="med"/>
-                      <a:tailEnd type="none" w="med" len="med"/>
-                    </a:lnT>
-                    <a:lnB w="6350" cap="flat" cmpd="sng" algn="ctr">
-                      <a:solidFill>
-                        <a:srgbClr val="FFFFFF"/>
-                      </a:solidFill>
-                      <a:prstDash val="solid"/>
-                      <a:round/>
-                      <a:headEnd type="none" w="med" len="med"/>
-                      <a:tailEnd type="none" w="med" len="med"/>
-                    </a:lnB>
-                    <a:solidFill>
-                      <a:srgbClr val="DCE6F1"/>
-                    </a:solidFill>
-                  </a:tcPr>
-                </a:tc>
-              </a:tr>
-              <a:tr h="189441">
-                <a:tc>
-                  <a:txBody>
-                    <a:bodyPr/>
-                    <a:lstStyle/>
-                    <a:p>
-                      <a:pPr algn="l" fontAlgn="b"/>
-                      <a:r>
-                        <a:rPr lang="en-US" sz="1200" b="0" i="0" u="none" strike="noStrike">
-                          <a:solidFill>
-                            <a:srgbClr val="000000"/>
-                          </a:solidFill>
-                          <a:effectLst/>
-                          <a:latin typeface="Calibri"/>
-                        </a:rPr>
-                        <a:t>SIFT</a:t>
-                      </a:r>
-                    </a:p>
-                  </a:txBody>
-                  <a:tcPr marL="12301" marR="12301" marT="12301" marB="0" anchor="b">
-                    <a:lnL>
-                      <a:noFill/>
-                    </a:lnL>
-                    <a:lnR w="6350" cap="flat" cmpd="sng" algn="ctr">
-                      <a:solidFill>
-                        <a:srgbClr val="FFFFFF"/>
-                      </a:solidFill>
-                      <a:prstDash val="solid"/>
-                      <a:round/>
-                      <a:headEnd type="none" w="med" len="med"/>
-                      <a:tailEnd type="none" w="med" len="med"/>
-                    </a:lnR>
-                    <a:lnT w="6350" cap="flat" cmpd="sng" algn="ctr">
-                      <a:solidFill>
-                        <a:srgbClr val="FFFFFF"/>
-                      </a:solidFill>
-                      <a:prstDash val="solid"/>
-                      <a:round/>
-                      <a:headEnd type="none" w="med" len="med"/>
-                      <a:tailEnd type="none" w="med" len="med"/>
-                    </a:lnT>
-                    <a:lnB w="6350" cap="flat" cmpd="sng" algn="ctr">
-                      <a:solidFill>
-                        <a:srgbClr val="FFFFFF"/>
-                      </a:solidFill>
-                      <a:prstDash val="solid"/>
-                      <a:round/>
-                      <a:headEnd type="none" w="med" len="med"/>
-                      <a:tailEnd type="none" w="med" len="med"/>
-                    </a:lnB>
-                    <a:solidFill>
-                      <a:srgbClr val="B8CCE4"/>
-                    </a:solidFill>
-                  </a:tcPr>
-                </a:tc>
-                <a:tc>
-                  <a:txBody>
-                    <a:bodyPr/>
-                    <a:lstStyle/>
-                    <a:p>
-                      <a:pPr algn="l" fontAlgn="b"/>
-                      <a:r>
-                        <a:rPr lang="en-US" sz="1200" b="0" i="0" u="none" strike="noStrike" dirty="0">
-                          <a:solidFill>
-                            <a:srgbClr val="000000"/>
-                          </a:solidFill>
-                          <a:effectLst/>
-                          <a:latin typeface="Calibri"/>
-                        </a:rPr>
-                        <a:t>GBM (depth = 5, trees = 1955)</a:t>
-                      </a:r>
-                    </a:p>
-                  </a:txBody>
-                  <a:tcPr marL="12301" marR="12301" marT="12301" marB="0" anchor="b">
-                    <a:lnL w="6350" cap="flat" cmpd="sng" algn="ctr">
-                      <a:solidFill>
-                        <a:srgbClr val="FFFFFF"/>
-                      </a:solidFill>
-                      <a:prstDash val="solid"/>
-                      <a:round/>
-                      <a:headEnd type="none" w="med" len="med"/>
-                      <a:tailEnd type="none" w="med" len="med"/>
-                    </a:lnL>
-                    <a:lnR w="6350" cap="flat" cmpd="sng" algn="ctr">
-                      <a:solidFill>
-                        <a:srgbClr val="FFFFFF"/>
-                      </a:solidFill>
-                      <a:prstDash val="solid"/>
-                      <a:round/>
-                      <a:headEnd type="none" w="med" len="med"/>
-                      <a:tailEnd type="none" w="med" len="med"/>
-                    </a:lnR>
-                    <a:lnT w="6350" cap="flat" cmpd="sng" algn="ctr">
-                      <a:solidFill>
-                        <a:srgbClr val="FFFFFF"/>
-                      </a:solidFill>
-                      <a:prstDash val="solid"/>
-                      <a:round/>
-                      <a:headEnd type="none" w="med" len="med"/>
-                      <a:tailEnd type="none" w="med" len="med"/>
-                    </a:lnT>
-                    <a:lnB w="6350" cap="flat" cmpd="sng" algn="ctr">
-                      <a:solidFill>
-                        <a:srgbClr val="FFFFFF"/>
-                      </a:solidFill>
-                      <a:prstDash val="solid"/>
-                      <a:round/>
-                      <a:headEnd type="none" w="med" len="med"/>
-                      <a:tailEnd type="none" w="med" len="med"/>
-                    </a:lnB>
-                    <a:solidFill>
-                      <a:srgbClr val="B8CCE4"/>
-                    </a:solidFill>
-                  </a:tcPr>
-                </a:tc>
-                <a:tc>
-                  <a:txBody>
-                    <a:bodyPr/>
-                    <a:lstStyle/>
-                    <a:p>
-                      <a:pPr algn="r" fontAlgn="b"/>
-                      <a:r>
-                        <a:rPr lang="pt-BR" sz="1200" b="0" i="0" u="none" strike="noStrike">
-                          <a:solidFill>
-                            <a:srgbClr val="000000"/>
-                          </a:solidFill>
-                          <a:effectLst/>
-                          <a:latin typeface="Calibri"/>
-                        </a:rPr>
-                        <a:t>69%</a:t>
-                      </a:r>
-                    </a:p>
-                  </a:txBody>
-                  <a:tcPr marL="12301" marR="12301" marT="12301" marB="0" anchor="b">
-                    <a:lnL w="6350" cap="flat" cmpd="sng" algn="ctr">
-                      <a:solidFill>
-                        <a:srgbClr val="FFFFFF"/>
-                      </a:solidFill>
-                      <a:prstDash val="solid"/>
-                      <a:round/>
-                      <a:headEnd type="none" w="med" len="med"/>
-                      <a:tailEnd type="none" w="med" len="med"/>
-                    </a:lnL>
-                    <a:lnR w="6350" cap="flat" cmpd="sng" algn="ctr">
-                      <a:solidFill>
-                        <a:srgbClr val="FFFFFF"/>
-                      </a:solidFill>
-                      <a:prstDash val="solid"/>
-                      <a:round/>
-                      <a:headEnd type="none" w="med" len="med"/>
-                      <a:tailEnd type="none" w="med" len="med"/>
-                    </a:lnR>
-                    <a:lnT w="6350" cap="flat" cmpd="sng" algn="ctr">
-                      <a:solidFill>
-                        <a:srgbClr val="FFFFFF"/>
-                      </a:solidFill>
-                      <a:prstDash val="solid"/>
-                      <a:round/>
-                      <a:headEnd type="none" w="med" len="med"/>
-                      <a:tailEnd type="none" w="med" len="med"/>
-                    </a:lnT>
-                    <a:lnB w="6350" cap="flat" cmpd="sng" algn="ctr">
-                      <a:solidFill>
-                        <a:srgbClr val="FFFFFF"/>
-                      </a:solidFill>
-                      <a:prstDash val="solid"/>
-                      <a:round/>
-                      <a:headEnd type="none" w="med" len="med"/>
-                      <a:tailEnd type="none" w="med" len="med"/>
-                    </a:lnB>
-                    <a:solidFill>
-                      <a:srgbClr val="B8CCE4"/>
-                    </a:solidFill>
-                  </a:tcPr>
-                </a:tc>
-                <a:tc>
-                  <a:txBody>
-                    <a:bodyPr/>
-                    <a:lstStyle/>
-                    <a:p>
-                      <a:pPr algn="r" fontAlgn="b"/>
-                      <a:r>
-                        <a:rPr lang="fi-FI" sz="1200" b="0" i="0" u="none" strike="noStrike">
-                          <a:solidFill>
-                            <a:srgbClr val="000000"/>
-                          </a:solidFill>
-                          <a:effectLst/>
-                          <a:latin typeface="Calibri"/>
-                        </a:rPr>
-                        <a:t>1860</a:t>
-                      </a:r>
-                    </a:p>
-                  </a:txBody>
-                  <a:tcPr marL="12301" marR="12301" marT="12301" marB="0" anchor="b">
-                    <a:lnL w="6350" cap="flat" cmpd="sng" algn="ctr">
-                      <a:solidFill>
-                        <a:srgbClr val="FFFFFF"/>
-                      </a:solidFill>
-                      <a:prstDash val="solid"/>
-                      <a:round/>
-                      <a:headEnd type="none" w="med" len="med"/>
-                      <a:tailEnd type="none" w="med" len="med"/>
-                    </a:lnL>
-                    <a:lnR w="6350" cap="flat" cmpd="sng" algn="ctr">
-                      <a:solidFill>
-                        <a:srgbClr val="FFFFFF"/>
-                      </a:solidFill>
-                      <a:prstDash val="solid"/>
-                      <a:round/>
-                      <a:headEnd type="none" w="med" len="med"/>
-                      <a:tailEnd type="none" w="med" len="med"/>
-                    </a:lnR>
-                    <a:lnT w="6350" cap="flat" cmpd="sng" algn="ctr">
-                      <a:solidFill>
-                        <a:srgbClr val="FFFFFF"/>
-                      </a:solidFill>
-                      <a:prstDash val="solid"/>
-                      <a:round/>
-                      <a:headEnd type="none" w="med" len="med"/>
-                      <a:tailEnd type="none" w="med" len="med"/>
-                    </a:lnT>
-                    <a:lnB w="6350" cap="flat" cmpd="sng" algn="ctr">
-                      <a:solidFill>
-                        <a:srgbClr val="FFFFFF"/>
-                      </a:solidFill>
-                      <a:prstDash val="solid"/>
-                      <a:round/>
-                      <a:headEnd type="none" w="med" len="med"/>
-                      <a:tailEnd type="none" w="med" len="med"/>
-                    </a:lnB>
-                    <a:solidFill>
-                      <a:srgbClr val="B8CCE4"/>
-                    </a:solidFill>
-                  </a:tcPr>
-                </a:tc>
-                <a:tc>
-                  <a:txBody>
-                    <a:bodyPr/>
-                    <a:lstStyle/>
-                    <a:p>
-                      <a:pPr algn="r" fontAlgn="b"/>
-                      <a:r>
-                        <a:rPr lang="is-IS" sz="1200" b="0" i="0" u="none" strike="noStrike" dirty="0">
-                          <a:solidFill>
-                            <a:srgbClr val="000000"/>
-                          </a:solidFill>
-                          <a:effectLst/>
-                          <a:latin typeface="Calibri"/>
-                        </a:rPr>
-                        <a:t>0.000370968</a:t>
-                      </a:r>
-                    </a:p>
-                  </a:txBody>
-                  <a:tcPr marL="12301" marR="12301" marT="12301" marB="0" anchor="b">
-                    <a:lnL w="6350" cap="flat" cmpd="sng" algn="ctr">
-                      <a:solidFill>
-                        <a:srgbClr val="FFFFFF"/>
-                      </a:solidFill>
-                      <a:prstDash val="solid"/>
-                      <a:round/>
-                      <a:headEnd type="none" w="med" len="med"/>
-                      <a:tailEnd type="none" w="med" len="med"/>
-                    </a:lnL>
-                    <a:lnR>
-                      <a:noFill/>
-                    </a:lnR>
-                    <a:lnT w="6350" cap="flat" cmpd="sng" algn="ctr">
-                      <a:solidFill>
-                        <a:srgbClr val="FFFFFF"/>
-                      </a:solidFill>
-                      <a:prstDash val="solid"/>
-                      <a:round/>
-                      <a:headEnd type="none" w="med" len="med"/>
-                      <a:tailEnd type="none" w="med" len="med"/>
-                    </a:lnT>
-                    <a:lnB w="6350" cap="flat" cmpd="sng" algn="ctr">
-                      <a:solidFill>
-                        <a:srgbClr val="FFFFFF"/>
-                      </a:solidFill>
-                      <a:prstDash val="solid"/>
-                      <a:round/>
-                      <a:headEnd type="none" w="med" len="med"/>
-                      <a:tailEnd type="none" w="med" len="med"/>
-                    </a:lnB>
-                    <a:solidFill>
-                      <a:srgbClr val="B8CCE4"/>
-                    </a:solidFill>
-                  </a:tcPr>
-                </a:tc>
-              </a:tr>
-            </a:tbl>
-          </a:graphicData>
-        </a:graphic>
-      </p:graphicFrame>
-      <p:graphicFrame>
-        <p:nvGraphicFramePr>
-          <p:cNvPr id="14" name="Table 13"/>
-          <p:cNvGraphicFramePr>
-            <a:graphicFrameLocks noGrp="1"/>
-          </p:cNvGraphicFramePr>
-          <p:nvPr>
-            <p:extLst>
-              <p:ext uri="{D42A27DB-BD31-4B8C-83A1-F6EECF244321}">
-                <p14:modId xmlns:p14="http://schemas.microsoft.com/office/powerpoint/2010/main" val="71952210"/>
-              </p:ext>
-            </p:extLst>
-          </p:nvPr>
-        </p:nvGraphicFramePr>
-        <p:xfrm>
-          <a:off x="457200" y="3888803"/>
-          <a:ext cx="8229601" cy="780724"/>
-        </p:xfrm>
-        <a:graphic>
-          <a:graphicData uri="http://schemas.openxmlformats.org/drawingml/2006/table">
-            <a:tbl>
-              <a:tblPr/>
-              <a:tblGrid>
-                <a:gridCol w="1525367"/>
-                <a:gridCol w="2657091"/>
-                <a:gridCol w="1943613"/>
-                <a:gridCol w="799587"/>
-                <a:gridCol w="1303943"/>
-              </a:tblGrid>
-              <a:tr h="189441">
-                <a:tc>
-                  <a:txBody>
-                    <a:bodyPr/>
-                    <a:lstStyle/>
-                    <a:p>
-                      <a:pPr algn="l" fontAlgn="b"/>
-                      <a:r>
-                        <a:rPr lang="en-US" sz="1200" b="1" i="0" u="sng" strike="noStrike">
-                          <a:solidFill>
-                            <a:srgbClr val="FFFFFF"/>
-                          </a:solidFill>
-                          <a:effectLst/>
-                          <a:latin typeface="Calibri"/>
-                        </a:rPr>
-                        <a:t>Feature</a:t>
-                      </a:r>
-                    </a:p>
-                  </a:txBody>
-                  <a:tcPr marL="12301" marR="12301" marT="12301" marB="0" anchor="b">
-                    <a:lnL>
-                      <a:noFill/>
-                    </a:lnL>
-                    <a:lnR w="6350" cap="flat" cmpd="sng" algn="ctr">
-                      <a:solidFill>
-                        <a:srgbClr val="FFFFFF"/>
-                      </a:solidFill>
-                      <a:prstDash val="solid"/>
-                      <a:round/>
-                      <a:headEnd type="none" w="med" len="med"/>
-                      <a:tailEnd type="none" w="med" len="med"/>
-                    </a:lnR>
-                    <a:lnT>
-                      <a:noFill/>
-                    </a:lnT>
-                    <a:lnB w="6350" cap="flat" cmpd="sng" algn="ctr">
-                      <a:solidFill>
-                        <a:srgbClr val="FFFFFF"/>
-                      </a:solidFill>
-                      <a:prstDash val="solid"/>
-                      <a:round/>
-                      <a:headEnd type="none" w="med" len="med"/>
-                      <a:tailEnd type="none" w="med" len="med"/>
-                    </a:lnB>
-                    <a:solidFill>
-                      <a:srgbClr val="4F81BD"/>
-                    </a:solidFill>
-                  </a:tcPr>
-                </a:tc>
-                <a:tc>
-                  <a:txBody>
-                    <a:bodyPr/>
-                    <a:lstStyle/>
-                    <a:p>
-                      <a:pPr algn="l" fontAlgn="b"/>
-                      <a:r>
-                        <a:rPr lang="en-US" sz="1200" b="1" i="0" u="sng" strike="noStrike">
-                          <a:solidFill>
-                            <a:srgbClr val="FFFFFF"/>
-                          </a:solidFill>
-                          <a:effectLst/>
-                          <a:latin typeface="Calibri"/>
-                        </a:rPr>
-                        <a:t>Model</a:t>
-                      </a:r>
-                    </a:p>
-                  </a:txBody>
-                  <a:tcPr marL="12301" marR="12301" marT="12301" marB="0" anchor="b">
-                    <a:lnL w="6350" cap="flat" cmpd="sng" algn="ctr">
-                      <a:solidFill>
-                        <a:srgbClr val="FFFFFF"/>
-                      </a:solidFill>
-                      <a:prstDash val="solid"/>
-                      <a:round/>
-                      <a:headEnd type="none" w="med" len="med"/>
-                      <a:tailEnd type="none" w="med" len="med"/>
-                    </a:lnL>
-                    <a:lnR w="6350" cap="flat" cmpd="sng" algn="ctr">
-                      <a:solidFill>
-                        <a:srgbClr val="FFFFFF"/>
-                      </a:solidFill>
-                      <a:prstDash val="solid"/>
-                      <a:round/>
-                      <a:headEnd type="none" w="med" len="med"/>
-                      <a:tailEnd type="none" w="med" len="med"/>
-                    </a:lnR>
-                    <a:lnT>
-                      <a:noFill/>
-                    </a:lnT>
-                    <a:lnB w="6350" cap="flat" cmpd="sng" algn="ctr">
-                      <a:solidFill>
-                        <a:srgbClr val="FFFFFF"/>
-                      </a:solidFill>
-                      <a:prstDash val="solid"/>
-                      <a:round/>
-                      <a:headEnd type="none" w="med" len="med"/>
-                      <a:tailEnd type="none" w="med" len="med"/>
-                    </a:lnB>
-                    <a:solidFill>
-                      <a:srgbClr val="4F81BD"/>
-                    </a:solidFill>
-                  </a:tcPr>
-                </a:tc>
-                <a:tc>
-                  <a:txBody>
-                    <a:bodyPr/>
-                    <a:lstStyle/>
-                    <a:p>
-                      <a:pPr algn="l" fontAlgn="b"/>
-                      <a:r>
                         <a:rPr lang="en-US" sz="1200" b="1" i="0" u="sng" strike="noStrike" dirty="0">
                           <a:solidFill>
                             <a:srgbClr val="FFFFFF"/>
@@ -6529,7 +6235,7 @@
                     <a:p>
                       <a:pPr algn="r" fontAlgn="b"/>
                       <a:r>
-                        <a:rPr lang="hr-HR" sz="1200" b="0" i="0" u="none" strike="noStrike">
+                        <a:rPr lang="hr-HR" sz="1200" b="0" i="0" u="none" strike="noStrike" dirty="0">
                           <a:solidFill>
                             <a:srgbClr val="000000"/>
                           </a:solidFill>
@@ -6589,15 +6295,22 @@
                     <a:p>
                       <a:pPr algn="r" fontAlgn="b"/>
                       <a:r>
-                        <a:rPr lang="is-IS" sz="1200" b="0" i="0" u="none" strike="noStrike">
+                        <a:rPr lang="is-IS" sz="1200" b="0" i="0" u="none" strike="noStrike" dirty="0" smtClean="0">
                           <a:solidFill>
                             <a:srgbClr val="000000"/>
                           </a:solidFill>
                           <a:effectLst/>
                           <a:latin typeface="Calibri"/>
                         </a:rPr>
-                        <a:t>372</a:t>
+                        <a:t>1117</a:t>
                       </a:r>
+                      <a:endParaRPr lang="is-IS" sz="1200" b="0" i="0" u="none" strike="noStrike" dirty="0">
+                        <a:solidFill>
+                          <a:srgbClr val="000000"/>
+                        </a:solidFill>
+                        <a:effectLst/>
+                        <a:latin typeface="Calibri"/>
+                      </a:endParaRPr>
                     </a:p>
                   </a:txBody>
                   <a:tcPr marL="12301" marR="12301" marT="12301" marB="0" anchor="b">
@@ -6649,18 +6362,18 @@
                     <a:p>
                       <a:pPr algn="r" fontAlgn="b"/>
                       <a:r>
-                        <a:rPr lang="is-IS" sz="1200" b="0" i="0" u="none" strike="noStrike">
+                        <a:rPr lang="is-IS" sz="1200" b="0" i="0" u="none" strike="noStrike" dirty="0">
                           <a:solidFill>
                             <a:srgbClr val="000000"/>
                           </a:solidFill>
                           <a:effectLst/>
                           <a:latin typeface="Calibri"/>
                         </a:rPr>
-                        <a:t>0.001780914</a:t>
+                        <a:t>0.000593107</a:t>
                       </a:r>
                     </a:p>
                   </a:txBody>
-                  <a:tcPr marL="12301" marR="12301" marT="12301" marB="0" anchor="b">
+                  <a:tcPr marL="12700" marR="12700" marT="12700" marB="0" anchor="b">
                     <a:lnL w="6350" cap="flat" cmpd="sng" algn="ctr">
                       <a:solidFill>
                         <a:srgbClr val="FFFFFF"/>
@@ -6697,7 +6410,7 @@
                   </a:tcPr>
                 </a:tc>
               </a:tr>
-              <a:tr h="189441">
+              <a:tr h="181311">
                 <a:tc>
                   <a:txBody>
                     <a:bodyPr/>
@@ -6705,7 +6418,7 @@
                     <a:p>
                       <a:pPr algn="l" fontAlgn="b"/>
                       <a:r>
-                        <a:rPr lang="en-US" sz="1200" b="0" i="0" u="none" strike="noStrike">
+                        <a:rPr lang="en-US" sz="1200" b="0" i="0" u="none" strike="noStrike" dirty="0">
                           <a:solidFill>
                             <a:srgbClr val="000000"/>
                           </a:solidFill>
@@ -6759,7 +6472,7 @@
                     <a:p>
                       <a:pPr algn="l" fontAlgn="b"/>
                       <a:r>
-                        <a:rPr lang="en-US" sz="1200" b="0" i="0" u="none" strike="noStrike">
+                        <a:rPr lang="en-US" sz="1200" b="0" i="0" u="none" strike="noStrike" dirty="0">
                           <a:solidFill>
                             <a:srgbClr val="000000"/>
                           </a:solidFill>
@@ -6879,18 +6592,18 @@
                     <a:p>
                       <a:pPr algn="r" fontAlgn="b"/>
                       <a:r>
-                        <a:rPr lang="is-IS" sz="1200" b="0" i="0" u="none" strike="noStrike">
+                        <a:rPr lang="uk-UA" sz="1200" b="0" i="0" u="none" strike="noStrike">
                           <a:solidFill>
                             <a:srgbClr val="000000"/>
                           </a:solidFill>
                           <a:effectLst/>
                           <a:latin typeface="Calibri"/>
                         </a:rPr>
-                        <a:t>372</a:t>
+                        <a:t>1390</a:t>
                       </a:r>
                     </a:p>
                   </a:txBody>
-                  <a:tcPr marL="12301" marR="12301" marT="12301" marB="0" anchor="b">
+                  <a:tcPr marL="12700" marR="12700" marT="12700" marB="0" anchor="b">
                     <a:lnL w="6350" cap="flat" cmpd="sng" algn="ctr">
                       <a:solidFill>
                         <a:srgbClr val="FFFFFF"/>
@@ -6939,18 +6652,18 @@
                     <a:p>
                       <a:pPr algn="r" fontAlgn="b"/>
                       <a:r>
-                        <a:rPr lang="is-IS" sz="1200" b="0" i="0" u="none" strike="noStrike">
+                        <a:rPr lang="is-IS" sz="1200" b="0" i="0" u="none" strike="noStrike" dirty="0">
                           <a:solidFill>
                             <a:srgbClr val="000000"/>
                           </a:solidFill>
                           <a:effectLst/>
                           <a:latin typeface="Calibri"/>
                         </a:rPr>
-                        <a:t>0.002096774</a:t>
+                        <a:t>0.000561151</a:t>
                       </a:r>
                     </a:p>
                   </a:txBody>
-                  <a:tcPr marL="12301" marR="12301" marT="12301" marB="0" anchor="b">
+                  <a:tcPr marL="12700" marR="12700" marT="12700" marB="0" anchor="b">
                     <a:lnL w="6350" cap="flat" cmpd="sng" algn="ctr">
                       <a:solidFill>
                         <a:srgbClr val="FFFFFF"/>
@@ -7163,18 +6876,18 @@
                     <a:p>
                       <a:pPr algn="r" fontAlgn="b"/>
                       <a:r>
-                        <a:rPr lang="en-US" sz="1200" b="0" i="0" u="none" strike="noStrike">
+                        <a:rPr lang="is-IS" sz="1200" b="0" i="0" u="none" strike="noStrike">
                           <a:solidFill>
                             <a:srgbClr val="000000"/>
                           </a:solidFill>
                           <a:effectLst/>
                           <a:latin typeface="Calibri"/>
                         </a:rPr>
-                        <a:t>417</a:t>
+                        <a:t>1251</a:t>
                       </a:r>
                     </a:p>
                   </a:txBody>
-                  <a:tcPr marL="12301" marR="12301" marT="12301" marB="0" anchor="b">
+                  <a:tcPr marL="12700" marR="12700" marT="12700" marB="0" anchor="b">
                     <a:lnL w="6350" cap="flat" cmpd="sng" algn="ctr">
                       <a:solidFill>
                         <a:srgbClr val="FFFFFF"/>
@@ -7224,11 +6937,11 @@
                           <a:effectLst/>
                           <a:latin typeface="Calibri"/>
                         </a:rPr>
-                        <a:t>0.00192446</a:t>
+                        <a:t>0.000641487</a:t>
                       </a:r>
                     </a:p>
                   </a:txBody>
-                  <a:tcPr marL="12301" marR="12301" marT="12301" marB="0" anchor="b">
+                  <a:tcPr marL="12700" marR="12700" marT="12700" marB="0" anchor="b">
                     <a:lnL w="6350" cap="flat" cmpd="sng" algn="ctr">
                       <a:solidFill>
                         <a:srgbClr val="FFFFFF"/>

--- a/doc/Image Presentation.pptx
+++ b/doc/Image Presentation.pptx
@@ -6,10 +6,10 @@
   </p:sldMasterIdLst>
   <p:sldIdLst>
     <p:sldId id="256" r:id="rId2"/>
-    <p:sldId id="259" r:id="rId3"/>
-    <p:sldId id="257" r:id="rId4"/>
-    <p:sldId id="261" r:id="rId5"/>
-    <p:sldId id="258" r:id="rId6"/>
+    <p:sldId id="257" r:id="rId3"/>
+    <p:sldId id="261" r:id="rId4"/>
+    <p:sldId id="258" r:id="rId5"/>
+    <p:sldId id="259" r:id="rId6"/>
   </p:sldIdLst>
   <p:sldSz cx="9144000" cy="6858000" type="screen4x3"/>
   <p:notesSz cx="6858000" cy="9144000"/>
@@ -3568,6 +3568,545 @@
           <a:p>
             <a:r>
               <a:rPr lang="en-US" dirty="0" smtClean="0"/>
+              <a:t>Features: SURF</a:t>
+            </a:r>
+            <a:endParaRPr lang="en-US" dirty="0"/>
+          </a:p>
+        </p:txBody>
+      </p:sp>
+      <p:sp>
+        <p:nvSpPr>
+          <p:cNvPr id="3" name="Content Placeholder 2"/>
+          <p:cNvSpPr>
+            <a:spLocks noGrp="1"/>
+          </p:cNvSpPr>
+          <p:nvPr>
+            <p:ph idx="1"/>
+          </p:nvPr>
+        </p:nvSpPr>
+        <p:spPr/>
+        <p:txBody>
+          <a:bodyPr/>
+          <a:lstStyle/>
+          <a:p>
+            <a:pPr marL="0" indent="0">
+              <a:buNone/>
+            </a:pPr>
+            <a:r>
+              <a:rPr lang="en-US" dirty="0" smtClean="0"/>
+              <a:t>Speeded Up Robust Features</a:t>
+            </a:r>
+          </a:p>
+          <a:p>
+            <a:pPr lvl="1"/>
+            <a:r>
+              <a:rPr lang="en-US" dirty="0" smtClean="0"/>
+              <a:t>Inspired by SIFT</a:t>
+            </a:r>
+          </a:p>
+          <a:p>
+            <a:pPr lvl="1"/>
+            <a:r>
+              <a:rPr lang="en-US" dirty="0" err="1" smtClean="0"/>
+              <a:t>MiniBatchK</a:t>
+            </a:r>
+            <a:r>
+              <a:rPr lang="en-US" dirty="0" smtClean="0"/>
+              <a:t>-means with 5500 centroids</a:t>
+            </a:r>
+          </a:p>
+          <a:p>
+            <a:endParaRPr lang="en-US" dirty="0"/>
+          </a:p>
+        </p:txBody>
+      </p:sp>
+      <p:pic>
+        <p:nvPicPr>
+          <p:cNvPr id="4" name="Picture 3" descr="Screen Shot 2016-11-02 at 1.12.45 PM.png"/>
+          <p:cNvPicPr>
+            <a:picLocks noChangeAspect="1"/>
+          </p:cNvPicPr>
+          <p:nvPr/>
+        </p:nvPicPr>
+        <p:blipFill>
+          <a:blip r:embed="rId2">
+            <a:extLst>
+              <a:ext uri="{28A0092B-C50C-407E-A947-70E740481C1C}">
+                <a14:useLocalDpi xmlns:a14="http://schemas.microsoft.com/office/drawing/2010/main" val="0"/>
+              </a:ext>
+            </a:extLst>
+          </a:blip>
+          <a:stretch>
+            <a:fillRect/>
+          </a:stretch>
+        </p:blipFill>
+        <p:spPr>
+          <a:xfrm>
+            <a:off x="927099" y="3683000"/>
+            <a:ext cx="7446705" cy="2041525"/>
+          </a:xfrm>
+          <a:prstGeom prst="rect">
+            <a:avLst/>
+          </a:prstGeom>
+        </p:spPr>
+      </p:pic>
+    </p:spTree>
+    <p:extLst>
+      <p:ext uri="{BB962C8B-B14F-4D97-AF65-F5344CB8AC3E}">
+        <p14:creationId xmlns:p14="http://schemas.microsoft.com/office/powerpoint/2010/main" val="4174495977"/>
+      </p:ext>
+    </p:extLst>
+  </p:cSld>
+  <p:clrMapOvr>
+    <a:masterClrMapping/>
+  </p:clrMapOvr>
+</p:sld>
+</file>
+
+<file path=ppt/slides/slide3.xml><?xml version="1.0" encoding="utf-8"?>
+<p:sld xmlns:a="http://schemas.openxmlformats.org/drawingml/2006/main" xmlns:r="http://schemas.openxmlformats.org/officeDocument/2006/relationships" xmlns:p="http://schemas.openxmlformats.org/presentationml/2006/main">
+  <p:cSld>
+    <p:spTree>
+      <p:nvGrpSpPr>
+        <p:cNvPr id="1" name=""/>
+        <p:cNvGrpSpPr/>
+        <p:nvPr/>
+      </p:nvGrpSpPr>
+      <p:grpSpPr>
+        <a:xfrm>
+          <a:off x="0" y="0"/>
+          <a:ext cx="0" cy="0"/>
+          <a:chOff x="0" y="0"/>
+          <a:chExt cx="0" cy="0"/>
+        </a:xfrm>
+      </p:grpSpPr>
+      <p:sp>
+        <p:nvSpPr>
+          <p:cNvPr id="2" name="Title 1"/>
+          <p:cNvSpPr>
+            <a:spLocks noGrp="1"/>
+          </p:cNvSpPr>
+          <p:nvPr>
+            <p:ph type="ctrTitle"/>
+          </p:nvPr>
+        </p:nvSpPr>
+        <p:spPr>
+          <a:xfrm>
+            <a:off x="872291" y="469232"/>
+            <a:ext cx="6858000" cy="911141"/>
+          </a:xfrm>
+        </p:spPr>
+        <p:txBody>
+          <a:bodyPr>
+            <a:normAutofit/>
+          </a:bodyPr>
+          <a:lstStyle/>
+          <a:p>
+            <a:r>
+              <a:rPr lang="en-US" sz="4000" dirty="0" smtClean="0"/>
+              <a:t>Features: Color Distribution</a:t>
+            </a:r>
+            <a:endParaRPr lang="en-US" sz="4000" dirty="0"/>
+          </a:p>
+        </p:txBody>
+      </p:sp>
+      <p:pic>
+        <p:nvPicPr>
+          <p:cNvPr id="5" name="Picture 4"/>
+          <p:cNvPicPr>
+            <a:picLocks noChangeAspect="1"/>
+          </p:cNvPicPr>
+          <p:nvPr/>
+        </p:nvPicPr>
+        <p:blipFill>
+          <a:blip r:embed="rId2">
+            <a:extLst>
+              <a:ext uri="{28A0092B-C50C-407E-A947-70E740481C1C}">
+                <a14:useLocalDpi xmlns:a14="http://schemas.microsoft.com/office/drawing/2010/main" val="0"/>
+              </a:ext>
+            </a:extLst>
+          </a:blip>
+          <a:stretch>
+            <a:fillRect/>
+          </a:stretch>
+        </p:blipFill>
+        <p:spPr>
+          <a:xfrm>
+            <a:off x="2769744" y="1975239"/>
+            <a:ext cx="1197671" cy="2164309"/>
+          </a:xfrm>
+          <a:prstGeom prst="rect">
+            <a:avLst/>
+          </a:prstGeom>
+        </p:spPr>
+      </p:pic>
+      <p:pic>
+        <p:nvPicPr>
+          <p:cNvPr id="6" name="Picture 5"/>
+          <p:cNvPicPr>
+            <a:picLocks noChangeAspect="1"/>
+          </p:cNvPicPr>
+          <p:nvPr/>
+        </p:nvPicPr>
+        <p:blipFill>
+          <a:blip r:embed="rId3">
+            <a:extLst>
+              <a:ext uri="{28A0092B-C50C-407E-A947-70E740481C1C}">
+                <a14:useLocalDpi xmlns:a14="http://schemas.microsoft.com/office/drawing/2010/main" val="0"/>
+              </a:ext>
+            </a:extLst>
+          </a:blip>
+          <a:stretch>
+            <a:fillRect/>
+          </a:stretch>
+        </p:blipFill>
+        <p:spPr>
+          <a:xfrm>
+            <a:off x="1011949" y="1962522"/>
+            <a:ext cx="1082154" cy="2164309"/>
+          </a:xfrm>
+          <a:prstGeom prst="rect">
+            <a:avLst/>
+          </a:prstGeom>
+        </p:spPr>
+      </p:pic>
+      <p:sp>
+        <p:nvSpPr>
+          <p:cNvPr id="7" name="Right Arrow 6"/>
+          <p:cNvSpPr/>
+          <p:nvPr/>
+        </p:nvSpPr>
+        <p:spPr>
+          <a:xfrm>
+            <a:off x="2264985" y="2852171"/>
+            <a:ext cx="333876" cy="205223"/>
+          </a:xfrm>
+          <a:prstGeom prst="rightArrow">
+            <a:avLst/>
+          </a:prstGeom>
+        </p:spPr>
+        <p:style>
+          <a:lnRef idx="2">
+            <a:schemeClr val="accent1">
+              <a:shade val="50000"/>
+            </a:schemeClr>
+          </a:lnRef>
+          <a:fillRef idx="1">
+            <a:schemeClr val="accent1"/>
+          </a:fillRef>
+          <a:effectRef idx="0">
+            <a:schemeClr val="accent1"/>
+          </a:effectRef>
+          <a:fontRef idx="minor">
+            <a:schemeClr val="lt1"/>
+          </a:fontRef>
+        </p:style>
+        <p:txBody>
+          <a:bodyPr rtlCol="0" anchor="ctr"/>
+          <a:lstStyle/>
+          <a:p>
+            <a:pPr algn="ctr"/>
+            <a:endParaRPr lang="en-US"/>
+          </a:p>
+        </p:txBody>
+      </p:sp>
+      <p:sp>
+        <p:nvSpPr>
+          <p:cNvPr id="10" name="TextBox 9"/>
+          <p:cNvSpPr txBox="1"/>
+          <p:nvPr/>
+        </p:nvSpPr>
+        <p:spPr>
+          <a:xfrm>
+            <a:off x="1011949" y="4615548"/>
+            <a:ext cx="2955466" cy="2031325"/>
+          </a:xfrm>
+          <a:prstGeom prst="rect">
+            <a:avLst/>
+          </a:prstGeom>
+          <a:noFill/>
+        </p:spPr>
+        <p:txBody>
+          <a:bodyPr wrap="square" rtlCol="0">
+            <a:spAutoFit/>
+          </a:bodyPr>
+          <a:lstStyle/>
+          <a:p>
+            <a:r>
+              <a:rPr lang="en-US" dirty="0" smtClean="0"/>
+              <a:t>By applying binary threshold on the image, we approximately regard all the area in black as background and exclude it from future calculation of color distribution.</a:t>
+            </a:r>
+            <a:endParaRPr lang="en-US" dirty="0"/>
+          </a:p>
+        </p:txBody>
+      </p:sp>
+      <p:pic>
+        <p:nvPicPr>
+          <p:cNvPr id="11" name="Picture 10"/>
+          <p:cNvPicPr>
+            <a:picLocks noChangeAspect="1"/>
+          </p:cNvPicPr>
+          <p:nvPr/>
+        </p:nvPicPr>
+        <p:blipFill>
+          <a:blip r:embed="rId4">
+            <a:extLst>
+              <a:ext uri="{28A0092B-C50C-407E-A947-70E740481C1C}">
+                <a14:useLocalDpi xmlns:a14="http://schemas.microsoft.com/office/drawing/2010/main" val="0"/>
+              </a:ext>
+            </a:extLst>
+          </a:blip>
+          <a:stretch>
+            <a:fillRect/>
+          </a:stretch>
+        </p:blipFill>
+        <p:spPr>
+          <a:xfrm>
+            <a:off x="4877803" y="1792705"/>
+            <a:ext cx="3273449" cy="2779296"/>
+          </a:xfrm>
+          <a:prstGeom prst="rect">
+            <a:avLst/>
+          </a:prstGeom>
+        </p:spPr>
+      </p:pic>
+      <p:sp>
+        <p:nvSpPr>
+          <p:cNvPr id="12" name="TextBox 11"/>
+          <p:cNvSpPr txBox="1"/>
+          <p:nvPr/>
+        </p:nvSpPr>
+        <p:spPr>
+          <a:xfrm>
+            <a:off x="5036793" y="4948922"/>
+            <a:ext cx="2955466" cy="1200329"/>
+          </a:xfrm>
+          <a:prstGeom prst="rect">
+            <a:avLst/>
+          </a:prstGeom>
+          <a:noFill/>
+        </p:spPr>
+        <p:txBody>
+          <a:bodyPr wrap="square" rtlCol="0">
+            <a:spAutoFit/>
+          </a:bodyPr>
+          <a:lstStyle/>
+          <a:p>
+            <a:r>
+              <a:rPr lang="en-US" dirty="0" smtClean="0"/>
+              <a:t>Here we get the distribution of color index distribution on both R,G,B scale, and use it as additional feature to SURF.</a:t>
+            </a:r>
+            <a:endParaRPr lang="en-US" dirty="0"/>
+          </a:p>
+        </p:txBody>
+      </p:sp>
+      <p:sp>
+        <p:nvSpPr>
+          <p:cNvPr id="15" name="Right Arrow 14"/>
+          <p:cNvSpPr/>
+          <p:nvPr/>
+        </p:nvSpPr>
+        <p:spPr>
+          <a:xfrm>
+            <a:off x="4309179" y="2852171"/>
+            <a:ext cx="333876" cy="205223"/>
+          </a:xfrm>
+          <a:prstGeom prst="rightArrow">
+            <a:avLst/>
+          </a:prstGeom>
+        </p:spPr>
+        <p:style>
+          <a:lnRef idx="2">
+            <a:schemeClr val="accent1">
+              <a:shade val="50000"/>
+            </a:schemeClr>
+          </a:lnRef>
+          <a:fillRef idx="1">
+            <a:schemeClr val="accent1"/>
+          </a:fillRef>
+          <a:effectRef idx="0">
+            <a:schemeClr val="accent1"/>
+          </a:effectRef>
+          <a:fontRef idx="minor">
+            <a:schemeClr val="lt1"/>
+          </a:fontRef>
+        </p:style>
+        <p:txBody>
+          <a:bodyPr rtlCol="0" anchor="ctr"/>
+          <a:lstStyle/>
+          <a:p>
+            <a:pPr algn="ctr"/>
+            <a:endParaRPr lang="en-US"/>
+          </a:p>
+        </p:txBody>
+      </p:sp>
+    </p:spTree>
+    <p:extLst>
+      <p:ext uri="{BB962C8B-B14F-4D97-AF65-F5344CB8AC3E}">
+        <p14:creationId xmlns:p14="http://schemas.microsoft.com/office/powerpoint/2010/main" val="1076319317"/>
+      </p:ext>
+    </p:extLst>
+  </p:cSld>
+  <p:clrMapOvr>
+    <a:masterClrMapping/>
+  </p:clrMapOvr>
+</p:sld>
+</file>
+
+<file path=ppt/slides/slide4.xml><?xml version="1.0" encoding="utf-8"?>
+<p:sld xmlns:a="http://schemas.openxmlformats.org/drawingml/2006/main" xmlns:r="http://schemas.openxmlformats.org/officeDocument/2006/relationships" xmlns:p="http://schemas.openxmlformats.org/presentationml/2006/main">
+  <p:cSld>
+    <p:spTree>
+      <p:nvGrpSpPr>
+        <p:cNvPr id="1" name=""/>
+        <p:cNvGrpSpPr/>
+        <p:nvPr/>
+      </p:nvGrpSpPr>
+      <p:grpSpPr>
+        <a:xfrm>
+          <a:off x="0" y="0"/>
+          <a:ext cx="0" cy="0"/>
+          <a:chOff x="0" y="0"/>
+          <a:chExt cx="0" cy="0"/>
+        </a:xfrm>
+      </p:grpSpPr>
+      <p:sp>
+        <p:nvSpPr>
+          <p:cNvPr id="2" name="Title 1"/>
+          <p:cNvSpPr>
+            <a:spLocks noGrp="1"/>
+          </p:cNvSpPr>
+          <p:nvPr>
+            <p:ph type="title"/>
+          </p:nvPr>
+        </p:nvSpPr>
+        <p:spPr/>
+        <p:txBody>
+          <a:bodyPr/>
+          <a:lstStyle/>
+          <a:p>
+            <a:r>
+              <a:rPr lang="en-US" dirty="0" smtClean="0"/>
+              <a:t>Models</a:t>
+            </a:r>
+            <a:endParaRPr lang="en-US" dirty="0"/>
+          </a:p>
+        </p:txBody>
+      </p:sp>
+      <p:sp>
+        <p:nvSpPr>
+          <p:cNvPr id="3" name="Content Placeholder 2"/>
+          <p:cNvSpPr>
+            <a:spLocks noGrp="1"/>
+          </p:cNvSpPr>
+          <p:nvPr>
+            <p:ph idx="1"/>
+          </p:nvPr>
+        </p:nvSpPr>
+        <p:spPr/>
+        <p:txBody>
+          <a:bodyPr/>
+          <a:lstStyle/>
+          <a:p>
+            <a:r>
+              <a:rPr lang="en-US" dirty="0" smtClean="0"/>
+              <a:t>Baseline Model: GBM</a:t>
+            </a:r>
+          </a:p>
+          <a:p>
+            <a:r>
+              <a:rPr lang="en-US" dirty="0" smtClean="0"/>
+              <a:t>SVM</a:t>
+            </a:r>
+          </a:p>
+          <a:p>
+            <a:pPr lvl="1"/>
+            <a:r>
+              <a:rPr lang="en-US" dirty="0" smtClean="0"/>
+              <a:t>Linear kernel</a:t>
+            </a:r>
+          </a:p>
+          <a:p>
+            <a:pPr lvl="1"/>
+            <a:r>
+              <a:rPr lang="en-US" dirty="0" smtClean="0"/>
+              <a:t>Radial kernel</a:t>
+            </a:r>
+            <a:endParaRPr lang="en-US" dirty="0"/>
+          </a:p>
+        </p:txBody>
+      </p:sp>
+      <p:graphicFrame>
+        <p:nvGraphicFramePr>
+          <p:cNvPr id="4" name="Chart 3"/>
+          <p:cNvGraphicFramePr>
+            <a:graphicFrameLocks/>
+          </p:cNvGraphicFramePr>
+          <p:nvPr>
+            <p:extLst>
+              <p:ext uri="{D42A27DB-BD31-4B8C-83A1-F6EECF244321}">
+                <p14:modId xmlns:p14="http://schemas.microsoft.com/office/powerpoint/2010/main" val="1344402685"/>
+              </p:ext>
+            </p:extLst>
+          </p:nvPr>
+        </p:nvGraphicFramePr>
+        <p:xfrm>
+          <a:off x="622300" y="3848100"/>
+          <a:ext cx="7899400" cy="2781300"/>
+        </p:xfrm>
+        <a:graphic>
+          <a:graphicData uri="http://schemas.openxmlformats.org/drawingml/2006/chart">
+            <c:chart xmlns:c="http://schemas.openxmlformats.org/drawingml/2006/chart" xmlns:r="http://schemas.openxmlformats.org/officeDocument/2006/relationships" r:id="rId2"/>
+          </a:graphicData>
+        </a:graphic>
+      </p:graphicFrame>
+    </p:spTree>
+    <p:extLst>
+      <p:ext uri="{BB962C8B-B14F-4D97-AF65-F5344CB8AC3E}">
+        <p14:creationId xmlns:p14="http://schemas.microsoft.com/office/powerpoint/2010/main" val="606711142"/>
+      </p:ext>
+    </p:extLst>
+  </p:cSld>
+  <p:clrMapOvr>
+    <a:masterClrMapping/>
+  </p:clrMapOvr>
+</p:sld>
+</file>
+
+<file path=ppt/slides/slide5.xml><?xml version="1.0" encoding="utf-8"?>
+<p:sld xmlns:a="http://schemas.openxmlformats.org/drawingml/2006/main" xmlns:r="http://schemas.openxmlformats.org/officeDocument/2006/relationships" xmlns:p="http://schemas.openxmlformats.org/presentationml/2006/main">
+  <p:cSld>
+    <p:spTree>
+      <p:nvGrpSpPr>
+        <p:cNvPr id="1" name=""/>
+        <p:cNvGrpSpPr/>
+        <p:nvPr/>
+      </p:nvGrpSpPr>
+      <p:grpSpPr>
+        <a:xfrm>
+          <a:off x="0" y="0"/>
+          <a:ext cx="0" cy="0"/>
+          <a:chOff x="0" y="0"/>
+          <a:chExt cx="0" cy="0"/>
+        </a:xfrm>
+      </p:grpSpPr>
+      <p:sp>
+        <p:nvSpPr>
+          <p:cNvPr id="2" name="Title 1"/>
+          <p:cNvSpPr>
+            <a:spLocks noGrp="1"/>
+          </p:cNvSpPr>
+          <p:nvPr>
+            <p:ph type="title"/>
+          </p:nvPr>
+        </p:nvSpPr>
+        <p:spPr/>
+        <p:txBody>
+          <a:bodyPr/>
+          <a:lstStyle/>
+          <a:p>
+            <a:r>
+              <a:rPr lang="en-US" dirty="0" smtClean="0"/>
               <a:t>Methodology	</a:t>
             </a:r>
             <a:endParaRPr lang="en-US" dirty="0"/>
@@ -7009,545 +7548,6 @@
     <p:extLst>
       <p:ext uri="{BB962C8B-B14F-4D97-AF65-F5344CB8AC3E}">
         <p14:creationId xmlns:p14="http://schemas.microsoft.com/office/powerpoint/2010/main" val="91340454"/>
-      </p:ext>
-    </p:extLst>
-  </p:cSld>
-  <p:clrMapOvr>
-    <a:masterClrMapping/>
-  </p:clrMapOvr>
-</p:sld>
-</file>
-
-<file path=ppt/slides/slide3.xml><?xml version="1.0" encoding="utf-8"?>
-<p:sld xmlns:a="http://schemas.openxmlformats.org/drawingml/2006/main" xmlns:r="http://schemas.openxmlformats.org/officeDocument/2006/relationships" xmlns:p="http://schemas.openxmlformats.org/presentationml/2006/main">
-  <p:cSld>
-    <p:spTree>
-      <p:nvGrpSpPr>
-        <p:cNvPr id="1" name=""/>
-        <p:cNvGrpSpPr/>
-        <p:nvPr/>
-      </p:nvGrpSpPr>
-      <p:grpSpPr>
-        <a:xfrm>
-          <a:off x="0" y="0"/>
-          <a:ext cx="0" cy="0"/>
-          <a:chOff x="0" y="0"/>
-          <a:chExt cx="0" cy="0"/>
-        </a:xfrm>
-      </p:grpSpPr>
-      <p:sp>
-        <p:nvSpPr>
-          <p:cNvPr id="2" name="Title 1"/>
-          <p:cNvSpPr>
-            <a:spLocks noGrp="1"/>
-          </p:cNvSpPr>
-          <p:nvPr>
-            <p:ph type="title"/>
-          </p:nvPr>
-        </p:nvSpPr>
-        <p:spPr/>
-        <p:txBody>
-          <a:bodyPr/>
-          <a:lstStyle/>
-          <a:p>
-            <a:r>
-              <a:rPr lang="en-US" dirty="0" smtClean="0"/>
-              <a:t>Features: SURF</a:t>
-            </a:r>
-            <a:endParaRPr lang="en-US" dirty="0"/>
-          </a:p>
-        </p:txBody>
-      </p:sp>
-      <p:sp>
-        <p:nvSpPr>
-          <p:cNvPr id="3" name="Content Placeholder 2"/>
-          <p:cNvSpPr>
-            <a:spLocks noGrp="1"/>
-          </p:cNvSpPr>
-          <p:nvPr>
-            <p:ph idx="1"/>
-          </p:nvPr>
-        </p:nvSpPr>
-        <p:spPr/>
-        <p:txBody>
-          <a:bodyPr/>
-          <a:lstStyle/>
-          <a:p>
-            <a:pPr marL="0" indent="0">
-              <a:buNone/>
-            </a:pPr>
-            <a:r>
-              <a:rPr lang="en-US" dirty="0" smtClean="0"/>
-              <a:t>Speeded Up Robust Features</a:t>
-            </a:r>
-          </a:p>
-          <a:p>
-            <a:pPr lvl="1"/>
-            <a:r>
-              <a:rPr lang="en-US" dirty="0" smtClean="0"/>
-              <a:t>Inspired by SIFT</a:t>
-            </a:r>
-          </a:p>
-          <a:p>
-            <a:pPr lvl="1"/>
-            <a:r>
-              <a:rPr lang="en-US" dirty="0" err="1" smtClean="0"/>
-              <a:t>MiniBatchK</a:t>
-            </a:r>
-            <a:r>
-              <a:rPr lang="en-US" dirty="0" smtClean="0"/>
-              <a:t>-means with 5500 centroids</a:t>
-            </a:r>
-          </a:p>
-          <a:p>
-            <a:endParaRPr lang="en-US" dirty="0"/>
-          </a:p>
-        </p:txBody>
-      </p:sp>
-      <p:pic>
-        <p:nvPicPr>
-          <p:cNvPr id="4" name="Picture 3" descr="Screen Shot 2016-11-02 at 1.12.45 PM.png"/>
-          <p:cNvPicPr>
-            <a:picLocks noChangeAspect="1"/>
-          </p:cNvPicPr>
-          <p:nvPr/>
-        </p:nvPicPr>
-        <p:blipFill>
-          <a:blip r:embed="rId2">
-            <a:extLst>
-              <a:ext uri="{28A0092B-C50C-407E-A947-70E740481C1C}">
-                <a14:useLocalDpi xmlns:a14="http://schemas.microsoft.com/office/drawing/2010/main" val="0"/>
-              </a:ext>
-            </a:extLst>
-          </a:blip>
-          <a:stretch>
-            <a:fillRect/>
-          </a:stretch>
-        </p:blipFill>
-        <p:spPr>
-          <a:xfrm>
-            <a:off x="927099" y="3683000"/>
-            <a:ext cx="7446705" cy="2041525"/>
-          </a:xfrm>
-          <a:prstGeom prst="rect">
-            <a:avLst/>
-          </a:prstGeom>
-        </p:spPr>
-      </p:pic>
-    </p:spTree>
-    <p:extLst>
-      <p:ext uri="{BB962C8B-B14F-4D97-AF65-F5344CB8AC3E}">
-        <p14:creationId xmlns:p14="http://schemas.microsoft.com/office/powerpoint/2010/main" val="4174495977"/>
-      </p:ext>
-    </p:extLst>
-  </p:cSld>
-  <p:clrMapOvr>
-    <a:masterClrMapping/>
-  </p:clrMapOvr>
-</p:sld>
-</file>
-
-<file path=ppt/slides/slide4.xml><?xml version="1.0" encoding="utf-8"?>
-<p:sld xmlns:a="http://schemas.openxmlformats.org/drawingml/2006/main" xmlns:r="http://schemas.openxmlformats.org/officeDocument/2006/relationships" xmlns:p="http://schemas.openxmlformats.org/presentationml/2006/main">
-  <p:cSld>
-    <p:spTree>
-      <p:nvGrpSpPr>
-        <p:cNvPr id="1" name=""/>
-        <p:cNvGrpSpPr/>
-        <p:nvPr/>
-      </p:nvGrpSpPr>
-      <p:grpSpPr>
-        <a:xfrm>
-          <a:off x="0" y="0"/>
-          <a:ext cx="0" cy="0"/>
-          <a:chOff x="0" y="0"/>
-          <a:chExt cx="0" cy="0"/>
-        </a:xfrm>
-      </p:grpSpPr>
-      <p:sp>
-        <p:nvSpPr>
-          <p:cNvPr id="2" name="Title 1"/>
-          <p:cNvSpPr>
-            <a:spLocks noGrp="1"/>
-          </p:cNvSpPr>
-          <p:nvPr>
-            <p:ph type="ctrTitle"/>
-          </p:nvPr>
-        </p:nvSpPr>
-        <p:spPr>
-          <a:xfrm>
-            <a:off x="872291" y="469232"/>
-            <a:ext cx="6858000" cy="911141"/>
-          </a:xfrm>
-        </p:spPr>
-        <p:txBody>
-          <a:bodyPr>
-            <a:normAutofit/>
-          </a:bodyPr>
-          <a:lstStyle/>
-          <a:p>
-            <a:r>
-              <a:rPr lang="en-US" sz="4000" dirty="0" smtClean="0"/>
-              <a:t>Features: Color Distribution</a:t>
-            </a:r>
-            <a:endParaRPr lang="en-US" sz="4000" dirty="0"/>
-          </a:p>
-        </p:txBody>
-      </p:sp>
-      <p:pic>
-        <p:nvPicPr>
-          <p:cNvPr id="5" name="Picture 4"/>
-          <p:cNvPicPr>
-            <a:picLocks noChangeAspect="1"/>
-          </p:cNvPicPr>
-          <p:nvPr/>
-        </p:nvPicPr>
-        <p:blipFill>
-          <a:blip r:embed="rId2">
-            <a:extLst>
-              <a:ext uri="{28A0092B-C50C-407E-A947-70E740481C1C}">
-                <a14:useLocalDpi xmlns:a14="http://schemas.microsoft.com/office/drawing/2010/main" val="0"/>
-              </a:ext>
-            </a:extLst>
-          </a:blip>
-          <a:stretch>
-            <a:fillRect/>
-          </a:stretch>
-        </p:blipFill>
-        <p:spPr>
-          <a:xfrm>
-            <a:off x="2769744" y="1975239"/>
-            <a:ext cx="1197671" cy="2164309"/>
-          </a:xfrm>
-          <a:prstGeom prst="rect">
-            <a:avLst/>
-          </a:prstGeom>
-        </p:spPr>
-      </p:pic>
-      <p:pic>
-        <p:nvPicPr>
-          <p:cNvPr id="6" name="Picture 5"/>
-          <p:cNvPicPr>
-            <a:picLocks noChangeAspect="1"/>
-          </p:cNvPicPr>
-          <p:nvPr/>
-        </p:nvPicPr>
-        <p:blipFill>
-          <a:blip r:embed="rId3">
-            <a:extLst>
-              <a:ext uri="{28A0092B-C50C-407E-A947-70E740481C1C}">
-                <a14:useLocalDpi xmlns:a14="http://schemas.microsoft.com/office/drawing/2010/main" val="0"/>
-              </a:ext>
-            </a:extLst>
-          </a:blip>
-          <a:stretch>
-            <a:fillRect/>
-          </a:stretch>
-        </p:blipFill>
-        <p:spPr>
-          <a:xfrm>
-            <a:off x="1011949" y="1962522"/>
-            <a:ext cx="1082154" cy="2164309"/>
-          </a:xfrm>
-          <a:prstGeom prst="rect">
-            <a:avLst/>
-          </a:prstGeom>
-        </p:spPr>
-      </p:pic>
-      <p:sp>
-        <p:nvSpPr>
-          <p:cNvPr id="7" name="Right Arrow 6"/>
-          <p:cNvSpPr/>
-          <p:nvPr/>
-        </p:nvSpPr>
-        <p:spPr>
-          <a:xfrm>
-            <a:off x="2264985" y="2852171"/>
-            <a:ext cx="333876" cy="205223"/>
-          </a:xfrm>
-          <a:prstGeom prst="rightArrow">
-            <a:avLst/>
-          </a:prstGeom>
-        </p:spPr>
-        <p:style>
-          <a:lnRef idx="2">
-            <a:schemeClr val="accent1">
-              <a:shade val="50000"/>
-            </a:schemeClr>
-          </a:lnRef>
-          <a:fillRef idx="1">
-            <a:schemeClr val="accent1"/>
-          </a:fillRef>
-          <a:effectRef idx="0">
-            <a:schemeClr val="accent1"/>
-          </a:effectRef>
-          <a:fontRef idx="minor">
-            <a:schemeClr val="lt1"/>
-          </a:fontRef>
-        </p:style>
-        <p:txBody>
-          <a:bodyPr rtlCol="0" anchor="ctr"/>
-          <a:lstStyle/>
-          <a:p>
-            <a:pPr algn="ctr"/>
-            <a:endParaRPr lang="en-US"/>
-          </a:p>
-        </p:txBody>
-      </p:sp>
-      <p:sp>
-        <p:nvSpPr>
-          <p:cNvPr id="10" name="TextBox 9"/>
-          <p:cNvSpPr txBox="1"/>
-          <p:nvPr/>
-        </p:nvSpPr>
-        <p:spPr>
-          <a:xfrm>
-            <a:off x="1011949" y="4615548"/>
-            <a:ext cx="2955466" cy="2031325"/>
-          </a:xfrm>
-          <a:prstGeom prst="rect">
-            <a:avLst/>
-          </a:prstGeom>
-          <a:noFill/>
-        </p:spPr>
-        <p:txBody>
-          <a:bodyPr wrap="square" rtlCol="0">
-            <a:spAutoFit/>
-          </a:bodyPr>
-          <a:lstStyle/>
-          <a:p>
-            <a:r>
-              <a:rPr lang="en-US" dirty="0" smtClean="0"/>
-              <a:t>By applying binary threshold on the image, we approximately regard all the area in black as background and exclude it from future calculation of color distribution.</a:t>
-            </a:r>
-            <a:endParaRPr lang="en-US" dirty="0"/>
-          </a:p>
-        </p:txBody>
-      </p:sp>
-      <p:pic>
-        <p:nvPicPr>
-          <p:cNvPr id="11" name="Picture 10"/>
-          <p:cNvPicPr>
-            <a:picLocks noChangeAspect="1"/>
-          </p:cNvPicPr>
-          <p:nvPr/>
-        </p:nvPicPr>
-        <p:blipFill>
-          <a:blip r:embed="rId4">
-            <a:extLst>
-              <a:ext uri="{28A0092B-C50C-407E-A947-70E740481C1C}">
-                <a14:useLocalDpi xmlns:a14="http://schemas.microsoft.com/office/drawing/2010/main" val="0"/>
-              </a:ext>
-            </a:extLst>
-          </a:blip>
-          <a:stretch>
-            <a:fillRect/>
-          </a:stretch>
-        </p:blipFill>
-        <p:spPr>
-          <a:xfrm>
-            <a:off x="4877803" y="1792705"/>
-            <a:ext cx="3273449" cy="2779296"/>
-          </a:xfrm>
-          <a:prstGeom prst="rect">
-            <a:avLst/>
-          </a:prstGeom>
-        </p:spPr>
-      </p:pic>
-      <p:sp>
-        <p:nvSpPr>
-          <p:cNvPr id="12" name="TextBox 11"/>
-          <p:cNvSpPr txBox="1"/>
-          <p:nvPr/>
-        </p:nvSpPr>
-        <p:spPr>
-          <a:xfrm>
-            <a:off x="5036793" y="4948922"/>
-            <a:ext cx="2955466" cy="1200329"/>
-          </a:xfrm>
-          <a:prstGeom prst="rect">
-            <a:avLst/>
-          </a:prstGeom>
-          <a:noFill/>
-        </p:spPr>
-        <p:txBody>
-          <a:bodyPr wrap="square" rtlCol="0">
-            <a:spAutoFit/>
-          </a:bodyPr>
-          <a:lstStyle/>
-          <a:p>
-            <a:r>
-              <a:rPr lang="en-US" dirty="0" smtClean="0"/>
-              <a:t>Here we get the distribution of color index distribution on both R,G,B scale, and use it as additional feature to SURF.</a:t>
-            </a:r>
-            <a:endParaRPr lang="en-US" dirty="0"/>
-          </a:p>
-        </p:txBody>
-      </p:sp>
-      <p:sp>
-        <p:nvSpPr>
-          <p:cNvPr id="15" name="Right Arrow 14"/>
-          <p:cNvSpPr/>
-          <p:nvPr/>
-        </p:nvSpPr>
-        <p:spPr>
-          <a:xfrm>
-            <a:off x="4309179" y="2852171"/>
-            <a:ext cx="333876" cy="205223"/>
-          </a:xfrm>
-          <a:prstGeom prst="rightArrow">
-            <a:avLst/>
-          </a:prstGeom>
-        </p:spPr>
-        <p:style>
-          <a:lnRef idx="2">
-            <a:schemeClr val="accent1">
-              <a:shade val="50000"/>
-            </a:schemeClr>
-          </a:lnRef>
-          <a:fillRef idx="1">
-            <a:schemeClr val="accent1"/>
-          </a:fillRef>
-          <a:effectRef idx="0">
-            <a:schemeClr val="accent1"/>
-          </a:effectRef>
-          <a:fontRef idx="minor">
-            <a:schemeClr val="lt1"/>
-          </a:fontRef>
-        </p:style>
-        <p:txBody>
-          <a:bodyPr rtlCol="0" anchor="ctr"/>
-          <a:lstStyle/>
-          <a:p>
-            <a:pPr algn="ctr"/>
-            <a:endParaRPr lang="en-US"/>
-          </a:p>
-        </p:txBody>
-      </p:sp>
-    </p:spTree>
-    <p:extLst>
-      <p:ext uri="{BB962C8B-B14F-4D97-AF65-F5344CB8AC3E}">
-        <p14:creationId xmlns:p14="http://schemas.microsoft.com/office/powerpoint/2010/main" val="1076319317"/>
-      </p:ext>
-    </p:extLst>
-  </p:cSld>
-  <p:clrMapOvr>
-    <a:masterClrMapping/>
-  </p:clrMapOvr>
-</p:sld>
-</file>
-
-<file path=ppt/slides/slide5.xml><?xml version="1.0" encoding="utf-8"?>
-<p:sld xmlns:a="http://schemas.openxmlformats.org/drawingml/2006/main" xmlns:r="http://schemas.openxmlformats.org/officeDocument/2006/relationships" xmlns:p="http://schemas.openxmlformats.org/presentationml/2006/main">
-  <p:cSld>
-    <p:spTree>
-      <p:nvGrpSpPr>
-        <p:cNvPr id="1" name=""/>
-        <p:cNvGrpSpPr/>
-        <p:nvPr/>
-      </p:nvGrpSpPr>
-      <p:grpSpPr>
-        <a:xfrm>
-          <a:off x="0" y="0"/>
-          <a:ext cx="0" cy="0"/>
-          <a:chOff x="0" y="0"/>
-          <a:chExt cx="0" cy="0"/>
-        </a:xfrm>
-      </p:grpSpPr>
-      <p:sp>
-        <p:nvSpPr>
-          <p:cNvPr id="2" name="Title 1"/>
-          <p:cNvSpPr>
-            <a:spLocks noGrp="1"/>
-          </p:cNvSpPr>
-          <p:nvPr>
-            <p:ph type="title"/>
-          </p:nvPr>
-        </p:nvSpPr>
-        <p:spPr/>
-        <p:txBody>
-          <a:bodyPr/>
-          <a:lstStyle/>
-          <a:p>
-            <a:r>
-              <a:rPr lang="en-US" dirty="0" smtClean="0"/>
-              <a:t>Models</a:t>
-            </a:r>
-            <a:endParaRPr lang="en-US" dirty="0"/>
-          </a:p>
-        </p:txBody>
-      </p:sp>
-      <p:sp>
-        <p:nvSpPr>
-          <p:cNvPr id="3" name="Content Placeholder 2"/>
-          <p:cNvSpPr>
-            <a:spLocks noGrp="1"/>
-          </p:cNvSpPr>
-          <p:nvPr>
-            <p:ph idx="1"/>
-          </p:nvPr>
-        </p:nvSpPr>
-        <p:spPr/>
-        <p:txBody>
-          <a:bodyPr/>
-          <a:lstStyle/>
-          <a:p>
-            <a:r>
-              <a:rPr lang="en-US" dirty="0" smtClean="0"/>
-              <a:t>Baseline Model: GBM</a:t>
-            </a:r>
-          </a:p>
-          <a:p>
-            <a:r>
-              <a:rPr lang="en-US" dirty="0" smtClean="0"/>
-              <a:t>SVM</a:t>
-            </a:r>
-          </a:p>
-          <a:p>
-            <a:pPr lvl="1"/>
-            <a:r>
-              <a:rPr lang="en-US" dirty="0" smtClean="0"/>
-              <a:t>Linear kernel</a:t>
-            </a:r>
-          </a:p>
-          <a:p>
-            <a:pPr lvl="1"/>
-            <a:r>
-              <a:rPr lang="en-US" dirty="0" smtClean="0"/>
-              <a:t>Radial kernel</a:t>
-            </a:r>
-            <a:endParaRPr lang="en-US" dirty="0"/>
-          </a:p>
-        </p:txBody>
-      </p:sp>
-      <p:graphicFrame>
-        <p:nvGraphicFramePr>
-          <p:cNvPr id="4" name="Chart 3"/>
-          <p:cNvGraphicFramePr>
-            <a:graphicFrameLocks/>
-          </p:cNvGraphicFramePr>
-          <p:nvPr>
-            <p:extLst>
-              <p:ext uri="{D42A27DB-BD31-4B8C-83A1-F6EECF244321}">
-                <p14:modId xmlns:p14="http://schemas.microsoft.com/office/powerpoint/2010/main" val="1344402685"/>
-              </p:ext>
-            </p:extLst>
-          </p:nvPr>
-        </p:nvGraphicFramePr>
-        <p:xfrm>
-          <a:off x="622300" y="3848100"/>
-          <a:ext cx="7899400" cy="2781300"/>
-        </p:xfrm>
-        <a:graphic>
-          <a:graphicData uri="http://schemas.openxmlformats.org/drawingml/2006/chart">
-            <c:chart xmlns:c="http://schemas.openxmlformats.org/drawingml/2006/chart" xmlns:r="http://schemas.openxmlformats.org/officeDocument/2006/relationships" r:id="rId2"/>
-          </a:graphicData>
-        </a:graphic>
-      </p:graphicFrame>
-    </p:spTree>
-    <p:extLst>
-      <p:ext uri="{BB962C8B-B14F-4D97-AF65-F5344CB8AC3E}">
-        <p14:creationId xmlns:p14="http://schemas.microsoft.com/office/powerpoint/2010/main" val="606711142"/>
       </p:ext>
     </p:extLst>
   </p:cSld>
